--- a/Artificial Intelligence.pptx
+++ b/Artificial Intelligence.pptx
@@ -10,6 +10,8 @@
     <p:sldId id="257" r:id="rId4"/>
     <p:sldId id="258" r:id="rId5"/>
     <p:sldId id="259" r:id="rId6"/>
+    <p:sldId id="261" r:id="rId7"/>
+    <p:sldId id="262" r:id="rId8"/>
   </p:sldIdLst>
   <p:sldSz cx="12192000" cy="6858000"/>
   <p:notesSz cx="6858000" cy="9144000"/>
@@ -108,6 +110,11 @@
       </a:defRPr>
     </a:lvl9pPr>
   </p:defaultTextStyle>
+  <p:extLst>
+    <p:ext uri="{EFAFB233-063F-42B5-8137-9DF3F51BA10A}">
+      <p15:sldGuideLst xmlns:p15="http://schemas.microsoft.com/office/powerpoint/2012/main"/>
+    </p:ext>
+  </p:extLst>
 </p:presentation>
 </file>
 
@@ -3584,11 +3591,7 @@
                     <a:p>
                       <a:r>
                         <a:rPr lang="en-US" dirty="0" smtClean="0"/>
-                        <a:t>Make </a:t>
-                      </a:r>
-                      <a:r>
-                        <a:rPr lang="en-US" dirty="0" smtClean="0"/>
-                        <a:t>Decision complete the</a:t>
+                        <a:t>Make Decision complete the</a:t>
                       </a:r>
                     </a:p>
                     <a:p>
@@ -4054,6 +4057,321 @@
     <p:extLst>
       <p:ext uri="{BB962C8B-B14F-4D97-AF65-F5344CB8AC3E}">
         <p14:creationId xmlns:p14="http://schemas.microsoft.com/office/powerpoint/2010/main" val="1987242813"/>
+      </p:ext>
+    </p:extLst>
+  </p:cSld>
+  <p:clrMapOvr>
+    <a:masterClrMapping/>
+  </p:clrMapOvr>
+</p:sld>
+</file>
+
+<file path=ppt/slides/slide6.xml><?xml version="1.0" encoding="utf-8"?>
+<p:sld xmlns:a="http://schemas.openxmlformats.org/drawingml/2006/main" xmlns:r="http://schemas.openxmlformats.org/officeDocument/2006/relationships" xmlns:p="http://schemas.openxmlformats.org/presentationml/2006/main">
+  <p:cSld>
+    <p:spTree>
+      <p:nvGrpSpPr>
+        <p:cNvPr id="1" name=""/>
+        <p:cNvGrpSpPr/>
+        <p:nvPr/>
+      </p:nvGrpSpPr>
+      <p:grpSpPr>
+        <a:xfrm>
+          <a:off x="0" y="0"/>
+          <a:ext cx="0" cy="0"/>
+          <a:chOff x="0" y="0"/>
+          <a:chExt cx="0" cy="0"/>
+        </a:xfrm>
+      </p:grpSpPr>
+      <p:sp>
+        <p:nvSpPr>
+          <p:cNvPr id="2" name="Title 1"/>
+          <p:cNvSpPr>
+            <a:spLocks noGrp="1"/>
+          </p:cNvSpPr>
+          <p:nvPr>
+            <p:ph type="title"/>
+          </p:nvPr>
+        </p:nvSpPr>
+        <p:spPr>
+          <a:xfrm>
+            <a:off x="838200" y="365125"/>
+            <a:ext cx="1711817" cy="343213"/>
+          </a:xfrm>
+        </p:spPr>
+        <p:txBody>
+          <a:bodyPr>
+            <a:noAutofit/>
+          </a:bodyPr>
+          <a:lstStyle/>
+          <a:p>
+            <a:r>
+              <a:rPr lang="en-US" sz="2400" b="1" dirty="0" smtClean="0"/>
+              <a:t>Gen AI Tools</a:t>
+            </a:r>
+            <a:endParaRPr lang="en-IN" sz="2400" b="1" dirty="0"/>
+          </a:p>
+        </p:txBody>
+      </p:sp>
+      <p:sp>
+        <p:nvSpPr>
+          <p:cNvPr id="3" name="Content Placeholder 2"/>
+          <p:cNvSpPr>
+            <a:spLocks noGrp="1"/>
+          </p:cNvSpPr>
+          <p:nvPr>
+            <p:ph idx="1"/>
+          </p:nvPr>
+        </p:nvSpPr>
+        <p:spPr>
+          <a:xfrm>
+            <a:off x="838200" y="988498"/>
+            <a:ext cx="10515600" cy="4351338"/>
+          </a:xfrm>
+        </p:spPr>
+        <p:txBody>
+          <a:bodyPr/>
+          <a:lstStyle/>
+          <a:p>
+            <a:r>
+              <a:rPr lang="en-IN" dirty="0" smtClean="0">
+                <a:hlinkClick r:id="rId2"/>
+              </a:rPr>
+              <a:t>https</a:t>
+            </a:r>
+            <a:r>
+              <a:rPr lang="en-IN" dirty="0">
+                <a:hlinkClick r:id="rId2"/>
+              </a:rPr>
+              <a:t>://chatgpt.com</a:t>
+            </a:r>
+            <a:r>
+              <a:rPr lang="en-IN" dirty="0" smtClean="0">
+                <a:hlinkClick r:id="rId2"/>
+              </a:rPr>
+              <a:t>/</a:t>
+            </a:r>
+            <a:endParaRPr lang="en-IN" dirty="0" smtClean="0"/>
+          </a:p>
+          <a:p>
+            <a:r>
+              <a:rPr lang="en-US" dirty="0">
+                <a:hlinkClick r:id="rId3"/>
+              </a:rPr>
+              <a:t>https://</a:t>
+            </a:r>
+            <a:r>
+              <a:rPr lang="en-US" dirty="0" smtClean="0">
+                <a:hlinkClick r:id="rId3"/>
+              </a:rPr>
+              <a:t>claude.ai/</a:t>
+            </a:r>
+            <a:endParaRPr lang="en-US" dirty="0" smtClean="0"/>
+          </a:p>
+          <a:p>
+            <a:r>
+              <a:rPr lang="en-US" dirty="0">
+                <a:hlinkClick r:id="rId4"/>
+              </a:rPr>
+              <a:t>https://</a:t>
+            </a:r>
+            <a:r>
+              <a:rPr lang="en-US" dirty="0" smtClean="0">
+                <a:hlinkClick r:id="rId4"/>
+              </a:rPr>
+              <a:t>gemini.google.com/</a:t>
+            </a:r>
+            <a:endParaRPr lang="en-US" dirty="0" smtClean="0"/>
+          </a:p>
+          <a:p>
+            <a:r>
+              <a:rPr lang="en-US" dirty="0">
+                <a:hlinkClick r:id="rId5"/>
+              </a:rPr>
+              <a:t>https://chat.deepseek.com</a:t>
+            </a:r>
+            <a:r>
+              <a:rPr lang="en-US" dirty="0" smtClean="0">
+                <a:hlinkClick r:id="rId5"/>
+              </a:rPr>
+              <a:t>/</a:t>
+            </a:r>
+            <a:endParaRPr lang="en-US" dirty="0" smtClean="0"/>
+          </a:p>
+          <a:p>
+            <a:r>
+              <a:rPr lang="en-US" dirty="0">
+                <a:hlinkClick r:id="rId6"/>
+              </a:rPr>
+              <a:t>https://webenoid.com</a:t>
+            </a:r>
+            <a:r>
+              <a:rPr lang="en-US" dirty="0" smtClean="0">
+                <a:hlinkClick r:id="rId6"/>
+              </a:rPr>
+              <a:t>/</a:t>
+            </a:r>
+            <a:endParaRPr lang="en-US" dirty="0" smtClean="0"/>
+          </a:p>
+          <a:p>
+            <a:endParaRPr lang="en-US" dirty="0" smtClean="0"/>
+          </a:p>
+          <a:p>
+            <a:endParaRPr lang="en-US" dirty="0"/>
+          </a:p>
+          <a:p>
+            <a:pPr marL="0" indent="0">
+              <a:buNone/>
+            </a:pPr>
+            <a:endParaRPr lang="en-US" dirty="0" smtClean="0"/>
+          </a:p>
+          <a:p>
+            <a:endParaRPr lang="en-US" dirty="0" smtClean="0"/>
+          </a:p>
+          <a:p>
+            <a:endParaRPr lang="en-US" dirty="0"/>
+          </a:p>
+        </p:txBody>
+      </p:sp>
+    </p:spTree>
+    <p:extLst>
+      <p:ext uri="{BB962C8B-B14F-4D97-AF65-F5344CB8AC3E}">
+        <p14:creationId xmlns:p14="http://schemas.microsoft.com/office/powerpoint/2010/main" val="2321187554"/>
+      </p:ext>
+    </p:extLst>
+  </p:cSld>
+  <p:clrMapOvr>
+    <a:masterClrMapping/>
+  </p:clrMapOvr>
+</p:sld>
+</file>
+
+<file path=ppt/slides/slide7.xml><?xml version="1.0" encoding="utf-8"?>
+<p:sld xmlns:a="http://schemas.openxmlformats.org/drawingml/2006/main" xmlns:r="http://schemas.openxmlformats.org/officeDocument/2006/relationships" xmlns:p="http://schemas.openxmlformats.org/presentationml/2006/main">
+  <p:cSld>
+    <p:spTree>
+      <p:nvGrpSpPr>
+        <p:cNvPr id="1" name=""/>
+        <p:cNvGrpSpPr/>
+        <p:nvPr/>
+      </p:nvGrpSpPr>
+      <p:grpSpPr>
+        <a:xfrm>
+          <a:off x="0" y="0"/>
+          <a:ext cx="0" cy="0"/>
+          <a:chOff x="0" y="0"/>
+          <a:chExt cx="0" cy="0"/>
+        </a:xfrm>
+      </p:grpSpPr>
+      <p:sp>
+        <p:nvSpPr>
+          <p:cNvPr id="2" name="Title 1"/>
+          <p:cNvSpPr>
+            <a:spLocks noGrp="1"/>
+          </p:cNvSpPr>
+          <p:nvPr>
+            <p:ph type="title"/>
+          </p:nvPr>
+        </p:nvSpPr>
+        <p:spPr>
+          <a:xfrm>
+            <a:off x="838200" y="365125"/>
+            <a:ext cx="2304245" cy="909883"/>
+          </a:xfrm>
+        </p:spPr>
+        <p:txBody>
+          <a:bodyPr>
+            <a:normAutofit/>
+          </a:bodyPr>
+          <a:lstStyle/>
+          <a:p>
+            <a:r>
+              <a:rPr lang="en-US" sz="2400" b="1" dirty="0" smtClean="0"/>
+              <a:t>Blogger &amp; App</a:t>
+            </a:r>
+            <a:endParaRPr lang="en-IN" sz="2400" b="1" dirty="0"/>
+          </a:p>
+        </p:txBody>
+      </p:sp>
+      <p:sp>
+        <p:nvSpPr>
+          <p:cNvPr id="3" name="Content Placeholder 2"/>
+          <p:cNvSpPr>
+            <a:spLocks noGrp="1"/>
+          </p:cNvSpPr>
+          <p:nvPr>
+            <p:ph idx="1"/>
+          </p:nvPr>
+        </p:nvSpPr>
+        <p:spPr>
+          <a:xfrm>
+            <a:off x="606380" y="1593806"/>
+            <a:ext cx="10211874" cy="2978194"/>
+          </a:xfrm>
+        </p:spPr>
+        <p:txBody>
+          <a:bodyPr/>
+          <a:lstStyle/>
+          <a:p>
+            <a:r>
+              <a:rPr lang="en-IN" sz="1800" dirty="0">
+                <a:hlinkClick r:id="rId2"/>
+              </a:rPr>
+              <a:t>https://mohan4295.blogspot.com</a:t>
+            </a:r>
+            <a:r>
+              <a:rPr lang="en-IN" sz="1800" dirty="0" smtClean="0">
+                <a:hlinkClick r:id="rId2"/>
+              </a:rPr>
+              <a:t>/</a:t>
+            </a:r>
+            <a:endParaRPr lang="en-IN" sz="1800" dirty="0" smtClean="0"/>
+          </a:p>
+          <a:p>
+            <a:endParaRPr lang="en-US" sz="1800" dirty="0"/>
+          </a:p>
+          <a:p>
+            <a:r>
+              <a:rPr lang="en-IN" sz="1800" dirty="0">
+                <a:hlinkClick r:id="rId3"/>
+              </a:rPr>
+              <a:t>https://</a:t>
+            </a:r>
+            <a:r>
+              <a:rPr lang="en-IN" sz="1800" dirty="0" smtClean="0">
+                <a:hlinkClick r:id="rId3"/>
+              </a:rPr>
+              <a:t>github.com/mohan4295work</a:t>
+            </a:r>
+            <a:endParaRPr lang="en-IN" sz="1800" dirty="0" smtClean="0"/>
+          </a:p>
+          <a:p>
+            <a:endParaRPr lang="en-US" sz="1800" dirty="0"/>
+          </a:p>
+          <a:p>
+            <a:r>
+              <a:rPr lang="en-IN" sz="1800" dirty="0">
+                <a:hlinkClick r:id="rId4"/>
+              </a:rPr>
+              <a:t>https://</a:t>
+            </a:r>
+            <a:r>
+              <a:rPr lang="en-IN" sz="1800" dirty="0" smtClean="0">
+                <a:hlinkClick r:id="rId4"/>
+              </a:rPr>
+              <a:t>gitlab.com/mohan4295work</a:t>
+            </a:r>
+            <a:endParaRPr lang="en-IN" sz="1800" dirty="0" smtClean="0"/>
+          </a:p>
+          <a:p>
+            <a:endParaRPr lang="en-IN" dirty="0"/>
+          </a:p>
+        </p:txBody>
+      </p:sp>
+    </p:spTree>
+    <p:extLst>
+      <p:ext uri="{BB962C8B-B14F-4D97-AF65-F5344CB8AC3E}">
+        <p14:creationId xmlns:p14="http://schemas.microsoft.com/office/powerpoint/2010/main" val="2979016205"/>
       </p:ext>
     </p:extLst>
   </p:cSld>

--- a/Artificial Intelligence.pptx
+++ b/Artificial Intelligence.pptx
@@ -4,6 +4,9 @@
   <p:sldMasterIdLst>
     <p:sldMasterId id="2147483648" r:id="rId1"/>
   </p:sldMasterIdLst>
+  <p:notesMasterIdLst>
+    <p:notesMasterId r:id="rId9"/>
+  </p:notesMasterIdLst>
   <p:sldIdLst>
     <p:sldId id="256" r:id="rId2"/>
     <p:sldId id="260" r:id="rId3"/>
@@ -118,6 +121,440 @@
 </p:presentation>
 </file>
 
+<file path=ppt/notesMasters/notesMaster1.xml><?xml version="1.0" encoding="utf-8"?>
+<p:notesMaster xmlns:a="http://schemas.openxmlformats.org/drawingml/2006/main" xmlns:r="http://schemas.openxmlformats.org/officeDocument/2006/relationships" xmlns:p="http://schemas.openxmlformats.org/presentationml/2006/main">
+  <p:cSld>
+    <p:bg>
+      <p:bgRef idx="1001">
+        <a:schemeClr val="bg1"/>
+      </p:bgRef>
+    </p:bg>
+    <p:spTree>
+      <p:nvGrpSpPr>
+        <p:cNvPr id="1" name=""/>
+        <p:cNvGrpSpPr/>
+        <p:nvPr/>
+      </p:nvGrpSpPr>
+      <p:grpSpPr>
+        <a:xfrm>
+          <a:off x="0" y="0"/>
+          <a:ext cx="0" cy="0"/>
+          <a:chOff x="0" y="0"/>
+          <a:chExt cx="0" cy="0"/>
+        </a:xfrm>
+      </p:grpSpPr>
+      <p:sp>
+        <p:nvSpPr>
+          <p:cNvPr id="2" name="Header Placeholder 1"/>
+          <p:cNvSpPr>
+            <a:spLocks noGrp="1"/>
+          </p:cNvSpPr>
+          <p:nvPr>
+            <p:ph type="hdr" sz="quarter"/>
+          </p:nvPr>
+        </p:nvSpPr>
+        <p:spPr>
+          <a:xfrm>
+            <a:off x="0" y="0"/>
+            <a:ext cx="2971800" cy="458788"/>
+          </a:xfrm>
+          <a:prstGeom prst="rect">
+            <a:avLst/>
+          </a:prstGeom>
+        </p:spPr>
+        <p:txBody>
+          <a:bodyPr vert="horz" lIns="91440" tIns="45720" rIns="91440" bIns="45720" rtlCol="0"/>
+          <a:lstStyle>
+            <a:lvl1pPr algn="l">
+              <a:defRPr sz="1200"/>
+            </a:lvl1pPr>
+          </a:lstStyle>
+          <a:p>
+            <a:endParaRPr lang="en-IN"/>
+          </a:p>
+        </p:txBody>
+      </p:sp>
+      <p:sp>
+        <p:nvSpPr>
+          <p:cNvPr id="3" name="Date Placeholder 2"/>
+          <p:cNvSpPr>
+            <a:spLocks noGrp="1"/>
+          </p:cNvSpPr>
+          <p:nvPr>
+            <p:ph type="dt" idx="1"/>
+          </p:nvPr>
+        </p:nvSpPr>
+        <p:spPr>
+          <a:xfrm>
+            <a:off x="3884613" y="0"/>
+            <a:ext cx="2971800" cy="458788"/>
+          </a:xfrm>
+          <a:prstGeom prst="rect">
+            <a:avLst/>
+          </a:prstGeom>
+        </p:spPr>
+        <p:txBody>
+          <a:bodyPr vert="horz" lIns="91440" tIns="45720" rIns="91440" bIns="45720" rtlCol="0"/>
+          <a:lstStyle>
+            <a:lvl1pPr algn="r">
+              <a:defRPr sz="1200"/>
+            </a:lvl1pPr>
+          </a:lstStyle>
+          <a:p>
+            <a:fld id="{7CAC5B4D-D46A-47A1-BA45-86DCA06F1CFF}" type="datetimeFigureOut">
+              <a:rPr lang="en-IN" smtClean="0"/>
+              <a:t>04-10-2025</a:t>
+            </a:fld>
+            <a:endParaRPr lang="en-IN"/>
+          </a:p>
+        </p:txBody>
+      </p:sp>
+      <p:sp>
+        <p:nvSpPr>
+          <p:cNvPr id="4" name="Slide Image Placeholder 3"/>
+          <p:cNvSpPr>
+            <a:spLocks noGrp="1" noRot="1" noChangeAspect="1"/>
+          </p:cNvSpPr>
+          <p:nvPr>
+            <p:ph type="sldImg" idx="2"/>
+          </p:nvPr>
+        </p:nvSpPr>
+        <p:spPr>
+          <a:xfrm>
+            <a:off x="685800" y="1143000"/>
+            <a:ext cx="5486400" cy="3086100"/>
+          </a:xfrm>
+          <a:prstGeom prst="rect">
+            <a:avLst/>
+          </a:prstGeom>
+          <a:noFill/>
+          <a:ln w="12700">
+            <a:solidFill>
+              <a:prstClr val="black"/>
+            </a:solidFill>
+          </a:ln>
+        </p:spPr>
+        <p:txBody>
+          <a:bodyPr vert="horz" lIns="91440" tIns="45720" rIns="91440" bIns="45720" rtlCol="0" anchor="ctr"/>
+          <a:lstStyle/>
+          <a:p>
+            <a:endParaRPr lang="en-IN"/>
+          </a:p>
+        </p:txBody>
+      </p:sp>
+      <p:sp>
+        <p:nvSpPr>
+          <p:cNvPr id="5" name="Notes Placeholder 4"/>
+          <p:cNvSpPr>
+            <a:spLocks noGrp="1"/>
+          </p:cNvSpPr>
+          <p:nvPr>
+            <p:ph type="body" sz="quarter" idx="3"/>
+          </p:nvPr>
+        </p:nvSpPr>
+        <p:spPr>
+          <a:xfrm>
+            <a:off x="685800" y="4400550"/>
+            <a:ext cx="5486400" cy="3600450"/>
+          </a:xfrm>
+          <a:prstGeom prst="rect">
+            <a:avLst/>
+          </a:prstGeom>
+        </p:spPr>
+        <p:txBody>
+          <a:bodyPr vert="horz" lIns="91440" tIns="45720" rIns="91440" bIns="45720" rtlCol="0"/>
+          <a:lstStyle/>
+          <a:p>
+            <a:pPr lvl="0"/>
+            <a:r>
+              <a:rPr lang="en-US" smtClean="0"/>
+              <a:t>Click to edit Master text styles</a:t>
+            </a:r>
+          </a:p>
+          <a:p>
+            <a:pPr lvl="1"/>
+            <a:r>
+              <a:rPr lang="en-US" smtClean="0"/>
+              <a:t>Second level</a:t>
+            </a:r>
+          </a:p>
+          <a:p>
+            <a:pPr lvl="2"/>
+            <a:r>
+              <a:rPr lang="en-US" smtClean="0"/>
+              <a:t>Third level</a:t>
+            </a:r>
+          </a:p>
+          <a:p>
+            <a:pPr lvl="3"/>
+            <a:r>
+              <a:rPr lang="en-US" smtClean="0"/>
+              <a:t>Fourth level</a:t>
+            </a:r>
+          </a:p>
+          <a:p>
+            <a:pPr lvl="4"/>
+            <a:r>
+              <a:rPr lang="en-US" smtClean="0"/>
+              <a:t>Fifth level</a:t>
+            </a:r>
+            <a:endParaRPr lang="en-IN"/>
+          </a:p>
+        </p:txBody>
+      </p:sp>
+      <p:sp>
+        <p:nvSpPr>
+          <p:cNvPr id="6" name="Footer Placeholder 5"/>
+          <p:cNvSpPr>
+            <a:spLocks noGrp="1"/>
+          </p:cNvSpPr>
+          <p:nvPr>
+            <p:ph type="ftr" sz="quarter" idx="4"/>
+          </p:nvPr>
+        </p:nvSpPr>
+        <p:spPr>
+          <a:xfrm>
+            <a:off x="0" y="8685213"/>
+            <a:ext cx="2971800" cy="458787"/>
+          </a:xfrm>
+          <a:prstGeom prst="rect">
+            <a:avLst/>
+          </a:prstGeom>
+        </p:spPr>
+        <p:txBody>
+          <a:bodyPr vert="horz" lIns="91440" tIns="45720" rIns="91440" bIns="45720" rtlCol="0" anchor="b"/>
+          <a:lstStyle>
+            <a:lvl1pPr algn="l">
+              <a:defRPr sz="1200"/>
+            </a:lvl1pPr>
+          </a:lstStyle>
+          <a:p>
+            <a:endParaRPr lang="en-IN"/>
+          </a:p>
+        </p:txBody>
+      </p:sp>
+      <p:sp>
+        <p:nvSpPr>
+          <p:cNvPr id="7" name="Slide Number Placeholder 6"/>
+          <p:cNvSpPr>
+            <a:spLocks noGrp="1"/>
+          </p:cNvSpPr>
+          <p:nvPr>
+            <p:ph type="sldNum" sz="quarter" idx="5"/>
+          </p:nvPr>
+        </p:nvSpPr>
+        <p:spPr>
+          <a:xfrm>
+            <a:off x="3884613" y="8685213"/>
+            <a:ext cx="2971800" cy="458787"/>
+          </a:xfrm>
+          <a:prstGeom prst="rect">
+            <a:avLst/>
+          </a:prstGeom>
+        </p:spPr>
+        <p:txBody>
+          <a:bodyPr vert="horz" lIns="91440" tIns="45720" rIns="91440" bIns="45720" rtlCol="0" anchor="b"/>
+          <a:lstStyle>
+            <a:lvl1pPr algn="r">
+              <a:defRPr sz="1200"/>
+            </a:lvl1pPr>
+          </a:lstStyle>
+          <a:p>
+            <a:fld id="{2288231B-6461-4DCC-9DAA-06A6EEABA9ED}" type="slidenum">
+              <a:rPr lang="en-IN" smtClean="0"/>
+              <a:t>‹#›</a:t>
+            </a:fld>
+            <a:endParaRPr lang="en-IN"/>
+          </a:p>
+        </p:txBody>
+      </p:sp>
+    </p:spTree>
+    <p:extLst>
+      <p:ext uri="{BB962C8B-B14F-4D97-AF65-F5344CB8AC3E}">
+        <p14:creationId xmlns:p14="http://schemas.microsoft.com/office/powerpoint/2010/main" val="1099674867"/>
+      </p:ext>
+    </p:extLst>
+  </p:cSld>
+  <p:clrMap bg1="lt1" tx1="dk1" bg2="lt2" tx2="dk2" accent1="accent1" accent2="accent2" accent3="accent3" accent4="accent4" accent5="accent5" accent6="accent6" hlink="hlink" folHlink="folHlink"/>
+  <p:notesStyle>
+    <a:lvl1pPr marL="0" algn="l" defTabSz="914400" rtl="0" eaLnBrk="1" latinLnBrk="0" hangingPunct="1">
+      <a:defRPr sz="1200" kern="1200">
+        <a:solidFill>
+          <a:schemeClr val="tx1"/>
+        </a:solidFill>
+        <a:latin typeface="+mn-lt"/>
+        <a:ea typeface="+mn-ea"/>
+        <a:cs typeface="+mn-cs"/>
+      </a:defRPr>
+    </a:lvl1pPr>
+    <a:lvl2pPr marL="457200" algn="l" defTabSz="914400" rtl="0" eaLnBrk="1" latinLnBrk="0" hangingPunct="1">
+      <a:defRPr sz="1200" kern="1200">
+        <a:solidFill>
+          <a:schemeClr val="tx1"/>
+        </a:solidFill>
+        <a:latin typeface="+mn-lt"/>
+        <a:ea typeface="+mn-ea"/>
+        <a:cs typeface="+mn-cs"/>
+      </a:defRPr>
+    </a:lvl2pPr>
+    <a:lvl3pPr marL="914400" algn="l" defTabSz="914400" rtl="0" eaLnBrk="1" latinLnBrk="0" hangingPunct="1">
+      <a:defRPr sz="1200" kern="1200">
+        <a:solidFill>
+          <a:schemeClr val="tx1"/>
+        </a:solidFill>
+        <a:latin typeface="+mn-lt"/>
+        <a:ea typeface="+mn-ea"/>
+        <a:cs typeface="+mn-cs"/>
+      </a:defRPr>
+    </a:lvl3pPr>
+    <a:lvl4pPr marL="1371600" algn="l" defTabSz="914400" rtl="0" eaLnBrk="1" latinLnBrk="0" hangingPunct="1">
+      <a:defRPr sz="1200" kern="1200">
+        <a:solidFill>
+          <a:schemeClr val="tx1"/>
+        </a:solidFill>
+        <a:latin typeface="+mn-lt"/>
+        <a:ea typeface="+mn-ea"/>
+        <a:cs typeface="+mn-cs"/>
+      </a:defRPr>
+    </a:lvl4pPr>
+    <a:lvl5pPr marL="1828800" algn="l" defTabSz="914400" rtl="0" eaLnBrk="1" latinLnBrk="0" hangingPunct="1">
+      <a:defRPr sz="1200" kern="1200">
+        <a:solidFill>
+          <a:schemeClr val="tx1"/>
+        </a:solidFill>
+        <a:latin typeface="+mn-lt"/>
+        <a:ea typeface="+mn-ea"/>
+        <a:cs typeface="+mn-cs"/>
+      </a:defRPr>
+    </a:lvl5pPr>
+    <a:lvl6pPr marL="2286000" algn="l" defTabSz="914400" rtl="0" eaLnBrk="1" latinLnBrk="0" hangingPunct="1">
+      <a:defRPr sz="1200" kern="1200">
+        <a:solidFill>
+          <a:schemeClr val="tx1"/>
+        </a:solidFill>
+        <a:latin typeface="+mn-lt"/>
+        <a:ea typeface="+mn-ea"/>
+        <a:cs typeface="+mn-cs"/>
+      </a:defRPr>
+    </a:lvl6pPr>
+    <a:lvl7pPr marL="2743200" algn="l" defTabSz="914400" rtl="0" eaLnBrk="1" latinLnBrk="0" hangingPunct="1">
+      <a:defRPr sz="1200" kern="1200">
+        <a:solidFill>
+          <a:schemeClr val="tx1"/>
+        </a:solidFill>
+        <a:latin typeface="+mn-lt"/>
+        <a:ea typeface="+mn-ea"/>
+        <a:cs typeface="+mn-cs"/>
+      </a:defRPr>
+    </a:lvl7pPr>
+    <a:lvl8pPr marL="3200400" algn="l" defTabSz="914400" rtl="0" eaLnBrk="1" latinLnBrk="0" hangingPunct="1">
+      <a:defRPr sz="1200" kern="1200">
+        <a:solidFill>
+          <a:schemeClr val="tx1"/>
+        </a:solidFill>
+        <a:latin typeface="+mn-lt"/>
+        <a:ea typeface="+mn-ea"/>
+        <a:cs typeface="+mn-cs"/>
+      </a:defRPr>
+    </a:lvl8pPr>
+    <a:lvl9pPr marL="3657600" algn="l" defTabSz="914400" rtl="0" eaLnBrk="1" latinLnBrk="0" hangingPunct="1">
+      <a:defRPr sz="1200" kern="1200">
+        <a:solidFill>
+          <a:schemeClr val="tx1"/>
+        </a:solidFill>
+        <a:latin typeface="+mn-lt"/>
+        <a:ea typeface="+mn-ea"/>
+        <a:cs typeface="+mn-cs"/>
+      </a:defRPr>
+    </a:lvl9pPr>
+  </p:notesStyle>
+</p:notesMaster>
+</file>
+
+<file path=ppt/notesSlides/notesSlide1.xml><?xml version="1.0" encoding="utf-8"?>
+<p:notes xmlns:a="http://schemas.openxmlformats.org/drawingml/2006/main" xmlns:r="http://schemas.openxmlformats.org/officeDocument/2006/relationships" xmlns:p="http://schemas.openxmlformats.org/presentationml/2006/main">
+  <p:cSld>
+    <p:spTree>
+      <p:nvGrpSpPr>
+        <p:cNvPr id="1" name=""/>
+        <p:cNvGrpSpPr/>
+        <p:nvPr/>
+      </p:nvGrpSpPr>
+      <p:grpSpPr>
+        <a:xfrm>
+          <a:off x="0" y="0"/>
+          <a:ext cx="0" cy="0"/>
+          <a:chOff x="0" y="0"/>
+          <a:chExt cx="0" cy="0"/>
+        </a:xfrm>
+      </p:grpSpPr>
+      <p:sp>
+        <p:nvSpPr>
+          <p:cNvPr id="2" name="Slide Image Placeholder 1"/>
+          <p:cNvSpPr>
+            <a:spLocks noGrp="1" noRot="1" noChangeAspect="1"/>
+          </p:cNvSpPr>
+          <p:nvPr>
+            <p:ph type="sldImg"/>
+          </p:nvPr>
+        </p:nvSpPr>
+        <p:spPr/>
+      </p:sp>
+      <p:sp>
+        <p:nvSpPr>
+          <p:cNvPr id="3" name="Notes Placeholder 2"/>
+          <p:cNvSpPr>
+            <a:spLocks noGrp="1"/>
+          </p:cNvSpPr>
+          <p:nvPr>
+            <p:ph type="body" idx="1"/>
+          </p:nvPr>
+        </p:nvSpPr>
+        <p:spPr/>
+        <p:txBody>
+          <a:bodyPr/>
+          <a:lstStyle/>
+          <a:p>
+            <a:endParaRPr lang="en-IN"/>
+          </a:p>
+        </p:txBody>
+      </p:sp>
+      <p:sp>
+        <p:nvSpPr>
+          <p:cNvPr id="4" name="Slide Number Placeholder 3"/>
+          <p:cNvSpPr>
+            <a:spLocks noGrp="1"/>
+          </p:cNvSpPr>
+          <p:nvPr>
+            <p:ph type="sldNum" sz="quarter" idx="10"/>
+          </p:nvPr>
+        </p:nvSpPr>
+        <p:spPr/>
+        <p:txBody>
+          <a:bodyPr/>
+          <a:lstStyle/>
+          <a:p>
+            <a:fld id="{2288231B-6461-4DCC-9DAA-06A6EEABA9ED}" type="slidenum">
+              <a:rPr lang="en-IN" smtClean="0"/>
+              <a:t>1</a:t>
+            </a:fld>
+            <a:endParaRPr lang="en-IN"/>
+          </a:p>
+        </p:txBody>
+      </p:sp>
+    </p:spTree>
+    <p:extLst>
+      <p:ext uri="{BB962C8B-B14F-4D97-AF65-F5344CB8AC3E}">
+        <p14:creationId xmlns:p14="http://schemas.microsoft.com/office/powerpoint/2010/main" val="2940996313"/>
+      </p:ext>
+    </p:extLst>
+  </p:cSld>
+  <p:clrMapOvr>
+    <a:masterClrMapping/>
+  </p:clrMapOvr>
+</p:notes>
+</file>
+
 <file path=ppt/slideLayouts/slideLayout1.xml><?xml version="1.0" encoding="utf-8"?>
 <p:sldLayout xmlns:a="http://schemas.openxmlformats.org/drawingml/2006/main" xmlns:r="http://schemas.openxmlformats.org/officeDocument/2006/relationships" xmlns:p="http://schemas.openxmlformats.org/presentationml/2006/main" type="title" preserve="1">
   <p:cSld name="Title Slide">
@@ -247,7 +684,7 @@
           <a:bodyPr/>
           <a:lstStyle/>
           <a:p>
-            <a:fld id="{4CAD8E75-A920-441F-ABAC-DA009AE86F18}" type="datetimeFigureOut">
+            <a:fld id="{07E1A95E-4C0E-47C3-99BA-4CA280822285}" type="datetime1">
               <a:rPr lang="en-IN" smtClean="0"/>
               <a:t>04-10-2025</a:t>
             </a:fld>
@@ -270,6 +707,10 @@
           <a:bodyPr/>
           <a:lstStyle/>
           <a:p>
+            <a:r>
+              <a:rPr lang="en-IN" smtClean="0"/>
+              <a:t>MOHAN SUNDARAM</a:t>
+            </a:r>
             <a:endParaRPr lang="en-IN"/>
           </a:p>
         </p:txBody>
@@ -417,7 +858,7 @@
           <a:bodyPr/>
           <a:lstStyle/>
           <a:p>
-            <a:fld id="{4CAD8E75-A920-441F-ABAC-DA009AE86F18}" type="datetimeFigureOut">
+            <a:fld id="{32F4BC1E-7EA4-4308-9013-A358519E8BD2}" type="datetime1">
               <a:rPr lang="en-IN" smtClean="0"/>
               <a:t>04-10-2025</a:t>
             </a:fld>
@@ -440,6 +881,10 @@
           <a:bodyPr/>
           <a:lstStyle/>
           <a:p>
+            <a:r>
+              <a:rPr lang="en-IN" smtClean="0"/>
+              <a:t>MOHAN SUNDARAM</a:t>
+            </a:r>
             <a:endParaRPr lang="en-IN"/>
           </a:p>
         </p:txBody>
@@ -597,7 +1042,7 @@
           <a:bodyPr/>
           <a:lstStyle/>
           <a:p>
-            <a:fld id="{4CAD8E75-A920-441F-ABAC-DA009AE86F18}" type="datetimeFigureOut">
+            <a:fld id="{6339D21A-723A-45B5-A6B6-78A78CE57540}" type="datetime1">
               <a:rPr lang="en-IN" smtClean="0"/>
               <a:t>04-10-2025</a:t>
             </a:fld>
@@ -620,6 +1065,10 @@
           <a:bodyPr/>
           <a:lstStyle/>
           <a:p>
+            <a:r>
+              <a:rPr lang="en-IN" smtClean="0"/>
+              <a:t>MOHAN SUNDARAM</a:t>
+            </a:r>
             <a:endParaRPr lang="en-IN"/>
           </a:p>
         </p:txBody>
@@ -767,7 +1216,7 @@
           <a:bodyPr/>
           <a:lstStyle/>
           <a:p>
-            <a:fld id="{4CAD8E75-A920-441F-ABAC-DA009AE86F18}" type="datetimeFigureOut">
+            <a:fld id="{88CC28E5-488F-490F-92C5-2205B56F743F}" type="datetime1">
               <a:rPr lang="en-IN" smtClean="0"/>
               <a:t>04-10-2025</a:t>
             </a:fld>
@@ -790,6 +1239,10 @@
           <a:bodyPr/>
           <a:lstStyle/>
           <a:p>
+            <a:r>
+              <a:rPr lang="en-IN" smtClean="0"/>
+              <a:t>MOHAN SUNDARAM</a:t>
+            </a:r>
             <a:endParaRPr lang="en-IN"/>
           </a:p>
         </p:txBody>
@@ -1013,7 +1466,7 @@
           <a:bodyPr/>
           <a:lstStyle/>
           <a:p>
-            <a:fld id="{4CAD8E75-A920-441F-ABAC-DA009AE86F18}" type="datetimeFigureOut">
+            <a:fld id="{18FCF267-1B02-4817-9A65-5E382C0CA52E}" type="datetime1">
               <a:rPr lang="en-IN" smtClean="0"/>
               <a:t>04-10-2025</a:t>
             </a:fld>
@@ -1036,6 +1489,10 @@
           <a:bodyPr/>
           <a:lstStyle/>
           <a:p>
+            <a:r>
+              <a:rPr lang="en-IN" smtClean="0"/>
+              <a:t>MOHAN SUNDARAM</a:t>
+            </a:r>
             <a:endParaRPr lang="en-IN"/>
           </a:p>
         </p:txBody>
@@ -1245,7 +1702,7 @@
           <a:bodyPr/>
           <a:lstStyle/>
           <a:p>
-            <a:fld id="{4CAD8E75-A920-441F-ABAC-DA009AE86F18}" type="datetimeFigureOut">
+            <a:fld id="{7542334F-054E-44BC-9297-4325A99C352D}" type="datetime1">
               <a:rPr lang="en-IN" smtClean="0"/>
               <a:t>04-10-2025</a:t>
             </a:fld>
@@ -1268,6 +1725,10 @@
           <a:bodyPr/>
           <a:lstStyle/>
           <a:p>
+            <a:r>
+              <a:rPr lang="en-IN" smtClean="0"/>
+              <a:t>MOHAN SUNDARAM</a:t>
+            </a:r>
             <a:endParaRPr lang="en-IN"/>
           </a:p>
         </p:txBody>
@@ -1612,7 +2073,7 @@
           <a:bodyPr/>
           <a:lstStyle/>
           <a:p>
-            <a:fld id="{4CAD8E75-A920-441F-ABAC-DA009AE86F18}" type="datetimeFigureOut">
+            <a:fld id="{85F4679C-8653-4994-9C00-354861EF59DB}" type="datetime1">
               <a:rPr lang="en-IN" smtClean="0"/>
               <a:t>04-10-2025</a:t>
             </a:fld>
@@ -1635,6 +2096,10 @@
           <a:bodyPr/>
           <a:lstStyle/>
           <a:p>
+            <a:r>
+              <a:rPr lang="en-IN" smtClean="0"/>
+              <a:t>MOHAN SUNDARAM</a:t>
+            </a:r>
             <a:endParaRPr lang="en-IN"/>
           </a:p>
         </p:txBody>
@@ -1730,7 +2195,7 @@
           <a:bodyPr/>
           <a:lstStyle/>
           <a:p>
-            <a:fld id="{4CAD8E75-A920-441F-ABAC-DA009AE86F18}" type="datetimeFigureOut">
+            <a:fld id="{F7E0C4BB-31C2-4257-B5C2-9EABF3317294}" type="datetime1">
               <a:rPr lang="en-IN" smtClean="0"/>
               <a:t>04-10-2025</a:t>
             </a:fld>
@@ -1753,6 +2218,10 @@
           <a:bodyPr/>
           <a:lstStyle/>
           <a:p>
+            <a:r>
+              <a:rPr lang="en-IN" smtClean="0"/>
+              <a:t>MOHAN SUNDARAM</a:t>
+            </a:r>
             <a:endParaRPr lang="en-IN"/>
           </a:p>
         </p:txBody>
@@ -1825,7 +2294,7 @@
           <a:bodyPr/>
           <a:lstStyle/>
           <a:p>
-            <a:fld id="{4CAD8E75-A920-441F-ABAC-DA009AE86F18}" type="datetimeFigureOut">
+            <a:fld id="{CBD46222-1245-48E1-AA51-5ABA1BFC0F44}" type="datetime1">
               <a:rPr lang="en-IN" smtClean="0"/>
               <a:t>04-10-2025</a:t>
             </a:fld>
@@ -1848,6 +2317,10 @@
           <a:bodyPr/>
           <a:lstStyle/>
           <a:p>
+            <a:r>
+              <a:rPr lang="en-IN" smtClean="0"/>
+              <a:t>MOHAN SUNDARAM</a:t>
+            </a:r>
             <a:endParaRPr lang="en-IN"/>
           </a:p>
         </p:txBody>
@@ -2102,7 +2575,7 @@
           <a:bodyPr/>
           <a:lstStyle/>
           <a:p>
-            <a:fld id="{4CAD8E75-A920-441F-ABAC-DA009AE86F18}" type="datetimeFigureOut">
+            <a:fld id="{06C4C3BA-99EE-4821-8D0A-E1D319BDFECC}" type="datetime1">
               <a:rPr lang="en-IN" smtClean="0"/>
               <a:t>04-10-2025</a:t>
             </a:fld>
@@ -2125,6 +2598,10 @@
           <a:bodyPr/>
           <a:lstStyle/>
           <a:p>
+            <a:r>
+              <a:rPr lang="en-IN" smtClean="0"/>
+              <a:t>MOHAN SUNDARAM</a:t>
+            </a:r>
             <a:endParaRPr lang="en-IN"/>
           </a:p>
         </p:txBody>
@@ -2355,7 +2832,7 @@
           <a:bodyPr/>
           <a:lstStyle/>
           <a:p>
-            <a:fld id="{4CAD8E75-A920-441F-ABAC-DA009AE86F18}" type="datetimeFigureOut">
+            <a:fld id="{F76C996A-B179-4052-B159-145F03CD1C19}" type="datetime1">
               <a:rPr lang="en-IN" smtClean="0"/>
               <a:t>04-10-2025</a:t>
             </a:fld>
@@ -2378,6 +2855,10 @@
           <a:bodyPr/>
           <a:lstStyle/>
           <a:p>
+            <a:r>
+              <a:rPr lang="en-IN" smtClean="0"/>
+              <a:t>MOHAN SUNDARAM</a:t>
+            </a:r>
             <a:endParaRPr lang="en-IN"/>
           </a:p>
         </p:txBody>
@@ -2568,7 +3049,7 @@
             </a:lvl1pPr>
           </a:lstStyle>
           <a:p>
-            <a:fld id="{4CAD8E75-A920-441F-ABAC-DA009AE86F18}" type="datetimeFigureOut">
+            <a:fld id="{0DC6AE37-3E25-445F-9A60-35C9D0284302}" type="datetime1">
               <a:rPr lang="en-IN" smtClean="0"/>
               <a:t>04-10-2025</a:t>
             </a:fld>
@@ -2609,6 +3090,10 @@
             </a:lvl1pPr>
           </a:lstStyle>
           <a:p>
+            <a:r>
+              <a:rPr lang="en-IN" smtClean="0"/>
+              <a:t>MOHAN SUNDARAM</a:t>
+            </a:r>
             <a:endParaRPr lang="en-IN"/>
           </a:p>
         </p:txBody>
@@ -2675,6 +3160,7 @@
     <p:sldLayoutId id="2147483658" r:id="rId10"/>
     <p:sldLayoutId id="2147483659" r:id="rId11"/>
   </p:sldLayoutIdLst>
+  <p:hf sldNum="0" hdr="0" dt="0"/>
   <p:txStyles>
     <p:titleStyle>
       <a:lvl1pPr algn="l" defTabSz="914400" rtl="0" eaLnBrk="1" latinLnBrk="0" hangingPunct="1">
@@ -3139,6 +3625,35 @@
           </a:p>
         </p:txBody>
       </p:sp>
+      <p:sp>
+        <p:nvSpPr>
+          <p:cNvPr id="4" name="Footer Placeholder 3"/>
+          <p:cNvSpPr>
+            <a:spLocks noGrp="1"/>
+          </p:cNvSpPr>
+          <p:nvPr>
+            <p:ph type="ftr" sz="quarter" idx="11"/>
+          </p:nvPr>
+        </p:nvSpPr>
+        <p:spPr>
+          <a:xfrm>
+            <a:off x="141668" y="6356350"/>
+            <a:ext cx="11861442" cy="365125"/>
+          </a:xfrm>
+        </p:spPr>
+        <p:txBody>
+          <a:bodyPr/>
+          <a:lstStyle/>
+          <a:p>
+            <a:pPr algn="l"/>
+            <a:r>
+              <a:rPr lang="en-IN" dirty="0" smtClean="0"/>
+              <a:t>MOHAN SUNDARAM</a:t>
+            </a:r>
+            <a:endParaRPr lang="en-IN" dirty="0"/>
+          </a:p>
+        </p:txBody>
+      </p:sp>
     </p:spTree>
     <p:extLst>
       <p:ext uri="{BB962C8B-B14F-4D97-AF65-F5344CB8AC3E}">
@@ -3281,6 +3796,29 @@
           </a:prstGeom>
         </p:spPr>
       </p:pic>
+      <p:sp>
+        <p:nvSpPr>
+          <p:cNvPr id="3" name="Footer Placeholder 2"/>
+          <p:cNvSpPr>
+            <a:spLocks noGrp="1"/>
+          </p:cNvSpPr>
+          <p:nvPr>
+            <p:ph type="ftr" sz="quarter" idx="11"/>
+          </p:nvPr>
+        </p:nvSpPr>
+        <p:spPr/>
+        <p:txBody>
+          <a:bodyPr/>
+          <a:lstStyle/>
+          <a:p>
+            <a:r>
+              <a:rPr lang="en-IN" smtClean="0"/>
+              <a:t>MOHAN SUNDARAM</a:t>
+            </a:r>
+            <a:endParaRPr lang="en-IN"/>
+          </a:p>
+        </p:txBody>
+      </p:sp>
     </p:spTree>
     <p:extLst>
       <p:ext uri="{BB962C8B-B14F-4D97-AF65-F5344CB8AC3E}">
@@ -3703,6 +4241,29 @@
           </a:prstGeom>
         </p:spPr>
       </p:pic>
+      <p:sp>
+        <p:nvSpPr>
+          <p:cNvPr id="2" name="Footer Placeholder 1"/>
+          <p:cNvSpPr>
+            <a:spLocks noGrp="1"/>
+          </p:cNvSpPr>
+          <p:nvPr>
+            <p:ph type="ftr" sz="quarter" idx="11"/>
+          </p:nvPr>
+        </p:nvSpPr>
+        <p:spPr/>
+        <p:txBody>
+          <a:bodyPr/>
+          <a:lstStyle/>
+          <a:p>
+            <a:r>
+              <a:rPr lang="en-IN" smtClean="0"/>
+              <a:t>MOHAN SUNDARAM</a:t>
+            </a:r>
+            <a:endParaRPr lang="en-IN"/>
+          </a:p>
+        </p:txBody>
+      </p:sp>
     </p:spTree>
     <p:extLst>
       <p:ext uri="{BB962C8B-B14F-4D97-AF65-F5344CB8AC3E}">
@@ -3879,6 +4440,29 @@
           </a:prstGeom>
         </p:spPr>
       </p:pic>
+      <p:sp>
+        <p:nvSpPr>
+          <p:cNvPr id="3" name="Footer Placeholder 2"/>
+          <p:cNvSpPr>
+            <a:spLocks noGrp="1"/>
+          </p:cNvSpPr>
+          <p:nvPr>
+            <p:ph type="ftr" sz="quarter" idx="11"/>
+          </p:nvPr>
+        </p:nvSpPr>
+        <p:spPr/>
+        <p:txBody>
+          <a:bodyPr/>
+          <a:lstStyle/>
+          <a:p>
+            <a:r>
+              <a:rPr lang="en-IN" smtClean="0"/>
+              <a:t>MOHAN SUNDARAM</a:t>
+            </a:r>
+            <a:endParaRPr lang="en-IN"/>
+          </a:p>
+        </p:txBody>
+      </p:sp>
     </p:spTree>
     <p:extLst>
       <p:ext uri="{BB962C8B-B14F-4D97-AF65-F5344CB8AC3E}">
@@ -4053,6 +4637,29 @@
           </a:prstGeom>
         </p:spPr>
       </p:pic>
+      <p:sp>
+        <p:nvSpPr>
+          <p:cNvPr id="3" name="Footer Placeholder 2"/>
+          <p:cNvSpPr>
+            <a:spLocks noGrp="1"/>
+          </p:cNvSpPr>
+          <p:nvPr>
+            <p:ph type="ftr" sz="quarter" idx="11"/>
+          </p:nvPr>
+        </p:nvSpPr>
+        <p:spPr/>
+        <p:txBody>
+          <a:bodyPr/>
+          <a:lstStyle/>
+          <a:p>
+            <a:r>
+              <a:rPr lang="en-IN" smtClean="0"/>
+              <a:t>MOHAN SUNDARAM</a:t>
+            </a:r>
+            <a:endParaRPr lang="en-IN"/>
+          </a:p>
+        </p:txBody>
+      </p:sp>
     </p:spTree>
     <p:extLst>
       <p:ext uri="{BB962C8B-B14F-4D97-AF65-F5344CB8AC3E}">
@@ -4233,6 +4840,29 @@
           </a:p>
         </p:txBody>
       </p:sp>
+      <p:sp>
+        <p:nvSpPr>
+          <p:cNvPr id="4" name="Footer Placeholder 3"/>
+          <p:cNvSpPr>
+            <a:spLocks noGrp="1"/>
+          </p:cNvSpPr>
+          <p:nvPr>
+            <p:ph type="ftr" sz="quarter" idx="11"/>
+          </p:nvPr>
+        </p:nvSpPr>
+        <p:spPr/>
+        <p:txBody>
+          <a:bodyPr/>
+          <a:lstStyle/>
+          <a:p>
+            <a:r>
+              <a:rPr lang="en-IN" smtClean="0"/>
+              <a:t>MOHAN SUNDARAM</a:t>
+            </a:r>
+            <a:endParaRPr lang="en-IN"/>
+          </a:p>
+        </p:txBody>
+      </p:sp>
     </p:spTree>
     <p:extLst>
       <p:ext uri="{BB962C8B-B14F-4D97-AF65-F5344CB8AC3E}">
@@ -4365,6 +4995,29 @@
           </a:p>
           <a:p>
             <a:endParaRPr lang="en-IN" dirty="0"/>
+          </a:p>
+        </p:txBody>
+      </p:sp>
+      <p:sp>
+        <p:nvSpPr>
+          <p:cNvPr id="4" name="Footer Placeholder 3"/>
+          <p:cNvSpPr>
+            <a:spLocks noGrp="1"/>
+          </p:cNvSpPr>
+          <p:nvPr>
+            <p:ph type="ftr" sz="quarter" idx="11"/>
+          </p:nvPr>
+        </p:nvSpPr>
+        <p:spPr/>
+        <p:txBody>
+          <a:bodyPr/>
+          <a:lstStyle/>
+          <a:p>
+            <a:r>
+              <a:rPr lang="en-IN" smtClean="0"/>
+              <a:t>MOHAN SUNDARAM</a:t>
+            </a:r>
+            <a:endParaRPr lang="en-IN"/>
           </a:p>
         </p:txBody>
       </p:sp>
@@ -4640,4 +5293,265 @@
     </a:ext>
   </a:extLst>
 </a:theme>
+</file>
+
+<file path=ppt/theme/theme2.xml><?xml version="1.0" encoding="utf-8"?>
+<a:theme xmlns:a="http://schemas.openxmlformats.org/drawingml/2006/main" name="Office Theme">
+  <a:themeElements>
+    <a:clrScheme name="Office">
+      <a:dk1>
+        <a:sysClr val="windowText" lastClr="000000"/>
+      </a:dk1>
+      <a:lt1>
+        <a:sysClr val="window" lastClr="FFFFFF"/>
+      </a:lt1>
+      <a:dk2>
+        <a:srgbClr val="44546A"/>
+      </a:dk2>
+      <a:lt2>
+        <a:srgbClr val="E7E6E6"/>
+      </a:lt2>
+      <a:accent1>
+        <a:srgbClr val="5B9BD5"/>
+      </a:accent1>
+      <a:accent2>
+        <a:srgbClr val="ED7D31"/>
+      </a:accent2>
+      <a:accent3>
+        <a:srgbClr val="A5A5A5"/>
+      </a:accent3>
+      <a:accent4>
+        <a:srgbClr val="FFC000"/>
+      </a:accent4>
+      <a:accent5>
+        <a:srgbClr val="4472C4"/>
+      </a:accent5>
+      <a:accent6>
+        <a:srgbClr val="70AD47"/>
+      </a:accent6>
+      <a:hlink>
+        <a:srgbClr val="0563C1"/>
+      </a:hlink>
+      <a:folHlink>
+        <a:srgbClr val="954F72"/>
+      </a:folHlink>
+    </a:clrScheme>
+    <a:fontScheme name="Office">
+      <a:majorFont>
+        <a:latin typeface="Calibri Light" panose="020F0302020204030204"/>
+        <a:ea typeface=""/>
+        <a:cs typeface=""/>
+        <a:font script="Jpan" typeface="ＭＳ Ｐゴシック"/>
+        <a:font script="Hang" typeface="맑은 고딕"/>
+        <a:font script="Hans" typeface="宋体"/>
+        <a:font script="Hant" typeface="新細明體"/>
+        <a:font script="Arab" typeface="Times New Roman"/>
+        <a:font script="Hebr" typeface="Times New Roman"/>
+        <a:font script="Thai" typeface="Angsana New"/>
+        <a:font script="Ethi" typeface="Nyala"/>
+        <a:font script="Beng" typeface="Vrinda"/>
+        <a:font script="Gujr" typeface="Shruti"/>
+        <a:font script="Khmr" typeface="MoolBoran"/>
+        <a:font script="Knda" typeface="Tunga"/>
+        <a:font script="Guru" typeface="Raavi"/>
+        <a:font script="Cans" typeface="Euphemia"/>
+        <a:font script="Cher" typeface="Plantagenet Cherokee"/>
+        <a:font script="Yiii" typeface="Microsoft Yi Baiti"/>
+        <a:font script="Tibt" typeface="Microsoft Himalaya"/>
+        <a:font script="Thaa" typeface="MV Boli"/>
+        <a:font script="Deva" typeface="Mangal"/>
+        <a:font script="Telu" typeface="Gautami"/>
+        <a:font script="Taml" typeface="Latha"/>
+        <a:font script="Syrc" typeface="Estrangelo Edessa"/>
+        <a:font script="Orya" typeface="Kalinga"/>
+        <a:font script="Mlym" typeface="Kartika"/>
+        <a:font script="Laoo" typeface="DokChampa"/>
+        <a:font script="Sinh" typeface="Iskoola Pota"/>
+        <a:font script="Mong" typeface="Mongolian Baiti"/>
+        <a:font script="Viet" typeface="Times New Roman"/>
+        <a:font script="Uigh" typeface="Microsoft Uighur"/>
+        <a:font script="Geor" typeface="Sylfaen"/>
+      </a:majorFont>
+      <a:minorFont>
+        <a:latin typeface="Calibri" panose="020F0502020204030204"/>
+        <a:ea typeface=""/>
+        <a:cs typeface=""/>
+        <a:font script="Jpan" typeface="ＭＳ Ｐゴシック"/>
+        <a:font script="Hang" typeface="맑은 고딕"/>
+        <a:font script="Hans" typeface="宋体"/>
+        <a:font script="Hant" typeface="新細明體"/>
+        <a:font script="Arab" typeface="Arial"/>
+        <a:font script="Hebr" typeface="Arial"/>
+        <a:font script="Thai" typeface="Cordia New"/>
+        <a:font script="Ethi" typeface="Nyala"/>
+        <a:font script="Beng" typeface="Vrinda"/>
+        <a:font script="Gujr" typeface="Shruti"/>
+        <a:font script="Khmr" typeface="DaunPenh"/>
+        <a:font script="Knda" typeface="Tunga"/>
+        <a:font script="Guru" typeface="Raavi"/>
+        <a:font script="Cans" typeface="Euphemia"/>
+        <a:font script="Cher" typeface="Plantagenet Cherokee"/>
+        <a:font script="Yiii" typeface="Microsoft Yi Baiti"/>
+        <a:font script="Tibt" typeface="Microsoft Himalaya"/>
+        <a:font script="Thaa" typeface="MV Boli"/>
+        <a:font script="Deva" typeface="Mangal"/>
+        <a:font script="Telu" typeface="Gautami"/>
+        <a:font script="Taml" typeface="Latha"/>
+        <a:font script="Syrc" typeface="Estrangelo Edessa"/>
+        <a:font script="Orya" typeface="Kalinga"/>
+        <a:font script="Mlym" typeface="Kartika"/>
+        <a:font script="Laoo" typeface="DokChampa"/>
+        <a:font script="Sinh" typeface="Iskoola Pota"/>
+        <a:font script="Mong" typeface="Mongolian Baiti"/>
+        <a:font script="Viet" typeface="Arial"/>
+        <a:font script="Uigh" typeface="Microsoft Uighur"/>
+        <a:font script="Geor" typeface="Sylfaen"/>
+      </a:minorFont>
+    </a:fontScheme>
+    <a:fmtScheme name="Office">
+      <a:fillStyleLst>
+        <a:solidFill>
+          <a:schemeClr val="phClr"/>
+        </a:solidFill>
+        <a:gradFill rotWithShape="1">
+          <a:gsLst>
+            <a:gs pos="0">
+              <a:schemeClr val="phClr">
+                <a:lumMod val="110000"/>
+                <a:satMod val="105000"/>
+                <a:tint val="67000"/>
+              </a:schemeClr>
+            </a:gs>
+            <a:gs pos="50000">
+              <a:schemeClr val="phClr">
+                <a:lumMod val="105000"/>
+                <a:satMod val="103000"/>
+                <a:tint val="73000"/>
+              </a:schemeClr>
+            </a:gs>
+            <a:gs pos="100000">
+              <a:schemeClr val="phClr">
+                <a:lumMod val="105000"/>
+                <a:satMod val="109000"/>
+                <a:tint val="81000"/>
+              </a:schemeClr>
+            </a:gs>
+          </a:gsLst>
+          <a:lin ang="5400000" scaled="0"/>
+        </a:gradFill>
+        <a:gradFill rotWithShape="1">
+          <a:gsLst>
+            <a:gs pos="0">
+              <a:schemeClr val="phClr">
+                <a:satMod val="103000"/>
+                <a:lumMod val="102000"/>
+                <a:tint val="94000"/>
+              </a:schemeClr>
+            </a:gs>
+            <a:gs pos="50000">
+              <a:schemeClr val="phClr">
+                <a:satMod val="110000"/>
+                <a:lumMod val="100000"/>
+                <a:shade val="100000"/>
+              </a:schemeClr>
+            </a:gs>
+            <a:gs pos="100000">
+              <a:schemeClr val="phClr">
+                <a:lumMod val="99000"/>
+                <a:satMod val="120000"/>
+                <a:shade val="78000"/>
+              </a:schemeClr>
+            </a:gs>
+          </a:gsLst>
+          <a:lin ang="5400000" scaled="0"/>
+        </a:gradFill>
+      </a:fillStyleLst>
+      <a:lnStyleLst>
+        <a:ln w="6350" cap="flat" cmpd="sng" algn="ctr">
+          <a:solidFill>
+            <a:schemeClr val="phClr"/>
+          </a:solidFill>
+          <a:prstDash val="solid"/>
+          <a:miter lim="800000"/>
+        </a:ln>
+        <a:ln w="12700" cap="flat" cmpd="sng" algn="ctr">
+          <a:solidFill>
+            <a:schemeClr val="phClr"/>
+          </a:solidFill>
+          <a:prstDash val="solid"/>
+          <a:miter lim="800000"/>
+        </a:ln>
+        <a:ln w="19050" cap="flat" cmpd="sng" algn="ctr">
+          <a:solidFill>
+            <a:schemeClr val="phClr"/>
+          </a:solidFill>
+          <a:prstDash val="solid"/>
+          <a:miter lim="800000"/>
+        </a:ln>
+      </a:lnStyleLst>
+      <a:effectStyleLst>
+        <a:effectStyle>
+          <a:effectLst/>
+        </a:effectStyle>
+        <a:effectStyle>
+          <a:effectLst/>
+        </a:effectStyle>
+        <a:effectStyle>
+          <a:effectLst>
+            <a:outerShdw blurRad="57150" dist="19050" dir="5400000" algn="ctr" rotWithShape="0">
+              <a:srgbClr val="000000">
+                <a:alpha val="63000"/>
+              </a:srgbClr>
+            </a:outerShdw>
+          </a:effectLst>
+        </a:effectStyle>
+      </a:effectStyleLst>
+      <a:bgFillStyleLst>
+        <a:solidFill>
+          <a:schemeClr val="phClr"/>
+        </a:solidFill>
+        <a:solidFill>
+          <a:schemeClr val="phClr">
+            <a:tint val="95000"/>
+            <a:satMod val="170000"/>
+          </a:schemeClr>
+        </a:solidFill>
+        <a:gradFill rotWithShape="1">
+          <a:gsLst>
+            <a:gs pos="0">
+              <a:schemeClr val="phClr">
+                <a:tint val="93000"/>
+                <a:satMod val="150000"/>
+                <a:shade val="98000"/>
+                <a:lumMod val="102000"/>
+              </a:schemeClr>
+            </a:gs>
+            <a:gs pos="50000">
+              <a:schemeClr val="phClr">
+                <a:tint val="98000"/>
+                <a:satMod val="130000"/>
+                <a:shade val="90000"/>
+                <a:lumMod val="103000"/>
+              </a:schemeClr>
+            </a:gs>
+            <a:gs pos="100000">
+              <a:schemeClr val="phClr">
+                <a:shade val="63000"/>
+                <a:satMod val="120000"/>
+              </a:schemeClr>
+            </a:gs>
+          </a:gsLst>
+          <a:lin ang="5400000" scaled="0"/>
+        </a:gradFill>
+      </a:bgFillStyleLst>
+    </a:fmtScheme>
+  </a:themeElements>
+  <a:objectDefaults/>
+  <a:extraClrSchemeLst/>
+  <a:extLst>
+    <a:ext uri="{05A4C25C-085E-4340-85A3-A5531E510DB2}">
+      <thm15:themeFamily xmlns:thm15="http://schemas.microsoft.com/office/thememl/2012/main" name="Office Theme" id="{62F939B6-93AF-4DB8-9C6B-D6C7DFDC589F}" vid="{4A3C46E8-61CC-4603-A589-7422A47A8E4A}"/>
+    </a:ext>
+  </a:extLst>
+</a:theme>
 </file>
--- a/Artificial Intelligence.pptx
+++ b/Artificial Intelligence.pptx
@@ -4905,7 +4905,7 @@
         </p:nvSpPr>
         <p:spPr>
           <a:xfrm>
-            <a:off x="838200" y="365125"/>
+            <a:off x="590817" y="312589"/>
             <a:ext cx="2304245" cy="909883"/>
           </a:xfrm>
         </p:spPr>
@@ -4925,102 +4925,198 @@
       </p:sp>
       <p:sp>
         <p:nvSpPr>
-          <p:cNvPr id="3" name="Content Placeholder 2"/>
-          <p:cNvSpPr>
-            <a:spLocks noGrp="1"/>
-          </p:cNvSpPr>
-          <p:nvPr>
-            <p:ph idx="1"/>
-          </p:nvPr>
-        </p:nvSpPr>
+          <p:cNvPr id="4" name="Footer Placeholder 3"/>
+          <p:cNvSpPr>
+            <a:spLocks noGrp="1"/>
+          </p:cNvSpPr>
+          <p:nvPr>
+            <p:ph type="ftr" sz="quarter" idx="11"/>
+          </p:nvPr>
+        </p:nvSpPr>
+        <p:spPr/>
+        <p:txBody>
+          <a:bodyPr/>
+          <a:lstStyle/>
+          <a:p>
+            <a:r>
+              <a:rPr lang="en-IN" smtClean="0"/>
+              <a:t>MOHAN SUNDARAM</a:t>
+            </a:r>
+            <a:endParaRPr lang="en-IN"/>
+          </a:p>
+        </p:txBody>
+      </p:sp>
+      <p:pic>
+        <p:nvPicPr>
+          <p:cNvPr id="5" name="Picture 4"/>
+          <p:cNvPicPr>
+            <a:picLocks noChangeAspect="1"/>
+          </p:cNvPicPr>
+          <p:nvPr/>
+        </p:nvPicPr>
+        <p:blipFill>
+          <a:blip r:embed="rId2">
+            <a:extLst>
+              <a:ext uri="{28A0092B-C50C-407E-A947-70E740481C1C}">
+                <a14:useLocalDpi xmlns:a14="http://schemas.microsoft.com/office/drawing/2010/main" val="0"/>
+              </a:ext>
+            </a:extLst>
+          </a:blip>
+          <a:stretch>
+            <a:fillRect/>
+          </a:stretch>
+        </p:blipFill>
         <p:spPr>
           <a:xfrm>
-            <a:off x="606380" y="1593806"/>
-            <a:ext cx="10211874" cy="2978194"/>
+            <a:off x="607297" y="3600867"/>
+            <a:ext cx="2383262" cy="684190"/>
           </a:xfrm>
+          <a:prstGeom prst="rect">
+            <a:avLst/>
+          </a:prstGeom>
         </p:spPr>
-        <p:txBody>
-          <a:bodyPr/>
-          <a:lstStyle/>
-          <a:p>
-            <a:r>
-              <a:rPr lang="en-IN" sz="1800" dirty="0">
-                <a:hlinkClick r:id="rId2"/>
-              </a:rPr>
-              <a:t>https://mohan4295.blogspot.com</a:t>
-            </a:r>
-            <a:r>
-              <a:rPr lang="en-IN" sz="1800" dirty="0" smtClean="0">
-                <a:hlinkClick r:id="rId2"/>
-              </a:rPr>
-              <a:t>/</a:t>
-            </a:r>
-            <a:endParaRPr lang="en-IN" sz="1800" dirty="0" smtClean="0"/>
-          </a:p>
-          <a:p>
-            <a:endParaRPr lang="en-US" sz="1800" dirty="0"/>
-          </a:p>
-          <a:p>
-            <a:r>
-              <a:rPr lang="en-IN" sz="1800" dirty="0">
+      </p:pic>
+      <p:sp>
+        <p:nvSpPr>
+          <p:cNvPr id="6" name="Rectangle 5"/>
+          <p:cNvSpPr/>
+          <p:nvPr/>
+        </p:nvSpPr>
+        <p:spPr>
+          <a:xfrm>
+            <a:off x="3162316" y="3742003"/>
+            <a:ext cx="3459152" cy="369332"/>
+          </a:xfrm>
+          <a:prstGeom prst="rect">
+            <a:avLst/>
+          </a:prstGeom>
+        </p:spPr>
+        <p:txBody>
+          <a:bodyPr wrap="none">
+            <a:spAutoFit/>
+          </a:bodyPr>
+          <a:lstStyle/>
+          <a:p>
+            <a:r>
+              <a:rPr lang="en-IN" dirty="0">
                 <a:hlinkClick r:id="rId3"/>
               </a:rPr>
-              <a:t>https://</a:t>
-            </a:r>
-            <a:r>
-              <a:rPr lang="en-IN" sz="1800" dirty="0" smtClean="0">
-                <a:hlinkClick r:id="rId3"/>
-              </a:rPr>
-              <a:t>github.com/mohan4295work</a:t>
-            </a:r>
-            <a:endParaRPr lang="en-IN" sz="1800" dirty="0" smtClean="0"/>
-          </a:p>
-          <a:p>
-            <a:endParaRPr lang="en-US" sz="1800" dirty="0"/>
-          </a:p>
-          <a:p>
-            <a:r>
-              <a:rPr lang="en-IN" sz="1800" dirty="0">
+              <a:t>https://mohan4295.blogspot.com/</a:t>
+            </a:r>
+            <a:endParaRPr lang="en-IN" dirty="0"/>
+          </a:p>
+        </p:txBody>
+      </p:sp>
+      <p:sp>
+        <p:nvSpPr>
+          <p:cNvPr id="9" name="Rectangle 8"/>
+          <p:cNvSpPr/>
+          <p:nvPr/>
+        </p:nvSpPr>
+        <p:spPr>
+          <a:xfrm>
+            <a:off x="3167422" y="2680562"/>
+            <a:ext cx="3655040" cy="369332"/>
+          </a:xfrm>
+          <a:prstGeom prst="rect">
+            <a:avLst/>
+          </a:prstGeom>
+        </p:spPr>
+        <p:txBody>
+          <a:bodyPr wrap="none">
+            <a:spAutoFit/>
+          </a:bodyPr>
+          <a:lstStyle/>
+          <a:p>
+            <a:r>
+              <a:rPr lang="en-IN" dirty="0">
                 <a:hlinkClick r:id="rId4"/>
               </a:rPr>
-              <a:t>https://</a:t>
-            </a:r>
-            <a:r>
-              <a:rPr lang="en-IN" sz="1800" dirty="0" smtClean="0">
-                <a:hlinkClick r:id="rId4"/>
+              <a:t>https://github.com/mohan4295work</a:t>
+            </a:r>
+            <a:endParaRPr lang="en-IN" dirty="0"/>
+          </a:p>
+        </p:txBody>
+      </p:sp>
+      <p:sp>
+        <p:nvSpPr>
+          <p:cNvPr id="10" name="Rectangle 9"/>
+          <p:cNvSpPr/>
+          <p:nvPr/>
+        </p:nvSpPr>
+        <p:spPr>
+          <a:xfrm>
+            <a:off x="3207498" y="1670334"/>
+            <a:ext cx="3574889" cy="369332"/>
+          </a:xfrm>
+          <a:prstGeom prst="rect">
+            <a:avLst/>
+          </a:prstGeom>
+        </p:spPr>
+        <p:txBody>
+          <a:bodyPr wrap="none">
+            <a:spAutoFit/>
+          </a:bodyPr>
+          <a:lstStyle/>
+          <a:p>
+            <a:r>
+              <a:rPr lang="en-IN" dirty="0">
+                <a:hlinkClick r:id="rId5"/>
               </a:rPr>
-              <a:t>gitlab.com/mohan4295work</a:t>
-            </a:r>
-            <a:endParaRPr lang="en-IN" sz="1800" dirty="0" smtClean="0"/>
-          </a:p>
-          <a:p>
+              <a:t>https://gitlab.com/mohan4295work</a:t>
+            </a:r>
             <a:endParaRPr lang="en-IN" dirty="0"/>
           </a:p>
         </p:txBody>
       </p:sp>
-      <p:sp>
-        <p:nvSpPr>
-          <p:cNvPr id="4" name="Footer Placeholder 3"/>
-          <p:cNvSpPr>
-            <a:spLocks noGrp="1"/>
-          </p:cNvSpPr>
-          <p:nvPr>
-            <p:ph type="ftr" sz="quarter" idx="11"/>
-          </p:nvPr>
-        </p:nvSpPr>
-        <p:spPr/>
-        <p:txBody>
-          <a:bodyPr/>
-          <a:lstStyle/>
-          <a:p>
-            <a:r>
-              <a:rPr lang="en-IN" smtClean="0"/>
-              <a:t>MOHAN SUNDARAM</a:t>
-            </a:r>
-            <a:endParaRPr lang="en-IN"/>
-          </a:p>
-        </p:txBody>
-      </p:sp>
+      <p:pic>
+        <p:nvPicPr>
+          <p:cNvPr id="12" name="Picture 11"/>
+          <p:cNvPicPr>
+            <a:picLocks noChangeAspect="1"/>
+          </p:cNvPicPr>
+          <p:nvPr/>
+        </p:nvPicPr>
+        <p:blipFill>
+          <a:blip r:embed="rId6"/>
+          <a:stretch>
+            <a:fillRect/>
+          </a:stretch>
+        </p:blipFill>
+        <p:spPr>
+          <a:xfrm>
+            <a:off x="495321" y="1389720"/>
+            <a:ext cx="2495238" cy="704762"/>
+          </a:xfrm>
+          <a:prstGeom prst="rect">
+            <a:avLst/>
+          </a:prstGeom>
+        </p:spPr>
+      </p:pic>
+      <p:pic>
+        <p:nvPicPr>
+          <p:cNvPr id="13" name="Picture 12"/>
+          <p:cNvPicPr>
+            <a:picLocks noChangeAspect="1"/>
+          </p:cNvPicPr>
+          <p:nvPr/>
+        </p:nvPicPr>
+        <p:blipFill>
+          <a:blip r:embed="rId7"/>
+          <a:stretch>
+            <a:fillRect/>
+          </a:stretch>
+        </p:blipFill>
+        <p:spPr>
+          <a:xfrm>
+            <a:off x="369403" y="2361609"/>
+            <a:ext cx="2838095" cy="904762"/>
+          </a:xfrm>
+          <a:prstGeom prst="rect">
+            <a:avLst/>
+          </a:prstGeom>
+        </p:spPr>
+      </p:pic>
     </p:spTree>
     <p:extLst>
       <p:ext uri="{BB962C8B-B14F-4D97-AF65-F5344CB8AC3E}">

--- a/Artificial Intelligence.pptx
+++ b/Artificial Intelligence.pptx
@@ -3482,14 +3482,26 @@
           <a:lstStyle/>
           <a:p>
             <a:r>
-              <a:rPr lang="en-IN" b="1" dirty="0" smtClean="0"/>
+              <a:rPr lang="en-IN" b="1" dirty="0" smtClean="0">
+                <a:solidFill>
+                  <a:srgbClr val="C00000"/>
+                </a:solidFill>
+              </a:rPr>
               <a:t>AI (Artificial Intelligence)</a:t>
             </a:r>
             <a:r>
-              <a:rPr lang="en-IN" dirty="0" smtClean="0"/>
+              <a:rPr lang="en-IN" dirty="0" smtClean="0">
+                <a:solidFill>
+                  <a:srgbClr val="C00000"/>
+                </a:solidFill>
+              </a:rPr>
               <a:t> </a:t>
             </a:r>
-            <a:endParaRPr lang="en-IN" dirty="0"/>
+            <a:endParaRPr lang="en-IN" dirty="0">
+              <a:solidFill>
+                <a:srgbClr val="C00000"/>
+              </a:solidFill>
+            </a:endParaRPr>
           </a:p>
         </p:txBody>
       </p:sp>
@@ -3858,7 +3870,7 @@
           <p:nvPr>
             <p:extLst>
               <p:ext uri="{D42A27DB-BD31-4B8C-83A1-F6EECF244321}">
-                <p14:modId xmlns:p14="http://schemas.microsoft.com/office/powerpoint/2010/main" val="2986907226"/>
+                <p14:modId xmlns:p14="http://schemas.microsoft.com/office/powerpoint/2010/main" val="3724925603"/>
               </p:ext>
             </p:extLst>
           </p:nvPr>
@@ -3888,11 +3900,15 @@
                       <a:pPr algn="ctr"/>
                       <a:r>
                         <a:rPr lang="en-US" dirty="0" smtClean="0"/>
-                        <a:t>System</a:t>
+                        <a:t>Ai System</a:t>
                       </a:r>
                       <a:r>
                         <a:rPr lang="en-US" baseline="0" dirty="0" smtClean="0"/>
-                        <a:t> Type</a:t>
+                        <a:t> </a:t>
+                      </a:r>
+                      <a:r>
+                        <a:rPr lang="en-US" baseline="0" dirty="0" smtClean="0"/>
+                        <a:t>Type</a:t>
                       </a:r>
                       <a:endParaRPr lang="en-IN" dirty="0"/>
                     </a:p>
@@ -4043,6 +4059,16 @@
                         <a:rPr lang="en-US" dirty="0" smtClean="0"/>
                         <a:t>No Extra Tool </a:t>
                       </a:r>
+                      <a:r>
+                        <a:rPr lang="en-US" dirty="0" smtClean="0"/>
+                        <a:t> </a:t>
+                      </a:r>
+                      <a:r>
+                        <a:rPr lang="en-US" dirty="0" smtClean="0">
+                          <a:sym typeface="Wingdings" panose="05000000000000000000" pitchFamily="2" charset="2"/>
+                        </a:rPr>
+                        <a:t></a:t>
+                      </a:r>
                       <a:endParaRPr lang="en-IN" dirty="0"/>
                     </a:p>
                   </a:txBody>
@@ -4093,7 +4119,7 @@
                     <a:p>
                       <a:r>
                         <a:rPr lang="en-US" dirty="0" smtClean="0"/>
-                        <a:t>Decision </a:t>
+                        <a:t>Decision</a:t>
                       </a:r>
                       <a:endParaRPr lang="en-IN" dirty="0"/>
                     </a:p>
@@ -4115,7 +4141,17 @@
                       </a:r>
                       <a:r>
                         <a:rPr lang="en-US" dirty="0" smtClean="0"/>
-                        <a:t>Decision Making</a:t>
+                        <a:t>Decision </a:t>
+                      </a:r>
+                      <a:r>
+                        <a:rPr lang="en-US" dirty="0" smtClean="0"/>
+                        <a:t>Making </a:t>
+                      </a:r>
+                      <a:r>
+                        <a:rPr lang="en-US" dirty="0" smtClean="0">
+                          <a:sym typeface="Wingdings" panose="05000000000000000000" pitchFamily="2" charset="2"/>
+                        </a:rPr>
+                        <a:t></a:t>
                       </a:r>
                       <a:endParaRPr lang="en-IN" dirty="0"/>
                     </a:p>
@@ -4307,7 +4343,7 @@
         <p:spPr>
           <a:xfrm>
             <a:off x="941231" y="287852"/>
-            <a:ext cx="3836831" cy="639428"/>
+            <a:ext cx="3836831" cy="435651"/>
           </a:xfrm>
         </p:spPr>
         <p:txBody>
@@ -4432,7 +4468,7 @@
         </p:blipFill>
         <p:spPr>
           <a:xfrm>
-            <a:off x="1609859" y="2331388"/>
+            <a:off x="1493949" y="2331388"/>
             <a:ext cx="8680360" cy="4382672"/>
           </a:xfrm>
           <a:prstGeom prst="rect">

--- a/Artificial Intelligence.pptx
+++ b/Artificial Intelligence.pptx
@@ -5,16 +5,22 @@
     <p:sldMasterId id="2147483648" r:id="rId1"/>
   </p:sldMasterIdLst>
   <p:notesMasterIdLst>
-    <p:notesMasterId r:id="rId9"/>
+    <p:notesMasterId r:id="rId15"/>
   </p:notesMasterIdLst>
   <p:sldIdLst>
-    <p:sldId id="256" r:id="rId2"/>
-    <p:sldId id="260" r:id="rId3"/>
-    <p:sldId id="257" r:id="rId4"/>
-    <p:sldId id="258" r:id="rId5"/>
-    <p:sldId id="259" r:id="rId6"/>
-    <p:sldId id="261" r:id="rId7"/>
-    <p:sldId id="262" r:id="rId8"/>
+    <p:sldId id="269" r:id="rId2"/>
+    <p:sldId id="256" r:id="rId3"/>
+    <p:sldId id="264" r:id="rId4"/>
+    <p:sldId id="260" r:id="rId5"/>
+    <p:sldId id="257" r:id="rId6"/>
+    <p:sldId id="258" r:id="rId7"/>
+    <p:sldId id="266" r:id="rId8"/>
+    <p:sldId id="259" r:id="rId9"/>
+    <p:sldId id="267" r:id="rId10"/>
+    <p:sldId id="268" r:id="rId11"/>
+    <p:sldId id="270" r:id="rId12"/>
+    <p:sldId id="271" r:id="rId13"/>
+    <p:sldId id="262" r:id="rId14"/>
   </p:sldIdLst>
   <p:sldSz cx="12192000" cy="6858000"/>
   <p:notesSz cx="6858000" cy="9144000"/>
@@ -203,7 +209,7 @@
           <a:p>
             <a:fld id="{7CAC5B4D-D46A-47A1-BA45-86DCA06F1CFF}" type="datetimeFigureOut">
               <a:rPr lang="en-IN" smtClean="0"/>
-              <a:t>04-10-2025</a:t>
+              <a:t>08-11-2025</a:t>
             </a:fld>
             <a:endParaRPr lang="en-IN"/>
           </a:p>
@@ -536,7 +542,7 @@
           <a:p>
             <a:fld id="{2288231B-6461-4DCC-9DAA-06A6EEABA9ED}" type="slidenum">
               <a:rPr lang="en-IN" smtClean="0"/>
-              <a:t>1</a:t>
+              <a:t>2</a:t>
             </a:fld>
             <a:endParaRPr lang="en-IN"/>
           </a:p>
@@ -546,6 +552,90 @@
     <p:extLst>
       <p:ext uri="{BB962C8B-B14F-4D97-AF65-F5344CB8AC3E}">
         <p14:creationId xmlns:p14="http://schemas.microsoft.com/office/powerpoint/2010/main" val="2940996313"/>
+      </p:ext>
+    </p:extLst>
+  </p:cSld>
+  <p:clrMapOvr>
+    <a:masterClrMapping/>
+  </p:clrMapOvr>
+</p:notes>
+</file>
+
+<file path=ppt/notesSlides/notesSlide2.xml><?xml version="1.0" encoding="utf-8"?>
+<p:notes xmlns:a="http://schemas.openxmlformats.org/drawingml/2006/main" xmlns:r="http://schemas.openxmlformats.org/officeDocument/2006/relationships" xmlns:p="http://schemas.openxmlformats.org/presentationml/2006/main">
+  <p:cSld>
+    <p:spTree>
+      <p:nvGrpSpPr>
+        <p:cNvPr id="1" name=""/>
+        <p:cNvGrpSpPr/>
+        <p:nvPr/>
+      </p:nvGrpSpPr>
+      <p:grpSpPr>
+        <a:xfrm>
+          <a:off x="0" y="0"/>
+          <a:ext cx="0" cy="0"/>
+          <a:chOff x="0" y="0"/>
+          <a:chExt cx="0" cy="0"/>
+        </a:xfrm>
+      </p:grpSpPr>
+      <p:sp>
+        <p:nvSpPr>
+          <p:cNvPr id="2" name="Slide Image Placeholder 1"/>
+          <p:cNvSpPr>
+            <a:spLocks noGrp="1" noRot="1" noChangeAspect="1"/>
+          </p:cNvSpPr>
+          <p:nvPr>
+            <p:ph type="sldImg"/>
+          </p:nvPr>
+        </p:nvSpPr>
+        <p:spPr/>
+      </p:sp>
+      <p:sp>
+        <p:nvSpPr>
+          <p:cNvPr id="3" name="Notes Placeholder 2"/>
+          <p:cNvSpPr>
+            <a:spLocks noGrp="1"/>
+          </p:cNvSpPr>
+          <p:nvPr>
+            <p:ph type="body" idx="1"/>
+          </p:nvPr>
+        </p:nvSpPr>
+        <p:spPr/>
+        <p:txBody>
+          <a:bodyPr/>
+          <a:lstStyle/>
+          <a:p>
+            <a:endParaRPr lang="en-IN"/>
+          </a:p>
+        </p:txBody>
+      </p:sp>
+      <p:sp>
+        <p:nvSpPr>
+          <p:cNvPr id="4" name="Slide Number Placeholder 3"/>
+          <p:cNvSpPr>
+            <a:spLocks noGrp="1"/>
+          </p:cNvSpPr>
+          <p:nvPr>
+            <p:ph type="sldNum" sz="quarter" idx="10"/>
+          </p:nvPr>
+        </p:nvSpPr>
+        <p:spPr/>
+        <p:txBody>
+          <a:bodyPr/>
+          <a:lstStyle/>
+          <a:p>
+            <a:fld id="{2288231B-6461-4DCC-9DAA-06A6EEABA9ED}" type="slidenum">
+              <a:rPr lang="en-IN" smtClean="0"/>
+              <a:t>6</a:t>
+            </a:fld>
+            <a:endParaRPr lang="en-IN"/>
+          </a:p>
+        </p:txBody>
+      </p:sp>
+    </p:spTree>
+    <p:extLst>
+      <p:ext uri="{BB962C8B-B14F-4D97-AF65-F5344CB8AC3E}">
+        <p14:creationId xmlns:p14="http://schemas.microsoft.com/office/powerpoint/2010/main" val="520383121"/>
       </p:ext>
     </p:extLst>
   </p:cSld>
@@ -686,7 +776,7 @@
           <a:p>
             <a:fld id="{07E1A95E-4C0E-47C3-99BA-4CA280822285}" type="datetime1">
               <a:rPr lang="en-IN" smtClean="0"/>
-              <a:t>04-10-2025</a:t>
+              <a:t>08-11-2025</a:t>
             </a:fld>
             <a:endParaRPr lang="en-IN"/>
           </a:p>
@@ -860,7 +950,7 @@
           <a:p>
             <a:fld id="{32F4BC1E-7EA4-4308-9013-A358519E8BD2}" type="datetime1">
               <a:rPr lang="en-IN" smtClean="0"/>
-              <a:t>04-10-2025</a:t>
+              <a:t>08-11-2025</a:t>
             </a:fld>
             <a:endParaRPr lang="en-IN"/>
           </a:p>
@@ -1044,7 +1134,7 @@
           <a:p>
             <a:fld id="{6339D21A-723A-45B5-A6B6-78A78CE57540}" type="datetime1">
               <a:rPr lang="en-IN" smtClean="0"/>
-              <a:t>04-10-2025</a:t>
+              <a:t>08-11-2025</a:t>
             </a:fld>
             <a:endParaRPr lang="en-IN"/>
           </a:p>
@@ -1218,7 +1308,7 @@
           <a:p>
             <a:fld id="{88CC28E5-488F-490F-92C5-2205B56F743F}" type="datetime1">
               <a:rPr lang="en-IN" smtClean="0"/>
-              <a:t>04-10-2025</a:t>
+              <a:t>08-11-2025</a:t>
             </a:fld>
             <a:endParaRPr lang="en-IN"/>
           </a:p>
@@ -1468,7 +1558,7 @@
           <a:p>
             <a:fld id="{18FCF267-1B02-4817-9A65-5E382C0CA52E}" type="datetime1">
               <a:rPr lang="en-IN" smtClean="0"/>
-              <a:t>04-10-2025</a:t>
+              <a:t>08-11-2025</a:t>
             </a:fld>
             <a:endParaRPr lang="en-IN"/>
           </a:p>
@@ -1704,7 +1794,7 @@
           <a:p>
             <a:fld id="{7542334F-054E-44BC-9297-4325A99C352D}" type="datetime1">
               <a:rPr lang="en-IN" smtClean="0"/>
-              <a:t>04-10-2025</a:t>
+              <a:t>08-11-2025</a:t>
             </a:fld>
             <a:endParaRPr lang="en-IN"/>
           </a:p>
@@ -2075,7 +2165,7 @@
           <a:p>
             <a:fld id="{85F4679C-8653-4994-9C00-354861EF59DB}" type="datetime1">
               <a:rPr lang="en-IN" smtClean="0"/>
-              <a:t>04-10-2025</a:t>
+              <a:t>08-11-2025</a:t>
             </a:fld>
             <a:endParaRPr lang="en-IN"/>
           </a:p>
@@ -2197,7 +2287,7 @@
           <a:p>
             <a:fld id="{F7E0C4BB-31C2-4257-B5C2-9EABF3317294}" type="datetime1">
               <a:rPr lang="en-IN" smtClean="0"/>
-              <a:t>04-10-2025</a:t>
+              <a:t>08-11-2025</a:t>
             </a:fld>
             <a:endParaRPr lang="en-IN"/>
           </a:p>
@@ -2296,7 +2386,7 @@
           <a:p>
             <a:fld id="{CBD46222-1245-48E1-AA51-5ABA1BFC0F44}" type="datetime1">
               <a:rPr lang="en-IN" smtClean="0"/>
-              <a:t>04-10-2025</a:t>
+              <a:t>08-11-2025</a:t>
             </a:fld>
             <a:endParaRPr lang="en-IN"/>
           </a:p>
@@ -2577,7 +2667,7 @@
           <a:p>
             <a:fld id="{06C4C3BA-99EE-4821-8D0A-E1D319BDFECC}" type="datetime1">
               <a:rPr lang="en-IN" smtClean="0"/>
-              <a:t>04-10-2025</a:t>
+              <a:t>08-11-2025</a:t>
             </a:fld>
             <a:endParaRPr lang="en-IN"/>
           </a:p>
@@ -2834,7 +2924,7 @@
           <a:p>
             <a:fld id="{F76C996A-B179-4052-B159-145F03CD1C19}" type="datetime1">
               <a:rPr lang="en-IN" smtClean="0"/>
-              <a:t>04-10-2025</a:t>
+              <a:t>08-11-2025</a:t>
             </a:fld>
             <a:endParaRPr lang="en-IN"/>
           </a:p>
@@ -3051,7 +3141,7 @@
           <a:p>
             <a:fld id="{0DC6AE37-3E25-445F-9A60-35C9D0284302}" type="datetime1">
               <a:rPr lang="en-IN" smtClean="0"/>
-              <a:t>04-10-2025</a:t>
+              <a:t>08-11-2025</a:t>
             </a:fld>
             <a:endParaRPr lang="en-IN"/>
           </a:p>
@@ -3463,219 +3553,1679 @@
       </p:grpSpPr>
       <p:sp>
         <p:nvSpPr>
-          <p:cNvPr id="2" name="Title 1"/>
-          <p:cNvSpPr>
-            <a:spLocks noGrp="1"/>
-          </p:cNvSpPr>
-          <p:nvPr>
-            <p:ph type="ctrTitle"/>
-          </p:nvPr>
-        </p:nvSpPr>
-        <p:spPr>
-          <a:xfrm>
-            <a:off x="1524000" y="502276"/>
-            <a:ext cx="9144000" cy="1024340"/>
-          </a:xfrm>
-        </p:spPr>
+          <p:cNvPr id="4" name="Footer Placeholder 3"/>
+          <p:cNvSpPr>
+            <a:spLocks noGrp="1"/>
+          </p:cNvSpPr>
+          <p:nvPr>
+            <p:ph type="ftr" sz="quarter" idx="11"/>
+          </p:nvPr>
+        </p:nvSpPr>
+        <p:spPr/>
         <p:txBody>
           <a:bodyPr/>
           <a:lstStyle/>
           <a:p>
             <a:r>
-              <a:rPr lang="en-IN" b="1" dirty="0" smtClean="0">
+              <a:rPr lang="en-IN" smtClean="0"/>
+              <a:t>MOHAN SUNDARAM</a:t>
+            </a:r>
+            <a:endParaRPr lang="en-IN"/>
+          </a:p>
+        </p:txBody>
+      </p:sp>
+      <p:pic>
+        <p:nvPicPr>
+          <p:cNvPr id="1026" name="Picture 2" descr="Warning Images - Free Download on Freepik"/>
+          <p:cNvPicPr>
+            <a:picLocks noChangeAspect="1" noChangeArrowheads="1"/>
+          </p:cNvPicPr>
+          <p:nvPr/>
+        </p:nvPicPr>
+        <p:blipFill>
+          <a:blip r:embed="rId2" cstate="print">
+            <a:extLst>
+              <a:ext uri="{28A0092B-C50C-407E-A947-70E740481C1C}">
+                <a14:useLocalDpi xmlns:a14="http://schemas.microsoft.com/office/drawing/2010/main" val="0"/>
+              </a:ext>
+            </a:extLst>
+          </a:blip>
+          <a:srcRect/>
+          <a:stretch>
+            <a:fillRect/>
+          </a:stretch>
+        </p:blipFill>
+        <p:spPr bwMode="auto">
+          <a:xfrm>
+            <a:off x="990599" y="399245"/>
+            <a:ext cx="1158584" cy="1158584"/>
+          </a:xfrm>
+          <a:prstGeom prst="rect">
+            <a:avLst/>
+          </a:prstGeom>
+          <a:noFill/>
+          <a:extLst>
+            <a:ext uri="{909E8E84-426E-40DD-AFC4-6F175D3DCCD1}">
+              <a14:hiddenFill xmlns:a14="http://schemas.microsoft.com/office/drawing/2010/main">
                 <a:solidFill>
-                  <a:srgbClr val="C00000"/>
+                  <a:srgbClr val="FFFFFF"/>
                 </a:solidFill>
-              </a:rPr>
-              <a:t>AI (Artificial Intelligence)</a:t>
-            </a:r>
-            <a:r>
-              <a:rPr lang="en-IN" dirty="0" smtClean="0">
-                <a:solidFill>
-                  <a:srgbClr val="C00000"/>
-                </a:solidFill>
-              </a:rPr>
-              <a:t> </a:t>
-            </a:r>
-            <a:endParaRPr lang="en-IN" dirty="0">
-              <a:solidFill>
-                <a:srgbClr val="C00000"/>
-              </a:solidFill>
-            </a:endParaRPr>
-          </a:p>
-        </p:txBody>
-      </p:sp>
-      <p:sp>
-        <p:nvSpPr>
-          <p:cNvPr id="3" name="Subtitle 2"/>
-          <p:cNvSpPr>
-            <a:spLocks noGrp="1"/>
-          </p:cNvSpPr>
-          <p:nvPr>
-            <p:ph type="subTitle" idx="1"/>
-          </p:nvPr>
-        </p:nvSpPr>
-        <p:spPr>
-          <a:xfrm>
-            <a:off x="1077533" y="1798996"/>
-            <a:ext cx="9590467" cy="4176802"/>
-          </a:xfrm>
-        </p:spPr>
-        <p:txBody>
-          <a:bodyPr>
-            <a:normAutofit fontScale="92500"/>
+              </a14:hiddenFill>
+            </a:ext>
+          </a:extLst>
+        </p:spPr>
+      </p:pic>
+      <p:sp>
+        <p:nvSpPr>
+          <p:cNvPr id="5" name="Rectangle 4"/>
+          <p:cNvSpPr/>
+          <p:nvPr/>
+        </p:nvSpPr>
+        <p:spPr>
+          <a:xfrm>
+            <a:off x="990599" y="1725254"/>
+            <a:ext cx="9943563" cy="3508653"/>
+          </a:xfrm>
+          <a:prstGeom prst="rect">
+            <a:avLst/>
+          </a:prstGeom>
+        </p:spPr>
+        <p:txBody>
+          <a:bodyPr wrap="square">
+            <a:spAutoFit/>
           </a:bodyPr>
           <a:lstStyle/>
           <a:p>
-            <a:pPr algn="l"/>
-            <a:r>
-              <a:rPr lang="en-US" b="1" dirty="0" smtClean="0"/>
-              <a:t>1956</a:t>
-            </a:r>
-            <a:r>
-              <a:rPr lang="en-US" dirty="0" smtClean="0"/>
-              <a:t> – </a:t>
-            </a:r>
-            <a:r>
-              <a:rPr lang="en-US" b="1" dirty="0" smtClean="0"/>
-              <a:t>“Artificial Intelligence”</a:t>
-            </a:r>
-            <a:r>
-              <a:rPr lang="en-US" dirty="0" smtClean="0"/>
-              <a:t> was coined at the </a:t>
-            </a:r>
-            <a:r>
-              <a:rPr lang="en-US" b="1" dirty="0" smtClean="0"/>
-              <a:t>Dartmouth Conference</a:t>
-            </a:r>
-            <a:r>
-              <a:rPr lang="en-US" dirty="0" smtClean="0"/>
-              <a:t> This event is considered the </a:t>
-            </a:r>
-            <a:r>
-              <a:rPr lang="en-US" b="1" dirty="0" smtClean="0"/>
-              <a:t>birth of AI</a:t>
-            </a:r>
-            <a:r>
-              <a:rPr lang="en-US" dirty="0" smtClean="0"/>
-              <a:t> as a research field.</a:t>
-            </a:r>
-          </a:p>
-          <a:p>
-            <a:pPr algn="l"/>
-            <a:endParaRPr lang="en-US" dirty="0"/>
-          </a:p>
-          <a:p>
-            <a:pPr algn="l"/>
-            <a:r>
-              <a:rPr lang="en-US" b="1" dirty="0" smtClean="0"/>
-              <a:t>Artificial Intelligence (AI)</a:t>
-            </a:r>
-            <a:r>
-              <a:rPr lang="en-US" dirty="0" smtClean="0"/>
-              <a:t> - Machines think, learn, and act like humans. It's about creating systems that can perceive, reason, learn, and make decisions.</a:t>
-            </a:r>
-          </a:p>
-          <a:p>
-            <a:pPr algn="l"/>
-            <a:r>
-              <a:rPr lang="en-IN" b="1" dirty="0" smtClean="0"/>
-              <a:t>LLM - Large Language Model</a:t>
-            </a:r>
-            <a:endParaRPr lang="en-US" dirty="0" smtClean="0"/>
-          </a:p>
-          <a:p>
-            <a:pPr algn="l"/>
-            <a:r>
-              <a:rPr lang="en-US" b="1" dirty="0" smtClean="0"/>
-              <a:t>Ai System Types:</a:t>
-            </a:r>
-          </a:p>
-          <a:p>
-            <a:pPr marL="342900" indent="-342900" algn="l">
+            <a:pPr algn="just"/>
+            <a:r>
+              <a:rPr lang="en-IN" sz="2400" b="1" dirty="0"/>
+              <a:t>AI Tools Usage Policy – Email </a:t>
+            </a:r>
+            <a:r>
+              <a:rPr lang="en-IN" sz="2400" b="1" dirty="0" smtClean="0"/>
+              <a:t>Guidelines:</a:t>
+            </a:r>
+          </a:p>
+          <a:p>
+            <a:pPr algn="just"/>
+            <a:endParaRPr lang="en-IN" b="1" dirty="0"/>
+          </a:p>
+          <a:p>
+            <a:pPr algn="just"/>
+            <a:r>
+              <a:rPr lang="en-IN" sz="2000" dirty="0"/>
+              <a:t>To ensure data privacy and maintain professional boundaries during AI tool experimentation:</a:t>
+            </a:r>
+          </a:p>
+          <a:p>
+            <a:pPr algn="just"/>
+            <a:endParaRPr lang="en-IN" sz="2000" dirty="0"/>
+          </a:p>
+          <a:p>
+            <a:pPr marL="285750" indent="-285750" algn="just">
               <a:buFont typeface="Arial" panose="020B0604020202020204" pitchFamily="34" charset="0"/>
               <a:buChar char="•"/>
             </a:pPr>
             <a:r>
-              <a:rPr lang="it-IT" dirty="0" smtClean="0"/>
-              <a:t>Generative AI</a:t>
-            </a:r>
-          </a:p>
-          <a:p>
-            <a:pPr marL="342900" indent="-342900" algn="l">
+              <a:rPr lang="en-IN" sz="2000" b="1" dirty="0"/>
+              <a:t>Do not use personal or finance-linked email IDs </a:t>
+            </a:r>
+            <a:r>
+              <a:rPr lang="en-IN" sz="2000" dirty="0"/>
+              <a:t>when testing or evaluating AI tools.</a:t>
+            </a:r>
+          </a:p>
+          <a:p>
+            <a:pPr algn="just"/>
+            <a:endParaRPr lang="en-IN" sz="2000" dirty="0"/>
+          </a:p>
+          <a:p>
+            <a:pPr marL="285750" indent="-285750" algn="just">
               <a:buFont typeface="Arial" panose="020B0604020202020204" pitchFamily="34" charset="0"/>
               <a:buChar char="•"/>
             </a:pPr>
             <a:r>
-              <a:rPr lang="it-IT" dirty="0" smtClean="0"/>
-              <a:t>AI agents</a:t>
-            </a:r>
-          </a:p>
-          <a:p>
-            <a:pPr marL="342900" indent="-342900" algn="l">
-              <a:buFont typeface="Arial" panose="020B0604020202020204" pitchFamily="34" charset="0"/>
-              <a:buChar char="•"/>
-            </a:pPr>
-            <a:r>
-              <a:rPr lang="it-IT" dirty="0" smtClean="0"/>
-              <a:t>Agentic </a:t>
-            </a:r>
-            <a:r>
-              <a:rPr lang="it-IT" dirty="0"/>
-              <a:t>AI</a:t>
-            </a:r>
-            <a:endParaRPr lang="en-US" dirty="0" smtClean="0"/>
-          </a:p>
-          <a:p>
-            <a:endParaRPr lang="en-US" dirty="0"/>
-          </a:p>
-          <a:p>
-            <a:endParaRPr lang="en-US" dirty="0" smtClean="0"/>
-          </a:p>
-          <a:p>
-            <a:endParaRPr lang="en-IN" dirty="0"/>
-          </a:p>
-        </p:txBody>
-      </p:sp>
-      <p:sp>
-        <p:nvSpPr>
-          <p:cNvPr id="4" name="Footer Placeholder 3"/>
-          <p:cNvSpPr>
-            <a:spLocks noGrp="1"/>
-          </p:cNvSpPr>
-          <p:nvPr>
-            <p:ph type="ftr" sz="quarter" idx="11"/>
-          </p:nvPr>
-        </p:nvSpPr>
-        <p:spPr>
-          <a:xfrm>
-            <a:off x="141668" y="6356350"/>
-            <a:ext cx="11861442" cy="365125"/>
-          </a:xfrm>
-        </p:spPr>
-        <p:txBody>
-          <a:bodyPr/>
-          <a:lstStyle/>
-          <a:p>
-            <a:pPr algn="l"/>
-            <a:r>
-              <a:rPr lang="en-IN" dirty="0" smtClean="0"/>
-              <a:t>MOHAN SUNDARAM</a:t>
-            </a:r>
-            <a:endParaRPr lang="en-IN" dirty="0"/>
+              <a:rPr lang="en-IN" sz="2000" b="1" dirty="0"/>
+              <a:t>Create a separate, dedicated email account </a:t>
+            </a:r>
+            <a:r>
+              <a:rPr lang="en-IN" sz="2000" dirty="0"/>
+              <a:t>specifically for learning, testing, and development purposes.</a:t>
+            </a:r>
+          </a:p>
+          <a:p>
+            <a:pPr algn="just"/>
+            <a:endParaRPr lang="en-IN" sz="2000" dirty="0"/>
+          </a:p>
+          <a:p>
+            <a:pPr algn="just"/>
+            <a:r>
+              <a:rPr lang="en-IN" sz="2000" dirty="0">
+                <a:latin typeface="Arial Narrow" panose="020B0606020202030204" pitchFamily="34" charset="0"/>
+              </a:rPr>
+              <a:t>This practice helps safeguard sensitive information and ensures a clean separation between personal data and experimental workflows.</a:t>
+            </a:r>
           </a:p>
         </p:txBody>
       </p:sp>
     </p:spTree>
     <p:extLst>
       <p:ext uri="{BB962C8B-B14F-4D97-AF65-F5344CB8AC3E}">
-        <p14:creationId xmlns:p14="http://schemas.microsoft.com/office/powerpoint/2010/main" val="3858129573"/>
+        <p14:creationId xmlns:p14="http://schemas.microsoft.com/office/powerpoint/2010/main" val="160553903"/>
       </p:ext>
     </p:extLst>
   </p:cSld>
   <p:clrMapOvr>
     <a:masterClrMapping/>
   </p:clrMapOvr>
+</p:sld>
+</file>
+
+<file path=ppt/slides/slide10.xml><?xml version="1.0" encoding="utf-8"?>
+<p:sld xmlns:a="http://schemas.openxmlformats.org/drawingml/2006/main" xmlns:r="http://schemas.openxmlformats.org/officeDocument/2006/relationships" xmlns:p="http://schemas.openxmlformats.org/presentationml/2006/main">
+  <p:cSld>
+    <p:spTree>
+      <p:nvGrpSpPr>
+        <p:cNvPr id="1" name=""/>
+        <p:cNvGrpSpPr/>
+        <p:nvPr/>
+      </p:nvGrpSpPr>
+      <p:grpSpPr>
+        <a:xfrm>
+          <a:off x="0" y="0"/>
+          <a:ext cx="0" cy="0"/>
+          <a:chOff x="0" y="0"/>
+          <a:chExt cx="0" cy="0"/>
+        </a:xfrm>
+      </p:grpSpPr>
+      <p:sp>
+        <p:nvSpPr>
+          <p:cNvPr id="4" name="Footer Placeholder 3"/>
+          <p:cNvSpPr>
+            <a:spLocks noGrp="1"/>
+          </p:cNvSpPr>
+          <p:nvPr>
+            <p:ph type="ftr" sz="quarter" idx="11"/>
+          </p:nvPr>
+        </p:nvSpPr>
+        <p:spPr>
+          <a:xfrm>
+            <a:off x="3987084" y="6554821"/>
+            <a:ext cx="4114800" cy="365125"/>
+          </a:xfrm>
+        </p:spPr>
+        <p:txBody>
+          <a:bodyPr/>
+          <a:lstStyle/>
+          <a:p>
+            <a:r>
+              <a:rPr lang="en-IN" dirty="0" smtClean="0"/>
+              <a:t>MOHAN SUNDARAM</a:t>
+            </a:r>
+            <a:endParaRPr lang="en-IN" dirty="0"/>
+          </a:p>
+        </p:txBody>
+      </p:sp>
+      <p:pic>
+        <p:nvPicPr>
+          <p:cNvPr id="5" name="Picture 4"/>
+          <p:cNvPicPr>
+            <a:picLocks noChangeAspect="1"/>
+          </p:cNvPicPr>
+          <p:nvPr/>
+        </p:nvPicPr>
+        <p:blipFill>
+          <a:blip r:embed="rId2"/>
+          <a:stretch>
+            <a:fillRect/>
+          </a:stretch>
+        </p:blipFill>
+        <p:spPr>
+          <a:xfrm>
+            <a:off x="775281" y="2900423"/>
+            <a:ext cx="3867150" cy="3709949"/>
+          </a:xfrm>
+          <a:prstGeom prst="rect">
+            <a:avLst/>
+          </a:prstGeom>
+        </p:spPr>
+      </p:pic>
+      <p:pic>
+        <p:nvPicPr>
+          <p:cNvPr id="8" name="Picture 7"/>
+          <p:cNvPicPr>
+            <a:picLocks noChangeAspect="1"/>
+          </p:cNvPicPr>
+          <p:nvPr/>
+        </p:nvPicPr>
+        <p:blipFill>
+          <a:blip r:embed="rId3"/>
+          <a:stretch>
+            <a:fillRect/>
+          </a:stretch>
+        </p:blipFill>
+        <p:spPr>
+          <a:xfrm>
+            <a:off x="775281" y="238460"/>
+            <a:ext cx="3867150" cy="2543175"/>
+          </a:xfrm>
+          <a:prstGeom prst="rect">
+            <a:avLst/>
+          </a:prstGeom>
+        </p:spPr>
+      </p:pic>
+      <p:pic>
+        <p:nvPicPr>
+          <p:cNvPr id="9" name="Picture 8"/>
+          <p:cNvPicPr>
+            <a:picLocks noChangeAspect="1"/>
+          </p:cNvPicPr>
+          <p:nvPr/>
+        </p:nvPicPr>
+        <p:blipFill>
+          <a:blip r:embed="rId4"/>
+          <a:stretch>
+            <a:fillRect/>
+          </a:stretch>
+        </p:blipFill>
+        <p:spPr>
+          <a:xfrm>
+            <a:off x="4835815" y="96792"/>
+            <a:ext cx="7162800" cy="4914900"/>
+          </a:xfrm>
+          <a:prstGeom prst="rect">
+            <a:avLst/>
+          </a:prstGeom>
+        </p:spPr>
+      </p:pic>
+      <p:sp>
+        <p:nvSpPr>
+          <p:cNvPr id="11" name="Oval 10"/>
+          <p:cNvSpPr/>
+          <p:nvPr/>
+        </p:nvSpPr>
+        <p:spPr>
+          <a:xfrm>
+            <a:off x="94947" y="374019"/>
+            <a:ext cx="528034" cy="488865"/>
+          </a:xfrm>
+          <a:prstGeom prst="ellipse">
+            <a:avLst/>
+          </a:prstGeom>
+        </p:spPr>
+        <p:style>
+          <a:lnRef idx="2">
+            <a:schemeClr val="accent1">
+              <a:shade val="50000"/>
+            </a:schemeClr>
+          </a:lnRef>
+          <a:fillRef idx="1">
+            <a:schemeClr val="accent1"/>
+          </a:fillRef>
+          <a:effectRef idx="0">
+            <a:schemeClr val="accent1"/>
+          </a:effectRef>
+          <a:fontRef idx="minor">
+            <a:schemeClr val="lt1"/>
+          </a:fontRef>
+        </p:style>
+        <p:txBody>
+          <a:bodyPr rtlCol="0" anchor="ctr"/>
+          <a:lstStyle/>
+          <a:p>
+            <a:pPr algn="ctr"/>
+            <a:r>
+              <a:rPr lang="en-US" sz="4000" b="1" dirty="0" smtClean="0"/>
+              <a:t>5</a:t>
+            </a:r>
+            <a:endParaRPr lang="en-IN" sz="4000" b="1" dirty="0"/>
+          </a:p>
+        </p:txBody>
+      </p:sp>
+      <p:sp>
+        <p:nvSpPr>
+          <p:cNvPr id="12" name="Oval 11"/>
+          <p:cNvSpPr/>
+          <p:nvPr/>
+        </p:nvSpPr>
+        <p:spPr>
+          <a:xfrm>
+            <a:off x="94947" y="4121150"/>
+            <a:ext cx="528034" cy="488865"/>
+          </a:xfrm>
+          <a:prstGeom prst="ellipse">
+            <a:avLst/>
+          </a:prstGeom>
+        </p:spPr>
+        <p:style>
+          <a:lnRef idx="2">
+            <a:schemeClr val="accent1">
+              <a:shade val="50000"/>
+            </a:schemeClr>
+          </a:lnRef>
+          <a:fillRef idx="1">
+            <a:schemeClr val="accent1"/>
+          </a:fillRef>
+          <a:effectRef idx="0">
+            <a:schemeClr val="accent1"/>
+          </a:effectRef>
+          <a:fontRef idx="minor">
+            <a:schemeClr val="lt1"/>
+          </a:fontRef>
+        </p:style>
+        <p:txBody>
+          <a:bodyPr rtlCol="0" anchor="ctr"/>
+          <a:lstStyle/>
+          <a:p>
+            <a:pPr algn="ctr"/>
+            <a:r>
+              <a:rPr lang="en-US" sz="4000" b="1" dirty="0" smtClean="0"/>
+              <a:t>6</a:t>
+            </a:r>
+            <a:endParaRPr lang="en-IN" sz="4000" b="1" dirty="0"/>
+          </a:p>
+        </p:txBody>
+      </p:sp>
+      <p:sp>
+        <p:nvSpPr>
+          <p:cNvPr id="13" name="Oval 12"/>
+          <p:cNvSpPr/>
+          <p:nvPr/>
+        </p:nvSpPr>
+        <p:spPr>
+          <a:xfrm>
+            <a:off x="10844011" y="174065"/>
+            <a:ext cx="528034" cy="488865"/>
+          </a:xfrm>
+          <a:prstGeom prst="ellipse">
+            <a:avLst/>
+          </a:prstGeom>
+        </p:spPr>
+        <p:style>
+          <a:lnRef idx="2">
+            <a:schemeClr val="accent1">
+              <a:shade val="50000"/>
+            </a:schemeClr>
+          </a:lnRef>
+          <a:fillRef idx="1">
+            <a:schemeClr val="accent1"/>
+          </a:fillRef>
+          <a:effectRef idx="0">
+            <a:schemeClr val="accent1"/>
+          </a:effectRef>
+          <a:fontRef idx="minor">
+            <a:schemeClr val="lt1"/>
+          </a:fontRef>
+        </p:style>
+        <p:txBody>
+          <a:bodyPr rtlCol="0" anchor="ctr"/>
+          <a:lstStyle/>
+          <a:p>
+            <a:pPr algn="ctr"/>
+            <a:r>
+              <a:rPr lang="en-US" sz="4000" b="1" dirty="0" smtClean="0"/>
+              <a:t>7</a:t>
+            </a:r>
+            <a:endParaRPr lang="en-IN" sz="4000" b="1" dirty="0"/>
+          </a:p>
+        </p:txBody>
+      </p:sp>
+      <p:pic>
+        <p:nvPicPr>
+          <p:cNvPr id="15" name="Picture 14"/>
+          <p:cNvPicPr>
+            <a:picLocks noChangeAspect="1"/>
+          </p:cNvPicPr>
+          <p:nvPr/>
+        </p:nvPicPr>
+        <p:blipFill>
+          <a:blip r:embed="rId5"/>
+          <a:stretch>
+            <a:fillRect/>
+          </a:stretch>
+        </p:blipFill>
+        <p:spPr>
+          <a:xfrm>
+            <a:off x="3588040" y="4010047"/>
+            <a:ext cx="8410575" cy="2600325"/>
+          </a:xfrm>
+          <a:prstGeom prst="rect">
+            <a:avLst/>
+          </a:prstGeom>
+        </p:spPr>
+      </p:pic>
+      <p:sp>
+        <p:nvSpPr>
+          <p:cNvPr id="17" name="Oval 16"/>
+          <p:cNvSpPr/>
+          <p:nvPr/>
+        </p:nvSpPr>
+        <p:spPr>
+          <a:xfrm>
+            <a:off x="7455190" y="4286077"/>
+            <a:ext cx="528034" cy="488865"/>
+          </a:xfrm>
+          <a:prstGeom prst="ellipse">
+            <a:avLst/>
+          </a:prstGeom>
+        </p:spPr>
+        <p:style>
+          <a:lnRef idx="2">
+            <a:schemeClr val="accent1">
+              <a:shade val="50000"/>
+            </a:schemeClr>
+          </a:lnRef>
+          <a:fillRef idx="1">
+            <a:schemeClr val="accent1"/>
+          </a:fillRef>
+          <a:effectRef idx="0">
+            <a:schemeClr val="accent1"/>
+          </a:effectRef>
+          <a:fontRef idx="minor">
+            <a:schemeClr val="lt1"/>
+          </a:fontRef>
+        </p:style>
+        <p:txBody>
+          <a:bodyPr rtlCol="0" anchor="ctr"/>
+          <a:lstStyle/>
+          <a:p>
+            <a:pPr algn="ctr"/>
+            <a:r>
+              <a:rPr lang="en-US" sz="4000" b="1" dirty="0" smtClean="0"/>
+              <a:t>8</a:t>
+            </a:r>
+            <a:endParaRPr lang="en-IN" sz="4000" b="1" dirty="0"/>
+          </a:p>
+        </p:txBody>
+      </p:sp>
+    </p:spTree>
+    <p:extLst>
+      <p:ext uri="{BB962C8B-B14F-4D97-AF65-F5344CB8AC3E}">
+        <p14:creationId xmlns:p14="http://schemas.microsoft.com/office/powerpoint/2010/main" val="2984993590"/>
+      </p:ext>
+    </p:extLst>
+  </p:cSld>
+  <p:clrMapOvr>
+    <a:masterClrMapping/>
+  </p:clrMapOvr>
+  <p:timing>
+    <p:tnLst>
+      <p:par>
+        <p:cTn id="1" dur="indefinite" restart="never" nodeType="tmRoot"/>
+      </p:par>
+    </p:tnLst>
+  </p:timing>
+</p:sld>
+</file>
+
+<file path=ppt/slides/slide11.xml><?xml version="1.0" encoding="utf-8"?>
+<p:sld xmlns:a="http://schemas.openxmlformats.org/drawingml/2006/main" xmlns:r="http://schemas.openxmlformats.org/officeDocument/2006/relationships" xmlns:p="http://schemas.openxmlformats.org/presentationml/2006/main">
+  <p:cSld>
+    <p:spTree>
+      <p:nvGrpSpPr>
+        <p:cNvPr id="1" name=""/>
+        <p:cNvGrpSpPr/>
+        <p:nvPr/>
+      </p:nvGrpSpPr>
+      <p:grpSpPr>
+        <a:xfrm>
+          <a:off x="0" y="0"/>
+          <a:ext cx="0" cy="0"/>
+          <a:chOff x="0" y="0"/>
+          <a:chExt cx="0" cy="0"/>
+        </a:xfrm>
+      </p:grpSpPr>
+      <p:sp>
+        <p:nvSpPr>
+          <p:cNvPr id="4" name="Footer Placeholder 3"/>
+          <p:cNvSpPr>
+            <a:spLocks noGrp="1"/>
+          </p:cNvSpPr>
+          <p:nvPr>
+            <p:ph type="ftr" sz="quarter" idx="11"/>
+          </p:nvPr>
+        </p:nvSpPr>
+        <p:spPr/>
+        <p:txBody>
+          <a:bodyPr/>
+          <a:lstStyle/>
+          <a:p>
+            <a:r>
+              <a:rPr lang="en-IN" smtClean="0"/>
+              <a:t>MOHAN SUNDARAM</a:t>
+            </a:r>
+            <a:endParaRPr lang="en-IN"/>
+          </a:p>
+        </p:txBody>
+      </p:sp>
+      <p:sp>
+        <p:nvSpPr>
+          <p:cNvPr id="6" name="TextBox 5"/>
+          <p:cNvSpPr txBox="1"/>
+          <p:nvPr/>
+        </p:nvSpPr>
+        <p:spPr>
+          <a:xfrm>
+            <a:off x="565397" y="180304"/>
+            <a:ext cx="11089984" cy="1292662"/>
+          </a:xfrm>
+          <a:prstGeom prst="rect">
+            <a:avLst/>
+          </a:prstGeom>
+          <a:noFill/>
+        </p:spPr>
+        <p:txBody>
+          <a:bodyPr wrap="square" rtlCol="0">
+            <a:spAutoFit/>
+          </a:bodyPr>
+          <a:lstStyle/>
+          <a:p>
+            <a:r>
+              <a:rPr lang="en-IN" sz="2400" b="1" dirty="0">
+                <a:solidFill>
+                  <a:srgbClr val="0000FF"/>
+                </a:solidFill>
+              </a:rPr>
+              <a:t>AI prompt </a:t>
+            </a:r>
+            <a:r>
+              <a:rPr lang="en-IN" sz="2400" b="1" dirty="0" smtClean="0">
+                <a:solidFill>
+                  <a:srgbClr val="0000FF"/>
+                </a:solidFill>
+              </a:rPr>
+              <a:t>Engineering:</a:t>
+            </a:r>
+          </a:p>
+          <a:p>
+            <a:endParaRPr lang="en-US" dirty="0"/>
+          </a:p>
+          <a:p>
+            <a:r>
+              <a:rPr lang="en-US" dirty="0"/>
+              <a:t>Create a friends-themed snake game with background music, obstacles, power-ups, and speed boosts. Make it ready to deploy PWA (Manifest, Service worker, icons) and give me a zip with all the assets included.</a:t>
+            </a:r>
+            <a:endParaRPr lang="en-IN" dirty="0"/>
+          </a:p>
+        </p:txBody>
+      </p:sp>
+      <p:pic>
+        <p:nvPicPr>
+          <p:cNvPr id="7" name="Picture 6"/>
+          <p:cNvPicPr>
+            <a:picLocks noChangeAspect="1"/>
+          </p:cNvPicPr>
+          <p:nvPr/>
+        </p:nvPicPr>
+        <p:blipFill>
+          <a:blip r:embed="rId2"/>
+          <a:stretch>
+            <a:fillRect/>
+          </a:stretch>
+        </p:blipFill>
+        <p:spPr>
+          <a:xfrm>
+            <a:off x="1563508" y="1378306"/>
+            <a:ext cx="8124825" cy="2419350"/>
+          </a:xfrm>
+          <a:prstGeom prst="rect">
+            <a:avLst/>
+          </a:prstGeom>
+        </p:spPr>
+      </p:pic>
+      <p:pic>
+        <p:nvPicPr>
+          <p:cNvPr id="9" name="Picture 8"/>
+          <p:cNvPicPr>
+            <a:picLocks noChangeAspect="1"/>
+          </p:cNvPicPr>
+          <p:nvPr/>
+        </p:nvPicPr>
+        <p:blipFill>
+          <a:blip r:embed="rId3"/>
+          <a:stretch>
+            <a:fillRect/>
+          </a:stretch>
+        </p:blipFill>
+        <p:spPr>
+          <a:xfrm>
+            <a:off x="1858649" y="3797656"/>
+            <a:ext cx="7058025" cy="1495425"/>
+          </a:xfrm>
+          <a:prstGeom prst="rect">
+            <a:avLst/>
+          </a:prstGeom>
+        </p:spPr>
+      </p:pic>
+      <p:sp>
+        <p:nvSpPr>
+          <p:cNvPr id="10" name="Oval 9"/>
+          <p:cNvSpPr/>
+          <p:nvPr/>
+        </p:nvSpPr>
+        <p:spPr>
+          <a:xfrm>
+            <a:off x="3510566" y="1815694"/>
+            <a:ext cx="528034" cy="488865"/>
+          </a:xfrm>
+          <a:prstGeom prst="ellipse">
+            <a:avLst/>
+          </a:prstGeom>
+        </p:spPr>
+        <p:style>
+          <a:lnRef idx="2">
+            <a:schemeClr val="accent1">
+              <a:shade val="50000"/>
+            </a:schemeClr>
+          </a:lnRef>
+          <a:fillRef idx="1">
+            <a:schemeClr val="accent1"/>
+          </a:fillRef>
+          <a:effectRef idx="0">
+            <a:schemeClr val="accent1"/>
+          </a:effectRef>
+          <a:fontRef idx="minor">
+            <a:schemeClr val="lt1"/>
+          </a:fontRef>
+        </p:style>
+        <p:txBody>
+          <a:bodyPr rtlCol="0" anchor="ctr"/>
+          <a:lstStyle/>
+          <a:p>
+            <a:pPr algn="ctr"/>
+            <a:r>
+              <a:rPr lang="en-US" sz="4000" b="1" dirty="0" smtClean="0"/>
+              <a:t>1</a:t>
+            </a:r>
+            <a:endParaRPr lang="en-IN" sz="4000" b="1" dirty="0"/>
+          </a:p>
+        </p:txBody>
+      </p:sp>
+      <p:sp>
+        <p:nvSpPr>
+          <p:cNvPr id="11" name="Oval 10"/>
+          <p:cNvSpPr/>
+          <p:nvPr/>
+        </p:nvSpPr>
+        <p:spPr>
+          <a:xfrm>
+            <a:off x="3510566" y="3134030"/>
+            <a:ext cx="528034" cy="488865"/>
+          </a:xfrm>
+          <a:prstGeom prst="ellipse">
+            <a:avLst/>
+          </a:prstGeom>
+        </p:spPr>
+        <p:style>
+          <a:lnRef idx="2">
+            <a:schemeClr val="accent1">
+              <a:shade val="50000"/>
+            </a:schemeClr>
+          </a:lnRef>
+          <a:fillRef idx="1">
+            <a:schemeClr val="accent1"/>
+          </a:fillRef>
+          <a:effectRef idx="0">
+            <a:schemeClr val="accent1"/>
+          </a:effectRef>
+          <a:fontRef idx="minor">
+            <a:schemeClr val="lt1"/>
+          </a:fontRef>
+        </p:style>
+        <p:txBody>
+          <a:bodyPr rtlCol="0" anchor="ctr"/>
+          <a:lstStyle/>
+          <a:p>
+            <a:pPr algn="ctr"/>
+            <a:r>
+              <a:rPr lang="en-US" sz="4000" b="1" dirty="0"/>
+              <a:t>2</a:t>
+            </a:r>
+            <a:endParaRPr lang="en-IN" sz="4000" b="1" dirty="0"/>
+          </a:p>
+        </p:txBody>
+      </p:sp>
+      <p:sp>
+        <p:nvSpPr>
+          <p:cNvPr id="12" name="Oval 11"/>
+          <p:cNvSpPr/>
+          <p:nvPr/>
+        </p:nvSpPr>
+        <p:spPr>
+          <a:xfrm>
+            <a:off x="1296955" y="4189089"/>
+            <a:ext cx="528034" cy="488865"/>
+          </a:xfrm>
+          <a:prstGeom prst="ellipse">
+            <a:avLst/>
+          </a:prstGeom>
+        </p:spPr>
+        <p:style>
+          <a:lnRef idx="2">
+            <a:schemeClr val="accent1">
+              <a:shade val="50000"/>
+            </a:schemeClr>
+          </a:lnRef>
+          <a:fillRef idx="1">
+            <a:schemeClr val="accent1"/>
+          </a:fillRef>
+          <a:effectRef idx="0">
+            <a:schemeClr val="accent1"/>
+          </a:effectRef>
+          <a:fontRef idx="minor">
+            <a:schemeClr val="lt1"/>
+          </a:fontRef>
+        </p:style>
+        <p:txBody>
+          <a:bodyPr rtlCol="0" anchor="ctr"/>
+          <a:lstStyle/>
+          <a:p>
+            <a:pPr algn="ctr"/>
+            <a:r>
+              <a:rPr lang="en-US" sz="4000" b="1" dirty="0"/>
+              <a:t>3</a:t>
+            </a:r>
+            <a:endParaRPr lang="en-IN" sz="4000" b="1" dirty="0"/>
+          </a:p>
+        </p:txBody>
+      </p:sp>
+      <p:sp>
+        <p:nvSpPr>
+          <p:cNvPr id="13" name="Rectangle 12"/>
+          <p:cNvSpPr/>
+          <p:nvPr/>
+        </p:nvSpPr>
+        <p:spPr>
+          <a:xfrm>
+            <a:off x="1987062" y="5634286"/>
+            <a:ext cx="7245641" cy="369332"/>
+          </a:xfrm>
+          <a:prstGeom prst="rect">
+            <a:avLst/>
+          </a:prstGeom>
+        </p:spPr>
+        <p:txBody>
+          <a:bodyPr wrap="square">
+            <a:spAutoFit/>
+          </a:bodyPr>
+          <a:lstStyle/>
+          <a:p>
+            <a:r>
+              <a:rPr lang="en-IN" dirty="0">
+                <a:hlinkClick r:id="rId4"/>
+              </a:rPr>
+              <a:t>https://</a:t>
+            </a:r>
+            <a:r>
+              <a:rPr lang="en-IN" dirty="0" smtClean="0">
+                <a:hlinkClick r:id="rId4"/>
+              </a:rPr>
+              <a:t>app.netlify.com/teams/mohan4295work/projects</a:t>
+            </a:r>
+            <a:endParaRPr lang="en-IN" dirty="0" smtClean="0"/>
+          </a:p>
+        </p:txBody>
+      </p:sp>
+      <p:pic>
+        <p:nvPicPr>
+          <p:cNvPr id="16" name="Picture 15"/>
+          <p:cNvPicPr>
+            <a:picLocks noChangeAspect="1"/>
+          </p:cNvPicPr>
+          <p:nvPr/>
+        </p:nvPicPr>
+        <p:blipFill>
+          <a:blip r:embed="rId5"/>
+          <a:stretch>
+            <a:fillRect/>
+          </a:stretch>
+        </p:blipFill>
+        <p:spPr>
+          <a:xfrm>
+            <a:off x="7444124" y="4995658"/>
+            <a:ext cx="3535382" cy="1543285"/>
+          </a:xfrm>
+          <a:prstGeom prst="rect">
+            <a:avLst/>
+          </a:prstGeom>
+        </p:spPr>
+      </p:pic>
+      <p:sp>
+        <p:nvSpPr>
+          <p:cNvPr id="17" name="Oval 16"/>
+          <p:cNvSpPr/>
+          <p:nvPr/>
+        </p:nvSpPr>
+        <p:spPr>
+          <a:xfrm>
+            <a:off x="1296955" y="5415652"/>
+            <a:ext cx="528034" cy="488865"/>
+          </a:xfrm>
+          <a:prstGeom prst="ellipse">
+            <a:avLst/>
+          </a:prstGeom>
+        </p:spPr>
+        <p:style>
+          <a:lnRef idx="2">
+            <a:schemeClr val="accent1">
+              <a:shade val="50000"/>
+            </a:schemeClr>
+          </a:lnRef>
+          <a:fillRef idx="1">
+            <a:schemeClr val="accent1"/>
+          </a:fillRef>
+          <a:effectRef idx="0">
+            <a:schemeClr val="accent1"/>
+          </a:effectRef>
+          <a:fontRef idx="minor">
+            <a:schemeClr val="lt1"/>
+          </a:fontRef>
+        </p:style>
+        <p:txBody>
+          <a:bodyPr rtlCol="0" anchor="ctr"/>
+          <a:lstStyle/>
+          <a:p>
+            <a:pPr algn="ctr"/>
+            <a:r>
+              <a:rPr lang="en-US" sz="4000" b="1" dirty="0"/>
+              <a:t>4</a:t>
+            </a:r>
+            <a:endParaRPr lang="en-IN" sz="4000" b="1" dirty="0"/>
+          </a:p>
+        </p:txBody>
+      </p:sp>
+      <p:pic>
+        <p:nvPicPr>
+          <p:cNvPr id="18" name="Picture 17"/>
+          <p:cNvPicPr>
+            <a:picLocks noChangeAspect="1"/>
+          </p:cNvPicPr>
+          <p:nvPr/>
+        </p:nvPicPr>
+        <p:blipFill>
+          <a:blip r:embed="rId6"/>
+          <a:stretch>
+            <a:fillRect/>
+          </a:stretch>
+        </p:blipFill>
+        <p:spPr>
+          <a:xfrm>
+            <a:off x="2401911" y="1472966"/>
+            <a:ext cx="1219200" cy="352425"/>
+          </a:xfrm>
+          <a:prstGeom prst="rect">
+            <a:avLst/>
+          </a:prstGeom>
+        </p:spPr>
+      </p:pic>
+      <p:sp>
+        <p:nvSpPr>
+          <p:cNvPr id="19" name="Rectangle 18"/>
+          <p:cNvSpPr/>
+          <p:nvPr/>
+        </p:nvSpPr>
+        <p:spPr>
+          <a:xfrm>
+            <a:off x="1987062" y="5290753"/>
+            <a:ext cx="2670603" cy="369332"/>
+          </a:xfrm>
+          <a:prstGeom prst="rect">
+            <a:avLst/>
+          </a:prstGeom>
+        </p:spPr>
+        <p:txBody>
+          <a:bodyPr wrap="none">
+            <a:spAutoFit/>
+          </a:bodyPr>
+          <a:lstStyle/>
+          <a:p>
+            <a:r>
+              <a:rPr lang="en-IN" b="1" dirty="0">
+                <a:solidFill>
+                  <a:srgbClr val="00B050"/>
+                </a:solidFill>
+              </a:rPr>
+              <a:t>https://www.netlify.com/</a:t>
+            </a:r>
+          </a:p>
+        </p:txBody>
+      </p:sp>
+    </p:spTree>
+    <p:extLst>
+      <p:ext uri="{BB962C8B-B14F-4D97-AF65-F5344CB8AC3E}">
+        <p14:creationId xmlns:p14="http://schemas.microsoft.com/office/powerpoint/2010/main" val="3571253534"/>
+      </p:ext>
+    </p:extLst>
+  </p:cSld>
+  <p:clrMapOvr>
+    <a:masterClrMapping/>
+  </p:clrMapOvr>
+</p:sld>
+</file>
+
+<file path=ppt/slides/slide12.xml><?xml version="1.0" encoding="utf-8"?>
+<p:sld xmlns:a="http://schemas.openxmlformats.org/drawingml/2006/main" xmlns:r="http://schemas.openxmlformats.org/officeDocument/2006/relationships" xmlns:p="http://schemas.openxmlformats.org/presentationml/2006/main">
+  <p:cSld>
+    <p:spTree>
+      <p:nvGrpSpPr>
+        <p:cNvPr id="1" name=""/>
+        <p:cNvGrpSpPr/>
+        <p:nvPr/>
+      </p:nvGrpSpPr>
+      <p:grpSpPr>
+        <a:xfrm>
+          <a:off x="0" y="0"/>
+          <a:ext cx="0" cy="0"/>
+          <a:chOff x="0" y="0"/>
+          <a:chExt cx="0" cy="0"/>
+        </a:xfrm>
+      </p:grpSpPr>
+      <p:sp>
+        <p:nvSpPr>
+          <p:cNvPr id="4" name="Footer Placeholder 3"/>
+          <p:cNvSpPr>
+            <a:spLocks noGrp="1"/>
+          </p:cNvSpPr>
+          <p:nvPr>
+            <p:ph type="ftr" sz="quarter" idx="11"/>
+          </p:nvPr>
+        </p:nvSpPr>
+        <p:spPr/>
+        <p:txBody>
+          <a:bodyPr/>
+          <a:lstStyle/>
+          <a:p>
+            <a:r>
+              <a:rPr lang="en-IN" smtClean="0"/>
+              <a:t>MOHAN SUNDARAM</a:t>
+            </a:r>
+            <a:endParaRPr lang="en-IN"/>
+          </a:p>
+        </p:txBody>
+      </p:sp>
+      <p:pic>
+        <p:nvPicPr>
+          <p:cNvPr id="5" name="Picture 4"/>
+          <p:cNvPicPr>
+            <a:picLocks noChangeAspect="1"/>
+          </p:cNvPicPr>
+          <p:nvPr/>
+        </p:nvPicPr>
+        <p:blipFill>
+          <a:blip r:embed="rId2"/>
+          <a:stretch>
+            <a:fillRect/>
+          </a:stretch>
+        </p:blipFill>
+        <p:spPr>
+          <a:xfrm>
+            <a:off x="255626" y="881201"/>
+            <a:ext cx="6362096" cy="2714391"/>
+          </a:xfrm>
+          <a:prstGeom prst="rect">
+            <a:avLst/>
+          </a:prstGeom>
+        </p:spPr>
+      </p:pic>
+      <p:pic>
+        <p:nvPicPr>
+          <p:cNvPr id="6" name="Picture 5"/>
+          <p:cNvPicPr>
+            <a:picLocks noChangeAspect="1"/>
+          </p:cNvPicPr>
+          <p:nvPr/>
+        </p:nvPicPr>
+        <p:blipFill>
+          <a:blip r:embed="rId3"/>
+          <a:stretch>
+            <a:fillRect/>
+          </a:stretch>
+        </p:blipFill>
+        <p:spPr>
+          <a:xfrm>
+            <a:off x="5533583" y="3051109"/>
+            <a:ext cx="6493293" cy="3670366"/>
+          </a:xfrm>
+          <a:prstGeom prst="rect">
+            <a:avLst/>
+          </a:prstGeom>
+        </p:spPr>
+      </p:pic>
+      <p:sp>
+        <p:nvSpPr>
+          <p:cNvPr id="7" name="Rectangle 6"/>
+          <p:cNvSpPr/>
+          <p:nvPr/>
+        </p:nvSpPr>
+        <p:spPr>
+          <a:xfrm>
+            <a:off x="434820" y="4530119"/>
+            <a:ext cx="4674870" cy="369332"/>
+          </a:xfrm>
+          <a:prstGeom prst="rect">
+            <a:avLst/>
+          </a:prstGeom>
+        </p:spPr>
+        <p:txBody>
+          <a:bodyPr wrap="none">
+            <a:spAutoFit/>
+          </a:bodyPr>
+          <a:lstStyle/>
+          <a:p>
+            <a:r>
+              <a:rPr lang="en-IN" b="1" dirty="0"/>
+              <a:t>https://friends-snake-pwa-chatgpt.netlify.app/</a:t>
+            </a:r>
+          </a:p>
+        </p:txBody>
+      </p:sp>
+      <p:sp>
+        <p:nvSpPr>
+          <p:cNvPr id="8" name="Oval 7"/>
+          <p:cNvSpPr/>
+          <p:nvPr/>
+        </p:nvSpPr>
+        <p:spPr>
+          <a:xfrm>
+            <a:off x="4644041" y="269392"/>
+            <a:ext cx="528034" cy="488865"/>
+          </a:xfrm>
+          <a:prstGeom prst="ellipse">
+            <a:avLst/>
+          </a:prstGeom>
+        </p:spPr>
+        <p:style>
+          <a:lnRef idx="2">
+            <a:schemeClr val="accent1">
+              <a:shade val="50000"/>
+            </a:schemeClr>
+          </a:lnRef>
+          <a:fillRef idx="1">
+            <a:schemeClr val="accent1"/>
+          </a:fillRef>
+          <a:effectRef idx="0">
+            <a:schemeClr val="accent1"/>
+          </a:effectRef>
+          <a:fontRef idx="minor">
+            <a:schemeClr val="lt1"/>
+          </a:fontRef>
+        </p:style>
+        <p:txBody>
+          <a:bodyPr rtlCol="0" anchor="ctr"/>
+          <a:lstStyle/>
+          <a:p>
+            <a:pPr algn="ctr"/>
+            <a:r>
+              <a:rPr lang="en-US" sz="4000" b="1" dirty="0"/>
+              <a:t>5</a:t>
+            </a:r>
+            <a:endParaRPr lang="en-IN" sz="4000" b="1" dirty="0"/>
+          </a:p>
+        </p:txBody>
+      </p:sp>
+      <p:sp>
+        <p:nvSpPr>
+          <p:cNvPr id="9" name="Oval 8"/>
+          <p:cNvSpPr/>
+          <p:nvPr/>
+        </p:nvSpPr>
+        <p:spPr>
+          <a:xfrm>
+            <a:off x="1401812" y="1993963"/>
+            <a:ext cx="528034" cy="488865"/>
+          </a:xfrm>
+          <a:prstGeom prst="ellipse">
+            <a:avLst/>
+          </a:prstGeom>
+        </p:spPr>
+        <p:style>
+          <a:lnRef idx="2">
+            <a:schemeClr val="accent1">
+              <a:shade val="50000"/>
+            </a:schemeClr>
+          </a:lnRef>
+          <a:fillRef idx="1">
+            <a:schemeClr val="accent1"/>
+          </a:fillRef>
+          <a:effectRef idx="0">
+            <a:schemeClr val="accent1"/>
+          </a:effectRef>
+          <a:fontRef idx="minor">
+            <a:schemeClr val="lt1"/>
+          </a:fontRef>
+        </p:style>
+        <p:txBody>
+          <a:bodyPr rtlCol="0" anchor="ctr"/>
+          <a:lstStyle/>
+          <a:p>
+            <a:pPr algn="ctr"/>
+            <a:r>
+              <a:rPr lang="en-US" sz="4000" b="1" dirty="0" smtClean="0"/>
+              <a:t>6</a:t>
+            </a:r>
+            <a:endParaRPr lang="en-IN" sz="4000" b="1" dirty="0"/>
+          </a:p>
+        </p:txBody>
+      </p:sp>
+      <p:pic>
+        <p:nvPicPr>
+          <p:cNvPr id="11" name="Picture 10"/>
+          <p:cNvPicPr>
+            <a:picLocks noChangeAspect="1"/>
+          </p:cNvPicPr>
+          <p:nvPr/>
+        </p:nvPicPr>
+        <p:blipFill>
+          <a:blip r:embed="rId4"/>
+          <a:stretch>
+            <a:fillRect/>
+          </a:stretch>
+        </p:blipFill>
+        <p:spPr>
+          <a:xfrm>
+            <a:off x="5172075" y="89747"/>
+            <a:ext cx="7019925" cy="1209675"/>
+          </a:xfrm>
+          <a:prstGeom prst="rect">
+            <a:avLst/>
+          </a:prstGeom>
+        </p:spPr>
+      </p:pic>
+      <p:sp>
+        <p:nvSpPr>
+          <p:cNvPr id="12" name="Oval 11"/>
+          <p:cNvSpPr/>
+          <p:nvPr/>
+        </p:nvSpPr>
+        <p:spPr>
+          <a:xfrm>
+            <a:off x="2536183" y="3910756"/>
+            <a:ext cx="528034" cy="488865"/>
+          </a:xfrm>
+          <a:prstGeom prst="ellipse">
+            <a:avLst/>
+          </a:prstGeom>
+        </p:spPr>
+        <p:style>
+          <a:lnRef idx="2">
+            <a:schemeClr val="accent1">
+              <a:shade val="50000"/>
+            </a:schemeClr>
+          </a:lnRef>
+          <a:fillRef idx="1">
+            <a:schemeClr val="accent1"/>
+          </a:fillRef>
+          <a:effectRef idx="0">
+            <a:schemeClr val="accent1"/>
+          </a:effectRef>
+          <a:fontRef idx="minor">
+            <a:schemeClr val="lt1"/>
+          </a:fontRef>
+        </p:style>
+        <p:txBody>
+          <a:bodyPr rtlCol="0" anchor="ctr"/>
+          <a:lstStyle/>
+          <a:p>
+            <a:pPr algn="ctr"/>
+            <a:r>
+              <a:rPr lang="en-US" sz="4000" b="1" dirty="0" smtClean="0"/>
+              <a:t>7</a:t>
+            </a:r>
+            <a:endParaRPr lang="en-IN" sz="4000" b="1" dirty="0"/>
+          </a:p>
+        </p:txBody>
+      </p:sp>
+    </p:spTree>
+    <p:extLst>
+      <p:ext uri="{BB962C8B-B14F-4D97-AF65-F5344CB8AC3E}">
+        <p14:creationId xmlns:p14="http://schemas.microsoft.com/office/powerpoint/2010/main" val="3649975769"/>
+      </p:ext>
+    </p:extLst>
+  </p:cSld>
+  <p:clrMapOvr>
+    <a:masterClrMapping/>
+  </p:clrMapOvr>
+</p:sld>
+</file>
+
+<file path=ppt/slides/slide13.xml><?xml version="1.0" encoding="utf-8"?>
+<p:sld xmlns:a="http://schemas.openxmlformats.org/drawingml/2006/main" xmlns:r="http://schemas.openxmlformats.org/officeDocument/2006/relationships" xmlns:p="http://schemas.openxmlformats.org/presentationml/2006/main">
+  <p:cSld>
+    <p:spTree>
+      <p:nvGrpSpPr>
+        <p:cNvPr id="1" name=""/>
+        <p:cNvGrpSpPr/>
+        <p:nvPr/>
+      </p:nvGrpSpPr>
+      <p:grpSpPr>
+        <a:xfrm>
+          <a:off x="0" y="0"/>
+          <a:ext cx="0" cy="0"/>
+          <a:chOff x="0" y="0"/>
+          <a:chExt cx="0" cy="0"/>
+        </a:xfrm>
+      </p:grpSpPr>
+      <p:sp>
+        <p:nvSpPr>
+          <p:cNvPr id="2" name="Title 1"/>
+          <p:cNvSpPr>
+            <a:spLocks noGrp="1"/>
+          </p:cNvSpPr>
+          <p:nvPr>
+            <p:ph type="title"/>
+          </p:nvPr>
+        </p:nvSpPr>
+        <p:spPr>
+          <a:xfrm>
+            <a:off x="6503947" y="1288113"/>
+            <a:ext cx="5384980" cy="436235"/>
+          </a:xfrm>
+        </p:spPr>
+        <p:txBody>
+          <a:bodyPr>
+            <a:normAutofit/>
+          </a:bodyPr>
+          <a:lstStyle/>
+          <a:p>
+            <a:r>
+              <a:rPr lang="en-US" sz="2400" b="1" dirty="0" smtClean="0">
+                <a:latin typeface="Bahnschrift" panose="020B0502040204020203" pitchFamily="34" charset="0"/>
+              </a:rPr>
+              <a:t>Mohan Sundaram Blogger &amp; Links</a:t>
+            </a:r>
+            <a:endParaRPr lang="en-IN" sz="2400" b="1" dirty="0">
+              <a:latin typeface="Bahnschrift" panose="020B0502040204020203" pitchFamily="34" charset="0"/>
+            </a:endParaRPr>
+          </a:p>
+        </p:txBody>
+      </p:sp>
+      <p:sp>
+        <p:nvSpPr>
+          <p:cNvPr id="4" name="Footer Placeholder 3"/>
+          <p:cNvSpPr>
+            <a:spLocks noGrp="1"/>
+          </p:cNvSpPr>
+          <p:nvPr>
+            <p:ph type="ftr" sz="quarter" idx="11"/>
+          </p:nvPr>
+        </p:nvSpPr>
+        <p:spPr/>
+        <p:txBody>
+          <a:bodyPr/>
+          <a:lstStyle/>
+          <a:p>
+            <a:r>
+              <a:rPr lang="en-IN" smtClean="0"/>
+              <a:t>MOHAN SUNDARAM</a:t>
+            </a:r>
+            <a:endParaRPr lang="en-IN"/>
+          </a:p>
+        </p:txBody>
+      </p:sp>
+      <p:pic>
+        <p:nvPicPr>
+          <p:cNvPr id="5" name="Picture 4"/>
+          <p:cNvPicPr>
+            <a:picLocks noChangeAspect="1"/>
+          </p:cNvPicPr>
+          <p:nvPr/>
+        </p:nvPicPr>
+        <p:blipFill>
+          <a:blip r:embed="rId2">
+            <a:extLst>
+              <a:ext uri="{28A0092B-C50C-407E-A947-70E740481C1C}">
+                <a14:useLocalDpi xmlns:a14="http://schemas.microsoft.com/office/drawing/2010/main" val="0"/>
+              </a:ext>
+            </a:extLst>
+          </a:blip>
+          <a:stretch>
+            <a:fillRect/>
+          </a:stretch>
+        </p:blipFill>
+        <p:spPr>
+          <a:xfrm>
+            <a:off x="5983225" y="4271928"/>
+            <a:ext cx="2383262" cy="684190"/>
+          </a:xfrm>
+          <a:prstGeom prst="rect">
+            <a:avLst/>
+          </a:prstGeom>
+        </p:spPr>
+      </p:pic>
+      <p:sp>
+        <p:nvSpPr>
+          <p:cNvPr id="6" name="Rectangle 5"/>
+          <p:cNvSpPr/>
+          <p:nvPr/>
+        </p:nvSpPr>
+        <p:spPr>
+          <a:xfrm>
+            <a:off x="8429775" y="4360189"/>
+            <a:ext cx="3459152" cy="369332"/>
+          </a:xfrm>
+          <a:prstGeom prst="rect">
+            <a:avLst/>
+          </a:prstGeom>
+        </p:spPr>
+        <p:txBody>
+          <a:bodyPr wrap="none">
+            <a:spAutoFit/>
+          </a:bodyPr>
+          <a:lstStyle/>
+          <a:p>
+            <a:r>
+              <a:rPr lang="en-IN" dirty="0">
+                <a:hlinkClick r:id="rId3"/>
+              </a:rPr>
+              <a:t>https://mohan4295.blogspot.com/</a:t>
+            </a:r>
+            <a:endParaRPr lang="en-IN" dirty="0"/>
+          </a:p>
+        </p:txBody>
+      </p:sp>
+      <p:sp>
+        <p:nvSpPr>
+          <p:cNvPr id="9" name="Rectangle 8"/>
+          <p:cNvSpPr/>
+          <p:nvPr/>
+        </p:nvSpPr>
+        <p:spPr>
+          <a:xfrm>
+            <a:off x="8434881" y="3298748"/>
+            <a:ext cx="3655040" cy="369332"/>
+          </a:xfrm>
+          <a:prstGeom prst="rect">
+            <a:avLst/>
+          </a:prstGeom>
+        </p:spPr>
+        <p:txBody>
+          <a:bodyPr wrap="none">
+            <a:spAutoFit/>
+          </a:bodyPr>
+          <a:lstStyle/>
+          <a:p>
+            <a:r>
+              <a:rPr lang="en-IN" dirty="0">
+                <a:hlinkClick r:id="rId4"/>
+              </a:rPr>
+              <a:t>https://github.com/mohan4295work</a:t>
+            </a:r>
+            <a:endParaRPr lang="en-IN" dirty="0"/>
+          </a:p>
+        </p:txBody>
+      </p:sp>
+      <p:sp>
+        <p:nvSpPr>
+          <p:cNvPr id="10" name="Rectangle 9"/>
+          <p:cNvSpPr/>
+          <p:nvPr/>
+        </p:nvSpPr>
+        <p:spPr>
+          <a:xfrm>
+            <a:off x="8474957" y="2288520"/>
+            <a:ext cx="3574889" cy="369332"/>
+          </a:xfrm>
+          <a:prstGeom prst="rect">
+            <a:avLst/>
+          </a:prstGeom>
+        </p:spPr>
+        <p:txBody>
+          <a:bodyPr wrap="none">
+            <a:spAutoFit/>
+          </a:bodyPr>
+          <a:lstStyle/>
+          <a:p>
+            <a:r>
+              <a:rPr lang="en-IN" dirty="0">
+                <a:hlinkClick r:id="rId5"/>
+              </a:rPr>
+              <a:t>https://gitlab.com/mohan4295work</a:t>
+            </a:r>
+            <a:endParaRPr lang="en-IN" dirty="0"/>
+          </a:p>
+        </p:txBody>
+      </p:sp>
+      <p:pic>
+        <p:nvPicPr>
+          <p:cNvPr id="12" name="Picture 11"/>
+          <p:cNvPicPr>
+            <a:picLocks noChangeAspect="1"/>
+          </p:cNvPicPr>
+          <p:nvPr/>
+        </p:nvPicPr>
+        <p:blipFill>
+          <a:blip r:embed="rId6"/>
+          <a:stretch>
+            <a:fillRect/>
+          </a:stretch>
+        </p:blipFill>
+        <p:spPr>
+          <a:xfrm>
+            <a:off x="5681392" y="2098520"/>
+            <a:ext cx="2495238" cy="704762"/>
+          </a:xfrm>
+          <a:prstGeom prst="rect">
+            <a:avLst/>
+          </a:prstGeom>
+        </p:spPr>
+      </p:pic>
+      <p:pic>
+        <p:nvPicPr>
+          <p:cNvPr id="13" name="Picture 12"/>
+          <p:cNvPicPr>
+            <a:picLocks noChangeAspect="1"/>
+          </p:cNvPicPr>
+          <p:nvPr/>
+        </p:nvPicPr>
+        <p:blipFill>
+          <a:blip r:embed="rId7"/>
+          <a:stretch>
+            <a:fillRect/>
+          </a:stretch>
+        </p:blipFill>
+        <p:spPr>
+          <a:xfrm>
+            <a:off x="5766286" y="3092538"/>
+            <a:ext cx="2600201" cy="828923"/>
+          </a:xfrm>
+          <a:prstGeom prst="rect">
+            <a:avLst/>
+          </a:prstGeom>
+        </p:spPr>
+      </p:pic>
+      <p:sp>
+        <p:nvSpPr>
+          <p:cNvPr id="11" name="Content Placeholder 2"/>
+          <p:cNvSpPr>
+            <a:spLocks noGrp="1"/>
+          </p:cNvSpPr>
+          <p:nvPr>
+            <p:ph idx="1"/>
+          </p:nvPr>
+        </p:nvSpPr>
+        <p:spPr>
+          <a:xfrm>
+            <a:off x="529108" y="1331330"/>
+            <a:ext cx="4581723" cy="5390145"/>
+          </a:xfrm>
+        </p:spPr>
+        <p:txBody>
+          <a:bodyPr/>
+          <a:lstStyle/>
+          <a:p>
+            <a:r>
+              <a:rPr lang="en-IN" dirty="0" smtClean="0">
+                <a:hlinkClick r:id="rId8"/>
+              </a:rPr>
+              <a:t>https</a:t>
+            </a:r>
+            <a:r>
+              <a:rPr lang="en-IN" dirty="0">
+                <a:hlinkClick r:id="rId8"/>
+              </a:rPr>
+              <a:t>://chatgpt.com</a:t>
+            </a:r>
+            <a:r>
+              <a:rPr lang="en-IN" dirty="0" smtClean="0">
+                <a:hlinkClick r:id="rId8"/>
+              </a:rPr>
+              <a:t>/</a:t>
+            </a:r>
+            <a:endParaRPr lang="en-IN" dirty="0" smtClean="0"/>
+          </a:p>
+          <a:p>
+            <a:r>
+              <a:rPr lang="en-US" dirty="0">
+                <a:hlinkClick r:id="rId9"/>
+              </a:rPr>
+              <a:t>https://</a:t>
+            </a:r>
+            <a:r>
+              <a:rPr lang="en-US" dirty="0" smtClean="0">
+                <a:hlinkClick r:id="rId9"/>
+              </a:rPr>
+              <a:t>claude.ai/</a:t>
+            </a:r>
+            <a:endParaRPr lang="en-US" dirty="0" smtClean="0"/>
+          </a:p>
+          <a:p>
+            <a:r>
+              <a:rPr lang="en-US" dirty="0">
+                <a:hlinkClick r:id="rId10"/>
+              </a:rPr>
+              <a:t>https://</a:t>
+            </a:r>
+            <a:r>
+              <a:rPr lang="en-US" dirty="0" smtClean="0">
+                <a:hlinkClick r:id="rId10"/>
+              </a:rPr>
+              <a:t>gemini.google.com/</a:t>
+            </a:r>
+            <a:endParaRPr lang="en-US" dirty="0" smtClean="0"/>
+          </a:p>
+          <a:p>
+            <a:r>
+              <a:rPr lang="en-US" dirty="0">
+                <a:hlinkClick r:id="rId11"/>
+              </a:rPr>
+              <a:t>https://chat.deepseek.com</a:t>
+            </a:r>
+            <a:r>
+              <a:rPr lang="en-US" dirty="0" smtClean="0">
+                <a:hlinkClick r:id="rId11"/>
+              </a:rPr>
+              <a:t>/</a:t>
+            </a:r>
+            <a:endParaRPr lang="en-US" dirty="0" smtClean="0"/>
+          </a:p>
+          <a:p>
+            <a:r>
+              <a:rPr lang="en-US" dirty="0">
+                <a:hlinkClick r:id="rId12"/>
+              </a:rPr>
+              <a:t>https://webenoid.com</a:t>
+            </a:r>
+            <a:r>
+              <a:rPr lang="en-US" dirty="0" smtClean="0">
+                <a:hlinkClick r:id="rId12"/>
+              </a:rPr>
+              <a:t>/</a:t>
+            </a:r>
+            <a:endParaRPr lang="en-US" dirty="0" smtClean="0"/>
+          </a:p>
+          <a:p>
+            <a:r>
+              <a:rPr lang="en-US" dirty="0">
+                <a:hlinkClick r:id="rId13"/>
+              </a:rPr>
+              <a:t>https://www.netlify.com</a:t>
+            </a:r>
+            <a:r>
+              <a:rPr lang="en-US" dirty="0" smtClean="0">
+                <a:hlinkClick r:id="rId13"/>
+              </a:rPr>
+              <a:t>/</a:t>
+            </a:r>
+            <a:endParaRPr lang="en-US" dirty="0" smtClean="0"/>
+          </a:p>
+          <a:p>
+            <a:endParaRPr lang="en-US" dirty="0"/>
+          </a:p>
+          <a:p>
+            <a:endParaRPr lang="en-US" dirty="0" smtClean="0"/>
+          </a:p>
+        </p:txBody>
+      </p:sp>
+      <p:sp>
+        <p:nvSpPr>
+          <p:cNvPr id="14" name="Title 1"/>
+          <p:cNvSpPr txBox="1">
+            <a:spLocks/>
+          </p:cNvSpPr>
+          <p:nvPr/>
+        </p:nvSpPr>
+        <p:spPr>
+          <a:xfrm>
+            <a:off x="529107" y="622956"/>
+            <a:ext cx="5454117" cy="343213"/>
+          </a:xfrm>
+          <a:prstGeom prst="rect">
+            <a:avLst/>
+          </a:prstGeom>
+        </p:spPr>
+        <p:txBody>
+          <a:bodyPr vert="horz" lIns="91440" tIns="45720" rIns="91440" bIns="45720" rtlCol="0" anchor="ctr">
+            <a:noAutofit/>
+          </a:bodyPr>
+          <a:lstStyle>
+            <a:lvl1pPr algn="l" defTabSz="914400" rtl="0" eaLnBrk="1" latinLnBrk="0" hangingPunct="1">
+              <a:lnSpc>
+                <a:spcPct val="90000"/>
+              </a:lnSpc>
+              <a:spcBef>
+                <a:spcPct val="0"/>
+              </a:spcBef>
+              <a:buNone/>
+              <a:defRPr sz="4400" kern="1200">
+                <a:solidFill>
+                  <a:schemeClr val="tx1"/>
+                </a:solidFill>
+                <a:latin typeface="+mj-lt"/>
+                <a:ea typeface="+mj-ea"/>
+                <a:cs typeface="+mj-cs"/>
+              </a:defRPr>
+            </a:lvl1pPr>
+          </a:lstStyle>
+          <a:p>
+            <a:r>
+              <a:rPr lang="en-US" sz="2400" b="1" dirty="0" smtClean="0">
+                <a:latin typeface="Arial Black" panose="020B0A04020102020204" pitchFamily="34" charset="0"/>
+              </a:rPr>
+              <a:t>Gen AI &amp; Open Source Tools</a:t>
+            </a:r>
+            <a:endParaRPr lang="en-IN" sz="2400" b="1" dirty="0">
+              <a:latin typeface="Arial Black" panose="020B0A04020102020204" pitchFamily="34" charset="0"/>
+            </a:endParaRPr>
+          </a:p>
+        </p:txBody>
+      </p:sp>
+    </p:spTree>
+    <p:extLst>
+      <p:ext uri="{BB962C8B-B14F-4D97-AF65-F5344CB8AC3E}">
+        <p14:creationId xmlns:p14="http://schemas.microsoft.com/office/powerpoint/2010/main" val="2979016205"/>
+      </p:ext>
+    </p:extLst>
+  </p:cSld>
+  <p:clrMapOvr>
+    <a:masterClrMapping/>
+  </p:clrMapOvr>
+  <p:timing>
+    <p:tnLst>
+      <p:par>
+        <p:cTn id="1" dur="indefinite" restart="never" nodeType="tmRoot"/>
+      </p:par>
+    </p:tnLst>
+  </p:timing>
 </p:sld>
 </file>
 
@@ -3703,13 +5253,59 @@
             <a:spLocks noGrp="1"/>
           </p:cNvSpPr>
           <p:nvPr>
-            <p:ph type="title"/>
-          </p:nvPr>
-        </p:nvSpPr>
-        <p:spPr>
-          <a:xfrm>
-            <a:off x="618387" y="120316"/>
-            <a:ext cx="3540617" cy="510638"/>
+            <p:ph type="ctrTitle"/>
+          </p:nvPr>
+        </p:nvSpPr>
+        <p:spPr>
+          <a:xfrm>
+            <a:off x="3662264" y="99463"/>
+            <a:ext cx="5237409" cy="637974"/>
+          </a:xfrm>
+        </p:spPr>
+        <p:txBody>
+          <a:bodyPr>
+            <a:noAutofit/>
+          </a:bodyPr>
+          <a:lstStyle/>
+          <a:p>
+            <a:r>
+              <a:rPr lang="en-IN" sz="4000" b="1" dirty="0" smtClean="0">
+                <a:solidFill>
+                  <a:srgbClr val="C00000"/>
+                </a:solidFill>
+              </a:rPr>
+              <a:t>AI (Artificial Intelligence)</a:t>
+            </a:r>
+            <a:r>
+              <a:rPr lang="en-IN" sz="4000" dirty="0" smtClean="0">
+                <a:solidFill>
+                  <a:srgbClr val="C00000"/>
+                </a:solidFill>
+              </a:rPr>
+              <a:t> </a:t>
+            </a:r>
+            <a:endParaRPr lang="en-IN" sz="4000" dirty="0">
+              <a:solidFill>
+                <a:srgbClr val="C00000"/>
+              </a:solidFill>
+            </a:endParaRPr>
+          </a:p>
+        </p:txBody>
+      </p:sp>
+      <p:sp>
+        <p:nvSpPr>
+          <p:cNvPr id="3" name="Subtitle 2"/>
+          <p:cNvSpPr>
+            <a:spLocks noGrp="1"/>
+          </p:cNvSpPr>
+          <p:nvPr>
+            <p:ph type="subTitle" idx="1"/>
+          </p:nvPr>
+        </p:nvSpPr>
+        <p:spPr>
+          <a:xfrm>
+            <a:off x="558828" y="805399"/>
+            <a:ext cx="11444282" cy="1788998"/>
           </a:xfrm>
         </p:spPr>
         <p:txBody>
@@ -3718,32 +5314,135 @@
           </a:bodyPr>
           <a:lstStyle/>
           <a:p>
-            <a:r>
-              <a:rPr lang="en-IN" sz="2000" b="1" dirty="0" smtClean="0"/>
-              <a:t>LLM = Large Language Model</a:t>
-            </a:r>
-            <a:endParaRPr lang="en-IN" sz="2000" b="1" dirty="0"/>
+            <a:pPr algn="just"/>
+            <a:r>
+              <a:rPr lang="en-US" b="1" dirty="0" smtClean="0"/>
+              <a:t>1956</a:t>
+            </a:r>
+            <a:r>
+              <a:rPr lang="en-US" dirty="0" smtClean="0"/>
+              <a:t> – </a:t>
+            </a:r>
+            <a:r>
+              <a:rPr lang="en-US" b="1" dirty="0" smtClean="0"/>
+              <a:t>“Artificial Intelligence”</a:t>
+            </a:r>
+            <a:r>
+              <a:rPr lang="en-US" dirty="0" smtClean="0"/>
+              <a:t> was coined at the </a:t>
+            </a:r>
+            <a:r>
+              <a:rPr lang="en-US" b="1" dirty="0" smtClean="0"/>
+              <a:t>Dartmouth Conference</a:t>
+            </a:r>
+            <a:r>
+              <a:rPr lang="en-US" dirty="0" smtClean="0"/>
+              <a:t> This event is considered the </a:t>
+            </a:r>
+            <a:r>
+              <a:rPr lang="en-US" b="1" dirty="0" smtClean="0"/>
+              <a:t>birth of AI</a:t>
+            </a:r>
+            <a:r>
+              <a:rPr lang="en-US" dirty="0" smtClean="0"/>
+              <a:t> as a research field.</a:t>
+            </a:r>
+          </a:p>
+          <a:p>
+            <a:pPr algn="just"/>
+            <a:r>
+              <a:rPr lang="en-US" b="1" dirty="0" smtClean="0"/>
+              <a:t>Artificial </a:t>
+            </a:r>
+            <a:r>
+              <a:rPr lang="en-US" b="1" dirty="0" smtClean="0"/>
+              <a:t>Intelligence (AI)</a:t>
+            </a:r>
+            <a:r>
+              <a:rPr lang="en-US" dirty="0" smtClean="0"/>
+              <a:t> - Machines think, learn, and act like humans. It's about creating systems that can perceive, reason, learn, and make decisions.</a:t>
+            </a:r>
+          </a:p>
+          <a:p>
+            <a:pPr algn="l"/>
+            <a:endParaRPr lang="en-US" dirty="0" smtClean="0"/>
+          </a:p>
+          <a:p>
+            <a:pPr algn="l"/>
+            <a:endParaRPr lang="en-US" dirty="0"/>
+          </a:p>
+          <a:p>
+            <a:pPr algn="l"/>
+            <a:endParaRPr lang="en-US" dirty="0" smtClean="0"/>
+          </a:p>
+          <a:p>
+            <a:pPr algn="l"/>
+            <a:endParaRPr lang="en-US" dirty="0" smtClean="0"/>
+          </a:p>
+          <a:p>
+            <a:endParaRPr lang="en-US" dirty="0"/>
+          </a:p>
+          <a:p>
+            <a:endParaRPr lang="en-US" dirty="0" smtClean="0"/>
+          </a:p>
+          <a:p>
+            <a:endParaRPr lang="en-IN" dirty="0"/>
+          </a:p>
+        </p:txBody>
+      </p:sp>
+      <p:sp>
+        <p:nvSpPr>
+          <p:cNvPr id="4" name="Footer Placeholder 3"/>
+          <p:cNvSpPr>
+            <a:spLocks noGrp="1"/>
+          </p:cNvSpPr>
+          <p:nvPr>
+            <p:ph type="ftr" sz="quarter" idx="11"/>
+          </p:nvPr>
+        </p:nvSpPr>
+        <p:spPr>
+          <a:xfrm>
+            <a:off x="141668" y="6356350"/>
+            <a:ext cx="11861442" cy="365125"/>
+          </a:xfrm>
+        </p:spPr>
+        <p:txBody>
+          <a:bodyPr/>
+          <a:lstStyle/>
+          <a:p>
+            <a:pPr algn="l"/>
+            <a:r>
+              <a:rPr lang="en-IN" dirty="0" smtClean="0"/>
+              <a:t>MOHAN SUNDARAM</a:t>
+            </a:r>
+            <a:endParaRPr lang="en-IN" dirty="0"/>
           </a:p>
         </p:txBody>
       </p:sp>
       <p:pic>
         <p:nvPicPr>
-          <p:cNvPr id="4" name="Picture 3"/>
+          <p:cNvPr id="5" name="Picture 4"/>
           <p:cNvPicPr>
             <a:picLocks noChangeAspect="1"/>
           </p:cNvPicPr>
           <p:nvPr/>
         </p:nvPicPr>
         <p:blipFill>
-          <a:blip r:embed="rId2"/>
+          <a:blip r:embed="rId3">
+            <a:extLst>
+              <a:ext uri="{28A0092B-C50C-407E-A947-70E740481C1C}">
+                <a14:useLocalDpi xmlns:a14="http://schemas.microsoft.com/office/drawing/2010/main" val="0"/>
+              </a:ext>
+            </a:extLst>
+          </a:blip>
           <a:stretch>
             <a:fillRect/>
           </a:stretch>
         </p:blipFill>
         <p:spPr>
           <a:xfrm>
-            <a:off x="425563" y="2228046"/>
-            <a:ext cx="11455926" cy="4469352"/>
+            <a:off x="558828" y="2730322"/>
+            <a:ext cx="4534033" cy="3412831"/>
           </a:xfrm>
           <a:prstGeom prst="rect">
             <a:avLst/>
@@ -3758,83 +5457,110 @@
         </p:nvSpPr>
         <p:spPr>
           <a:xfrm>
-            <a:off x="618387" y="764885"/>
-            <a:ext cx="11281692" cy="1200329"/>
+            <a:off x="5598017" y="2906110"/>
+            <a:ext cx="6096000" cy="1631216"/>
           </a:xfrm>
           <a:prstGeom prst="rect">
             <a:avLst/>
           </a:prstGeom>
         </p:spPr>
         <p:txBody>
-          <a:bodyPr wrap="square">
+          <a:bodyPr>
             <a:spAutoFit/>
           </a:bodyPr>
           <a:lstStyle/>
           <a:p>
             <a:pPr algn="just"/>
             <a:r>
-              <a:rPr lang="en-IN" b="1" dirty="0" smtClean="0"/>
-              <a:t>LLM</a:t>
-            </a:r>
-            <a:r>
-              <a:rPr lang="en-IN" dirty="0" smtClean="0"/>
-              <a:t> stands for Large Language Model, a type of artificial intelligence trained on vast amounts of text data to understand, process, and generate human-like text. These models use transformer architectures to learn language patterns and context, enabling them to perform tasks like text generation, translation, summarization, question-answering, and content creation.</a:t>
-            </a:r>
-            <a:endParaRPr lang="en-IN" dirty="0"/>
-          </a:p>
-        </p:txBody>
-      </p:sp>
-      <p:pic>
-        <p:nvPicPr>
-          <p:cNvPr id="7" name="Picture 6"/>
-          <p:cNvPicPr>
-            <a:picLocks noChangeAspect="1"/>
-          </p:cNvPicPr>
+              <a:rPr lang="en-US" sz="2000" b="1" dirty="0"/>
+              <a:t>Machine learning </a:t>
+            </a:r>
+            <a:r>
+              <a:rPr lang="en-US" sz="2000" dirty="0"/>
+              <a:t>(ML) is a </a:t>
+            </a:r>
+            <a:r>
+              <a:rPr lang="en-IN" sz="2000" dirty="0"/>
+              <a:t>Sub </a:t>
+            </a:r>
+            <a:r>
+              <a:rPr lang="en-IN" sz="2000" dirty="0" smtClean="0"/>
+              <a:t>domain of </a:t>
+            </a:r>
+            <a:r>
+              <a:rPr lang="en-US" sz="2000" dirty="0" smtClean="0"/>
+              <a:t>artificial </a:t>
+            </a:r>
+            <a:r>
+              <a:rPr lang="en-US" sz="2000" dirty="0"/>
+              <a:t>intelligence (AI). It focuses on creating methods that help computers learn from data and improve their performance on specific tasks. It is one of the main areas within AI.</a:t>
+            </a:r>
+            <a:endParaRPr lang="en-IN" sz="2000" dirty="0"/>
+          </a:p>
+        </p:txBody>
+      </p:sp>
+      <p:sp>
+        <p:nvSpPr>
+          <p:cNvPr id="7" name="Rectangle 6"/>
+          <p:cNvSpPr/>
           <p:nvPr/>
-        </p:nvPicPr>
-        <p:blipFill>
-          <a:blip r:embed="rId3"/>
-          <a:stretch>
-            <a:fillRect/>
-          </a:stretch>
-        </p:blipFill>
-        <p:spPr>
-          <a:xfrm>
-            <a:off x="1022470" y="5035529"/>
-            <a:ext cx="1908202" cy="1223604"/>
+        </p:nvSpPr>
+        <p:spPr>
+          <a:xfrm>
+            <a:off x="5598017" y="4733129"/>
+            <a:ext cx="6096000" cy="1323439"/>
           </a:xfrm>
           <a:prstGeom prst="rect">
             <a:avLst/>
           </a:prstGeom>
         </p:spPr>
-      </p:pic>
-      <p:sp>
-        <p:nvSpPr>
-          <p:cNvPr id="3" name="Footer Placeholder 2"/>
-          <p:cNvSpPr>
-            <a:spLocks noGrp="1"/>
-          </p:cNvSpPr>
-          <p:nvPr>
-            <p:ph type="ftr" sz="quarter" idx="11"/>
-          </p:nvPr>
-        </p:nvSpPr>
-        <p:spPr/>
-        <p:txBody>
-          <a:bodyPr/>
-          <a:lstStyle/>
-          <a:p>
-            <a:r>
-              <a:rPr lang="en-IN" smtClean="0"/>
-              <a:t>MOHAN SUNDARAM</a:t>
-            </a:r>
-            <a:endParaRPr lang="en-IN"/>
+        <p:txBody>
+          <a:bodyPr>
+            <a:spAutoFit/>
+          </a:bodyPr>
+          <a:lstStyle/>
+          <a:p>
+            <a:pPr algn="just"/>
+            <a:r>
+              <a:rPr lang="en-US" sz="2000" b="1" dirty="0"/>
+              <a:t>Deep learning (DL) </a:t>
+            </a:r>
+            <a:r>
+              <a:rPr lang="en-US" sz="2000" dirty="0"/>
+              <a:t>is a </a:t>
+            </a:r>
+            <a:r>
+              <a:rPr lang="en-IN" sz="2000" dirty="0"/>
+              <a:t>Sub domain of </a:t>
+            </a:r>
+            <a:r>
+              <a:rPr lang="en-US" sz="2000" dirty="0" smtClean="0"/>
+              <a:t>of </a:t>
+            </a:r>
+            <a:r>
+              <a:rPr lang="en-IN" sz="2000" dirty="0"/>
+              <a:t>Machine learning (ML</a:t>
+            </a:r>
+            <a:r>
+              <a:rPr lang="en-IN" sz="2000" dirty="0" smtClean="0"/>
+              <a:t>). </a:t>
+            </a:r>
+            <a:r>
+              <a:rPr lang="en-US" sz="2000" dirty="0" smtClean="0"/>
+              <a:t>It </a:t>
+            </a:r>
+            <a:r>
+              <a:rPr lang="en-US" sz="2000" dirty="0"/>
+              <a:t>uses computer models called neural networks to learn from large amounts of data and make smart decisions.</a:t>
+            </a:r>
+            <a:endParaRPr lang="en-IN" sz="2000" dirty="0"/>
           </a:p>
         </p:txBody>
       </p:sp>
     </p:spTree>
     <p:extLst>
       <p:ext uri="{BB962C8B-B14F-4D97-AF65-F5344CB8AC3E}">
-        <p14:creationId xmlns:p14="http://schemas.microsoft.com/office/powerpoint/2010/main" val="1146204996"/>
+        <p14:creationId xmlns:p14="http://schemas.microsoft.com/office/powerpoint/2010/main" val="3858129573"/>
       </p:ext>
     </p:extLst>
   </p:cSld>
@@ -3861,6 +5587,338 @@
           <a:chExt cx="0" cy="0"/>
         </a:xfrm>
       </p:grpSpPr>
+      <p:sp>
+        <p:nvSpPr>
+          <p:cNvPr id="4" name="Footer Placeholder 3"/>
+          <p:cNvSpPr>
+            <a:spLocks noGrp="1"/>
+          </p:cNvSpPr>
+          <p:nvPr>
+            <p:ph type="ftr" sz="quarter" idx="11"/>
+          </p:nvPr>
+        </p:nvSpPr>
+        <p:spPr/>
+        <p:txBody>
+          <a:bodyPr/>
+          <a:lstStyle/>
+          <a:p>
+            <a:r>
+              <a:rPr lang="en-IN" smtClean="0"/>
+              <a:t>MOHAN SUNDARAM</a:t>
+            </a:r>
+            <a:endParaRPr lang="en-IN"/>
+          </a:p>
+        </p:txBody>
+      </p:sp>
+      <p:pic>
+        <p:nvPicPr>
+          <p:cNvPr id="5" name="Picture 4"/>
+          <p:cNvPicPr>
+            <a:picLocks noChangeAspect="1"/>
+          </p:cNvPicPr>
+          <p:nvPr/>
+        </p:nvPicPr>
+        <p:blipFill>
+          <a:blip r:embed="rId2"/>
+          <a:stretch>
+            <a:fillRect/>
+          </a:stretch>
+        </p:blipFill>
+        <p:spPr>
+          <a:xfrm>
+            <a:off x="3825025" y="1252580"/>
+            <a:ext cx="7436922" cy="5103770"/>
+          </a:xfrm>
+          <a:prstGeom prst="rect">
+            <a:avLst/>
+          </a:prstGeom>
+        </p:spPr>
+      </p:pic>
+      <p:sp>
+        <p:nvSpPr>
+          <p:cNvPr id="6" name="Rectangle 5"/>
+          <p:cNvSpPr/>
+          <p:nvPr/>
+        </p:nvSpPr>
+        <p:spPr>
+          <a:xfrm>
+            <a:off x="427250" y="162910"/>
+            <a:ext cx="3397775" cy="2677656"/>
+          </a:xfrm>
+          <a:prstGeom prst="rect">
+            <a:avLst/>
+          </a:prstGeom>
+        </p:spPr>
+        <p:txBody>
+          <a:bodyPr wrap="square">
+            <a:spAutoFit/>
+          </a:bodyPr>
+          <a:lstStyle/>
+          <a:p>
+            <a:r>
+              <a:rPr lang="en-US" sz="3600" b="1" dirty="0"/>
+              <a:t>Ai System Types</a:t>
+            </a:r>
+            <a:r>
+              <a:rPr lang="en-US" sz="3600" b="1" dirty="0" smtClean="0"/>
+              <a:t>:</a:t>
+            </a:r>
+          </a:p>
+          <a:p>
+            <a:endParaRPr lang="en-US" sz="3600" b="1" dirty="0"/>
+          </a:p>
+          <a:p>
+            <a:pPr marL="342900" indent="-342900">
+              <a:buFont typeface="Arial" panose="020B0604020202020204" pitchFamily="34" charset="0"/>
+              <a:buChar char="•"/>
+            </a:pPr>
+            <a:r>
+              <a:rPr lang="it-IT" sz="3200" b="1" dirty="0">
+                <a:solidFill>
+                  <a:srgbClr val="FF0000"/>
+                </a:solidFill>
+              </a:rPr>
+              <a:t>Generative AI</a:t>
+            </a:r>
+          </a:p>
+          <a:p>
+            <a:pPr marL="342900" indent="-342900">
+              <a:buFont typeface="Arial" panose="020B0604020202020204" pitchFamily="34" charset="0"/>
+              <a:buChar char="•"/>
+            </a:pPr>
+            <a:r>
+              <a:rPr lang="it-IT" sz="3200" b="1" dirty="0">
+                <a:solidFill>
+                  <a:srgbClr val="00B0F0"/>
+                </a:solidFill>
+              </a:rPr>
+              <a:t>AI </a:t>
+            </a:r>
+            <a:r>
+              <a:rPr lang="it-IT" sz="3200" b="1" dirty="0" smtClean="0">
+                <a:solidFill>
+                  <a:srgbClr val="00B0F0"/>
+                </a:solidFill>
+              </a:rPr>
+              <a:t>Agents</a:t>
+            </a:r>
+            <a:endParaRPr lang="it-IT" sz="3200" b="1" dirty="0">
+              <a:solidFill>
+                <a:srgbClr val="00B0F0"/>
+              </a:solidFill>
+            </a:endParaRPr>
+          </a:p>
+          <a:p>
+            <a:pPr marL="342900" indent="-342900">
+              <a:buFont typeface="Arial" panose="020B0604020202020204" pitchFamily="34" charset="0"/>
+              <a:buChar char="•"/>
+            </a:pPr>
+            <a:r>
+              <a:rPr lang="it-IT" sz="3200" b="1" dirty="0">
+                <a:solidFill>
+                  <a:srgbClr val="00B050"/>
+                </a:solidFill>
+              </a:rPr>
+              <a:t>Agentic AI</a:t>
+            </a:r>
+            <a:endParaRPr lang="en-US" sz="3200" b="1" dirty="0">
+              <a:solidFill>
+                <a:srgbClr val="00B050"/>
+              </a:solidFill>
+            </a:endParaRPr>
+          </a:p>
+        </p:txBody>
+      </p:sp>
+    </p:spTree>
+    <p:extLst>
+      <p:ext uri="{BB962C8B-B14F-4D97-AF65-F5344CB8AC3E}">
+        <p14:creationId xmlns:p14="http://schemas.microsoft.com/office/powerpoint/2010/main" val="1150899153"/>
+      </p:ext>
+    </p:extLst>
+  </p:cSld>
+  <p:clrMapOvr>
+    <a:masterClrMapping/>
+  </p:clrMapOvr>
+  <p:timing>
+    <p:tnLst>
+      <p:par>
+        <p:cTn id="1" dur="indefinite" restart="never" nodeType="tmRoot"/>
+      </p:par>
+    </p:tnLst>
+  </p:timing>
+</p:sld>
+</file>
+
+<file path=ppt/slides/slide4.xml><?xml version="1.0" encoding="utf-8"?>
+<p:sld xmlns:a="http://schemas.openxmlformats.org/drawingml/2006/main" xmlns:r="http://schemas.openxmlformats.org/officeDocument/2006/relationships" xmlns:p="http://schemas.openxmlformats.org/presentationml/2006/main">
+  <p:cSld>
+    <p:spTree>
+      <p:nvGrpSpPr>
+        <p:cNvPr id="1" name=""/>
+        <p:cNvGrpSpPr/>
+        <p:nvPr/>
+      </p:nvGrpSpPr>
+      <p:grpSpPr>
+        <a:xfrm>
+          <a:off x="0" y="0"/>
+          <a:ext cx="0" cy="0"/>
+          <a:chOff x="0" y="0"/>
+          <a:chExt cx="0" cy="0"/>
+        </a:xfrm>
+      </p:grpSpPr>
+      <p:sp>
+        <p:nvSpPr>
+          <p:cNvPr id="2" name="Title 1"/>
+          <p:cNvSpPr>
+            <a:spLocks noGrp="1"/>
+          </p:cNvSpPr>
+          <p:nvPr>
+            <p:ph type="title"/>
+          </p:nvPr>
+        </p:nvSpPr>
+        <p:spPr>
+          <a:xfrm>
+            <a:off x="618387" y="120316"/>
+            <a:ext cx="3540617" cy="510638"/>
+          </a:xfrm>
+        </p:spPr>
+        <p:txBody>
+          <a:bodyPr>
+            <a:normAutofit/>
+          </a:bodyPr>
+          <a:lstStyle/>
+          <a:p>
+            <a:r>
+              <a:rPr lang="en-IN" sz="2000" b="1" dirty="0" smtClean="0"/>
+              <a:t>LLM = Large Language Model</a:t>
+            </a:r>
+            <a:endParaRPr lang="en-IN" sz="2000" b="1" dirty="0"/>
+          </a:p>
+        </p:txBody>
+      </p:sp>
+      <p:pic>
+        <p:nvPicPr>
+          <p:cNvPr id="4" name="Picture 3"/>
+          <p:cNvPicPr>
+            <a:picLocks noChangeAspect="1"/>
+          </p:cNvPicPr>
+          <p:nvPr/>
+        </p:nvPicPr>
+        <p:blipFill>
+          <a:blip r:embed="rId2"/>
+          <a:stretch>
+            <a:fillRect/>
+          </a:stretch>
+        </p:blipFill>
+        <p:spPr>
+          <a:xfrm>
+            <a:off x="425563" y="2228046"/>
+            <a:ext cx="11455926" cy="4469352"/>
+          </a:xfrm>
+          <a:prstGeom prst="rect">
+            <a:avLst/>
+          </a:prstGeom>
+        </p:spPr>
+      </p:pic>
+      <p:sp>
+        <p:nvSpPr>
+          <p:cNvPr id="6" name="Rectangle 5"/>
+          <p:cNvSpPr/>
+          <p:nvPr/>
+        </p:nvSpPr>
+        <p:spPr>
+          <a:xfrm>
+            <a:off x="618387" y="764885"/>
+            <a:ext cx="11281692" cy="1200329"/>
+          </a:xfrm>
+          <a:prstGeom prst="rect">
+            <a:avLst/>
+          </a:prstGeom>
+        </p:spPr>
+        <p:txBody>
+          <a:bodyPr wrap="square">
+            <a:spAutoFit/>
+          </a:bodyPr>
+          <a:lstStyle/>
+          <a:p>
+            <a:pPr algn="just"/>
+            <a:r>
+              <a:rPr lang="en-IN" b="1" dirty="0" smtClean="0"/>
+              <a:t>LLM</a:t>
+            </a:r>
+            <a:r>
+              <a:rPr lang="en-IN" dirty="0" smtClean="0"/>
+              <a:t> stands for Large Language Model, a type of artificial intelligence trained on vast amounts of text data to understand, process, and generate human-like text. These models use transformer architectures to learn language patterns and context, enabling them to perform tasks like text generation, translation, summarization, question-answering, and content creation.</a:t>
+            </a:r>
+            <a:endParaRPr lang="en-IN" dirty="0"/>
+          </a:p>
+        </p:txBody>
+      </p:sp>
+      <p:sp>
+        <p:nvSpPr>
+          <p:cNvPr id="3" name="Footer Placeholder 2"/>
+          <p:cNvSpPr>
+            <a:spLocks noGrp="1"/>
+          </p:cNvSpPr>
+          <p:nvPr>
+            <p:ph type="ftr" sz="quarter" idx="11"/>
+          </p:nvPr>
+        </p:nvSpPr>
+        <p:spPr>
+          <a:xfrm>
+            <a:off x="9929611" y="6259133"/>
+            <a:ext cx="1791235" cy="365125"/>
+          </a:xfrm>
+        </p:spPr>
+        <p:txBody>
+          <a:bodyPr/>
+          <a:lstStyle/>
+          <a:p>
+            <a:r>
+              <a:rPr lang="en-IN" b="1" dirty="0" smtClean="0"/>
+              <a:t>MOHAN SUNDARAM</a:t>
+            </a:r>
+            <a:endParaRPr lang="en-IN" b="1" dirty="0"/>
+          </a:p>
+        </p:txBody>
+      </p:sp>
+    </p:spTree>
+    <p:extLst>
+      <p:ext uri="{BB962C8B-B14F-4D97-AF65-F5344CB8AC3E}">
+        <p14:creationId xmlns:p14="http://schemas.microsoft.com/office/powerpoint/2010/main" val="1146204996"/>
+      </p:ext>
+    </p:extLst>
+  </p:cSld>
+  <p:clrMapOvr>
+    <a:masterClrMapping/>
+  </p:clrMapOvr>
+  <p:timing>
+    <p:tnLst>
+      <p:par>
+        <p:cTn id="1" dur="indefinite" restart="never" nodeType="tmRoot"/>
+      </p:par>
+    </p:tnLst>
+  </p:timing>
+</p:sld>
+</file>
+
+<file path=ppt/slides/slide5.xml><?xml version="1.0" encoding="utf-8"?>
+<p:sld xmlns:a="http://schemas.openxmlformats.org/drawingml/2006/main" xmlns:r="http://schemas.openxmlformats.org/officeDocument/2006/relationships" xmlns:p="http://schemas.openxmlformats.org/presentationml/2006/main">
+  <p:cSld>
+    <p:spTree>
+      <p:nvGrpSpPr>
+        <p:cNvPr id="1" name=""/>
+        <p:cNvGrpSpPr/>
+        <p:nvPr/>
+      </p:nvGrpSpPr>
+      <p:grpSpPr>
+        <a:xfrm>
+          <a:off x="0" y="0"/>
+          <a:ext cx="0" cy="0"/>
+          <a:chOff x="0" y="0"/>
+          <a:chExt cx="0" cy="0"/>
+        </a:xfrm>
+      </p:grpSpPr>
       <p:graphicFrame>
         <p:nvGraphicFramePr>
           <p:cNvPr id="5" name="Table 4"/>
@@ -3870,13 +5928,13 @@
           <p:nvPr>
             <p:extLst>
               <p:ext uri="{D42A27DB-BD31-4B8C-83A1-F6EECF244321}">
-                <p14:modId xmlns:p14="http://schemas.microsoft.com/office/powerpoint/2010/main" val="3724925603"/>
+                <p14:modId xmlns:p14="http://schemas.microsoft.com/office/powerpoint/2010/main" val="3678626543"/>
               </p:ext>
             </p:extLst>
           </p:nvPr>
         </p:nvGraphicFramePr>
         <p:xfrm>
-          <a:off x="450760" y="425000"/>
+          <a:off x="450760" y="552323"/>
           <a:ext cx="11462200" cy="2964717"/>
         </p:xfrm>
         <a:graphic>
@@ -3899,18 +5957,14 @@
                     <a:p>
                       <a:pPr algn="ctr"/>
                       <a:r>
-                        <a:rPr lang="en-US" dirty="0" smtClean="0"/>
+                        <a:rPr lang="en-US" sz="2400" dirty="0" smtClean="0"/>
                         <a:t>Ai System</a:t>
                       </a:r>
                       <a:r>
-                        <a:rPr lang="en-US" baseline="0" dirty="0" smtClean="0"/>
-                        <a:t> </a:t>
+                        <a:rPr lang="en-US" sz="2400" baseline="0" dirty="0" smtClean="0"/>
+                        <a:t> Type</a:t>
                       </a:r>
-                      <a:r>
-                        <a:rPr lang="en-US" baseline="0" dirty="0" smtClean="0"/>
-                        <a:t>Type</a:t>
-                      </a:r>
-                      <a:endParaRPr lang="en-IN" dirty="0"/>
+                      <a:endParaRPr lang="en-IN" sz="2400" dirty="0"/>
                     </a:p>
                   </a:txBody>
                   <a:tcPr/>
@@ -3922,10 +5976,10 @@
                     <a:p>
                       <a:pPr algn="ctr"/>
                       <a:r>
-                        <a:rPr lang="en-US" dirty="0" smtClean="0"/>
+                        <a:rPr lang="en-US" sz="2400" dirty="0" smtClean="0"/>
                         <a:t>Gen Ai (LLM Only)</a:t>
                       </a:r>
-                      <a:endParaRPr lang="en-IN" dirty="0"/>
+                      <a:endParaRPr lang="en-IN" sz="2400" dirty="0"/>
                     </a:p>
                   </a:txBody>
                   <a:tcPr/>
@@ -3937,10 +5991,10 @@
                     <a:p>
                       <a:pPr algn="ctr"/>
                       <a:r>
-                        <a:rPr lang="en-US" dirty="0" smtClean="0"/>
+                        <a:rPr lang="en-US" sz="2400" dirty="0" smtClean="0"/>
                         <a:t>Ai Agent</a:t>
                       </a:r>
-                      <a:endParaRPr lang="en-IN" dirty="0"/>
+                      <a:endParaRPr lang="en-IN" sz="2400" dirty="0"/>
                     </a:p>
                   </a:txBody>
                   <a:tcPr/>
@@ -3952,10 +6006,10 @@
                     <a:p>
                       <a:pPr algn="ctr"/>
                       <a:r>
-                        <a:rPr lang="en-US" dirty="0" smtClean="0"/>
+                        <a:rPr lang="en-US" sz="2400" dirty="0" smtClean="0"/>
                         <a:t>Agentic Ai</a:t>
                       </a:r>
-                      <a:endParaRPr lang="en-IN" dirty="0"/>
+                      <a:endParaRPr lang="en-IN" sz="2400" dirty="0"/>
                     </a:p>
                   </a:txBody>
                   <a:tcPr/>
@@ -3968,10 +6022,10 @@
                     <a:lstStyle/>
                     <a:p>
                       <a:r>
-                        <a:rPr lang="en-US" dirty="0" smtClean="0"/>
+                        <a:rPr lang="en-US" sz="2000" b="1" dirty="0" smtClean="0"/>
                         <a:t>Task Capability </a:t>
                       </a:r>
-                      <a:endParaRPr lang="en-IN" dirty="0"/>
+                      <a:endParaRPr lang="en-IN" sz="2000" b="1" dirty="0"/>
                     </a:p>
                   </a:txBody>
                   <a:tcPr/>
@@ -4042,10 +6096,10 @@
                     <a:lstStyle/>
                     <a:p>
                       <a:r>
-                        <a:rPr lang="en-US" dirty="0" smtClean="0"/>
+                        <a:rPr lang="en-US" sz="2000" b="1" dirty="0" smtClean="0"/>
                         <a:t>Tool</a:t>
                       </a:r>
-                      <a:endParaRPr lang="en-IN" dirty="0"/>
+                      <a:endParaRPr lang="en-IN" sz="2000" b="1" dirty="0"/>
                     </a:p>
                   </a:txBody>
                   <a:tcPr/>
@@ -4057,11 +6111,7 @@
                     <a:p>
                       <a:r>
                         <a:rPr lang="en-US" dirty="0" smtClean="0"/>
-                        <a:t>No Extra Tool </a:t>
-                      </a:r>
-                      <a:r>
-                        <a:rPr lang="en-US" dirty="0" smtClean="0"/>
-                        <a:t> </a:t>
+                        <a:t>No Extra Tool  </a:t>
                       </a:r>
                       <a:r>
                         <a:rPr lang="en-US" dirty="0" smtClean="0">
@@ -4118,10 +6168,10 @@
                     <a:lstStyle/>
                     <a:p>
                       <a:r>
-                        <a:rPr lang="en-US" dirty="0" smtClean="0"/>
+                        <a:rPr lang="en-US" sz="2000" b="1" dirty="0" smtClean="0"/>
                         <a:t>Decision</a:t>
                       </a:r>
-                      <a:endParaRPr lang="en-IN" dirty="0"/>
+                      <a:endParaRPr lang="en-IN" sz="2000" b="1" dirty="0"/>
                     </a:p>
                   </a:txBody>
                   <a:tcPr/>
@@ -4141,11 +6191,7 @@
                       </a:r>
                       <a:r>
                         <a:rPr lang="en-US" dirty="0" smtClean="0"/>
-                        <a:t>Decision </a:t>
-                      </a:r>
-                      <a:r>
-                        <a:rPr lang="en-US" dirty="0" smtClean="0"/>
-                        <a:t>Making </a:t>
+                        <a:t>Decision Making </a:t>
                       </a:r>
                       <a:r>
                         <a:rPr lang="en-US" dirty="0" smtClean="0">
@@ -4287,16 +6333,285 @@
             <p:ph type="ftr" sz="quarter" idx="11"/>
           </p:nvPr>
         </p:nvSpPr>
-        <p:spPr/>
+        <p:spPr>
+          <a:xfrm>
+            <a:off x="58864" y="6373143"/>
+            <a:ext cx="2048091" cy="365125"/>
+          </a:xfrm>
+        </p:spPr>
         <p:txBody>
           <a:bodyPr/>
           <a:lstStyle/>
           <a:p>
             <a:r>
-              <a:rPr lang="en-IN" smtClean="0"/>
+              <a:rPr lang="en-IN" dirty="0" smtClean="0"/>
               <a:t>MOHAN SUNDARAM</a:t>
             </a:r>
-            <a:endParaRPr lang="en-IN"/>
+            <a:endParaRPr lang="en-IN" dirty="0"/>
+          </a:p>
+        </p:txBody>
+      </p:sp>
+      <p:sp>
+        <p:nvSpPr>
+          <p:cNvPr id="7" name="Oval 6"/>
+          <p:cNvSpPr/>
+          <p:nvPr/>
+        </p:nvSpPr>
+        <p:spPr>
+          <a:xfrm>
+            <a:off x="4417454" y="90152"/>
+            <a:ext cx="521512" cy="398713"/>
+          </a:xfrm>
+          <a:prstGeom prst="ellipse">
+            <a:avLst/>
+          </a:prstGeom>
+        </p:spPr>
+        <p:style>
+          <a:lnRef idx="2">
+            <a:schemeClr val="accent1">
+              <a:shade val="50000"/>
+            </a:schemeClr>
+          </a:lnRef>
+          <a:fillRef idx="1">
+            <a:schemeClr val="accent1"/>
+          </a:fillRef>
+          <a:effectRef idx="0">
+            <a:schemeClr val="accent1"/>
+          </a:effectRef>
+          <a:fontRef idx="minor">
+            <a:schemeClr val="lt1"/>
+          </a:fontRef>
+        </p:style>
+        <p:txBody>
+          <a:bodyPr rtlCol="0" anchor="ctr"/>
+          <a:lstStyle/>
+          <a:p>
+            <a:pPr algn="ctr"/>
+            <a:r>
+              <a:rPr lang="en-US" sz="4000" b="1" dirty="0" smtClean="0"/>
+              <a:t>1</a:t>
+            </a:r>
+            <a:endParaRPr lang="en-IN" sz="4000" b="1" dirty="0"/>
+          </a:p>
+        </p:txBody>
+      </p:sp>
+      <p:sp>
+        <p:nvSpPr>
+          <p:cNvPr id="8" name="Oval 7"/>
+          <p:cNvSpPr/>
+          <p:nvPr/>
+        </p:nvSpPr>
+        <p:spPr>
+          <a:xfrm>
+            <a:off x="7441843" y="90151"/>
+            <a:ext cx="521512" cy="398713"/>
+          </a:xfrm>
+          <a:prstGeom prst="ellipse">
+            <a:avLst/>
+          </a:prstGeom>
+        </p:spPr>
+        <p:style>
+          <a:lnRef idx="2">
+            <a:schemeClr val="accent1">
+              <a:shade val="50000"/>
+            </a:schemeClr>
+          </a:lnRef>
+          <a:fillRef idx="1">
+            <a:schemeClr val="accent1"/>
+          </a:fillRef>
+          <a:effectRef idx="0">
+            <a:schemeClr val="accent1"/>
+          </a:effectRef>
+          <a:fontRef idx="minor">
+            <a:schemeClr val="lt1"/>
+          </a:fontRef>
+        </p:style>
+        <p:txBody>
+          <a:bodyPr rtlCol="0" anchor="ctr"/>
+          <a:lstStyle/>
+          <a:p>
+            <a:pPr algn="ctr"/>
+            <a:r>
+              <a:rPr lang="en-US" sz="4000" b="1" dirty="0" smtClean="0"/>
+              <a:t>2</a:t>
+            </a:r>
+            <a:endParaRPr lang="en-IN" sz="4000" b="1" dirty="0"/>
+          </a:p>
+        </p:txBody>
+      </p:sp>
+      <p:sp>
+        <p:nvSpPr>
+          <p:cNvPr id="11" name="Oval 10"/>
+          <p:cNvSpPr/>
+          <p:nvPr/>
+        </p:nvSpPr>
+        <p:spPr>
+          <a:xfrm>
+            <a:off x="10205476" y="90151"/>
+            <a:ext cx="521512" cy="398713"/>
+          </a:xfrm>
+          <a:prstGeom prst="ellipse">
+            <a:avLst/>
+          </a:prstGeom>
+        </p:spPr>
+        <p:style>
+          <a:lnRef idx="2">
+            <a:schemeClr val="accent1">
+              <a:shade val="50000"/>
+            </a:schemeClr>
+          </a:lnRef>
+          <a:fillRef idx="1">
+            <a:schemeClr val="accent1"/>
+          </a:fillRef>
+          <a:effectRef idx="0">
+            <a:schemeClr val="accent1"/>
+          </a:effectRef>
+          <a:fontRef idx="minor">
+            <a:schemeClr val="lt1"/>
+          </a:fontRef>
+        </p:style>
+        <p:txBody>
+          <a:bodyPr rtlCol="0" anchor="ctr"/>
+          <a:lstStyle/>
+          <a:p>
+            <a:pPr algn="ctr"/>
+            <a:r>
+              <a:rPr lang="en-US" sz="4000" b="1" dirty="0"/>
+              <a:t>3</a:t>
+            </a:r>
+            <a:endParaRPr lang="en-IN" sz="4000" b="1" dirty="0"/>
+          </a:p>
+        </p:txBody>
+      </p:sp>
+      <p:sp>
+        <p:nvSpPr>
+          <p:cNvPr id="12" name="Oval 11"/>
+          <p:cNvSpPr/>
+          <p:nvPr/>
+        </p:nvSpPr>
+        <p:spPr>
+          <a:xfrm>
+            <a:off x="1775139" y="3600485"/>
+            <a:ext cx="521512" cy="398713"/>
+          </a:xfrm>
+          <a:prstGeom prst="ellipse">
+            <a:avLst/>
+          </a:prstGeom>
+        </p:spPr>
+        <p:style>
+          <a:lnRef idx="2">
+            <a:schemeClr val="accent1">
+              <a:shade val="50000"/>
+            </a:schemeClr>
+          </a:lnRef>
+          <a:fillRef idx="1">
+            <a:schemeClr val="accent1"/>
+          </a:fillRef>
+          <a:effectRef idx="0">
+            <a:schemeClr val="accent1"/>
+          </a:effectRef>
+          <a:fontRef idx="minor">
+            <a:schemeClr val="lt1"/>
+          </a:fontRef>
+        </p:style>
+        <p:txBody>
+          <a:bodyPr rtlCol="0" anchor="ctr"/>
+          <a:lstStyle/>
+          <a:p>
+            <a:pPr algn="ctr"/>
+            <a:r>
+              <a:rPr lang="en-US" sz="4000" b="1" dirty="0" smtClean="0"/>
+              <a:t>1</a:t>
+            </a:r>
+            <a:endParaRPr lang="en-IN" sz="4000" b="1" dirty="0"/>
+          </a:p>
+        </p:txBody>
+      </p:sp>
+      <p:sp>
+        <p:nvSpPr>
+          <p:cNvPr id="13" name="Oval 12"/>
+          <p:cNvSpPr/>
+          <p:nvPr/>
+        </p:nvSpPr>
+        <p:spPr>
+          <a:xfrm>
+            <a:off x="4017054" y="6156993"/>
+            <a:ext cx="521512" cy="398713"/>
+          </a:xfrm>
+          <a:prstGeom prst="ellipse">
+            <a:avLst/>
+          </a:prstGeom>
+        </p:spPr>
+        <p:style>
+          <a:lnRef idx="2">
+            <a:schemeClr val="accent1">
+              <a:shade val="50000"/>
+            </a:schemeClr>
+          </a:lnRef>
+          <a:fillRef idx="1">
+            <a:schemeClr val="accent1"/>
+          </a:fillRef>
+          <a:effectRef idx="0">
+            <a:schemeClr val="accent1"/>
+          </a:effectRef>
+          <a:fontRef idx="minor">
+            <a:schemeClr val="lt1"/>
+          </a:fontRef>
+        </p:style>
+        <p:txBody>
+          <a:bodyPr rtlCol="0" anchor="ctr"/>
+          <a:lstStyle/>
+          <a:p>
+            <a:pPr algn="ctr"/>
+            <a:r>
+              <a:rPr lang="en-US" sz="4000" b="1" dirty="0" smtClean="0"/>
+              <a:t>2</a:t>
+            </a:r>
+            <a:endParaRPr lang="en-IN" sz="4000" b="1" dirty="0"/>
+          </a:p>
+        </p:txBody>
+      </p:sp>
+      <p:sp>
+        <p:nvSpPr>
+          <p:cNvPr id="14" name="Oval 13"/>
+          <p:cNvSpPr/>
+          <p:nvPr/>
+        </p:nvSpPr>
+        <p:spPr>
+          <a:xfrm>
+            <a:off x="11169245" y="6182077"/>
+            <a:ext cx="521512" cy="398713"/>
+          </a:xfrm>
+          <a:prstGeom prst="ellipse">
+            <a:avLst/>
+          </a:prstGeom>
+        </p:spPr>
+        <p:style>
+          <a:lnRef idx="2">
+            <a:schemeClr val="accent1">
+              <a:shade val="50000"/>
+            </a:schemeClr>
+          </a:lnRef>
+          <a:fillRef idx="1">
+            <a:schemeClr val="accent1"/>
+          </a:fillRef>
+          <a:effectRef idx="0">
+            <a:schemeClr val="accent1"/>
+          </a:effectRef>
+          <a:fontRef idx="minor">
+            <a:schemeClr val="lt1"/>
+          </a:fontRef>
+        </p:style>
+        <p:txBody>
+          <a:bodyPr rtlCol="0" anchor="ctr"/>
+          <a:lstStyle/>
+          <a:p>
+            <a:pPr algn="ctr"/>
+            <a:r>
+              <a:rPr lang="en-US" sz="4000" b="1" dirty="0"/>
+              <a:t>3</a:t>
+            </a:r>
+            <a:endParaRPr lang="en-IN" sz="4000" b="1" dirty="0"/>
           </a:p>
         </p:txBody>
       </p:sp>
@@ -4310,402 +6625,13 @@
   <p:clrMapOvr>
     <a:masterClrMapping/>
   </p:clrMapOvr>
-</p:sld>
-</file>
-
-<file path=ppt/slides/slide4.xml><?xml version="1.0" encoding="utf-8"?>
-<p:sld xmlns:a="http://schemas.openxmlformats.org/drawingml/2006/main" xmlns:r="http://schemas.openxmlformats.org/officeDocument/2006/relationships" xmlns:p="http://schemas.openxmlformats.org/presentationml/2006/main">
-  <p:cSld>
-    <p:spTree>
-      <p:nvGrpSpPr>
-        <p:cNvPr id="1" name=""/>
-        <p:cNvGrpSpPr/>
-        <p:nvPr/>
-      </p:nvGrpSpPr>
-      <p:grpSpPr>
-        <a:xfrm>
-          <a:off x="0" y="0"/>
-          <a:ext cx="0" cy="0"/>
-          <a:chOff x="0" y="0"/>
-          <a:chExt cx="0" cy="0"/>
-        </a:xfrm>
-      </p:grpSpPr>
-      <p:sp>
-        <p:nvSpPr>
-          <p:cNvPr id="2" name="Title 1"/>
-          <p:cNvSpPr>
-            <a:spLocks noGrp="1"/>
-          </p:cNvSpPr>
-          <p:nvPr>
-            <p:ph type="title"/>
-          </p:nvPr>
-        </p:nvSpPr>
-        <p:spPr>
-          <a:xfrm>
-            <a:off x="941231" y="287852"/>
-            <a:ext cx="3836831" cy="435651"/>
-          </a:xfrm>
-        </p:spPr>
-        <p:txBody>
-          <a:bodyPr>
-            <a:normAutofit/>
-          </a:bodyPr>
-          <a:lstStyle/>
-          <a:p>
-            <a:r>
-              <a:rPr lang="en-IN" sz="1800" b="1" dirty="0" smtClean="0"/>
-              <a:t>RAG = Retrieval-Augmented Generation</a:t>
-            </a:r>
-            <a:endParaRPr lang="en-IN" sz="1800" b="1" dirty="0"/>
-          </a:p>
-        </p:txBody>
-      </p:sp>
-      <p:sp>
-        <p:nvSpPr>
-          <p:cNvPr id="5" name="Rectangle 4"/>
-          <p:cNvSpPr/>
-          <p:nvPr/>
-        </p:nvSpPr>
-        <p:spPr>
-          <a:xfrm>
-            <a:off x="941230" y="927281"/>
-            <a:ext cx="10945969" cy="1200329"/>
-          </a:xfrm>
-          <a:prstGeom prst="rect">
-            <a:avLst/>
-          </a:prstGeom>
-        </p:spPr>
-        <p:txBody>
-          <a:bodyPr wrap="square">
-            <a:spAutoFit/>
-          </a:bodyPr>
-          <a:lstStyle/>
-          <a:p>
-            <a:pPr marL="285750" indent="-285750" algn="just">
-              <a:buFont typeface="Arial" panose="020B0604020202020204" pitchFamily="34" charset="0"/>
-              <a:buChar char="•"/>
-            </a:pPr>
-            <a:r>
-              <a:rPr lang="en-US" dirty="0" smtClean="0"/>
-              <a:t>RAG is an AI framework that improves the output of large language models (LLMs) by giving them access to external or private data up-to-date knowledge bases before generating a response.</a:t>
-            </a:r>
-          </a:p>
-          <a:p>
-            <a:pPr marL="285750" indent="-285750" algn="just">
-              <a:buFont typeface="Arial" panose="020B0604020202020204" pitchFamily="34" charset="0"/>
-              <a:buChar char="•"/>
-            </a:pPr>
-            <a:r>
-              <a:rPr lang="en-US" dirty="0" smtClean="0"/>
-              <a:t>RAG Powerful Knowledge base retrieval.</a:t>
-            </a:r>
-          </a:p>
-          <a:p>
-            <a:pPr marL="285750" indent="-285750" algn="just">
-              <a:buFont typeface="Arial" panose="020B0604020202020204" pitchFamily="34" charset="0"/>
-              <a:buChar char="•"/>
-            </a:pPr>
-            <a:r>
-              <a:rPr lang="en-US" dirty="0" smtClean="0"/>
-              <a:t>RAG input text and get the output improved text output.</a:t>
-            </a:r>
-            <a:endParaRPr lang="en-IN" dirty="0"/>
-          </a:p>
-        </p:txBody>
-      </p:sp>
-      <p:sp>
-        <p:nvSpPr>
-          <p:cNvPr id="6" name="AutoShape 2" descr="How-Rag-works"/>
-          <p:cNvSpPr>
-            <a:spLocks noChangeAspect="1" noChangeArrowheads="1"/>
-          </p:cNvSpPr>
-          <p:nvPr/>
-        </p:nvSpPr>
-        <p:spPr bwMode="auto">
-          <a:xfrm>
-            <a:off x="155575" y="-144463"/>
-            <a:ext cx="304800" cy="304801"/>
-          </a:xfrm>
-          <a:prstGeom prst="rect">
-            <a:avLst/>
-          </a:prstGeom>
-          <a:noFill/>
-          <a:extLst>
-            <a:ext uri="{909E8E84-426E-40DD-AFC4-6F175D3DCCD1}">
-              <a14:hiddenFill xmlns:a14="http://schemas.microsoft.com/office/drawing/2010/main">
-                <a:solidFill>
-                  <a:srgbClr val="FFFFFF"/>
-                </a:solidFill>
-              </a14:hiddenFill>
-            </a:ext>
-          </a:extLst>
-        </p:spPr>
-        <p:txBody>
-          <a:bodyPr vert="horz" wrap="square" lIns="91440" tIns="45720" rIns="91440" bIns="45720" numCol="1" anchor="t" anchorCtr="0" compatLnSpc="1">
-            <a:prstTxWarp prst="textNoShape">
-              <a:avLst/>
-            </a:prstTxWarp>
-          </a:bodyPr>
-          <a:lstStyle/>
-          <a:p>
-            <a:endParaRPr lang="en-IN"/>
-          </a:p>
-        </p:txBody>
-      </p:sp>
-      <p:pic>
-        <p:nvPicPr>
-          <p:cNvPr id="7" name="Picture 6"/>
-          <p:cNvPicPr>
-            <a:picLocks noChangeAspect="1"/>
-          </p:cNvPicPr>
-          <p:nvPr/>
-        </p:nvPicPr>
-        <p:blipFill>
-          <a:blip r:embed="rId2"/>
-          <a:stretch>
-            <a:fillRect/>
-          </a:stretch>
-        </p:blipFill>
-        <p:spPr>
-          <a:xfrm>
-            <a:off x="1493949" y="2331388"/>
-            <a:ext cx="8680360" cy="4382672"/>
-          </a:xfrm>
-          <a:prstGeom prst="rect">
-            <a:avLst/>
-          </a:prstGeom>
-        </p:spPr>
-      </p:pic>
-      <p:sp>
-        <p:nvSpPr>
-          <p:cNvPr id="3" name="Footer Placeholder 2"/>
-          <p:cNvSpPr>
-            <a:spLocks noGrp="1"/>
-          </p:cNvSpPr>
-          <p:nvPr>
-            <p:ph type="ftr" sz="quarter" idx="11"/>
-          </p:nvPr>
-        </p:nvSpPr>
-        <p:spPr/>
-        <p:txBody>
-          <a:bodyPr/>
-          <a:lstStyle/>
-          <a:p>
-            <a:r>
-              <a:rPr lang="en-IN" smtClean="0"/>
-              <a:t>MOHAN SUNDARAM</a:t>
-            </a:r>
-            <a:endParaRPr lang="en-IN"/>
-          </a:p>
-        </p:txBody>
-      </p:sp>
-    </p:spTree>
-    <p:extLst>
-      <p:ext uri="{BB962C8B-B14F-4D97-AF65-F5344CB8AC3E}">
-        <p14:creationId xmlns:p14="http://schemas.microsoft.com/office/powerpoint/2010/main" val="2314051272"/>
-      </p:ext>
-    </p:extLst>
-  </p:cSld>
-  <p:clrMapOvr>
-    <a:masterClrMapping/>
-  </p:clrMapOvr>
-</p:sld>
-</file>
-
-<file path=ppt/slides/slide5.xml><?xml version="1.0" encoding="utf-8"?>
-<p:sld xmlns:a="http://schemas.openxmlformats.org/drawingml/2006/main" xmlns:r="http://schemas.openxmlformats.org/officeDocument/2006/relationships" xmlns:p="http://schemas.openxmlformats.org/presentationml/2006/main">
-  <p:cSld>
-    <p:spTree>
-      <p:nvGrpSpPr>
-        <p:cNvPr id="1" name=""/>
-        <p:cNvGrpSpPr/>
-        <p:nvPr/>
-      </p:nvGrpSpPr>
-      <p:grpSpPr>
-        <a:xfrm>
-          <a:off x="0" y="0"/>
-          <a:ext cx="0" cy="0"/>
-          <a:chOff x="0" y="0"/>
-          <a:chExt cx="0" cy="0"/>
-        </a:xfrm>
-      </p:grpSpPr>
-      <p:sp>
-        <p:nvSpPr>
-          <p:cNvPr id="2" name="Title 1"/>
-          <p:cNvSpPr>
-            <a:spLocks noGrp="1"/>
-          </p:cNvSpPr>
-          <p:nvPr>
-            <p:ph type="title"/>
-          </p:nvPr>
-        </p:nvSpPr>
-        <p:spPr>
-          <a:xfrm>
-            <a:off x="789903" y="506793"/>
-            <a:ext cx="2819400" cy="433365"/>
-          </a:xfrm>
-        </p:spPr>
-        <p:txBody>
-          <a:bodyPr>
-            <a:normAutofit/>
-          </a:bodyPr>
-          <a:lstStyle/>
-          <a:p>
-            <a:r>
-              <a:rPr lang="en-US" sz="1600" b="1" dirty="0" smtClean="0"/>
-              <a:t>MCP - Model </a:t>
-            </a:r>
-            <a:r>
-              <a:rPr lang="en-US" sz="1800" b="1" dirty="0" smtClean="0"/>
-              <a:t>Context</a:t>
-            </a:r>
-            <a:r>
-              <a:rPr lang="en-US" sz="1600" b="1" dirty="0" smtClean="0"/>
-              <a:t> Protocol</a:t>
-            </a:r>
-            <a:endParaRPr lang="en-IN" sz="1600" b="1" dirty="0"/>
-          </a:p>
-        </p:txBody>
-      </p:sp>
-      <p:sp>
-        <p:nvSpPr>
-          <p:cNvPr id="4" name="Rectangle 3"/>
-          <p:cNvSpPr/>
-          <p:nvPr/>
-        </p:nvSpPr>
-        <p:spPr>
-          <a:xfrm>
-            <a:off x="789903" y="940159"/>
-            <a:ext cx="10710931" cy="2031325"/>
-          </a:xfrm>
-          <a:prstGeom prst="rect">
-            <a:avLst/>
-          </a:prstGeom>
-        </p:spPr>
-        <p:txBody>
-          <a:bodyPr wrap="square">
-            <a:spAutoFit/>
-          </a:bodyPr>
-          <a:lstStyle/>
-          <a:p>
-            <a:pPr marL="285750" indent="-285750">
-              <a:buFont typeface="Arial" panose="020B0604020202020204" pitchFamily="34" charset="0"/>
-              <a:buChar char="•"/>
-            </a:pPr>
-            <a:r>
-              <a:rPr lang="en-US" dirty="0"/>
-              <a:t>Open-source framework that allows large language models (LLMs) to securely and standardized interact with external data sources and tools </a:t>
-            </a:r>
-            <a:r>
-              <a:rPr lang="en-US" dirty="0" smtClean="0"/>
-              <a:t>API, application,databases..</a:t>
-            </a:r>
-            <a:r>
-              <a:rPr lang="en-US" dirty="0"/>
-              <a:t>etc</a:t>
-            </a:r>
-            <a:r>
-              <a:rPr lang="en-US" dirty="0" smtClean="0"/>
-              <a:t>.</a:t>
-            </a:r>
-          </a:p>
-          <a:p>
-            <a:pPr marL="285750" indent="-285750">
-              <a:buFont typeface="Arial" panose="020B0604020202020204" pitchFamily="34" charset="0"/>
-              <a:buChar char="•"/>
-            </a:pPr>
-            <a:endParaRPr lang="en-US" dirty="0" smtClean="0"/>
-          </a:p>
-          <a:p>
-            <a:pPr marL="285750" indent="-285750">
-              <a:buFont typeface="Arial" panose="020B0604020202020204" pitchFamily="34" charset="0"/>
-              <a:buChar char="•"/>
-            </a:pPr>
-            <a:r>
-              <a:rPr lang="en-US" dirty="0" smtClean="0"/>
-              <a:t>MCP input text and get the output improved text and action output.</a:t>
-            </a:r>
-          </a:p>
-          <a:p>
-            <a:pPr marL="285750" indent="-285750">
-              <a:buFont typeface="Arial" panose="020B0604020202020204" pitchFamily="34" charset="0"/>
-              <a:buChar char="•"/>
-            </a:pPr>
-            <a:endParaRPr lang="en-US" dirty="0"/>
-          </a:p>
-          <a:p>
-            <a:pPr marL="285750" indent="-285750">
-              <a:buFont typeface="Arial" panose="020B0604020202020204" pitchFamily="34" charset="0"/>
-              <a:buChar char="•"/>
-            </a:pPr>
-            <a:r>
-              <a:rPr lang="en-US" dirty="0" smtClean="0"/>
-              <a:t>RAG and MCP combined integration tools more powerful.</a:t>
-            </a:r>
-            <a:endParaRPr lang="en-IN" dirty="0" smtClean="0"/>
-          </a:p>
-          <a:p>
-            <a:endParaRPr lang="en-US" dirty="0"/>
-          </a:p>
-        </p:txBody>
-      </p:sp>
-      <p:pic>
-        <p:nvPicPr>
-          <p:cNvPr id="5" name="Picture 4"/>
-          <p:cNvPicPr>
-            <a:picLocks noChangeAspect="1"/>
-          </p:cNvPicPr>
-          <p:nvPr/>
-        </p:nvPicPr>
-        <p:blipFill>
-          <a:blip r:embed="rId2"/>
-          <a:stretch>
-            <a:fillRect/>
-          </a:stretch>
-        </p:blipFill>
-        <p:spPr>
-          <a:xfrm>
-            <a:off x="1906072" y="2829450"/>
-            <a:ext cx="7557081" cy="3943223"/>
-          </a:xfrm>
-          <a:prstGeom prst="rect">
-            <a:avLst/>
-          </a:prstGeom>
-        </p:spPr>
-      </p:pic>
-      <p:sp>
-        <p:nvSpPr>
-          <p:cNvPr id="3" name="Footer Placeholder 2"/>
-          <p:cNvSpPr>
-            <a:spLocks noGrp="1"/>
-          </p:cNvSpPr>
-          <p:nvPr>
-            <p:ph type="ftr" sz="quarter" idx="11"/>
-          </p:nvPr>
-        </p:nvSpPr>
-        <p:spPr/>
-        <p:txBody>
-          <a:bodyPr/>
-          <a:lstStyle/>
-          <a:p>
-            <a:r>
-              <a:rPr lang="en-IN" smtClean="0"/>
-              <a:t>MOHAN SUNDARAM</a:t>
-            </a:r>
-            <a:endParaRPr lang="en-IN"/>
-          </a:p>
-        </p:txBody>
-      </p:sp>
-    </p:spTree>
-    <p:extLst>
-      <p:ext uri="{BB962C8B-B14F-4D97-AF65-F5344CB8AC3E}">
-        <p14:creationId xmlns:p14="http://schemas.microsoft.com/office/powerpoint/2010/main" val="1987242813"/>
-      </p:ext>
-    </p:extLst>
-  </p:cSld>
-  <p:clrMapOvr>
-    <a:masterClrMapping/>
-  </p:clrMapOvr>
+  <p:timing>
+    <p:tnLst>
+      <p:par>
+        <p:cTn id="1" dur="indefinite" restart="never" nodeType="tmRoot"/>
+      </p:par>
+    </p:tnLst>
+  </p:timing>
 </p:sld>
 </file>
 
@@ -4738,8 +6664,8 @@
         </p:nvSpPr>
         <p:spPr>
           <a:xfrm>
-            <a:off x="838200" y="365125"/>
-            <a:ext cx="1711817" cy="343213"/>
+            <a:off x="941231" y="287852"/>
+            <a:ext cx="4519411" cy="435651"/>
           </a:xfrm>
         </p:spPr>
         <p:txBody>
@@ -4749,27 +6675,119 @@
           <a:lstStyle/>
           <a:p>
             <a:r>
-              <a:rPr lang="en-US" sz="2400" b="1" dirty="0" smtClean="0"/>
-              <a:t>Gen AI Tools</a:t>
-            </a:r>
-            <a:endParaRPr lang="en-IN" sz="2400" b="1" dirty="0"/>
-          </a:p>
-        </p:txBody>
-      </p:sp>
-      <p:sp>
-        <p:nvSpPr>
-          <p:cNvPr id="3" name="Content Placeholder 2"/>
-          <p:cNvSpPr>
-            <a:spLocks noGrp="1"/>
-          </p:cNvSpPr>
-          <p:nvPr>
-            <p:ph idx="1"/>
-          </p:nvPr>
-        </p:nvSpPr>
-        <p:spPr>
-          <a:xfrm>
-            <a:off x="838200" y="988498"/>
-            <a:ext cx="10515600" cy="4351338"/>
+              <a:rPr lang="en-IN" sz="2000" b="1" dirty="0" smtClean="0"/>
+              <a:t>RAG = Retrieval Augmented Generation</a:t>
+            </a:r>
+            <a:endParaRPr lang="en-IN" sz="2000" b="1" dirty="0"/>
+          </a:p>
+        </p:txBody>
+      </p:sp>
+      <p:sp>
+        <p:nvSpPr>
+          <p:cNvPr id="5" name="Rectangle 4"/>
+          <p:cNvSpPr/>
+          <p:nvPr/>
+        </p:nvSpPr>
+        <p:spPr>
+          <a:xfrm>
+            <a:off x="941230" y="927281"/>
+            <a:ext cx="10945969" cy="1200329"/>
+          </a:xfrm>
+          <a:prstGeom prst="rect">
+            <a:avLst/>
+          </a:prstGeom>
+        </p:spPr>
+        <p:txBody>
+          <a:bodyPr wrap="square">
+            <a:spAutoFit/>
+          </a:bodyPr>
+          <a:lstStyle/>
+          <a:p>
+            <a:pPr marL="285750" indent="-285750" algn="just">
+              <a:buFont typeface="Arial" panose="020B0604020202020204" pitchFamily="34" charset="0"/>
+              <a:buChar char="•"/>
+            </a:pPr>
+            <a:r>
+              <a:rPr lang="en-US" dirty="0" smtClean="0"/>
+              <a:t>RAG is an AI framework that improves the output of large language models (LLMs) by giving them access to external or private data up-to-date knowledge bases before generating a response.</a:t>
+            </a:r>
+          </a:p>
+          <a:p>
+            <a:pPr marL="285750" indent="-285750" algn="just">
+              <a:buFont typeface="Arial" panose="020B0604020202020204" pitchFamily="34" charset="0"/>
+              <a:buChar char="•"/>
+            </a:pPr>
+            <a:r>
+              <a:rPr lang="en-US" dirty="0" smtClean="0"/>
+              <a:t>RAG Powerful Knowledge base retrieval.</a:t>
+            </a:r>
+          </a:p>
+          <a:p>
+            <a:pPr marL="285750" indent="-285750" algn="just">
+              <a:buFont typeface="Arial" panose="020B0604020202020204" pitchFamily="34" charset="0"/>
+              <a:buChar char="•"/>
+            </a:pPr>
+            <a:r>
+              <a:rPr lang="en-US" dirty="0" smtClean="0"/>
+              <a:t>RAG input text and get the output improved text output.</a:t>
+            </a:r>
+            <a:endParaRPr lang="en-IN" dirty="0"/>
+          </a:p>
+        </p:txBody>
+      </p:sp>
+      <p:sp>
+        <p:nvSpPr>
+          <p:cNvPr id="6" name="AutoShape 2" descr="How-Rag-works"/>
+          <p:cNvSpPr>
+            <a:spLocks noChangeAspect="1" noChangeArrowheads="1"/>
+          </p:cNvSpPr>
+          <p:nvPr/>
+        </p:nvSpPr>
+        <p:spPr bwMode="auto">
+          <a:xfrm>
+            <a:off x="155575" y="-144463"/>
+            <a:ext cx="304800" cy="304801"/>
+          </a:xfrm>
+          <a:prstGeom prst="rect">
+            <a:avLst/>
+          </a:prstGeom>
+          <a:noFill/>
+          <a:extLst>
+            <a:ext uri="{909E8E84-426E-40DD-AFC4-6F175D3DCCD1}">
+              <a14:hiddenFill xmlns:a14="http://schemas.microsoft.com/office/drawing/2010/main">
+                <a:solidFill>
+                  <a:srgbClr val="FFFFFF"/>
+                </a:solidFill>
+              </a14:hiddenFill>
+            </a:ext>
+          </a:extLst>
+        </p:spPr>
+        <p:txBody>
+          <a:bodyPr vert="horz" wrap="square" lIns="91440" tIns="45720" rIns="91440" bIns="45720" numCol="1" anchor="t" anchorCtr="0" compatLnSpc="1">
+            <a:prstTxWarp prst="textNoShape">
+              <a:avLst/>
+            </a:prstTxWarp>
+          </a:bodyPr>
+          <a:lstStyle/>
+          <a:p>
+            <a:endParaRPr lang="en-IN"/>
+          </a:p>
+        </p:txBody>
+      </p:sp>
+      <p:sp>
+        <p:nvSpPr>
+          <p:cNvPr id="3" name="Footer Placeholder 2"/>
+          <p:cNvSpPr>
+            <a:spLocks noGrp="1"/>
+          </p:cNvSpPr>
+          <p:nvPr>
+            <p:ph type="ftr" sz="quarter" idx="11"/>
+          </p:nvPr>
+        </p:nvSpPr>
+        <p:spPr>
+          <a:xfrm>
+            <a:off x="5060305" y="6507309"/>
+            <a:ext cx="2396544" cy="365125"/>
           </a:xfrm>
         </p:spPr>
         <p:txBody>
@@ -4777,138 +6795,60 @@
           <a:lstStyle/>
           <a:p>
             <a:r>
-              <a:rPr lang="en-IN" dirty="0" smtClean="0">
-                <a:hlinkClick r:id="rId2"/>
-              </a:rPr>
-              <a:t>https</a:t>
-            </a:r>
-            <a:r>
-              <a:rPr lang="en-IN" dirty="0">
-                <a:hlinkClick r:id="rId2"/>
-              </a:rPr>
-              <a:t>://chatgpt.com</a:t>
-            </a:r>
-            <a:r>
-              <a:rPr lang="en-IN" dirty="0" smtClean="0">
-                <a:hlinkClick r:id="rId2"/>
-              </a:rPr>
-              <a:t>/</a:t>
-            </a:r>
-            <a:endParaRPr lang="en-IN" dirty="0" smtClean="0"/>
-          </a:p>
-          <a:p>
-            <a:r>
-              <a:rPr lang="en-US" dirty="0">
-                <a:hlinkClick r:id="rId3"/>
-              </a:rPr>
-              <a:t>https://</a:t>
-            </a:r>
-            <a:r>
-              <a:rPr lang="en-US" dirty="0" smtClean="0">
-                <a:hlinkClick r:id="rId3"/>
-              </a:rPr>
-              <a:t>claude.ai/</a:t>
-            </a:r>
-            <a:endParaRPr lang="en-US" dirty="0" smtClean="0"/>
-          </a:p>
-          <a:p>
-            <a:r>
-              <a:rPr lang="en-US" dirty="0">
-                <a:hlinkClick r:id="rId4"/>
-              </a:rPr>
-              <a:t>https://</a:t>
-            </a:r>
-            <a:r>
-              <a:rPr lang="en-US" dirty="0" smtClean="0">
-                <a:hlinkClick r:id="rId4"/>
-              </a:rPr>
-              <a:t>gemini.google.com/</a:t>
-            </a:r>
-            <a:endParaRPr lang="en-US" dirty="0" smtClean="0"/>
-          </a:p>
-          <a:p>
-            <a:r>
-              <a:rPr lang="en-US" dirty="0">
-                <a:hlinkClick r:id="rId5"/>
-              </a:rPr>
-              <a:t>https://chat.deepseek.com</a:t>
-            </a:r>
-            <a:r>
-              <a:rPr lang="en-US" dirty="0" smtClean="0">
-                <a:hlinkClick r:id="rId5"/>
-              </a:rPr>
-              <a:t>/</a:t>
-            </a:r>
-            <a:endParaRPr lang="en-US" dirty="0" smtClean="0"/>
-          </a:p>
-          <a:p>
-            <a:r>
-              <a:rPr lang="en-US" dirty="0">
-                <a:hlinkClick r:id="rId6"/>
-              </a:rPr>
-              <a:t>https://webenoid.com</a:t>
-            </a:r>
-            <a:r>
-              <a:rPr lang="en-US" dirty="0" smtClean="0">
-                <a:hlinkClick r:id="rId6"/>
-              </a:rPr>
-              <a:t>/</a:t>
-            </a:r>
-            <a:endParaRPr lang="en-US" dirty="0" smtClean="0"/>
-          </a:p>
-          <a:p>
-            <a:endParaRPr lang="en-US" dirty="0" smtClean="0"/>
-          </a:p>
-          <a:p>
-            <a:endParaRPr lang="en-US" dirty="0"/>
-          </a:p>
-          <a:p>
-            <a:pPr marL="0" indent="0">
-              <a:buNone/>
-            </a:pPr>
-            <a:endParaRPr lang="en-US" dirty="0" smtClean="0"/>
-          </a:p>
-          <a:p>
-            <a:endParaRPr lang="en-US" dirty="0" smtClean="0"/>
-          </a:p>
-          <a:p>
-            <a:endParaRPr lang="en-US" dirty="0"/>
-          </a:p>
-        </p:txBody>
-      </p:sp>
-      <p:sp>
-        <p:nvSpPr>
-          <p:cNvPr id="4" name="Footer Placeholder 3"/>
-          <p:cNvSpPr>
-            <a:spLocks noGrp="1"/>
-          </p:cNvSpPr>
-          <p:nvPr>
-            <p:ph type="ftr" sz="quarter" idx="11"/>
-          </p:nvPr>
-        </p:nvSpPr>
-        <p:spPr/>
-        <p:txBody>
-          <a:bodyPr/>
-          <a:lstStyle/>
-          <a:p>
-            <a:r>
-              <a:rPr lang="en-IN" smtClean="0"/>
+              <a:rPr lang="en-IN" dirty="0" smtClean="0"/>
               <a:t>MOHAN SUNDARAM</a:t>
             </a:r>
-            <a:endParaRPr lang="en-IN"/>
-          </a:p>
-        </p:txBody>
-      </p:sp>
+            <a:endParaRPr lang="en-IN" dirty="0"/>
+          </a:p>
+        </p:txBody>
+      </p:sp>
+      <p:pic>
+        <p:nvPicPr>
+          <p:cNvPr id="10" name="Picture 9"/>
+          <p:cNvPicPr>
+            <a:picLocks noChangeAspect="1"/>
+          </p:cNvPicPr>
+          <p:nvPr/>
+        </p:nvPicPr>
+        <p:blipFill>
+          <a:blip r:embed="rId3">
+            <a:extLst>
+              <a:ext uri="{28A0092B-C50C-407E-A947-70E740481C1C}">
+                <a14:useLocalDpi xmlns:a14="http://schemas.microsoft.com/office/drawing/2010/main" val="0"/>
+              </a:ext>
+            </a:extLst>
+          </a:blip>
+          <a:stretch>
+            <a:fillRect/>
+          </a:stretch>
+        </p:blipFill>
+        <p:spPr>
+          <a:xfrm>
+            <a:off x="1133338" y="2331388"/>
+            <a:ext cx="10250477" cy="4154706"/>
+          </a:xfrm>
+          <a:prstGeom prst="rect">
+            <a:avLst/>
+          </a:prstGeom>
+        </p:spPr>
+      </p:pic>
     </p:spTree>
     <p:extLst>
       <p:ext uri="{BB962C8B-B14F-4D97-AF65-F5344CB8AC3E}">
-        <p14:creationId xmlns:p14="http://schemas.microsoft.com/office/powerpoint/2010/main" val="2321187554"/>
+        <p14:creationId xmlns:p14="http://schemas.microsoft.com/office/powerpoint/2010/main" val="2314051272"/>
       </p:ext>
     </p:extLst>
   </p:cSld>
   <p:clrMapOvr>
     <a:masterClrMapping/>
   </p:clrMapOvr>
+  <p:timing>
+    <p:tnLst>
+      <p:par>
+        <p:cTn id="1" dur="indefinite" restart="never" nodeType="tmRoot"/>
+      </p:par>
+    </p:tnLst>
+  </p:timing>
 </p:sld>
 </file>
 
@@ -4931,36 +6871,6 @@
       </p:grpSpPr>
       <p:sp>
         <p:nvSpPr>
-          <p:cNvPr id="2" name="Title 1"/>
-          <p:cNvSpPr>
-            <a:spLocks noGrp="1"/>
-          </p:cNvSpPr>
-          <p:nvPr>
-            <p:ph type="title"/>
-          </p:nvPr>
-        </p:nvSpPr>
-        <p:spPr>
-          <a:xfrm>
-            <a:off x="590817" y="312589"/>
-            <a:ext cx="2304245" cy="909883"/>
-          </a:xfrm>
-        </p:spPr>
-        <p:txBody>
-          <a:bodyPr>
-            <a:normAutofit/>
-          </a:bodyPr>
-          <a:lstStyle/>
-          <a:p>
-            <a:r>
-              <a:rPr lang="en-US" sz="2400" b="1" dirty="0" smtClean="0"/>
-              <a:t>Blogger &amp; App</a:t>
-            </a:r>
-            <a:endParaRPr lang="en-IN" sz="2400" b="1" dirty="0"/>
-          </a:p>
-        </p:txBody>
-      </p:sp>
-      <p:sp>
-        <p:nvSpPr>
           <p:cNvPr id="4" name="Footer Placeholder 3"/>
           <p:cNvSpPr>
             <a:spLocks noGrp="1"/>
@@ -4969,16 +6879,21 @@
             <p:ph type="ftr" sz="quarter" idx="11"/>
           </p:nvPr>
         </p:nvSpPr>
-        <p:spPr/>
+        <p:spPr>
+          <a:xfrm>
+            <a:off x="3665113" y="6214682"/>
+            <a:ext cx="4114800" cy="365125"/>
+          </a:xfrm>
+        </p:spPr>
         <p:txBody>
           <a:bodyPr/>
           <a:lstStyle/>
           <a:p>
             <a:r>
-              <a:rPr lang="en-IN" smtClean="0"/>
+              <a:rPr lang="en-IN" dirty="0" smtClean="0"/>
               <a:t>MOHAN SUNDARAM</a:t>
             </a:r>
-            <a:endParaRPr lang="en-IN"/>
+            <a:endParaRPr lang="en-IN" dirty="0"/>
           </a:p>
         </p:txBody>
       </p:sp>
@@ -4991,21 +6906,15 @@
           <p:nvPr/>
         </p:nvPicPr>
         <p:blipFill>
-          <a:blip r:embed="rId2">
-            <a:extLst>
-              <a:ext uri="{28A0092B-C50C-407E-A947-70E740481C1C}">
-                <a14:useLocalDpi xmlns:a14="http://schemas.microsoft.com/office/drawing/2010/main" val="0"/>
-              </a:ext>
-            </a:extLst>
-          </a:blip>
+          <a:blip r:embed="rId2"/>
           <a:stretch>
             <a:fillRect/>
           </a:stretch>
         </p:blipFill>
         <p:spPr>
           <a:xfrm>
-            <a:off x="607297" y="3600867"/>
-            <a:ext cx="2383262" cy="684190"/>
+            <a:off x="277620" y="1624572"/>
+            <a:ext cx="11765319" cy="4067890"/>
           </a:xfrm>
           <a:prstGeom prst="rect">
             <a:avLst/>
@@ -5020,8 +6929,8 @@
         </p:nvSpPr>
         <p:spPr>
           <a:xfrm>
-            <a:off x="3162316" y="3742003"/>
-            <a:ext cx="3459152" cy="369332"/>
+            <a:off x="386866" y="699074"/>
+            <a:ext cx="2896049" cy="523220"/>
           </a:xfrm>
           <a:prstGeom prst="rect">
             <a:avLst/>
@@ -5034,31 +6943,294 @@
           <a:lstStyle/>
           <a:p>
             <a:r>
-              <a:rPr lang="en-IN" dirty="0">
-                <a:hlinkClick r:id="rId3"/>
-              </a:rPr>
-              <a:t>https://mohan4295.blogspot.com/</a:t>
-            </a:r>
-            <a:endParaRPr lang="en-IN" dirty="0"/>
-          </a:p>
-        </p:txBody>
-      </p:sp>
-      <p:sp>
-        <p:nvSpPr>
-          <p:cNvPr id="9" name="Rectangle 8"/>
+              <a:rPr lang="en-IN" sz="2800" b="1" dirty="0"/>
+              <a:t>RAG </a:t>
+            </a:r>
+            <a:r>
+              <a:rPr lang="en-US" sz="2800" b="1" dirty="0" smtClean="0"/>
+              <a:t>Framework:- </a:t>
+            </a:r>
+            <a:endParaRPr lang="en-IN" sz="2800" dirty="0"/>
+          </a:p>
+        </p:txBody>
+      </p:sp>
+    </p:spTree>
+    <p:extLst>
+      <p:ext uri="{BB962C8B-B14F-4D97-AF65-F5344CB8AC3E}">
+        <p14:creationId xmlns:p14="http://schemas.microsoft.com/office/powerpoint/2010/main" val="306786990"/>
+      </p:ext>
+    </p:extLst>
+  </p:cSld>
+  <p:clrMapOvr>
+    <a:masterClrMapping/>
+  </p:clrMapOvr>
+  <p:timing>
+    <p:tnLst>
+      <p:par>
+        <p:cTn id="1" dur="indefinite" restart="never" nodeType="tmRoot"/>
+      </p:par>
+    </p:tnLst>
+  </p:timing>
+</p:sld>
+</file>
+
+<file path=ppt/slides/slide8.xml><?xml version="1.0" encoding="utf-8"?>
+<p:sld xmlns:a="http://schemas.openxmlformats.org/drawingml/2006/main" xmlns:r="http://schemas.openxmlformats.org/officeDocument/2006/relationships" xmlns:p="http://schemas.openxmlformats.org/presentationml/2006/main">
+  <p:cSld>
+    <p:spTree>
+      <p:nvGrpSpPr>
+        <p:cNvPr id="1" name=""/>
+        <p:cNvGrpSpPr/>
+        <p:nvPr/>
+      </p:nvGrpSpPr>
+      <p:grpSpPr>
+        <a:xfrm>
+          <a:off x="0" y="0"/>
+          <a:ext cx="0" cy="0"/>
+          <a:chOff x="0" y="0"/>
+          <a:chExt cx="0" cy="0"/>
+        </a:xfrm>
+      </p:grpSpPr>
+      <p:sp>
+        <p:nvSpPr>
+          <p:cNvPr id="2" name="Title 1"/>
+          <p:cNvSpPr>
+            <a:spLocks noGrp="1"/>
+          </p:cNvSpPr>
+          <p:nvPr>
+            <p:ph type="title"/>
+          </p:nvPr>
+        </p:nvSpPr>
+        <p:spPr>
+          <a:xfrm>
+            <a:off x="957328" y="349826"/>
+            <a:ext cx="4219979" cy="433365"/>
+          </a:xfrm>
+        </p:spPr>
+        <p:txBody>
+          <a:bodyPr>
+            <a:noAutofit/>
+          </a:bodyPr>
+          <a:lstStyle/>
+          <a:p>
+            <a:r>
+              <a:rPr lang="en-US" sz="2400" b="1" dirty="0" smtClean="0"/>
+              <a:t>MCP - Model Context Protocol</a:t>
+            </a:r>
+            <a:endParaRPr lang="en-IN" sz="2400" b="1" dirty="0"/>
+          </a:p>
+        </p:txBody>
+      </p:sp>
+      <p:sp>
+        <p:nvSpPr>
+          <p:cNvPr id="4" name="Rectangle 3"/>
           <p:cNvSpPr/>
           <p:nvPr/>
         </p:nvSpPr>
         <p:spPr>
           <a:xfrm>
-            <a:off x="3167422" y="2680562"/>
-            <a:ext cx="3655040" cy="369332"/>
+            <a:off x="789903" y="940159"/>
+            <a:ext cx="10710931" cy="2031325"/>
           </a:xfrm>
           <a:prstGeom prst="rect">
             <a:avLst/>
           </a:prstGeom>
         </p:spPr>
         <p:txBody>
+          <a:bodyPr wrap="square">
+            <a:spAutoFit/>
+          </a:bodyPr>
+          <a:lstStyle/>
+          <a:p>
+            <a:pPr marL="285750" indent="-285750">
+              <a:buFont typeface="Arial" panose="020B0604020202020204" pitchFamily="34" charset="0"/>
+              <a:buChar char="•"/>
+            </a:pPr>
+            <a:r>
+              <a:rPr lang="en-US" dirty="0"/>
+              <a:t>Open-source framework that allows large language models (LLMs) to securely and standardized interact with external data sources and tools </a:t>
+            </a:r>
+            <a:r>
+              <a:rPr lang="en-US" dirty="0" smtClean="0"/>
+              <a:t>API, application,databases..</a:t>
+            </a:r>
+            <a:r>
+              <a:rPr lang="en-US" dirty="0"/>
+              <a:t>etc</a:t>
+            </a:r>
+            <a:r>
+              <a:rPr lang="en-US" dirty="0" smtClean="0"/>
+              <a:t>.</a:t>
+            </a:r>
+          </a:p>
+          <a:p>
+            <a:pPr marL="285750" indent="-285750">
+              <a:buFont typeface="Arial" panose="020B0604020202020204" pitchFamily="34" charset="0"/>
+              <a:buChar char="•"/>
+            </a:pPr>
+            <a:endParaRPr lang="en-US" dirty="0" smtClean="0"/>
+          </a:p>
+          <a:p>
+            <a:pPr marL="285750" indent="-285750">
+              <a:buFont typeface="Arial" panose="020B0604020202020204" pitchFamily="34" charset="0"/>
+              <a:buChar char="•"/>
+            </a:pPr>
+            <a:r>
+              <a:rPr lang="en-US" dirty="0" smtClean="0"/>
+              <a:t>MCP input text and get the output improved text and action output.</a:t>
+            </a:r>
+          </a:p>
+          <a:p>
+            <a:pPr marL="285750" indent="-285750">
+              <a:buFont typeface="Arial" panose="020B0604020202020204" pitchFamily="34" charset="0"/>
+              <a:buChar char="•"/>
+            </a:pPr>
+            <a:endParaRPr lang="en-US" dirty="0"/>
+          </a:p>
+          <a:p>
+            <a:pPr marL="285750" indent="-285750">
+              <a:buFont typeface="Arial" panose="020B0604020202020204" pitchFamily="34" charset="0"/>
+              <a:buChar char="•"/>
+            </a:pPr>
+            <a:r>
+              <a:rPr lang="en-US" dirty="0" smtClean="0"/>
+              <a:t>RAG and MCP combined integration tools more powerful.</a:t>
+            </a:r>
+            <a:endParaRPr lang="en-IN" dirty="0" smtClean="0"/>
+          </a:p>
+          <a:p>
+            <a:endParaRPr lang="en-US" dirty="0"/>
+          </a:p>
+        </p:txBody>
+      </p:sp>
+      <p:pic>
+        <p:nvPicPr>
+          <p:cNvPr id="5" name="Picture 4"/>
+          <p:cNvPicPr>
+            <a:picLocks noChangeAspect="1"/>
+          </p:cNvPicPr>
+          <p:nvPr/>
+        </p:nvPicPr>
+        <p:blipFill>
+          <a:blip r:embed="rId2"/>
+          <a:stretch>
+            <a:fillRect/>
+          </a:stretch>
+        </p:blipFill>
+        <p:spPr>
+          <a:xfrm>
+            <a:off x="1867436" y="2692306"/>
+            <a:ext cx="7557081" cy="3943223"/>
+          </a:xfrm>
+          <a:prstGeom prst="rect">
+            <a:avLst/>
+          </a:prstGeom>
+        </p:spPr>
+      </p:pic>
+      <p:sp>
+        <p:nvSpPr>
+          <p:cNvPr id="3" name="Footer Placeholder 2"/>
+          <p:cNvSpPr>
+            <a:spLocks noGrp="1"/>
+          </p:cNvSpPr>
+          <p:nvPr>
+            <p:ph type="ftr" sz="quarter" idx="11"/>
+          </p:nvPr>
+        </p:nvSpPr>
+        <p:spPr/>
+        <p:txBody>
+          <a:bodyPr/>
+          <a:lstStyle/>
+          <a:p>
+            <a:r>
+              <a:rPr lang="en-IN" smtClean="0"/>
+              <a:t>MOHAN SUNDARAM</a:t>
+            </a:r>
+            <a:endParaRPr lang="en-IN"/>
+          </a:p>
+        </p:txBody>
+      </p:sp>
+    </p:spTree>
+    <p:extLst>
+      <p:ext uri="{BB962C8B-B14F-4D97-AF65-F5344CB8AC3E}">
+        <p14:creationId xmlns:p14="http://schemas.microsoft.com/office/powerpoint/2010/main" val="1987242813"/>
+      </p:ext>
+    </p:extLst>
+  </p:cSld>
+  <p:clrMapOvr>
+    <a:masterClrMapping/>
+  </p:clrMapOvr>
+  <p:timing>
+    <p:tnLst>
+      <p:par>
+        <p:cTn id="1" dur="indefinite" restart="never" nodeType="tmRoot"/>
+      </p:par>
+    </p:tnLst>
+  </p:timing>
+</p:sld>
+</file>
+
+<file path=ppt/slides/slide9.xml><?xml version="1.0" encoding="utf-8"?>
+<p:sld xmlns:a="http://schemas.openxmlformats.org/drawingml/2006/main" xmlns:r="http://schemas.openxmlformats.org/officeDocument/2006/relationships" xmlns:p="http://schemas.openxmlformats.org/presentationml/2006/main">
+  <p:cSld>
+    <p:spTree>
+      <p:nvGrpSpPr>
+        <p:cNvPr id="1" name=""/>
+        <p:cNvGrpSpPr/>
+        <p:nvPr/>
+      </p:nvGrpSpPr>
+      <p:grpSpPr>
+        <a:xfrm>
+          <a:off x="0" y="0"/>
+          <a:ext cx="0" cy="0"/>
+          <a:chOff x="0" y="0"/>
+          <a:chExt cx="0" cy="0"/>
+        </a:xfrm>
+      </p:grpSpPr>
+      <p:sp>
+        <p:nvSpPr>
+          <p:cNvPr id="4" name="Footer Placeholder 3"/>
+          <p:cNvSpPr>
+            <a:spLocks noGrp="1"/>
+          </p:cNvSpPr>
+          <p:nvPr>
+            <p:ph type="ftr" sz="quarter" idx="11"/>
+          </p:nvPr>
+        </p:nvSpPr>
+        <p:spPr>
+          <a:xfrm>
+            <a:off x="-1169479" y="6469637"/>
+            <a:ext cx="4114800" cy="365125"/>
+          </a:xfrm>
+        </p:spPr>
+        <p:txBody>
+          <a:bodyPr/>
+          <a:lstStyle/>
+          <a:p>
+            <a:r>
+              <a:rPr lang="en-IN" dirty="0" smtClean="0"/>
+              <a:t>MOHAN SUNDARAM</a:t>
+            </a:r>
+            <a:endParaRPr lang="en-IN" dirty="0"/>
+          </a:p>
+        </p:txBody>
+      </p:sp>
+      <p:sp>
+        <p:nvSpPr>
+          <p:cNvPr id="5" name="Rectangle 4"/>
+          <p:cNvSpPr/>
+          <p:nvPr/>
+        </p:nvSpPr>
+        <p:spPr>
+          <a:xfrm>
+            <a:off x="1421101" y="468327"/>
+            <a:ext cx="3554306" cy="369332"/>
+          </a:xfrm>
+          <a:prstGeom prst="rect">
+            <a:avLst/>
+          </a:prstGeom>
+        </p:spPr>
+        <p:txBody>
           <a:bodyPr wrap="none">
             <a:spAutoFit/>
           </a:bodyPr>
@@ -5066,48 +7238,152 @@
           <a:p>
             <a:r>
               <a:rPr lang="en-IN" dirty="0">
-                <a:hlinkClick r:id="rId4"/>
+                <a:solidFill>
+                  <a:srgbClr val="0070C0"/>
+                </a:solidFill>
               </a:rPr>
-              <a:t>https://github.com/mohan4295work</a:t>
-            </a:r>
-            <a:endParaRPr lang="en-IN" dirty="0"/>
-          </a:p>
-        </p:txBody>
-      </p:sp>
-      <p:sp>
-        <p:nvSpPr>
-          <p:cNvPr id="10" name="Rectangle 9"/>
-          <p:cNvSpPr/>
+              <a:t>https://www.claude.com/download</a:t>
+            </a:r>
+          </a:p>
+        </p:txBody>
+      </p:sp>
+      <p:pic>
+        <p:nvPicPr>
+          <p:cNvPr id="7" name="Picture 6"/>
+          <p:cNvPicPr>
+            <a:picLocks noChangeAspect="1"/>
+          </p:cNvPicPr>
           <p:nvPr/>
-        </p:nvSpPr>
-        <p:spPr>
-          <a:xfrm>
-            <a:off x="3207498" y="1670334"/>
-            <a:ext cx="3574889" cy="369332"/>
+        </p:nvPicPr>
+        <p:blipFill>
+          <a:blip r:embed="rId2"/>
+          <a:stretch>
+            <a:fillRect/>
+          </a:stretch>
+        </p:blipFill>
+        <p:spPr>
+          <a:xfrm>
+            <a:off x="1340468" y="837659"/>
+            <a:ext cx="4471652" cy="2016327"/>
           </a:xfrm>
           <a:prstGeom prst="rect">
             <a:avLst/>
           </a:prstGeom>
         </p:spPr>
-        <p:txBody>
-          <a:bodyPr wrap="none">
-            <a:spAutoFit/>
+      </p:pic>
+      <p:pic>
+        <p:nvPicPr>
+          <p:cNvPr id="9" name="Picture 8"/>
+          <p:cNvPicPr>
+            <a:picLocks noChangeAspect="1"/>
+          </p:cNvPicPr>
+          <p:nvPr/>
+        </p:nvPicPr>
+        <p:blipFill>
+          <a:blip r:embed="rId3"/>
+          <a:stretch>
+            <a:fillRect/>
+          </a:stretch>
+        </p:blipFill>
+        <p:spPr>
+          <a:xfrm>
+            <a:off x="6236894" y="837659"/>
+            <a:ext cx="4307314" cy="2031188"/>
+          </a:xfrm>
+          <a:prstGeom prst="rect">
+            <a:avLst/>
+          </a:prstGeom>
+        </p:spPr>
+      </p:pic>
+      <p:sp>
+        <p:nvSpPr>
+          <p:cNvPr id="11" name="Title 1"/>
+          <p:cNvSpPr>
+            <a:spLocks noGrp="1"/>
+          </p:cNvSpPr>
+          <p:nvPr>
+            <p:ph type="title"/>
+          </p:nvPr>
+        </p:nvSpPr>
+        <p:spPr>
+          <a:xfrm>
+            <a:off x="4992709" y="92814"/>
+            <a:ext cx="2206581" cy="433365"/>
+          </a:xfrm>
+        </p:spPr>
+        <p:txBody>
+          <a:bodyPr>
+            <a:noAutofit/>
           </a:bodyPr>
           <a:lstStyle/>
           <a:p>
             <a:r>
-              <a:rPr lang="en-IN" dirty="0">
-                <a:hlinkClick r:id="rId5"/>
+              <a:rPr lang="en-US" sz="2400" b="1" dirty="0" smtClean="0">
+                <a:solidFill>
+                  <a:srgbClr val="0000FF"/>
+                </a:solidFill>
               </a:rPr>
-              <a:t>https://gitlab.com/mohan4295work</a:t>
-            </a:r>
-            <a:endParaRPr lang="en-IN" dirty="0"/>
+              <a:t>MCP – Example </a:t>
+            </a:r>
+            <a:endParaRPr lang="en-IN" sz="2400" b="1" dirty="0">
+              <a:solidFill>
+                <a:srgbClr val="0000FF"/>
+              </a:solidFill>
+            </a:endParaRPr>
           </a:p>
         </p:txBody>
       </p:sp>
       <p:pic>
         <p:nvPicPr>
           <p:cNvPr id="12" name="Picture 11"/>
+          <p:cNvPicPr>
+            <a:picLocks noChangeAspect="1"/>
+          </p:cNvPicPr>
+          <p:nvPr/>
+        </p:nvPicPr>
+        <p:blipFill>
+          <a:blip r:embed="rId4"/>
+          <a:stretch>
+            <a:fillRect/>
+          </a:stretch>
+        </p:blipFill>
+        <p:spPr>
+          <a:xfrm>
+            <a:off x="5230150" y="2941650"/>
+            <a:ext cx="6299847" cy="3721883"/>
+          </a:xfrm>
+          <a:prstGeom prst="rect">
+            <a:avLst/>
+          </a:prstGeom>
+        </p:spPr>
+      </p:pic>
+      <p:pic>
+        <p:nvPicPr>
+          <p:cNvPr id="13" name="Picture 12"/>
+          <p:cNvPicPr>
+            <a:picLocks noChangeAspect="1"/>
+          </p:cNvPicPr>
+          <p:nvPr/>
+        </p:nvPicPr>
+        <p:blipFill>
+          <a:blip r:embed="rId5"/>
+          <a:stretch>
+            <a:fillRect/>
+          </a:stretch>
+        </p:blipFill>
+        <p:spPr>
+          <a:xfrm>
+            <a:off x="1672640" y="2919721"/>
+            <a:ext cx="3051228" cy="1606764"/>
+          </a:xfrm>
+          <a:prstGeom prst="rect">
+            <a:avLst/>
+          </a:prstGeom>
+        </p:spPr>
+      </p:pic>
+      <p:pic>
+        <p:nvPicPr>
+          <p:cNvPr id="15" name="Picture 14"/>
           <p:cNvPicPr>
             <a:picLocks noChangeAspect="1"/>
           </p:cNvPicPr>
@@ -5121,48 +7397,207 @@
         </p:blipFill>
         <p:spPr>
           <a:xfrm>
-            <a:off x="495321" y="1389720"/>
-            <a:ext cx="2495238" cy="704762"/>
+            <a:off x="1672640" y="4683851"/>
+            <a:ext cx="3214755" cy="1688970"/>
           </a:xfrm>
           <a:prstGeom prst="rect">
             <a:avLst/>
           </a:prstGeom>
         </p:spPr>
       </p:pic>
-      <p:pic>
-        <p:nvPicPr>
-          <p:cNvPr id="13" name="Picture 12"/>
-          <p:cNvPicPr>
-            <a:picLocks noChangeAspect="1"/>
-          </p:cNvPicPr>
+      <p:sp>
+        <p:nvSpPr>
+          <p:cNvPr id="16" name="Oval 15"/>
+          <p:cNvSpPr/>
           <p:nvPr/>
-        </p:nvPicPr>
-        <p:blipFill>
-          <a:blip r:embed="rId7"/>
-          <a:stretch>
-            <a:fillRect/>
-          </a:stretch>
-        </p:blipFill>
-        <p:spPr>
-          <a:xfrm>
-            <a:off x="369403" y="2361609"/>
-            <a:ext cx="2838095" cy="904762"/>
-          </a:xfrm>
-          <a:prstGeom prst="rect">
+        </p:nvSpPr>
+        <p:spPr>
+          <a:xfrm>
+            <a:off x="651677" y="1133873"/>
+            <a:ext cx="528034" cy="488865"/>
+          </a:xfrm>
+          <a:prstGeom prst="ellipse">
             <a:avLst/>
           </a:prstGeom>
         </p:spPr>
-      </p:pic>
+        <p:style>
+          <a:lnRef idx="2">
+            <a:schemeClr val="accent1">
+              <a:shade val="50000"/>
+            </a:schemeClr>
+          </a:lnRef>
+          <a:fillRef idx="1">
+            <a:schemeClr val="accent1"/>
+          </a:fillRef>
+          <a:effectRef idx="0">
+            <a:schemeClr val="accent1"/>
+          </a:effectRef>
+          <a:fontRef idx="minor">
+            <a:schemeClr val="lt1"/>
+          </a:fontRef>
+        </p:style>
+        <p:txBody>
+          <a:bodyPr rtlCol="0" anchor="ctr"/>
+          <a:lstStyle/>
+          <a:p>
+            <a:pPr algn="ctr"/>
+            <a:r>
+              <a:rPr lang="en-US" sz="4000" b="1" dirty="0" smtClean="0"/>
+              <a:t>1</a:t>
+            </a:r>
+            <a:endParaRPr lang="en-IN" sz="4000" b="1" dirty="0"/>
+          </a:p>
+        </p:txBody>
+      </p:sp>
+      <p:sp>
+        <p:nvSpPr>
+          <p:cNvPr id="17" name="Oval 16"/>
+          <p:cNvSpPr/>
+          <p:nvPr/>
+        </p:nvSpPr>
+        <p:spPr>
+          <a:xfrm>
+            <a:off x="8116057" y="275991"/>
+            <a:ext cx="528034" cy="488865"/>
+          </a:xfrm>
+          <a:prstGeom prst="ellipse">
+            <a:avLst/>
+          </a:prstGeom>
+        </p:spPr>
+        <p:style>
+          <a:lnRef idx="2">
+            <a:schemeClr val="accent1">
+              <a:shade val="50000"/>
+            </a:schemeClr>
+          </a:lnRef>
+          <a:fillRef idx="1">
+            <a:schemeClr val="accent1"/>
+          </a:fillRef>
+          <a:effectRef idx="0">
+            <a:schemeClr val="accent1"/>
+          </a:effectRef>
+          <a:fontRef idx="minor">
+            <a:schemeClr val="lt1"/>
+          </a:fontRef>
+        </p:style>
+        <p:txBody>
+          <a:bodyPr rtlCol="0" anchor="ctr"/>
+          <a:lstStyle/>
+          <a:p>
+            <a:pPr algn="ctr"/>
+            <a:r>
+              <a:rPr lang="en-US" sz="4000" b="1" dirty="0" smtClean="0"/>
+              <a:t>2</a:t>
+            </a:r>
+            <a:endParaRPr lang="en-IN" sz="4000" b="1" dirty="0"/>
+          </a:p>
+        </p:txBody>
+      </p:sp>
+      <p:sp>
+        <p:nvSpPr>
+          <p:cNvPr id="18" name="Oval 17"/>
+          <p:cNvSpPr/>
+          <p:nvPr/>
+        </p:nvSpPr>
+        <p:spPr>
+          <a:xfrm>
+            <a:off x="887921" y="4116302"/>
+            <a:ext cx="528034" cy="488865"/>
+          </a:xfrm>
+          <a:prstGeom prst="ellipse">
+            <a:avLst/>
+          </a:prstGeom>
+        </p:spPr>
+        <p:style>
+          <a:lnRef idx="2">
+            <a:schemeClr val="accent1">
+              <a:shade val="50000"/>
+            </a:schemeClr>
+          </a:lnRef>
+          <a:fillRef idx="1">
+            <a:schemeClr val="accent1"/>
+          </a:fillRef>
+          <a:effectRef idx="0">
+            <a:schemeClr val="accent1"/>
+          </a:effectRef>
+          <a:fontRef idx="minor">
+            <a:schemeClr val="lt1"/>
+          </a:fontRef>
+        </p:style>
+        <p:txBody>
+          <a:bodyPr rtlCol="0" anchor="ctr"/>
+          <a:lstStyle/>
+          <a:p>
+            <a:pPr algn="ctr"/>
+            <a:r>
+              <a:rPr lang="en-US" sz="4000" b="1" dirty="0" smtClean="0"/>
+              <a:t>3</a:t>
+            </a:r>
+            <a:endParaRPr lang="en-IN" sz="4000" b="1" dirty="0"/>
+          </a:p>
+        </p:txBody>
+      </p:sp>
+      <p:sp>
+        <p:nvSpPr>
+          <p:cNvPr id="19" name="Oval 18"/>
+          <p:cNvSpPr/>
+          <p:nvPr/>
+        </p:nvSpPr>
+        <p:spPr>
+          <a:xfrm>
+            <a:off x="8644091" y="3238801"/>
+            <a:ext cx="528034" cy="488865"/>
+          </a:xfrm>
+          <a:prstGeom prst="ellipse">
+            <a:avLst/>
+          </a:prstGeom>
+        </p:spPr>
+        <p:style>
+          <a:lnRef idx="2">
+            <a:schemeClr val="accent1">
+              <a:shade val="50000"/>
+            </a:schemeClr>
+          </a:lnRef>
+          <a:fillRef idx="1">
+            <a:schemeClr val="accent1"/>
+          </a:fillRef>
+          <a:effectRef idx="0">
+            <a:schemeClr val="accent1"/>
+          </a:effectRef>
+          <a:fontRef idx="minor">
+            <a:schemeClr val="lt1"/>
+          </a:fontRef>
+        </p:style>
+        <p:txBody>
+          <a:bodyPr rtlCol="0" anchor="ctr"/>
+          <a:lstStyle/>
+          <a:p>
+            <a:pPr algn="ctr"/>
+            <a:r>
+              <a:rPr lang="en-US" sz="4000" b="1" dirty="0" smtClean="0"/>
+              <a:t>4</a:t>
+            </a:r>
+            <a:endParaRPr lang="en-IN" sz="4000" b="1" dirty="0"/>
+          </a:p>
+        </p:txBody>
+      </p:sp>
     </p:spTree>
     <p:extLst>
       <p:ext uri="{BB962C8B-B14F-4D97-AF65-F5344CB8AC3E}">
-        <p14:creationId xmlns:p14="http://schemas.microsoft.com/office/powerpoint/2010/main" val="2979016205"/>
+        <p14:creationId xmlns:p14="http://schemas.microsoft.com/office/powerpoint/2010/main" val="869529948"/>
       </p:ext>
     </p:extLst>
   </p:cSld>
   <p:clrMapOvr>
     <a:masterClrMapping/>
   </p:clrMapOvr>
+  <p:timing>
+    <p:tnLst>
+      <p:par>
+        <p:cTn id="1" dur="indefinite" restart="never" nodeType="tmRoot"/>
+      </p:par>
+    </p:tnLst>
+  </p:timing>
 </p:sld>
 </file>
 

--- a/Artificial Intelligence.pptx
+++ b/Artificial Intelligence.pptx
@@ -4817,7 +4817,7 @@
         </p:nvSpPr>
         <p:spPr>
           <a:xfrm>
-            <a:off x="6503947" y="1288113"/>
+            <a:off x="6426674" y="2099482"/>
             <a:ext cx="5384980" cy="436235"/>
           </a:xfrm>
         </p:spPr>
@@ -4849,7 +4849,12 @@
             <p:ph type="ftr" sz="quarter" idx="11"/>
           </p:nvPr>
         </p:nvSpPr>
-        <p:spPr/>
+        <p:spPr>
+          <a:xfrm>
+            <a:off x="4077237" y="6034378"/>
+            <a:ext cx="4114800" cy="365125"/>
+          </a:xfrm>
+        </p:spPr>
         <p:txBody>
           <a:bodyPr/>
           <a:lstStyle/>
@@ -4884,7 +4889,7 @@
         </p:blipFill>
         <p:spPr>
           <a:xfrm>
-            <a:off x="5983225" y="4271928"/>
+            <a:off x="5905952" y="5083297"/>
             <a:ext cx="2383262" cy="684190"/>
           </a:xfrm>
           <a:prstGeom prst="rect">
@@ -4900,7 +4905,7 @@
         </p:nvSpPr>
         <p:spPr>
           <a:xfrm>
-            <a:off x="8429775" y="4360189"/>
+            <a:off x="8352502" y="5171558"/>
             <a:ext cx="3459152" cy="369332"/>
           </a:xfrm>
           <a:prstGeom prst="rect">
@@ -4931,7 +4936,7 @@
         </p:nvSpPr>
         <p:spPr>
           <a:xfrm>
-            <a:off x="8434881" y="3298748"/>
+            <a:off x="8357608" y="4110117"/>
             <a:ext cx="3655040" cy="369332"/>
           </a:xfrm>
           <a:prstGeom prst="rect">
@@ -4962,7 +4967,7 @@
         </p:nvSpPr>
         <p:spPr>
           <a:xfrm>
-            <a:off x="8474957" y="2288520"/>
+            <a:off x="8397684" y="3099889"/>
             <a:ext cx="3574889" cy="369332"/>
           </a:xfrm>
           <a:prstGeom prst="rect">
@@ -5001,7 +5006,7 @@
         </p:blipFill>
         <p:spPr>
           <a:xfrm>
-            <a:off x="5681392" y="2098520"/>
+            <a:off x="5604119" y="2909889"/>
             <a:ext cx="2495238" cy="704762"/>
           </a:xfrm>
           <a:prstGeom prst="rect">
@@ -5025,7 +5030,7 @@
         </p:blipFill>
         <p:spPr>
           <a:xfrm>
-            <a:off x="5766286" y="3092538"/>
+            <a:off x="5689013" y="3903907"/>
             <a:ext cx="2600201" cy="828923"/>
           </a:xfrm>
           <a:prstGeom prst="rect">
@@ -5045,8 +5050,8 @@
         </p:nvSpPr>
         <p:spPr>
           <a:xfrm>
-            <a:off x="529108" y="1331330"/>
-            <a:ext cx="4581723" cy="5390145"/>
+            <a:off x="451835" y="2142699"/>
+            <a:ext cx="4581723" cy="3398191"/>
           </a:xfrm>
         </p:spPr>
         <p:txBody>
@@ -5151,9 +5156,6 @@
           <a:p>
             <a:endParaRPr lang="en-US" dirty="0"/>
           </a:p>
-          <a:p>
-            <a:endParaRPr lang="en-US" dirty="0" smtClean="0"/>
-          </a:p>
         </p:txBody>
       </p:sp>
       <p:sp>
@@ -5166,7 +5168,7 @@
         </p:nvSpPr>
         <p:spPr>
           <a:xfrm>
-            <a:off x="529107" y="622956"/>
+            <a:off x="451834" y="1434325"/>
             <a:ext cx="5454117" cy="343213"/>
           </a:xfrm>
           <a:prstGeom prst="rect">
@@ -5206,6 +5208,61 @@
             <a:endParaRPr lang="en-IN" sz="2400" b="1" dirty="0">
               <a:latin typeface="Arial Black" panose="020B0A04020102020204" pitchFamily="34" charset="0"/>
             </a:endParaRPr>
+          </a:p>
+        </p:txBody>
+      </p:sp>
+      <p:sp>
+        <p:nvSpPr>
+          <p:cNvPr id="3" name="TextBox 2"/>
+          <p:cNvSpPr txBox="1"/>
+          <p:nvPr/>
+        </p:nvSpPr>
+        <p:spPr>
+          <a:xfrm>
+            <a:off x="699905" y="549443"/>
+            <a:ext cx="10545900" cy="369332"/>
+          </a:xfrm>
+          <a:prstGeom prst="rect">
+            <a:avLst/>
+          </a:prstGeom>
+          <a:noFill/>
+        </p:spPr>
+        <p:txBody>
+          <a:bodyPr wrap="none" rtlCol="0">
+            <a:spAutoFit/>
+          </a:bodyPr>
+          <a:lstStyle/>
+          <a:p>
+            <a:r>
+              <a:rPr lang="en-US" b="1" dirty="0" smtClean="0"/>
+              <a:t>Documents Download </a:t>
+            </a:r>
+            <a:r>
+              <a:rPr lang="en-US" dirty="0" smtClean="0">
+                <a:sym typeface="Wingdings" panose="05000000000000000000" pitchFamily="2" charset="2"/>
+              </a:rPr>
+              <a:t></a:t>
+            </a:r>
+            <a:r>
+              <a:rPr lang="en-IN" dirty="0" smtClean="0"/>
+              <a:t> </a:t>
+            </a:r>
+            <a:r>
+              <a:rPr lang="en-IN" b="1" dirty="0" smtClean="0">
+                <a:solidFill>
+                  <a:srgbClr val="0000FF"/>
+                </a:solidFill>
+              </a:rPr>
+              <a:t>https</a:t>
+            </a:r>
+            <a:r>
+              <a:rPr lang="en-IN" b="1" dirty="0">
+                <a:solidFill>
+                  <a:srgbClr val="0000FF"/>
+                </a:solidFill>
+              </a:rPr>
+              <a:t>://github.com/mohan4295work/Doc/blob/main/Artificial%20Intelligence.pdf</a:t>
+            </a:r>
           </a:p>
         </p:txBody>
       </p:sp>
@@ -5352,11 +5409,7 @@
             <a:pPr algn="just"/>
             <a:r>
               <a:rPr lang="en-US" b="1" dirty="0" smtClean="0"/>
-              <a:t>Artificial </a:t>
-            </a:r>
-            <a:r>
-              <a:rPr lang="en-US" b="1" dirty="0" smtClean="0"/>
-              <a:t>Intelligence (AI)</a:t>
+              <a:t>Artificial Intelligence (AI)</a:t>
             </a:r>
             <a:r>
               <a:rPr lang="en-US" dirty="0" smtClean="0"/>

--- a/Artificial Intelligence.pptx
+++ b/Artificial Intelligence.pptx
@@ -23,7 +23,7 @@
     <p:sldId id="262" r:id="rId14"/>
   </p:sldIdLst>
   <p:sldSz cx="12192000" cy="6858000"/>
-  <p:notesSz cx="6858000" cy="9144000"/>
+  <p:notesSz cx="7104063" cy="10234613"/>
   <p:defaultTextStyle>
     <a:defPPr>
       <a:defRPr lang="en-US"/>
@@ -162,17 +162,17 @@
         <p:spPr>
           <a:xfrm>
             <a:off x="0" y="0"/>
-            <a:ext cx="2971800" cy="458788"/>
+            <a:ext cx="3078427" cy="513508"/>
           </a:xfrm>
           <a:prstGeom prst="rect">
             <a:avLst/>
           </a:prstGeom>
         </p:spPr>
         <p:txBody>
-          <a:bodyPr vert="horz" lIns="91440" tIns="45720" rIns="91440" bIns="45720" rtlCol="0"/>
+          <a:bodyPr vert="horz" lIns="99075" tIns="49538" rIns="99075" bIns="49538" rtlCol="0"/>
           <a:lstStyle>
             <a:lvl1pPr algn="l">
-              <a:defRPr sz="1200"/>
+              <a:defRPr sz="1300"/>
             </a:lvl1pPr>
           </a:lstStyle>
           <a:p>
@@ -192,18 +192,18 @@
         </p:nvSpPr>
         <p:spPr>
           <a:xfrm>
-            <a:off x="3884613" y="0"/>
-            <a:ext cx="2971800" cy="458788"/>
+            <a:off x="4023992" y="0"/>
+            <a:ext cx="3078427" cy="513508"/>
           </a:xfrm>
           <a:prstGeom prst="rect">
             <a:avLst/>
           </a:prstGeom>
         </p:spPr>
         <p:txBody>
-          <a:bodyPr vert="horz" lIns="91440" tIns="45720" rIns="91440" bIns="45720" rtlCol="0"/>
+          <a:bodyPr vert="horz" lIns="99075" tIns="49538" rIns="99075" bIns="49538" rtlCol="0"/>
           <a:lstStyle>
             <a:lvl1pPr algn="r">
-              <a:defRPr sz="1200"/>
+              <a:defRPr sz="1300"/>
             </a:lvl1pPr>
           </a:lstStyle>
           <a:p>
@@ -227,8 +227,8 @@
         </p:nvSpPr>
         <p:spPr>
           <a:xfrm>
-            <a:off x="685800" y="1143000"/>
-            <a:ext cx="5486400" cy="3086100"/>
+            <a:off x="482600" y="1279525"/>
+            <a:ext cx="6140450" cy="3454400"/>
           </a:xfrm>
           <a:prstGeom prst="rect">
             <a:avLst/>
@@ -241,7 +241,7 @@
           </a:ln>
         </p:spPr>
         <p:txBody>
-          <a:bodyPr vert="horz" lIns="91440" tIns="45720" rIns="91440" bIns="45720" rtlCol="0" anchor="ctr"/>
+          <a:bodyPr vert="horz" lIns="99075" tIns="49538" rIns="99075" bIns="49538" rtlCol="0" anchor="ctr"/>
           <a:lstStyle/>
           <a:p>
             <a:endParaRPr lang="en-IN"/>
@@ -260,15 +260,15 @@
         </p:nvSpPr>
         <p:spPr>
           <a:xfrm>
-            <a:off x="685800" y="4400550"/>
-            <a:ext cx="5486400" cy="3600450"/>
+            <a:off x="710407" y="4925407"/>
+            <a:ext cx="5683250" cy="4029879"/>
           </a:xfrm>
           <a:prstGeom prst="rect">
             <a:avLst/>
           </a:prstGeom>
         </p:spPr>
         <p:txBody>
-          <a:bodyPr vert="horz" lIns="91440" tIns="45720" rIns="91440" bIns="45720" rtlCol="0"/>
+          <a:bodyPr vert="horz" lIns="99075" tIns="49538" rIns="99075" bIns="49538" rtlCol="0"/>
           <a:lstStyle/>
           <a:p>
             <a:pPr lvl="0"/>
@@ -320,18 +320,18 @@
         </p:nvSpPr>
         <p:spPr>
           <a:xfrm>
-            <a:off x="0" y="8685213"/>
-            <a:ext cx="2971800" cy="458787"/>
+            <a:off x="0" y="9721107"/>
+            <a:ext cx="3078427" cy="513507"/>
           </a:xfrm>
           <a:prstGeom prst="rect">
             <a:avLst/>
           </a:prstGeom>
         </p:spPr>
         <p:txBody>
-          <a:bodyPr vert="horz" lIns="91440" tIns="45720" rIns="91440" bIns="45720" rtlCol="0" anchor="b"/>
+          <a:bodyPr vert="horz" lIns="99075" tIns="49538" rIns="99075" bIns="49538" rtlCol="0" anchor="b"/>
           <a:lstStyle>
             <a:lvl1pPr algn="l">
-              <a:defRPr sz="1200"/>
+              <a:defRPr sz="1300"/>
             </a:lvl1pPr>
           </a:lstStyle>
           <a:p>
@@ -351,18 +351,18 @@
         </p:nvSpPr>
         <p:spPr>
           <a:xfrm>
-            <a:off x="3884613" y="8685213"/>
-            <a:ext cx="2971800" cy="458787"/>
+            <a:off x="4023992" y="9721107"/>
+            <a:ext cx="3078427" cy="513507"/>
           </a:xfrm>
           <a:prstGeom prst="rect">
             <a:avLst/>
           </a:prstGeom>
         </p:spPr>
         <p:txBody>
-          <a:bodyPr vert="horz" lIns="91440" tIns="45720" rIns="91440" bIns="45720" rtlCol="0" anchor="b"/>
+          <a:bodyPr vert="horz" lIns="99075" tIns="49538" rIns="99075" bIns="49538" rtlCol="0" anchor="b"/>
           <a:lstStyle>
             <a:lvl1pPr algn="r">
-              <a:defRPr sz="1200"/>
+              <a:defRPr sz="1300"/>
             </a:lvl1pPr>
           </a:lstStyle>
           <a:p>
@@ -3782,7 +3782,7 @@
         </p:blipFill>
         <p:spPr>
           <a:xfrm>
-            <a:off x="775281" y="2900423"/>
+            <a:off x="119934" y="3027434"/>
             <a:ext cx="3867150" cy="3709949"/>
           </a:xfrm>
           <a:prstGeom prst="rect">
@@ -3792,7 +3792,7 @@
       </p:pic>
       <p:pic>
         <p:nvPicPr>
-          <p:cNvPr id="8" name="Picture 7"/>
+          <p:cNvPr id="9" name="Picture 8"/>
           <p:cNvPicPr>
             <a:picLocks noChangeAspect="1"/>
           </p:cNvPicPr>
@@ -3806,38 +3806,14 @@
         </p:blipFill>
         <p:spPr>
           <a:xfrm>
-            <a:off x="775281" y="238460"/>
-            <a:ext cx="3867150" cy="2543175"/>
+            <a:off x="4835815" y="96792"/>
+            <a:ext cx="7162800" cy="4914900"/>
           </a:xfrm>
           <a:prstGeom prst="rect">
             <a:avLst/>
           </a:prstGeom>
         </p:spPr>
       </p:pic>
-      <p:pic>
-        <p:nvPicPr>
-          <p:cNvPr id="9" name="Picture 8"/>
-          <p:cNvPicPr>
-            <a:picLocks noChangeAspect="1"/>
-          </p:cNvPicPr>
-          <p:nvPr/>
-        </p:nvPicPr>
-        <p:blipFill>
-          <a:blip r:embed="rId4"/>
-          <a:stretch>
-            <a:fillRect/>
-          </a:stretch>
-        </p:blipFill>
-        <p:spPr>
-          <a:xfrm>
-            <a:off x="4835815" y="96792"/>
-            <a:ext cx="7162800" cy="4914900"/>
-          </a:xfrm>
-          <a:prstGeom prst="rect">
-            <a:avLst/>
-          </a:prstGeom>
-        </p:spPr>
-      </p:pic>
       <p:sp>
         <p:nvSpPr>
           <p:cNvPr id="11" name="Oval 10"/>
@@ -3846,7 +3822,7 @@
         </p:nvSpPr>
         <p:spPr>
           <a:xfrm>
-            <a:off x="94947" y="374019"/>
+            <a:off x="72666" y="900517"/>
             <a:ext cx="528034" cy="488865"/>
           </a:xfrm>
           <a:prstGeom prst="ellipse">
@@ -3890,7 +3866,7 @@
         </p:nvSpPr>
         <p:spPr>
           <a:xfrm>
-            <a:off x="94947" y="4121150"/>
+            <a:off x="2729397" y="3145112"/>
             <a:ext cx="528034" cy="488865"/>
           </a:xfrm>
           <a:prstGeom prst="ellipse">
@@ -3979,15 +3955,15 @@
           <p:nvPr/>
         </p:nvPicPr>
         <p:blipFill>
-          <a:blip r:embed="rId5"/>
+          <a:blip r:embed="rId4"/>
           <a:stretch>
             <a:fillRect/>
           </a:stretch>
         </p:blipFill>
         <p:spPr>
           <a:xfrm>
-            <a:off x="3588040" y="4010047"/>
-            <a:ext cx="8410575" cy="2600325"/>
+            <a:off x="3987084" y="4135358"/>
+            <a:ext cx="8024998" cy="2481115"/>
           </a:xfrm>
           <a:prstGeom prst="rect">
             <a:avLst/>
@@ -4038,6 +4014,30 @@
           </a:p>
         </p:txBody>
       </p:sp>
+      <p:pic>
+        <p:nvPicPr>
+          <p:cNvPr id="2" name="Picture 1"/>
+          <p:cNvPicPr>
+            <a:picLocks noChangeAspect="1"/>
+          </p:cNvPicPr>
+          <p:nvPr/>
+        </p:nvPicPr>
+        <p:blipFill>
+          <a:blip r:embed="rId5"/>
+          <a:stretch>
+            <a:fillRect/>
+          </a:stretch>
+        </p:blipFill>
+        <p:spPr>
+          <a:xfrm>
+            <a:off x="686284" y="236857"/>
+            <a:ext cx="4086225" cy="2305050"/>
+          </a:xfrm>
+          <a:prstGeom prst="rect">
+            <a:avLst/>
+          </a:prstGeom>
+        </p:spPr>
+      </p:pic>
     </p:spTree>
     <p:extLst>
       <p:ext uri="{BB962C8B-B14F-4D97-AF65-F5344CB8AC3E}">
@@ -4126,7 +4126,15 @@
                   <a:srgbClr val="0000FF"/>
                 </a:solidFill>
               </a:rPr>
-              <a:t>AI prompt </a:t>
+              <a:t>AI </a:t>
+            </a:r>
+            <a:r>
+              <a:rPr lang="en-IN" sz="2400" b="1" dirty="0" smtClean="0">
+                <a:solidFill>
+                  <a:srgbClr val="0000FF"/>
+                </a:solidFill>
+              </a:rPr>
+              <a:t>Prompt </a:t>
             </a:r>
             <a:r>
               <a:rPr lang="en-IN" sz="2400" b="1" dirty="0" smtClean="0">
@@ -4142,8 +4150,20 @@
           </a:p>
           <a:p>
             <a:r>
+              <a:rPr lang="en-US" b="1" dirty="0" smtClean="0">
+                <a:solidFill>
+                  <a:schemeClr val="accent2"/>
+                </a:solidFill>
+              </a:rPr>
+              <a:t>Example</a:t>
+            </a:r>
+            <a:r>
+              <a:rPr lang="en-US" dirty="0" smtClean="0"/>
+              <a:t>: Create </a:t>
+            </a:r>
+            <a:r>
               <a:rPr lang="en-US" dirty="0"/>
-              <a:t>Create a friends-themed snake game with background music, obstacles, power-ups, and speed boosts. Make it ready to deploy PWA (Manifest, Service worker, icons) and give me a zip with all the assets included.</a:t>
+              <a:t>a friends-themed snake game with background music, obstacles, power-ups, and speed boosts. Make it ready to deploy PWA (Manifest, Service worker, icons) and give me a zip with all the assets included.</a:t>
             </a:r>
             <a:endParaRPr lang="en-IN" dirty="0"/>
           </a:p>
@@ -4293,7 +4313,7 @@
         </p:nvSpPr>
         <p:spPr>
           <a:xfrm>
-            <a:off x="1296955" y="4189089"/>
+            <a:off x="1296955" y="4056503"/>
             <a:ext cx="528034" cy="488865"/>
           </a:xfrm>
           <a:prstGeom prst="ellipse">
@@ -4559,7 +4579,7 @@
         </p:blipFill>
         <p:spPr>
           <a:xfrm>
-            <a:off x="255626" y="881201"/>
+            <a:off x="126837" y="237014"/>
             <a:ext cx="6362096" cy="2714391"/>
           </a:xfrm>
           <a:prstGeom prst="rect">
@@ -4583,8 +4603,8 @@
         </p:blipFill>
         <p:spPr>
           <a:xfrm>
-            <a:off x="5533583" y="3051109"/>
-            <a:ext cx="6493293" cy="3670366"/>
+            <a:off x="2290502" y="3022586"/>
+            <a:ext cx="6754755" cy="3818159"/>
           </a:xfrm>
           <a:prstGeom prst="rect">
             <a:avLst/>
@@ -4599,7 +4619,7 @@
         </p:nvSpPr>
         <p:spPr>
           <a:xfrm>
-            <a:off x="434820" y="4530119"/>
+            <a:off x="6488933" y="2599590"/>
             <a:ext cx="4674870" cy="369332"/>
           </a:xfrm>
           <a:prstGeom prst="rect">
@@ -4621,13 +4641,13 @@
       </p:sp>
       <p:sp>
         <p:nvSpPr>
-          <p:cNvPr id="8" name="Oval 7"/>
+          <p:cNvPr id="9" name="Oval 8"/>
           <p:cNvSpPr/>
           <p:nvPr/>
         </p:nvSpPr>
         <p:spPr>
           <a:xfrm>
-            <a:off x="4644041" y="269392"/>
+            <a:off x="1285903" y="1884364"/>
             <a:ext cx="528034" cy="488865"/>
           </a:xfrm>
           <a:prstGeom prst="ellipse">
@@ -4656,22 +4676,46 @@
           <a:p>
             <a:pPr algn="ctr"/>
             <a:r>
-              <a:rPr lang="en-US" sz="4000" b="1" dirty="0"/>
-              <a:t>5</a:t>
+              <a:rPr lang="en-US" sz="4000" b="1" dirty="0" smtClean="0"/>
+              <a:t>6</a:t>
             </a:r>
             <a:endParaRPr lang="en-IN" sz="4000" b="1" dirty="0"/>
           </a:p>
         </p:txBody>
       </p:sp>
-      <p:sp>
-        <p:nvSpPr>
-          <p:cNvPr id="9" name="Oval 8"/>
+      <p:pic>
+        <p:nvPicPr>
+          <p:cNvPr id="11" name="Picture 10"/>
+          <p:cNvPicPr>
+            <a:picLocks noChangeAspect="1"/>
+          </p:cNvPicPr>
+          <p:nvPr/>
+        </p:nvPicPr>
+        <p:blipFill>
+          <a:blip r:embed="rId4"/>
+          <a:stretch>
+            <a:fillRect/>
+          </a:stretch>
+        </p:blipFill>
+        <p:spPr>
+          <a:xfrm>
+            <a:off x="5109690" y="0"/>
+            <a:ext cx="7019925" cy="1209675"/>
+          </a:xfrm>
+          <a:prstGeom prst="rect">
+            <a:avLst/>
+          </a:prstGeom>
+        </p:spPr>
+      </p:pic>
+      <p:sp>
+        <p:nvSpPr>
+          <p:cNvPr id="12" name="Oval 11"/>
           <p:cNvSpPr/>
           <p:nvPr/>
         </p:nvSpPr>
         <p:spPr>
           <a:xfrm>
-            <a:off x="1401812" y="1993963"/>
+            <a:off x="8086309" y="2057061"/>
             <a:ext cx="528034" cy="488865"/>
           </a:xfrm>
           <a:prstGeom prst="ellipse">
@@ -4701,45 +4745,21 @@
             <a:pPr algn="ctr"/>
             <a:r>
               <a:rPr lang="en-US" sz="4000" b="1" dirty="0" smtClean="0"/>
-              <a:t>6</a:t>
+              <a:t>7</a:t>
             </a:r>
             <a:endParaRPr lang="en-IN" sz="4000" b="1" dirty="0"/>
           </a:p>
         </p:txBody>
       </p:sp>
-      <p:pic>
-        <p:nvPicPr>
-          <p:cNvPr id="11" name="Picture 10"/>
-          <p:cNvPicPr>
-            <a:picLocks noChangeAspect="1"/>
-          </p:cNvPicPr>
-          <p:nvPr/>
-        </p:nvPicPr>
-        <p:blipFill>
-          <a:blip r:embed="rId4"/>
-          <a:stretch>
-            <a:fillRect/>
-          </a:stretch>
-        </p:blipFill>
-        <p:spPr>
-          <a:xfrm>
-            <a:off x="5172075" y="89747"/>
-            <a:ext cx="7019925" cy="1209675"/>
-          </a:xfrm>
-          <a:prstGeom prst="rect">
-            <a:avLst/>
-          </a:prstGeom>
-        </p:spPr>
-      </p:pic>
-      <p:sp>
-        <p:nvSpPr>
-          <p:cNvPr id="12" name="Oval 11"/>
+      <p:sp>
+        <p:nvSpPr>
+          <p:cNvPr id="10" name="Oval 9"/>
           <p:cNvSpPr/>
           <p:nvPr/>
         </p:nvSpPr>
         <p:spPr>
           <a:xfrm>
-            <a:off x="2536183" y="3910756"/>
+            <a:off x="8881114" y="316444"/>
             <a:ext cx="528034" cy="488865"/>
           </a:xfrm>
           <a:prstGeom prst="ellipse">
@@ -4768,8 +4788,8 @@
           <a:p>
             <a:pPr algn="ctr"/>
             <a:r>
-              <a:rPr lang="en-US" sz="4000" b="1" dirty="0" smtClean="0"/>
-              <a:t>7</a:t>
+              <a:rPr lang="en-US" sz="4000" b="1" dirty="0"/>
+              <a:t>5</a:t>
             </a:r>
             <a:endParaRPr lang="en-IN" sz="4000" b="1" dirty="0"/>
           </a:p>
@@ -4817,8 +4837,8 @@
         </p:nvSpPr>
         <p:spPr>
           <a:xfrm>
-            <a:off x="6426674" y="2099482"/>
-            <a:ext cx="5384980" cy="436235"/>
+            <a:off x="6851738" y="2296328"/>
+            <a:ext cx="4347192" cy="436235"/>
           </a:xfrm>
         </p:spPr>
         <p:txBody>
@@ -4828,12 +4848,12 @@
           <a:lstStyle/>
           <a:p>
             <a:r>
-              <a:rPr lang="en-US" sz="2400" b="1" dirty="0" smtClean="0">
+              <a:rPr lang="en-US" sz="2000" b="1" dirty="0" smtClean="0">
                 <a:latin typeface="Bahnschrift" panose="020B0502040204020203" pitchFamily="34" charset="0"/>
               </a:rPr>
               <a:t>Mohan Sundaram Blogger &amp; Links</a:t>
             </a:r>
-            <a:endParaRPr lang="en-IN" sz="2400" b="1" dirty="0">
+            <a:endParaRPr lang="en-IN" sz="2000" b="1" dirty="0">
               <a:latin typeface="Bahnschrift" panose="020B0502040204020203" pitchFamily="34" charset="0"/>
             </a:endParaRPr>
           </a:p>
@@ -5753,7 +5773,7 @@
                   <a:srgbClr val="00B0F0"/>
                 </a:solidFill>
               </a:rPr>
-              <a:t>Agents</a:t>
+              <a:t>Agent</a:t>
             </a:r>
             <a:endParaRPr lang="it-IT" sz="3200" b="1" dirty="0">
               <a:solidFill>
@@ -5901,7 +5921,15 @@
             </a:r>
             <a:r>
               <a:rPr lang="en-IN" dirty="0" smtClean="0"/>
-              <a:t> stands for Large Language Model, a type of artificial intelligence trained on vast amounts of text data to understand, process, and generate human-like text. These models use transformer architectures to learn language patterns and context, enabling them to perform tasks like text generation, translation, summarization, question-answering, and content creation.</a:t>
+              <a:t> stands for Large Language Model, a type of artificial intelligence trained on vast amounts of text data to understand, process, and generate human-like text. These models use </a:t>
+            </a:r>
+            <a:r>
+              <a:rPr lang="en-IN" b="1" dirty="0" smtClean="0"/>
+              <a:t>transformer</a:t>
+            </a:r>
+            <a:r>
+              <a:rPr lang="en-IN" dirty="0" smtClean="0"/>
+              <a:t> architectures to learn language patterns and context, enabling them to perform tasks like text generation, translation, summarization, question-answering, and content creation.</a:t>
             </a:r>
             <a:endParaRPr lang="en-IN" dirty="0"/>
           </a:p>
@@ -6743,8 +6771,8 @@
         </p:nvSpPr>
         <p:spPr>
           <a:xfrm>
-            <a:off x="941230" y="927281"/>
-            <a:ext cx="10945969" cy="1200329"/>
+            <a:off x="915455" y="865726"/>
+            <a:ext cx="10945969" cy="1323439"/>
           </a:xfrm>
           <a:prstGeom prst="rect">
             <a:avLst/>
@@ -6761,7 +6789,7 @@
               <a:buChar char="•"/>
             </a:pPr>
             <a:r>
-              <a:rPr lang="en-US" dirty="0" smtClean="0"/>
+              <a:rPr lang="en-US" sz="2000" dirty="0" smtClean="0"/>
               <a:t>RAG is an AI framework that improves the output of large language models (LLMs) by giving them access to external or private data up-to-date knowledge bases before generating a response.</a:t>
             </a:r>
           </a:p>
@@ -6771,7 +6799,7 @@
               <a:buChar char="•"/>
             </a:pPr>
             <a:r>
-              <a:rPr lang="en-US" dirty="0" smtClean="0"/>
+              <a:rPr lang="en-US" sz="2000" dirty="0" smtClean="0"/>
               <a:t>RAG Powerful Knowledge base retrieval.</a:t>
             </a:r>
           </a:p>
@@ -6781,8 +6809,12 @@
               <a:buChar char="•"/>
             </a:pPr>
             <a:r>
+              <a:rPr lang="en-US" sz="2000" dirty="0" smtClean="0"/>
+              <a:t>RAG input text and get the output improved text output</a:t>
+            </a:r>
+            <a:r>
               <a:rPr lang="en-US" dirty="0" smtClean="0"/>
-              <a:t>RAG input text and get the output improved text output.</a:t>
+              <a:t>.</a:t>
             </a:r>
             <a:endParaRPr lang="en-IN" dirty="0"/>
           </a:p>
@@ -7056,7 +7088,7 @@
         </p:nvSpPr>
         <p:spPr>
           <a:xfrm>
-            <a:off x="957328" y="349826"/>
+            <a:off x="789903" y="130885"/>
             <a:ext cx="4219979" cy="433365"/>
           </a:xfrm>
         </p:spPr>
@@ -7082,8 +7114,8 @@
         </p:nvSpPr>
         <p:spPr>
           <a:xfrm>
-            <a:off x="789903" y="940159"/>
-            <a:ext cx="10710931" cy="2031325"/>
+            <a:off x="740534" y="695460"/>
+            <a:ext cx="10710931" cy="2215991"/>
           </a:xfrm>
           <a:prstGeom prst="rect">
             <a:avLst/>
@@ -7100,19 +7132,19 @@
               <a:buChar char="•"/>
             </a:pPr>
             <a:r>
-              <a:rPr lang="en-US" dirty="0"/>
+              <a:rPr lang="en-US" sz="2000" dirty="0"/>
               <a:t>Open-source framework that allows large language models (LLMs) to securely and standardized interact with external data sources and tools </a:t>
             </a:r>
             <a:r>
-              <a:rPr lang="en-US" dirty="0" smtClean="0"/>
+              <a:rPr lang="en-US" sz="2000" dirty="0" smtClean="0"/>
               <a:t>API, application,databases..</a:t>
             </a:r>
             <a:r>
-              <a:rPr lang="en-US" dirty="0"/>
+              <a:rPr lang="en-US" sz="2000" dirty="0"/>
               <a:t>etc</a:t>
             </a:r>
             <a:r>
-              <a:rPr lang="en-US" dirty="0" smtClean="0"/>
+              <a:rPr lang="en-US" sz="2000" dirty="0" smtClean="0"/>
               <a:t>.</a:t>
             </a:r>
           </a:p>
@@ -7121,7 +7153,7 @@
               <a:buFont typeface="Arial" panose="020B0604020202020204" pitchFamily="34" charset="0"/>
               <a:buChar char="•"/>
             </a:pPr>
-            <a:endParaRPr lang="en-US" dirty="0" smtClean="0"/>
+            <a:endParaRPr lang="en-US" sz="2000" dirty="0" smtClean="0"/>
           </a:p>
           <a:p>
             <a:pPr marL="285750" indent="-285750">
@@ -7129,7 +7161,7 @@
               <a:buChar char="•"/>
             </a:pPr>
             <a:r>
-              <a:rPr lang="en-US" dirty="0" smtClean="0"/>
+              <a:rPr lang="en-US" sz="2000" dirty="0" smtClean="0"/>
               <a:t>MCP input text and get the output improved text and action output.</a:t>
             </a:r>
           </a:p>
@@ -7138,7 +7170,7 @@
               <a:buFont typeface="Arial" panose="020B0604020202020204" pitchFamily="34" charset="0"/>
               <a:buChar char="•"/>
             </a:pPr>
-            <a:endParaRPr lang="en-US" dirty="0"/>
+            <a:endParaRPr lang="en-US" sz="2000" dirty="0"/>
           </a:p>
           <a:p>
             <a:pPr marL="285750" indent="-285750">
@@ -7146,10 +7178,10 @@
               <a:buChar char="•"/>
             </a:pPr>
             <a:r>
-              <a:rPr lang="en-US" dirty="0" smtClean="0"/>
+              <a:rPr lang="en-US" sz="2000" dirty="0" smtClean="0"/>
               <a:t>RAG and MCP combined integration tools more powerful.</a:t>
             </a:r>
-            <a:endParaRPr lang="en-IN" dirty="0" smtClean="0"/>
+            <a:endParaRPr lang="en-IN" sz="2000" dirty="0" smtClean="0"/>
           </a:p>
           <a:p>
             <a:endParaRPr lang="en-US" dirty="0"/>

--- a/Artificial Intelligence.pptx
+++ b/Artificial Intelligence.pptx
@@ -5,13 +5,13 @@
     <p:sldMasterId id="2147483648" r:id="rId1"/>
   </p:sldMasterIdLst>
   <p:notesMasterIdLst>
-    <p:notesMasterId r:id="rId15"/>
+    <p:notesMasterId r:id="rId18"/>
   </p:notesMasterIdLst>
   <p:sldIdLst>
     <p:sldId id="269" r:id="rId2"/>
     <p:sldId id="256" r:id="rId3"/>
-    <p:sldId id="264" r:id="rId4"/>
-    <p:sldId id="260" r:id="rId5"/>
+    <p:sldId id="260" r:id="rId4"/>
+    <p:sldId id="264" r:id="rId5"/>
     <p:sldId id="257" r:id="rId6"/>
     <p:sldId id="258" r:id="rId7"/>
     <p:sldId id="266" r:id="rId8"/>
@@ -20,7 +20,10 @@
     <p:sldId id="268" r:id="rId11"/>
     <p:sldId id="270" r:id="rId12"/>
     <p:sldId id="271" r:id="rId13"/>
-    <p:sldId id="262" r:id="rId14"/>
+    <p:sldId id="273" r:id="rId14"/>
+    <p:sldId id="274" r:id="rId15"/>
+    <p:sldId id="262" r:id="rId16"/>
+    <p:sldId id="272" r:id="rId17"/>
   </p:sldIdLst>
   <p:sldSz cx="12192000" cy="6858000"/>
   <p:notesSz cx="7104063" cy="10234613"/>
@@ -209,7 +212,7 @@
           <a:p>
             <a:fld id="{7CAC5B4D-D46A-47A1-BA45-86DCA06F1CFF}" type="datetimeFigureOut">
               <a:rPr lang="en-IN" smtClean="0"/>
-              <a:t>08-11-2025</a:t>
+              <a:t>18-11-2025</a:t>
             </a:fld>
             <a:endParaRPr lang="en-IN"/>
           </a:p>
@@ -776,7 +779,7 @@
           <a:p>
             <a:fld id="{07E1A95E-4C0E-47C3-99BA-4CA280822285}" type="datetime1">
               <a:rPr lang="en-IN" smtClean="0"/>
-              <a:t>08-11-2025</a:t>
+              <a:t>18-11-2025</a:t>
             </a:fld>
             <a:endParaRPr lang="en-IN"/>
           </a:p>
@@ -950,7 +953,7 @@
           <a:p>
             <a:fld id="{32F4BC1E-7EA4-4308-9013-A358519E8BD2}" type="datetime1">
               <a:rPr lang="en-IN" smtClean="0"/>
-              <a:t>08-11-2025</a:t>
+              <a:t>18-11-2025</a:t>
             </a:fld>
             <a:endParaRPr lang="en-IN"/>
           </a:p>
@@ -1134,7 +1137,7 @@
           <a:p>
             <a:fld id="{6339D21A-723A-45B5-A6B6-78A78CE57540}" type="datetime1">
               <a:rPr lang="en-IN" smtClean="0"/>
-              <a:t>08-11-2025</a:t>
+              <a:t>18-11-2025</a:t>
             </a:fld>
             <a:endParaRPr lang="en-IN"/>
           </a:p>
@@ -1308,7 +1311,7 @@
           <a:p>
             <a:fld id="{88CC28E5-488F-490F-92C5-2205B56F743F}" type="datetime1">
               <a:rPr lang="en-IN" smtClean="0"/>
-              <a:t>08-11-2025</a:t>
+              <a:t>18-11-2025</a:t>
             </a:fld>
             <a:endParaRPr lang="en-IN"/>
           </a:p>
@@ -1558,7 +1561,7 @@
           <a:p>
             <a:fld id="{18FCF267-1B02-4817-9A65-5E382C0CA52E}" type="datetime1">
               <a:rPr lang="en-IN" smtClean="0"/>
-              <a:t>08-11-2025</a:t>
+              <a:t>18-11-2025</a:t>
             </a:fld>
             <a:endParaRPr lang="en-IN"/>
           </a:p>
@@ -1794,7 +1797,7 @@
           <a:p>
             <a:fld id="{7542334F-054E-44BC-9297-4325A99C352D}" type="datetime1">
               <a:rPr lang="en-IN" smtClean="0"/>
-              <a:t>08-11-2025</a:t>
+              <a:t>18-11-2025</a:t>
             </a:fld>
             <a:endParaRPr lang="en-IN"/>
           </a:p>
@@ -2165,7 +2168,7 @@
           <a:p>
             <a:fld id="{85F4679C-8653-4994-9C00-354861EF59DB}" type="datetime1">
               <a:rPr lang="en-IN" smtClean="0"/>
-              <a:t>08-11-2025</a:t>
+              <a:t>18-11-2025</a:t>
             </a:fld>
             <a:endParaRPr lang="en-IN"/>
           </a:p>
@@ -2287,7 +2290,7 @@
           <a:p>
             <a:fld id="{F7E0C4BB-31C2-4257-B5C2-9EABF3317294}" type="datetime1">
               <a:rPr lang="en-IN" smtClean="0"/>
-              <a:t>08-11-2025</a:t>
+              <a:t>18-11-2025</a:t>
             </a:fld>
             <a:endParaRPr lang="en-IN"/>
           </a:p>
@@ -2386,7 +2389,7 @@
           <a:p>
             <a:fld id="{CBD46222-1245-48E1-AA51-5ABA1BFC0F44}" type="datetime1">
               <a:rPr lang="en-IN" smtClean="0"/>
-              <a:t>08-11-2025</a:t>
+              <a:t>18-11-2025</a:t>
             </a:fld>
             <a:endParaRPr lang="en-IN"/>
           </a:p>
@@ -2667,7 +2670,7 @@
           <a:p>
             <a:fld id="{06C4C3BA-99EE-4821-8D0A-E1D319BDFECC}" type="datetime1">
               <a:rPr lang="en-IN" smtClean="0"/>
-              <a:t>08-11-2025</a:t>
+              <a:t>18-11-2025</a:t>
             </a:fld>
             <a:endParaRPr lang="en-IN"/>
           </a:p>
@@ -2924,7 +2927,7 @@
           <a:p>
             <a:fld id="{F76C996A-B179-4052-B159-145F03CD1C19}" type="datetime1">
               <a:rPr lang="en-IN" smtClean="0"/>
-              <a:t>08-11-2025</a:t>
+              <a:t>18-11-2025</a:t>
             </a:fld>
             <a:endParaRPr lang="en-IN"/>
           </a:p>
@@ -3141,7 +3144,7 @@
           <a:p>
             <a:fld id="{0DC6AE37-3E25-445F-9A60-35C9D0284302}" type="datetime1">
               <a:rPr lang="en-IN" smtClean="0"/>
-              <a:t>08-11-2025</a:t>
+              <a:t>18-11-2025</a:t>
             </a:fld>
             <a:endParaRPr lang="en-IN"/>
           </a:p>
@@ -3597,7 +3600,7 @@
         </p:blipFill>
         <p:spPr bwMode="auto">
           <a:xfrm>
-            <a:off x="990599" y="399245"/>
+            <a:off x="642869" y="23519"/>
             <a:ext cx="1158584" cy="1158584"/>
           </a:xfrm>
           <a:prstGeom prst="rect">
@@ -3623,8 +3626,8 @@
         </p:nvSpPr>
         <p:spPr>
           <a:xfrm>
-            <a:off x="990599" y="1725254"/>
-            <a:ext cx="9943563" cy="3508653"/>
+            <a:off x="926205" y="1182103"/>
+            <a:ext cx="9943563" cy="4893647"/>
           </a:xfrm>
           <a:prstGeom prst="rect">
             <a:avLst/>
@@ -3648,18 +3651,18 @@
           </a:p>
           <a:p>
             <a:pPr algn="just"/>
-            <a:endParaRPr lang="en-IN" b="1" dirty="0"/>
+            <a:endParaRPr lang="en-IN" sz="2400" b="1" dirty="0"/>
           </a:p>
           <a:p>
             <a:pPr algn="just"/>
             <a:r>
-              <a:rPr lang="en-IN" sz="2000" dirty="0"/>
+              <a:rPr lang="en-IN" sz="2400" dirty="0"/>
               <a:t>To ensure data privacy and maintain professional boundaries during AI tool experimentation:</a:t>
             </a:r>
           </a:p>
           <a:p>
             <a:pPr algn="just"/>
-            <a:endParaRPr lang="en-IN" sz="2000" dirty="0"/>
+            <a:endParaRPr lang="en-IN" sz="2400" dirty="0"/>
           </a:p>
           <a:p>
             <a:pPr marL="285750" indent="-285750" algn="just">
@@ -3667,17 +3670,17 @@
               <a:buChar char="•"/>
             </a:pPr>
             <a:r>
-              <a:rPr lang="en-IN" sz="2000" b="1" dirty="0"/>
+              <a:rPr lang="en-IN" sz="2400" b="1" dirty="0"/>
               <a:t>Do not use personal or finance-linked email IDs </a:t>
             </a:r>
             <a:r>
-              <a:rPr lang="en-IN" sz="2000" dirty="0"/>
+              <a:rPr lang="en-IN" sz="2400" dirty="0"/>
               <a:t>when testing or evaluating AI tools.</a:t>
             </a:r>
           </a:p>
           <a:p>
             <a:pPr algn="just"/>
-            <a:endParaRPr lang="en-IN" sz="2000" dirty="0"/>
+            <a:endParaRPr lang="en-IN" sz="2400" dirty="0"/>
           </a:p>
           <a:p>
             <a:pPr marL="285750" indent="-285750" algn="just">
@@ -3685,23 +3688,24 @@
               <a:buChar char="•"/>
             </a:pPr>
             <a:r>
-              <a:rPr lang="en-IN" sz="2000" b="1" dirty="0"/>
+              <a:rPr lang="en-IN" sz="2400" b="1" dirty="0"/>
               <a:t>Create a separate, dedicated email account </a:t>
             </a:r>
             <a:r>
-              <a:rPr lang="en-IN" sz="2000" dirty="0"/>
+              <a:rPr lang="en-IN" sz="2400" dirty="0"/>
               <a:t>specifically for learning, testing, and development purposes.</a:t>
             </a:r>
           </a:p>
           <a:p>
             <a:pPr algn="just"/>
-            <a:endParaRPr lang="en-IN" sz="2000" dirty="0"/>
+            <a:endParaRPr lang="en-IN" sz="2400" dirty="0"/>
           </a:p>
           <a:p>
             <a:pPr algn="just"/>
             <a:r>
-              <a:rPr lang="en-IN" sz="2000" dirty="0">
-                <a:latin typeface="Arial Narrow" panose="020B0606020202030204" pitchFamily="34" charset="0"/>
+              <a:rPr lang="en-IN" sz="2400" dirty="0">
+                <a:latin typeface="Arial" panose="020B0604020202020204" pitchFamily="34" charset="0"/>
+                <a:cs typeface="Arial" panose="020B0604020202020204" pitchFamily="34" charset="0"/>
               </a:rPr>
               <a:t>This practice helps safeguard sensitive information and ensures a clean separation between personal data and experimental workflows.</a:t>
             </a:r>
@@ -4134,15 +4138,7 @@
                   <a:srgbClr val="0000FF"/>
                 </a:solidFill>
               </a:rPr>
-              <a:t>Prompt </a:t>
-            </a:r>
-            <a:r>
-              <a:rPr lang="en-IN" sz="2400" b="1" dirty="0" smtClean="0">
-                <a:solidFill>
-                  <a:srgbClr val="0000FF"/>
-                </a:solidFill>
-              </a:rPr>
-              <a:t>Engineering:</a:t>
+              <a:t>Prompt Engineering:</a:t>
             </a:r>
           </a:p>
           <a:p>
@@ -4371,18 +4367,28 @@
           <a:lstStyle/>
           <a:p>
             <a:r>
-              <a:rPr lang="en-IN" dirty="0">
+              <a:rPr lang="en-IN" b="1" dirty="0">
+                <a:solidFill>
+                  <a:srgbClr val="0000FF"/>
+                </a:solidFill>
                 <a:hlinkClick r:id="rId4"/>
               </a:rPr>
               <a:t>https://</a:t>
             </a:r>
             <a:r>
-              <a:rPr lang="en-IN" dirty="0" smtClean="0">
+              <a:rPr lang="en-IN" b="1" dirty="0" smtClean="0">
+                <a:solidFill>
+                  <a:srgbClr val="0000FF"/>
+                </a:solidFill>
                 <a:hlinkClick r:id="rId4"/>
               </a:rPr>
               <a:t>app.netlify.com/teams/mohan4295work/projects</a:t>
             </a:r>
-            <a:endParaRPr lang="en-IN" dirty="0" smtClean="0"/>
+            <a:endParaRPr lang="en-IN" b="1" dirty="0" smtClean="0">
+              <a:solidFill>
+                <a:srgbClr val="0000FF"/>
+              </a:solidFill>
+            </a:endParaRPr>
           </a:p>
         </p:txBody>
       </p:sp>
@@ -4633,7 +4639,11 @@
           <a:lstStyle/>
           <a:p>
             <a:r>
-              <a:rPr lang="en-IN" b="1" dirty="0"/>
+              <a:rPr lang="en-IN" b="1" dirty="0">
+                <a:solidFill>
+                  <a:srgbClr val="0000FF"/>
+                </a:solidFill>
+              </a:rPr>
               <a:t>https://friends-snake-pwa-chatgpt.netlify.app/</a:t>
             </a:r>
           </a:p>
@@ -4827,6 +4837,207 @@
       </p:grpSpPr>
       <p:sp>
         <p:nvSpPr>
+          <p:cNvPr id="4" name="Footer Placeholder 3"/>
+          <p:cNvSpPr>
+            <a:spLocks noGrp="1"/>
+          </p:cNvSpPr>
+          <p:nvPr>
+            <p:ph type="ftr" sz="quarter" idx="11"/>
+          </p:nvPr>
+        </p:nvSpPr>
+        <p:spPr/>
+        <p:txBody>
+          <a:bodyPr/>
+          <a:lstStyle/>
+          <a:p>
+            <a:r>
+              <a:rPr lang="en-IN" smtClean="0"/>
+              <a:t>MOHAN SUNDARAM</a:t>
+            </a:r>
+            <a:endParaRPr lang="en-IN"/>
+          </a:p>
+        </p:txBody>
+      </p:sp>
+      <p:sp>
+        <p:nvSpPr>
+          <p:cNvPr id="5" name="Rectangle 4"/>
+          <p:cNvSpPr/>
+          <p:nvPr/>
+        </p:nvSpPr>
+        <p:spPr>
+          <a:xfrm>
+            <a:off x="622707" y="430197"/>
+            <a:ext cx="10946586" cy="923330"/>
+          </a:xfrm>
+          <a:prstGeom prst="rect">
+            <a:avLst/>
+          </a:prstGeom>
+          <a:noFill/>
+        </p:spPr>
+        <p:txBody>
+          <a:bodyPr wrap="none" lIns="91440" tIns="45720" rIns="91440" bIns="45720">
+            <a:spAutoFit/>
+          </a:bodyPr>
+          <a:lstStyle/>
+          <a:p>
+            <a:pPr algn="ctr"/>
+            <a:r>
+              <a:rPr lang="en-US" sz="5400" b="0" cap="none" spc="0" dirty="0">
+                <a:ln w="0"/>
+                <a:solidFill>
+                  <a:schemeClr val="accent1"/>
+                </a:solidFill>
+                <a:effectLst>
+                  <a:outerShdw blurRad="38100" dist="25400" dir="5400000" algn="ctr" rotWithShape="0">
+                    <a:srgbClr val="6E747A">
+                      <a:alpha val="43000"/>
+                    </a:srgbClr>
+                  </a:outerShdw>
+                </a:effectLst>
+              </a:rPr>
+              <a:t>AI as a tool to get the job done </a:t>
+            </a:r>
+            <a:r>
+              <a:rPr lang="en-US" sz="5400" b="0" cap="none" spc="0" dirty="0" smtClean="0">
+                <a:ln w="0"/>
+                <a:solidFill>
+                  <a:schemeClr val="accent1"/>
+                </a:solidFill>
+                <a:effectLst>
+                  <a:outerShdw blurRad="38100" dist="25400" dir="5400000" algn="ctr" rotWithShape="0">
+                    <a:srgbClr val="6E747A">
+                      <a:alpha val="43000"/>
+                    </a:srgbClr>
+                  </a:outerShdw>
+                </a:effectLst>
+              </a:rPr>
+              <a:t>better!</a:t>
+            </a:r>
+            <a:endParaRPr lang="en-IN" sz="5400" b="0" cap="none" spc="0" dirty="0">
+              <a:ln w="0"/>
+              <a:solidFill>
+                <a:schemeClr val="accent1"/>
+              </a:solidFill>
+              <a:effectLst>
+                <a:outerShdw blurRad="38100" dist="25400" dir="5400000" algn="ctr" rotWithShape="0">
+                  <a:srgbClr val="6E747A">
+                    <a:alpha val="43000"/>
+                  </a:srgbClr>
+                </a:outerShdw>
+              </a:effectLst>
+            </a:endParaRPr>
+          </a:p>
+        </p:txBody>
+      </p:sp>
+      <p:sp>
+        <p:nvSpPr>
+          <p:cNvPr id="7" name="Rectangle 6"/>
+          <p:cNvSpPr/>
+          <p:nvPr/>
+        </p:nvSpPr>
+        <p:spPr>
+          <a:xfrm>
+            <a:off x="622707" y="1747012"/>
+            <a:ext cx="9225566" cy="3170099"/>
+          </a:xfrm>
+          <a:prstGeom prst="rect">
+            <a:avLst/>
+          </a:prstGeom>
+        </p:spPr>
+        <p:txBody>
+          <a:bodyPr wrap="square">
+            <a:spAutoFit/>
+          </a:bodyPr>
+          <a:lstStyle/>
+          <a:p>
+            <a:r>
+              <a:rPr lang="en-IN" sz="4000" dirty="0">
+                <a:latin typeface="Bahnschrift" panose="020B0502040204020203" pitchFamily="34" charset="0"/>
+              </a:rPr>
+              <a:t>Programmer Productivity</a:t>
+            </a:r>
+          </a:p>
+          <a:p>
+            <a:r>
+              <a:rPr lang="en-IN" sz="4000" dirty="0" smtClean="0">
+                <a:latin typeface="Bahnschrift" panose="020B0502040204020203" pitchFamily="34" charset="0"/>
+              </a:rPr>
+              <a:t>Testers </a:t>
+            </a:r>
+            <a:r>
+              <a:rPr lang="en-IN" sz="4000" dirty="0">
+                <a:latin typeface="Bahnschrift" panose="020B0502040204020203" pitchFamily="34" charset="0"/>
+              </a:rPr>
+              <a:t>Productivity</a:t>
+            </a:r>
+          </a:p>
+          <a:p>
+            <a:r>
+              <a:rPr lang="en-IN" sz="4000" dirty="0">
+                <a:latin typeface="Bahnschrift" panose="020B0502040204020203" pitchFamily="34" charset="0"/>
+              </a:rPr>
+              <a:t>UI Programming Productivity</a:t>
+            </a:r>
+          </a:p>
+          <a:p>
+            <a:r>
+              <a:rPr lang="en-IN" sz="4000" dirty="0">
+                <a:latin typeface="Bahnschrift" panose="020B0502040204020203" pitchFamily="34" charset="0"/>
+              </a:rPr>
+              <a:t>SQL Query Conversion </a:t>
+            </a:r>
+            <a:r>
+              <a:rPr lang="en-IN" sz="4000" dirty="0" smtClean="0">
+                <a:latin typeface="Bahnschrift" panose="020B0502040204020203" pitchFamily="34" charset="0"/>
+              </a:rPr>
+              <a:t>Productivity</a:t>
+            </a:r>
+          </a:p>
+          <a:p>
+            <a:r>
+              <a:rPr lang="en-US" sz="4000" dirty="0" smtClean="0">
+                <a:latin typeface="Bahnschrift" panose="020B0502040204020203" pitchFamily="34" charset="0"/>
+              </a:rPr>
+              <a:t>…..etc.</a:t>
+            </a:r>
+            <a:endParaRPr lang="en-US" sz="4000" dirty="0">
+              <a:latin typeface="Bahnschrift" panose="020B0502040204020203" pitchFamily="34" charset="0"/>
+            </a:endParaRPr>
+          </a:p>
+        </p:txBody>
+      </p:sp>
+    </p:spTree>
+    <p:extLst>
+      <p:ext uri="{BB962C8B-B14F-4D97-AF65-F5344CB8AC3E}">
+        <p14:creationId xmlns:p14="http://schemas.microsoft.com/office/powerpoint/2010/main" val="1582006858"/>
+      </p:ext>
+    </p:extLst>
+  </p:cSld>
+  <p:clrMapOvr>
+    <a:masterClrMapping/>
+  </p:clrMapOvr>
+</p:sld>
+</file>
+
+<file path=ppt/slides/slide14.xml><?xml version="1.0" encoding="utf-8"?>
+<p:sld xmlns:a="http://schemas.openxmlformats.org/drawingml/2006/main" xmlns:r="http://schemas.openxmlformats.org/officeDocument/2006/relationships" xmlns:p="http://schemas.openxmlformats.org/presentationml/2006/main">
+  <p:cSld>
+    <p:spTree>
+      <p:nvGrpSpPr>
+        <p:cNvPr id="1" name=""/>
+        <p:cNvGrpSpPr/>
+        <p:nvPr/>
+      </p:nvGrpSpPr>
+      <p:grpSpPr>
+        <a:xfrm>
+          <a:off x="0" y="0"/>
+          <a:ext cx="0" cy="0"/>
+          <a:chOff x="0" y="0"/>
+          <a:chExt cx="0" cy="0"/>
+        </a:xfrm>
+      </p:grpSpPr>
+      <p:sp>
+        <p:nvSpPr>
           <p:cNvPr id="2" name="Title 1"/>
           <p:cNvSpPr>
             <a:spLocks noGrp="1"/>
@@ -4837,8 +5048,227 @@
         </p:nvSpPr>
         <p:spPr>
           <a:xfrm>
-            <a:off x="6851738" y="2296328"/>
-            <a:ext cx="4347192" cy="436235"/>
+            <a:off x="155620" y="30418"/>
+            <a:ext cx="5511085" cy="495937"/>
+          </a:xfrm>
+        </p:spPr>
+        <p:txBody>
+          <a:bodyPr>
+            <a:normAutofit fontScale="90000"/>
+          </a:bodyPr>
+          <a:lstStyle/>
+          <a:p>
+            <a:r>
+              <a:rPr lang="en-US" sz="3200" b="1" dirty="0">
+                <a:solidFill>
+                  <a:schemeClr val="accent3">
+                    <a:lumMod val="75000"/>
+                  </a:schemeClr>
+                </a:solidFill>
+              </a:rPr>
+              <a:t>Is the AI Bubble About to Burst</a:t>
+            </a:r>
+            <a:r>
+              <a:rPr lang="en-US" sz="3200" b="1" dirty="0" smtClean="0">
+                <a:solidFill>
+                  <a:schemeClr val="accent3">
+                    <a:lumMod val="75000"/>
+                  </a:schemeClr>
+                </a:solidFill>
+              </a:rPr>
+              <a:t>?</a:t>
+            </a:r>
+            <a:endParaRPr lang="en-IN" sz="3200" dirty="0">
+              <a:solidFill>
+                <a:schemeClr val="accent3">
+                  <a:lumMod val="75000"/>
+                </a:schemeClr>
+              </a:solidFill>
+            </a:endParaRPr>
+          </a:p>
+        </p:txBody>
+      </p:sp>
+      <p:sp>
+        <p:nvSpPr>
+          <p:cNvPr id="3" name="Content Placeholder 2"/>
+          <p:cNvSpPr>
+            <a:spLocks noGrp="1"/>
+          </p:cNvSpPr>
+          <p:nvPr>
+            <p:ph idx="1"/>
+          </p:nvPr>
+        </p:nvSpPr>
+        <p:spPr>
+          <a:xfrm>
+            <a:off x="541986" y="5383369"/>
+            <a:ext cx="11650014" cy="1155543"/>
+          </a:xfrm>
+        </p:spPr>
+        <p:txBody>
+          <a:bodyPr/>
+          <a:lstStyle/>
+          <a:p>
+            <a:r>
+              <a:rPr lang="en-US" sz="2000" dirty="0"/>
+              <a:t>Derek Thompson on AI </a:t>
+            </a:r>
+            <a:r>
+              <a:rPr lang="en-US" sz="2000" dirty="0" smtClean="0"/>
+              <a:t>bubble </a:t>
+            </a:r>
+            <a:r>
+              <a:rPr lang="en-IN" sz="2000" dirty="0" smtClean="0">
+                <a:hlinkClick r:id="rId2"/>
+              </a:rPr>
+              <a:t>https</a:t>
+            </a:r>
+            <a:r>
+              <a:rPr lang="en-IN" sz="2000" dirty="0">
+                <a:hlinkClick r:id="rId2"/>
+              </a:rPr>
+              <a:t>://</a:t>
+            </a:r>
+            <a:r>
+              <a:rPr lang="en-IN" sz="2000" dirty="0" smtClean="0">
+                <a:hlinkClick r:id="rId2"/>
+              </a:rPr>
+              <a:t>www.derekthompson.org/p/this-is-how-the-ai-bubble-will-pop</a:t>
+            </a:r>
+            <a:endParaRPr lang="en-IN" sz="2000" dirty="0" smtClean="0"/>
+          </a:p>
+          <a:p>
+            <a:r>
+              <a:rPr lang="en-IN" sz="2000" dirty="0" smtClean="0"/>
+              <a:t>MIT </a:t>
+            </a:r>
+            <a:r>
+              <a:rPr lang="en-IN" sz="2000" dirty="0"/>
+              <a:t>report </a:t>
+            </a:r>
+            <a:r>
+              <a:rPr lang="en-IN" sz="2000" dirty="0">
+                <a:hlinkClick r:id="rId3"/>
+              </a:rPr>
+              <a:t>https://fortune.com/2025/08/18/mit-report-95-percent-generative-ai-pilots-at-companies-failing-cfo</a:t>
+            </a:r>
+            <a:r>
+              <a:rPr lang="en-IN" sz="2000" dirty="0" smtClean="0">
+                <a:hlinkClick r:id="rId3"/>
+              </a:rPr>
+              <a:t>/</a:t>
+            </a:r>
+            <a:endParaRPr lang="en-IN" sz="2000" dirty="0" smtClean="0"/>
+          </a:p>
+        </p:txBody>
+      </p:sp>
+      <p:sp>
+        <p:nvSpPr>
+          <p:cNvPr id="4" name="Footer Placeholder 3"/>
+          <p:cNvSpPr>
+            <a:spLocks noGrp="1"/>
+          </p:cNvSpPr>
+          <p:nvPr>
+            <p:ph type="ftr" sz="quarter" idx="11"/>
+          </p:nvPr>
+        </p:nvSpPr>
+        <p:spPr/>
+        <p:txBody>
+          <a:bodyPr/>
+          <a:lstStyle/>
+          <a:p>
+            <a:r>
+              <a:rPr lang="en-IN" dirty="0" smtClean="0"/>
+              <a:t>MOHAN SUNDARAM</a:t>
+            </a:r>
+            <a:endParaRPr lang="en-IN" dirty="0"/>
+          </a:p>
+        </p:txBody>
+      </p:sp>
+      <p:pic>
+        <p:nvPicPr>
+          <p:cNvPr id="1026" name="Picture 2" descr="https://substackcdn.com/image/fetch/$s_!Zl_k!,f_auto,q_auto:good,fl_progressive:steep/https%3A%2F%2Fsubstack-post-media.s3.amazonaws.com%2Fpublic%2Fimages%2F7aa143c1-7869-4525-9c42-cc44172de3ed_750x402.png"/>
+          <p:cNvPicPr>
+            <a:picLocks noChangeAspect="1" noChangeArrowheads="1"/>
+          </p:cNvPicPr>
+          <p:nvPr/>
+        </p:nvPicPr>
+        <p:blipFill>
+          <a:blip r:embed="rId4">
+            <a:extLst>
+              <a:ext uri="{28A0092B-C50C-407E-A947-70E740481C1C}">
+                <a14:useLocalDpi xmlns:a14="http://schemas.microsoft.com/office/drawing/2010/main" val="0"/>
+              </a:ext>
+            </a:extLst>
+          </a:blip>
+          <a:srcRect/>
+          <a:stretch>
+            <a:fillRect/>
+          </a:stretch>
+        </p:blipFill>
+        <p:spPr bwMode="auto">
+          <a:xfrm>
+            <a:off x="1656948" y="708918"/>
+            <a:ext cx="8323636" cy="4461470"/>
+          </a:xfrm>
+          <a:prstGeom prst="rect">
+            <a:avLst/>
+          </a:prstGeom>
+          <a:noFill/>
+          <a:extLst>
+            <a:ext uri="{909E8E84-426E-40DD-AFC4-6F175D3DCCD1}">
+              <a14:hiddenFill xmlns:a14="http://schemas.microsoft.com/office/drawing/2010/main">
+                <a:solidFill>
+                  <a:srgbClr val="FFFFFF"/>
+                </a:solidFill>
+              </a14:hiddenFill>
+            </a:ext>
+          </a:extLst>
+        </p:spPr>
+      </p:pic>
+    </p:spTree>
+    <p:extLst>
+      <p:ext uri="{BB962C8B-B14F-4D97-AF65-F5344CB8AC3E}">
+        <p14:creationId xmlns:p14="http://schemas.microsoft.com/office/powerpoint/2010/main" val="2423022381"/>
+      </p:ext>
+    </p:extLst>
+  </p:cSld>
+  <p:clrMapOvr>
+    <a:masterClrMapping/>
+  </p:clrMapOvr>
+</p:sld>
+</file>
+
+<file path=ppt/slides/slide15.xml><?xml version="1.0" encoding="utf-8"?>
+<p:sld xmlns:a="http://schemas.openxmlformats.org/drawingml/2006/main" xmlns:r="http://schemas.openxmlformats.org/officeDocument/2006/relationships" xmlns:p="http://schemas.openxmlformats.org/presentationml/2006/main">
+  <p:cSld>
+    <p:spTree>
+      <p:nvGrpSpPr>
+        <p:cNvPr id="1" name=""/>
+        <p:cNvGrpSpPr/>
+        <p:nvPr/>
+      </p:nvGrpSpPr>
+      <p:grpSpPr>
+        <a:xfrm>
+          <a:off x="0" y="0"/>
+          <a:ext cx="0" cy="0"/>
+          <a:chOff x="0" y="0"/>
+          <a:chExt cx="0" cy="0"/>
+        </a:xfrm>
+      </p:grpSpPr>
+      <p:sp>
+        <p:nvSpPr>
+          <p:cNvPr id="2" name="Title 1"/>
+          <p:cNvSpPr>
+            <a:spLocks noGrp="1"/>
+          </p:cNvSpPr>
+          <p:nvPr>
+            <p:ph type="title"/>
+          </p:nvPr>
+        </p:nvSpPr>
+        <p:spPr>
+          <a:xfrm>
+            <a:off x="7519360" y="2245901"/>
+            <a:ext cx="2562718" cy="436235"/>
           </a:xfrm>
         </p:spPr>
         <p:txBody>
@@ -4849,11 +5279,26 @@
           <a:p>
             <a:r>
               <a:rPr lang="en-US" sz="2000" b="1" dirty="0" smtClean="0">
+                <a:solidFill>
+                  <a:srgbClr val="0000FF"/>
+                </a:solidFill>
                 <a:latin typeface="Bahnschrift" panose="020B0502040204020203" pitchFamily="34" charset="0"/>
               </a:rPr>
-              <a:t>Mohan Sundaram Blogger &amp; Links</a:t>
+              <a:t>My Blogger </a:t>
+            </a:r>
+            <a:r>
+              <a:rPr lang="en-US" sz="2000" b="1" dirty="0" smtClean="0">
+                <a:solidFill>
+                  <a:srgbClr val="0000FF"/>
+                </a:solidFill>
+                <a:latin typeface="Bahnschrift" panose="020B0502040204020203" pitchFamily="34" charset="0"/>
+              </a:rPr>
+              <a:t>&amp; Links</a:t>
             </a:r>
             <a:endParaRPr lang="en-IN" sz="2000" b="1" dirty="0">
+              <a:solidFill>
+                <a:srgbClr val="0000FF"/>
+              </a:solidFill>
               <a:latin typeface="Bahnschrift" panose="020B0502040204020203" pitchFamily="34" charset="0"/>
             </a:endParaRPr>
           </a:p>
@@ -5306,6 +5751,186 @@
 </p:sld>
 </file>
 
+<file path=ppt/slides/slide16.xml><?xml version="1.0" encoding="utf-8"?>
+<p:sld xmlns:a="http://schemas.openxmlformats.org/drawingml/2006/main" xmlns:r="http://schemas.openxmlformats.org/officeDocument/2006/relationships" xmlns:p="http://schemas.openxmlformats.org/presentationml/2006/main">
+  <p:cSld>
+    <p:spTree>
+      <p:nvGrpSpPr>
+        <p:cNvPr id="1" name=""/>
+        <p:cNvGrpSpPr/>
+        <p:nvPr/>
+      </p:nvGrpSpPr>
+      <p:grpSpPr>
+        <a:xfrm>
+          <a:off x="0" y="0"/>
+          <a:ext cx="0" cy="0"/>
+          <a:chOff x="0" y="0"/>
+          <a:chExt cx="0" cy="0"/>
+        </a:xfrm>
+      </p:grpSpPr>
+      <p:sp>
+        <p:nvSpPr>
+          <p:cNvPr id="2" name="Title 1"/>
+          <p:cNvSpPr>
+            <a:spLocks noGrp="1"/>
+          </p:cNvSpPr>
+          <p:nvPr>
+            <p:ph type="title"/>
+          </p:nvPr>
+        </p:nvSpPr>
+        <p:spPr>
+          <a:xfrm>
+            <a:off x="838200" y="223459"/>
+            <a:ext cx="3025462" cy="446244"/>
+          </a:xfrm>
+        </p:spPr>
+        <p:txBody>
+          <a:bodyPr>
+            <a:normAutofit/>
+          </a:bodyPr>
+          <a:lstStyle/>
+          <a:p>
+            <a:r>
+              <a:rPr lang="en-US" sz="2400" b="1" dirty="0" smtClean="0">
+                <a:latin typeface="Arial Black" panose="020B0A04020102020204" pitchFamily="34" charset="0"/>
+              </a:rPr>
+              <a:t>Reference Links</a:t>
+            </a:r>
+            <a:endParaRPr lang="en-IN" sz="2400" b="1" dirty="0">
+              <a:latin typeface="Arial Black" panose="020B0A04020102020204" pitchFamily="34" charset="0"/>
+            </a:endParaRPr>
+          </a:p>
+        </p:txBody>
+      </p:sp>
+      <p:sp>
+        <p:nvSpPr>
+          <p:cNvPr id="3" name="Content Placeholder 2"/>
+          <p:cNvSpPr>
+            <a:spLocks noGrp="1"/>
+          </p:cNvSpPr>
+          <p:nvPr>
+            <p:ph idx="1"/>
+          </p:nvPr>
+        </p:nvSpPr>
+        <p:spPr>
+          <a:xfrm>
+            <a:off x="735169" y="936983"/>
+            <a:ext cx="10515600" cy="4351338"/>
+          </a:xfrm>
+        </p:spPr>
+        <p:txBody>
+          <a:bodyPr/>
+          <a:lstStyle/>
+          <a:p>
+            <a:r>
+              <a:rPr lang="en-IN" dirty="0">
+                <a:hlinkClick r:id="rId2"/>
+              </a:rPr>
+              <a:t>https://</a:t>
+            </a:r>
+            <a:r>
+              <a:rPr lang="en-IN" dirty="0" smtClean="0">
+                <a:hlinkClick r:id="rId2"/>
+              </a:rPr>
+              <a:t>youtu.be/D1eL1EnxXXQ</a:t>
+            </a:r>
+            <a:endParaRPr lang="en-IN" dirty="0" smtClean="0"/>
+          </a:p>
+          <a:p>
+            <a:r>
+              <a:rPr lang="en-IN" dirty="0">
+                <a:hlinkClick r:id="rId3"/>
+              </a:rPr>
+              <a:t>https://</a:t>
+            </a:r>
+            <a:r>
+              <a:rPr lang="en-IN" dirty="0" smtClean="0">
+                <a:hlinkClick r:id="rId3"/>
+              </a:rPr>
+              <a:t>youtu.be/O2gerCxEXvc</a:t>
+            </a:r>
+            <a:endParaRPr lang="en-IN" dirty="0" smtClean="0"/>
+          </a:p>
+          <a:p>
+            <a:r>
+              <a:rPr lang="en-IN" dirty="0">
+                <a:hlinkClick r:id="rId4"/>
+              </a:rPr>
+              <a:t>https://</a:t>
+            </a:r>
+            <a:r>
+              <a:rPr lang="en-IN" dirty="0" smtClean="0">
+                <a:hlinkClick r:id="rId4"/>
+              </a:rPr>
+              <a:t>youtu.be/df4onYIfTwo</a:t>
+            </a:r>
+            <a:endParaRPr lang="en-IN" dirty="0" smtClean="0"/>
+          </a:p>
+          <a:p>
+            <a:r>
+              <a:rPr lang="en-IN" dirty="0">
+                <a:hlinkClick r:id="rId5"/>
+              </a:rPr>
+              <a:t>https://</a:t>
+            </a:r>
+            <a:r>
+              <a:rPr lang="en-IN" dirty="0" smtClean="0">
+                <a:hlinkClick r:id="rId5"/>
+              </a:rPr>
+              <a:t>youtu.be/OJKPrJ0wNvc</a:t>
+            </a:r>
+            <a:endParaRPr lang="en-IN" dirty="0" smtClean="0"/>
+          </a:p>
+          <a:p>
+            <a:endParaRPr lang="en-IN" dirty="0" smtClean="0"/>
+          </a:p>
+          <a:p>
+            <a:endParaRPr lang="en-IN" dirty="0" smtClean="0"/>
+          </a:p>
+          <a:p>
+            <a:endParaRPr lang="en-US" dirty="0"/>
+          </a:p>
+          <a:p>
+            <a:endParaRPr lang="en-IN" dirty="0"/>
+          </a:p>
+        </p:txBody>
+      </p:sp>
+      <p:sp>
+        <p:nvSpPr>
+          <p:cNvPr id="4" name="Footer Placeholder 3"/>
+          <p:cNvSpPr>
+            <a:spLocks noGrp="1"/>
+          </p:cNvSpPr>
+          <p:nvPr>
+            <p:ph type="ftr" sz="quarter" idx="11"/>
+          </p:nvPr>
+        </p:nvSpPr>
+        <p:spPr/>
+        <p:txBody>
+          <a:bodyPr/>
+          <a:lstStyle/>
+          <a:p>
+            <a:r>
+              <a:rPr lang="en-IN" smtClean="0"/>
+              <a:t>MOHAN SUNDARAM</a:t>
+            </a:r>
+            <a:endParaRPr lang="en-IN"/>
+          </a:p>
+        </p:txBody>
+      </p:sp>
+    </p:spTree>
+    <p:extLst>
+      <p:ext uri="{BB962C8B-B14F-4D97-AF65-F5344CB8AC3E}">
+        <p14:creationId xmlns:p14="http://schemas.microsoft.com/office/powerpoint/2010/main" val="3222478131"/>
+      </p:ext>
+    </p:extLst>
+  </p:cSld>
+  <p:clrMapOvr>
+    <a:masterClrMapping/>
+  </p:clrMapOvr>
+</p:sld>
+</file>
+
 <file path=ppt/slides/slide2.xml><?xml version="1.0" encoding="utf-8"?>
 <p:sld xmlns:a="http://schemas.openxmlformats.org/drawingml/2006/main" xmlns:r="http://schemas.openxmlformats.org/officeDocument/2006/relationships" xmlns:p="http://schemas.openxmlformats.org/presentationml/2006/main">
   <p:cSld>
@@ -5381,50 +6006,15 @@
         </p:nvSpPr>
         <p:spPr>
           <a:xfrm>
-            <a:off x="558828" y="805399"/>
-            <a:ext cx="11444282" cy="1788998"/>
+            <a:off x="558828" y="805400"/>
+            <a:ext cx="11444282" cy="1479242"/>
           </a:xfrm>
         </p:spPr>
         <p:txBody>
           <a:bodyPr>
-            <a:normAutofit/>
+            <a:normAutofit lnSpcReduction="10000"/>
           </a:bodyPr>
           <a:lstStyle/>
-          <a:p>
-            <a:pPr algn="just"/>
-            <a:r>
-              <a:rPr lang="en-US" b="1" dirty="0" smtClean="0"/>
-              <a:t>1956</a:t>
-            </a:r>
-            <a:r>
-              <a:rPr lang="en-US" dirty="0" smtClean="0"/>
-              <a:t> – </a:t>
-            </a:r>
-            <a:r>
-              <a:rPr lang="en-US" b="1" dirty="0" smtClean="0"/>
-              <a:t>“Artificial Intelligence”</a:t>
-            </a:r>
-            <a:r>
-              <a:rPr lang="en-US" dirty="0" smtClean="0"/>
-              <a:t> was coined at the </a:t>
-            </a:r>
-            <a:r>
-              <a:rPr lang="en-US" b="1" dirty="0" smtClean="0"/>
-              <a:t>Dartmouth Conference</a:t>
-            </a:r>
-            <a:r>
-              <a:rPr lang="en-US" dirty="0" smtClean="0"/>
-              <a:t> This event is considered the </a:t>
-            </a:r>
-            <a:r>
-              <a:rPr lang="en-US" b="1" dirty="0" smtClean="0"/>
-              <a:t>birth of AI</a:t>
-            </a:r>
-            <a:r>
-              <a:rPr lang="en-US" dirty="0" smtClean="0"/>
-              <a:t> as a research field.</a:t>
-            </a:r>
-          </a:p>
           <a:p>
             <a:pPr algn="just"/>
             <a:r>
@@ -5433,15 +6023,51 @@
             </a:r>
             <a:r>
               <a:rPr lang="en-US" dirty="0" smtClean="0"/>
-              <a:t> - Machines think, learn, and act like humans. It's about creating systems that can perceive, reason, learn, and make decisions.</a:t>
-            </a:r>
-          </a:p>
-          <a:p>
-            <a:pPr algn="l"/>
-            <a:endParaRPr lang="en-US" dirty="0" smtClean="0"/>
-          </a:p>
-          <a:p>
-            <a:pPr algn="l"/>
+              <a:t> - </a:t>
+            </a:r>
+            <a:r>
+              <a:rPr lang="en-US" dirty="0"/>
+              <a:t>Machines can think, learn, and make decisions like humans. They can see, understand, and solve problems on their own</a:t>
+            </a:r>
+            <a:r>
+              <a:rPr lang="en-US" dirty="0" smtClean="0"/>
+              <a:t>.</a:t>
+            </a:r>
+          </a:p>
+          <a:p>
+            <a:pPr algn="just"/>
+            <a:r>
+              <a:rPr lang="en-US" b="1" dirty="0" smtClean="0"/>
+              <a:t>Ai </a:t>
+            </a:r>
+            <a:r>
+              <a:rPr lang="en-US" dirty="0" smtClean="0"/>
+              <a:t>performs </a:t>
+            </a:r>
+            <a:r>
+              <a:rPr lang="en-US" dirty="0"/>
+              <a:t>tasks similar to human </a:t>
+            </a:r>
+            <a:r>
+              <a:rPr lang="en-US" dirty="0" smtClean="0"/>
+              <a:t>intelligence. It </a:t>
+            </a:r>
+            <a:r>
+              <a:rPr lang="en-US" dirty="0"/>
+              <a:t>can recognize patterns, understand speech, and </a:t>
+            </a:r>
+            <a:r>
+              <a:rPr lang="en-US" dirty="0" smtClean="0"/>
+              <a:t>Analyze/identify </a:t>
+            </a:r>
+            <a:r>
+              <a:rPr lang="en-US" dirty="0"/>
+              <a:t>images</a:t>
+            </a:r>
+            <a:r>
+              <a:rPr lang="en-US" dirty="0" smtClean="0"/>
+              <a:t>.</a:t>
+            </a:r>
             <a:endParaRPr lang="en-US" dirty="0"/>
           </a:p>
           <a:p>
@@ -5530,8 +6156,8 @@
         </p:nvSpPr>
         <p:spPr>
           <a:xfrm>
-            <a:off x="5598017" y="2906110"/>
-            <a:ext cx="6096000" cy="1631216"/>
+            <a:off x="5598017" y="3494319"/>
+            <a:ext cx="6096000" cy="1046440"/>
           </a:xfrm>
           <a:prstGeom prst="rect">
             <a:avLst/>
@@ -5545,12 +6171,12 @@
           <a:p>
             <a:pPr algn="just"/>
             <a:r>
-              <a:rPr lang="en-US" sz="2000" b="1" dirty="0"/>
-              <a:t>Machine learning </a:t>
+              <a:rPr lang="en-US" sz="2200" b="1" dirty="0"/>
+              <a:t>Machine learning (ML) </a:t>
             </a:r>
             <a:r>
               <a:rPr lang="en-US" sz="2000" dirty="0"/>
-              <a:t>(ML) is a </a:t>
+              <a:t>is a </a:t>
             </a:r>
             <a:r>
               <a:rPr lang="en-IN" sz="2000" dirty="0"/>
@@ -5566,7 +6192,11 @@
             </a:r>
             <a:r>
               <a:rPr lang="en-US" sz="2000" dirty="0"/>
-              <a:t>intelligence (AI). It focuses on creating methods that help computers learn from data and improve their performance on specific tasks. It is one of the main areas within AI.</a:t>
+              <a:t>intelligence (AI). </a:t>
+            </a:r>
+            <a:r>
+              <a:rPr lang="en-US" sz="2000" dirty="0"/>
+              <a:t>It teaches computers to learn patterns from data and make decisions using those patterns.</a:t>
             </a:r>
             <a:endParaRPr lang="en-IN" sz="2000" dirty="0"/>
           </a:p>
@@ -5580,8 +6210,8 @@
         </p:nvSpPr>
         <p:spPr>
           <a:xfrm>
-            <a:off x="5598017" y="4733129"/>
-            <a:ext cx="6096000" cy="1323439"/>
+            <a:off x="5598017" y="4678985"/>
+            <a:ext cx="6096000" cy="1661993"/>
           </a:xfrm>
           <a:prstGeom prst="rect">
             <a:avLst/>
@@ -5595,7 +6225,7 @@
           <a:p>
             <a:pPr algn="just"/>
             <a:r>
-              <a:rPr lang="en-US" sz="2000" b="1" dirty="0"/>
+              <a:rPr lang="en-US" sz="2200" b="1" dirty="0"/>
               <a:t>Deep learning (DL) </a:t>
             </a:r>
             <a:r>
@@ -5624,7 +6254,97 @@
             </a:r>
             <a:r>
               <a:rPr lang="en-US" sz="2000" dirty="0"/>
-              <a:t>uses computer models called neural networks to learn from large amounts of data and make smart decisions.</a:t>
+              <a:t>uses computer models called </a:t>
+            </a:r>
+            <a:r>
+              <a:rPr lang="en-US" sz="2000" b="1" dirty="0"/>
+              <a:t>neural networks to learn from large amounts of data </a:t>
+            </a:r>
+            <a:r>
+              <a:rPr lang="en-US" sz="2000" dirty="0"/>
+              <a:t>and make smart decisions</a:t>
+            </a:r>
+            <a:r>
+              <a:rPr lang="en-US" sz="2000" dirty="0" smtClean="0"/>
+              <a:t>. </a:t>
+            </a:r>
+            <a:r>
+              <a:rPr lang="en-US" sz="2000" b="1" dirty="0"/>
+              <a:t>(DL) is primarily used for processing unstructured </a:t>
+            </a:r>
+            <a:r>
+              <a:rPr lang="en-US" sz="2000" b="1" dirty="0" smtClean="0"/>
+              <a:t>data </a:t>
+            </a:r>
+            <a:r>
+              <a:rPr lang="en-US" sz="2000" dirty="0"/>
+              <a:t>such as images, audio, and </a:t>
+            </a:r>
+            <a:r>
+              <a:rPr lang="en-US" sz="2000" dirty="0" err="1" smtClean="0"/>
+              <a:t>Video..Etc</a:t>
+            </a:r>
+            <a:r>
+              <a:rPr lang="en-US" sz="2000" dirty="0" smtClean="0"/>
+              <a:t>.</a:t>
+            </a:r>
+            <a:endParaRPr lang="en-IN" sz="2000" dirty="0"/>
+          </a:p>
+        </p:txBody>
+      </p:sp>
+      <p:sp>
+        <p:nvSpPr>
+          <p:cNvPr id="8" name="Rectangle 7"/>
+          <p:cNvSpPr/>
+          <p:nvPr/>
+        </p:nvSpPr>
+        <p:spPr>
+          <a:xfrm>
+            <a:off x="5598017" y="2339831"/>
+            <a:ext cx="6096000" cy="1015663"/>
+          </a:xfrm>
+          <a:prstGeom prst="rect">
+            <a:avLst/>
+          </a:prstGeom>
+        </p:spPr>
+        <p:txBody>
+          <a:bodyPr>
+            <a:spAutoFit/>
+          </a:bodyPr>
+          <a:lstStyle/>
+          <a:p>
+            <a:pPr algn="just"/>
+            <a:r>
+              <a:rPr lang="en-US" sz="2000" b="1" dirty="0"/>
+              <a:t>AI </a:t>
+            </a:r>
+            <a:r>
+              <a:rPr lang="en-US" sz="2000" dirty="0"/>
+              <a:t>can work without </a:t>
+            </a:r>
+            <a:r>
+              <a:rPr lang="en-US" sz="2000" b="1" dirty="0" smtClean="0"/>
+              <a:t>ML</a:t>
+            </a:r>
+            <a:r>
+              <a:rPr lang="en-US" sz="2000" dirty="0"/>
+              <a:t> </a:t>
+            </a:r>
+            <a:r>
+              <a:rPr lang="en-US" sz="2000" dirty="0" smtClean="0"/>
+              <a:t>/ </a:t>
+            </a:r>
+            <a:r>
+              <a:rPr lang="en-US" sz="2000" b="1" dirty="0" smtClean="0"/>
+              <a:t>DL</a:t>
+            </a:r>
+            <a:r>
+              <a:rPr lang="en-US" sz="2000" dirty="0" smtClean="0"/>
+              <a:t> </a:t>
+            </a:r>
+            <a:r>
+              <a:rPr lang="en-US" sz="2000" dirty="0"/>
+              <a:t>by using methods like rule-based systems, robotics control, and fuzzy logic to make decisions and solve problems.</a:t>
             </a:r>
             <a:endParaRPr lang="en-IN" sz="2000" dirty="0"/>
           </a:p>
@@ -5662,30 +6382,37 @@
       </p:grpSpPr>
       <p:sp>
         <p:nvSpPr>
-          <p:cNvPr id="4" name="Footer Placeholder 3"/>
-          <p:cNvSpPr>
-            <a:spLocks noGrp="1"/>
-          </p:cNvSpPr>
-          <p:nvPr>
-            <p:ph type="ftr" sz="quarter" idx="11"/>
-          </p:nvPr>
-        </p:nvSpPr>
-        <p:spPr/>
-        <p:txBody>
-          <a:bodyPr/>
-          <a:lstStyle/>
-          <a:p>
-            <a:r>
-              <a:rPr lang="en-IN" smtClean="0"/>
-              <a:t>MOHAN SUNDARAM</a:t>
-            </a:r>
-            <a:endParaRPr lang="en-IN"/>
+          <p:cNvPr id="2" name="Title 1"/>
+          <p:cNvSpPr>
+            <a:spLocks noGrp="1"/>
+          </p:cNvSpPr>
+          <p:nvPr>
+            <p:ph type="title"/>
+          </p:nvPr>
+        </p:nvSpPr>
+        <p:spPr>
+          <a:xfrm>
+            <a:off x="618387" y="120316"/>
+            <a:ext cx="3540617" cy="510638"/>
+          </a:xfrm>
+        </p:spPr>
+        <p:txBody>
+          <a:bodyPr>
+            <a:normAutofit/>
+          </a:bodyPr>
+          <a:lstStyle/>
+          <a:p>
+            <a:r>
+              <a:rPr lang="en-IN" sz="2000" b="1" dirty="0" smtClean="0"/>
+              <a:t>LLM = Large Language Model</a:t>
+            </a:r>
+            <a:endParaRPr lang="en-IN" sz="2000" b="1" dirty="0"/>
           </a:p>
         </p:txBody>
       </p:sp>
       <p:pic>
         <p:nvPicPr>
-          <p:cNvPr id="5" name="Picture 4"/>
+          <p:cNvPr id="4" name="Picture 3"/>
           <p:cNvPicPr>
             <a:picLocks noChangeAspect="1"/>
           </p:cNvPicPr>
@@ -5699,8 +6426,8 @@
         </p:blipFill>
         <p:spPr>
           <a:xfrm>
-            <a:off x="3825025" y="1252580"/>
-            <a:ext cx="7436922" cy="5103770"/>
+            <a:off x="425563" y="2228046"/>
+            <a:ext cx="11455926" cy="4469352"/>
           </a:xfrm>
           <a:prstGeom prst="rect">
             <a:avLst/>
@@ -5715,8 +6442,8 @@
         </p:nvSpPr>
         <p:spPr>
           <a:xfrm>
-            <a:off x="427250" y="162910"/>
-            <a:ext cx="3397775" cy="2677656"/>
+            <a:off x="618387" y="764885"/>
+            <a:ext cx="11281692" cy="1200329"/>
           </a:xfrm>
           <a:prstGeom prst="rect">
             <a:avLst/>
@@ -5728,84 +6455,99 @@
           </a:bodyPr>
           <a:lstStyle/>
           <a:p>
-            <a:r>
-              <a:rPr lang="en-US" sz="3600" b="1" dirty="0"/>
-              <a:t>Ai System Types</a:t>
-            </a:r>
-            <a:r>
-              <a:rPr lang="en-US" sz="3600" b="1" dirty="0" smtClean="0"/>
-              <a:t>:</a:t>
-            </a:r>
-          </a:p>
-          <a:p>
-            <a:endParaRPr lang="en-US" sz="3600" b="1" dirty="0"/>
-          </a:p>
-          <a:p>
-            <a:pPr marL="342900" indent="-342900">
-              <a:buFont typeface="Arial" panose="020B0604020202020204" pitchFamily="34" charset="0"/>
-              <a:buChar char="•"/>
-            </a:pPr>
-            <a:r>
-              <a:rPr lang="it-IT" sz="3200" b="1" dirty="0">
-                <a:solidFill>
-                  <a:srgbClr val="FF0000"/>
-                </a:solidFill>
-              </a:rPr>
-              <a:t>Generative AI</a:t>
-            </a:r>
-          </a:p>
-          <a:p>
-            <a:pPr marL="342900" indent="-342900">
-              <a:buFont typeface="Arial" panose="020B0604020202020204" pitchFamily="34" charset="0"/>
-              <a:buChar char="•"/>
-            </a:pPr>
-            <a:r>
-              <a:rPr lang="it-IT" sz="3200" b="1" dirty="0">
-                <a:solidFill>
-                  <a:srgbClr val="00B0F0"/>
-                </a:solidFill>
-              </a:rPr>
-              <a:t>AI </a:t>
-            </a:r>
-            <a:r>
-              <a:rPr lang="it-IT" sz="3200" b="1" dirty="0" smtClean="0">
-                <a:solidFill>
-                  <a:srgbClr val="00B0F0"/>
-                </a:solidFill>
-              </a:rPr>
-              <a:t>Agent</a:t>
-            </a:r>
-            <a:endParaRPr lang="it-IT" sz="3200" b="1" dirty="0">
-              <a:solidFill>
-                <a:srgbClr val="00B0F0"/>
-              </a:solidFill>
-            </a:endParaRPr>
-          </a:p>
-          <a:p>
-            <a:pPr marL="342900" indent="-342900">
-              <a:buFont typeface="Arial" panose="020B0604020202020204" pitchFamily="34" charset="0"/>
-              <a:buChar char="•"/>
-            </a:pPr>
-            <a:r>
-              <a:rPr lang="it-IT" sz="3200" b="1" dirty="0">
-                <a:solidFill>
-                  <a:srgbClr val="00B050"/>
-                </a:solidFill>
-              </a:rPr>
-              <a:t>Agentic AI</a:t>
-            </a:r>
-            <a:endParaRPr lang="en-US" sz="3200" b="1" dirty="0">
-              <a:solidFill>
-                <a:srgbClr val="00B050"/>
-              </a:solidFill>
-            </a:endParaRPr>
+            <a:pPr algn="just"/>
+            <a:r>
+              <a:rPr lang="en-IN" b="1" dirty="0" smtClean="0"/>
+              <a:t>LLM</a:t>
+            </a:r>
+            <a:r>
+              <a:rPr lang="en-IN" dirty="0" smtClean="0"/>
+              <a:t> stands for Large Language Model, a type of artificial intelligence trained on vast amounts of text data to understand, process, and generate human-like text. These models use </a:t>
+            </a:r>
+            <a:r>
+              <a:rPr lang="en-IN" b="1" dirty="0" smtClean="0"/>
+              <a:t>transformer</a:t>
+            </a:r>
+            <a:r>
+              <a:rPr lang="en-IN" dirty="0" smtClean="0"/>
+              <a:t> architectures to learn language patterns and context, enabling them to perform tasks like text generation, translation, summarization, question-answering, and content creation</a:t>
+            </a:r>
+            <a:r>
+              <a:rPr lang="en-IN" dirty="0"/>
+              <a:t>. </a:t>
+            </a:r>
+            <a:r>
+              <a:rPr lang="en-IN" b="1" dirty="0" smtClean="0"/>
+              <a:t>ChatGPT3</a:t>
+            </a:r>
+            <a:r>
+              <a:rPr lang="en-IN" dirty="0" smtClean="0"/>
+              <a:t> raw </a:t>
+            </a:r>
+            <a:r>
+              <a:rPr lang="en-IN" dirty="0"/>
+              <a:t>dataset size</a:t>
+            </a:r>
+            <a:r>
+              <a:rPr lang="en-IN" b="1" dirty="0"/>
+              <a:t> 45 TB </a:t>
+            </a:r>
+            <a:r>
+              <a:rPr lang="en-IN" dirty="0"/>
+              <a:t>before </a:t>
+            </a:r>
+            <a:r>
+              <a:rPr lang="en-IN" dirty="0" smtClean="0"/>
+              <a:t>filtering and </a:t>
+            </a:r>
+            <a:r>
+              <a:rPr lang="en-IN" b="1" dirty="0" smtClean="0"/>
+              <a:t>1.7 - 1.8 </a:t>
+            </a:r>
+            <a:r>
+              <a:rPr lang="en-IN" b="1" dirty="0"/>
+              <a:t>trillion </a:t>
+            </a:r>
+            <a:r>
+              <a:rPr lang="en-IN" dirty="0" smtClean="0"/>
+              <a:t>parameters.</a:t>
+            </a:r>
+            <a:endParaRPr lang="en-IN" dirty="0"/>
+          </a:p>
+        </p:txBody>
+      </p:sp>
+      <p:sp>
+        <p:nvSpPr>
+          <p:cNvPr id="3" name="Footer Placeholder 2"/>
+          <p:cNvSpPr>
+            <a:spLocks noGrp="1"/>
+          </p:cNvSpPr>
+          <p:nvPr>
+            <p:ph type="ftr" sz="quarter" idx="11"/>
+          </p:nvPr>
+        </p:nvSpPr>
+        <p:spPr>
+          <a:xfrm>
+            <a:off x="9929611" y="6259133"/>
+            <a:ext cx="1791235" cy="365125"/>
+          </a:xfrm>
+        </p:spPr>
+        <p:txBody>
+          <a:bodyPr/>
+          <a:lstStyle/>
+          <a:p>
+            <a:r>
+              <a:rPr lang="en-IN" b="1" dirty="0" smtClean="0"/>
+              <a:t>MOHAN SUNDARAM</a:t>
+            </a:r>
+            <a:endParaRPr lang="en-IN" b="1" dirty="0"/>
           </a:p>
         </p:txBody>
       </p:sp>
     </p:spTree>
     <p:extLst>
       <p:ext uri="{BB962C8B-B14F-4D97-AF65-F5344CB8AC3E}">
-        <p14:creationId xmlns:p14="http://schemas.microsoft.com/office/powerpoint/2010/main" val="1150899153"/>
+        <p14:creationId xmlns:p14="http://schemas.microsoft.com/office/powerpoint/2010/main" val="1146204996"/>
       </p:ext>
     </p:extLst>
   </p:cSld>
@@ -5841,37 +6583,30 @@
       </p:grpSpPr>
       <p:sp>
         <p:nvSpPr>
-          <p:cNvPr id="2" name="Title 1"/>
-          <p:cNvSpPr>
-            <a:spLocks noGrp="1"/>
-          </p:cNvSpPr>
-          <p:nvPr>
-            <p:ph type="title"/>
-          </p:nvPr>
-        </p:nvSpPr>
-        <p:spPr>
-          <a:xfrm>
-            <a:off x="618387" y="120316"/>
-            <a:ext cx="3540617" cy="510638"/>
-          </a:xfrm>
-        </p:spPr>
-        <p:txBody>
-          <a:bodyPr>
-            <a:normAutofit/>
-          </a:bodyPr>
-          <a:lstStyle/>
-          <a:p>
-            <a:r>
-              <a:rPr lang="en-IN" sz="2000" b="1" dirty="0" smtClean="0"/>
-              <a:t>LLM = Large Language Model</a:t>
-            </a:r>
-            <a:endParaRPr lang="en-IN" sz="2000" b="1" dirty="0"/>
+          <p:cNvPr id="4" name="Footer Placeholder 3"/>
+          <p:cNvSpPr>
+            <a:spLocks noGrp="1"/>
+          </p:cNvSpPr>
+          <p:nvPr>
+            <p:ph type="ftr" sz="quarter" idx="11"/>
+          </p:nvPr>
+        </p:nvSpPr>
+        <p:spPr/>
+        <p:txBody>
+          <a:bodyPr/>
+          <a:lstStyle/>
+          <a:p>
+            <a:r>
+              <a:rPr lang="en-IN" smtClean="0"/>
+              <a:t>MOHAN SUNDARAM</a:t>
+            </a:r>
+            <a:endParaRPr lang="en-IN"/>
           </a:p>
         </p:txBody>
       </p:sp>
       <p:pic>
         <p:nvPicPr>
-          <p:cNvPr id="4" name="Picture 3"/>
+          <p:cNvPr id="5" name="Picture 4"/>
           <p:cNvPicPr>
             <a:picLocks noChangeAspect="1"/>
           </p:cNvPicPr>
@@ -5885,8 +6620,8 @@
         </p:blipFill>
         <p:spPr>
           <a:xfrm>
-            <a:off x="425563" y="2228046"/>
-            <a:ext cx="11455926" cy="4469352"/>
+            <a:off x="3825025" y="1252580"/>
+            <a:ext cx="7436922" cy="5103770"/>
           </a:xfrm>
           <a:prstGeom prst="rect">
             <a:avLst/>
@@ -5901,8 +6636,8 @@
         </p:nvSpPr>
         <p:spPr>
           <a:xfrm>
-            <a:off x="618387" y="764885"/>
-            <a:ext cx="11281692" cy="1200329"/>
+            <a:off x="427250" y="162910"/>
+            <a:ext cx="3397775" cy="2677656"/>
           </a:xfrm>
           <a:prstGeom prst="rect">
             <a:avLst/>
@@ -5914,59 +6649,60 @@
           </a:bodyPr>
           <a:lstStyle/>
           <a:p>
-            <a:pPr algn="just"/>
-            <a:r>
-              <a:rPr lang="en-IN" b="1" dirty="0" smtClean="0"/>
-              <a:t>LLM</a:t>
-            </a:r>
-            <a:r>
-              <a:rPr lang="en-IN" dirty="0" smtClean="0"/>
-              <a:t> stands for Large Language Model, a type of artificial intelligence trained on vast amounts of text data to understand, process, and generate human-like text. These models use </a:t>
-            </a:r>
-            <a:r>
-              <a:rPr lang="en-IN" b="1" dirty="0" smtClean="0"/>
-              <a:t>transformer</a:t>
-            </a:r>
-            <a:r>
-              <a:rPr lang="en-IN" dirty="0" smtClean="0"/>
-              <a:t> architectures to learn language patterns and context, enabling them to perform tasks like text generation, translation, summarization, question-answering, and content creation.</a:t>
-            </a:r>
-            <a:endParaRPr lang="en-IN" dirty="0"/>
-          </a:p>
-        </p:txBody>
-      </p:sp>
-      <p:sp>
-        <p:nvSpPr>
-          <p:cNvPr id="3" name="Footer Placeholder 2"/>
-          <p:cNvSpPr>
-            <a:spLocks noGrp="1"/>
-          </p:cNvSpPr>
-          <p:nvPr>
-            <p:ph type="ftr" sz="quarter" idx="11"/>
-          </p:nvPr>
-        </p:nvSpPr>
-        <p:spPr>
-          <a:xfrm>
-            <a:off x="9929611" y="6259133"/>
-            <a:ext cx="1791235" cy="365125"/>
-          </a:xfrm>
-        </p:spPr>
-        <p:txBody>
-          <a:bodyPr/>
-          <a:lstStyle/>
-          <a:p>
-            <a:r>
-              <a:rPr lang="en-IN" b="1" dirty="0" smtClean="0"/>
-              <a:t>MOHAN SUNDARAM</a:t>
-            </a:r>
-            <a:endParaRPr lang="en-IN" b="1" dirty="0"/>
+            <a:r>
+              <a:rPr lang="en-US" sz="3600" b="1" dirty="0"/>
+              <a:t>Ai System Types</a:t>
+            </a:r>
+            <a:r>
+              <a:rPr lang="en-US" sz="3600" b="1" dirty="0" smtClean="0"/>
+              <a:t>:</a:t>
+            </a:r>
+          </a:p>
+          <a:p>
+            <a:endParaRPr lang="en-US" sz="3600" b="1" dirty="0"/>
+          </a:p>
+          <a:p>
+            <a:pPr marL="342900" indent="-342900">
+              <a:buFont typeface="Arial" panose="020B0604020202020204" pitchFamily="34" charset="0"/>
+              <a:buChar char="•"/>
+            </a:pPr>
+            <a:r>
+              <a:rPr lang="it-IT" sz="3200" b="1" dirty="0"/>
+              <a:t>Generative AI</a:t>
+            </a:r>
+          </a:p>
+          <a:p>
+            <a:pPr marL="342900" indent="-342900">
+              <a:buFont typeface="Arial" panose="020B0604020202020204" pitchFamily="34" charset="0"/>
+              <a:buChar char="•"/>
+            </a:pPr>
+            <a:r>
+              <a:rPr lang="it-IT" sz="3200" b="1" dirty="0"/>
+              <a:t>AI </a:t>
+            </a:r>
+            <a:r>
+              <a:rPr lang="it-IT" sz="3200" b="1" dirty="0" smtClean="0"/>
+              <a:t>Agent</a:t>
+            </a:r>
+            <a:endParaRPr lang="it-IT" sz="3200" b="1" dirty="0"/>
+          </a:p>
+          <a:p>
+            <a:pPr marL="342900" indent="-342900">
+              <a:buFont typeface="Arial" panose="020B0604020202020204" pitchFamily="34" charset="0"/>
+              <a:buChar char="•"/>
+            </a:pPr>
+            <a:r>
+              <a:rPr lang="it-IT" sz="3200" b="1" dirty="0"/>
+              <a:t>Agentic AI</a:t>
+            </a:r>
+            <a:endParaRPr lang="en-US" sz="3200" b="1" dirty="0"/>
           </a:p>
         </p:txBody>
       </p:sp>
     </p:spTree>
     <p:extLst>
       <p:ext uri="{BB962C8B-B14F-4D97-AF65-F5344CB8AC3E}">
-        <p14:creationId xmlns:p14="http://schemas.microsoft.com/office/powerpoint/2010/main" val="1146204996"/>
+        <p14:creationId xmlns:p14="http://schemas.microsoft.com/office/powerpoint/2010/main" val="1150899153"/>
       </p:ext>
     </p:extLst>
   </p:cSld>
@@ -6356,54 +7092,6 @@
           </a:prstGeom>
         </p:spPr>
       </p:pic>
-      <p:pic>
-        <p:nvPicPr>
-          <p:cNvPr id="9" name="Picture 8"/>
-          <p:cNvPicPr>
-            <a:picLocks noChangeAspect="1"/>
-          </p:cNvPicPr>
-          <p:nvPr/>
-        </p:nvPicPr>
-        <p:blipFill>
-          <a:blip r:embed="rId3"/>
-          <a:stretch>
-            <a:fillRect/>
-          </a:stretch>
-        </p:blipFill>
-        <p:spPr>
-          <a:xfrm>
-            <a:off x="2498337" y="4638247"/>
-            <a:ext cx="3825190" cy="2051693"/>
-          </a:xfrm>
-          <a:prstGeom prst="rect">
-            <a:avLst/>
-          </a:prstGeom>
-        </p:spPr>
-      </p:pic>
-      <p:pic>
-        <p:nvPicPr>
-          <p:cNvPr id="10" name="Picture 9"/>
-          <p:cNvPicPr>
-            <a:picLocks noChangeAspect="1"/>
-          </p:cNvPicPr>
-          <p:nvPr/>
-        </p:nvPicPr>
-        <p:blipFill>
-          <a:blip r:embed="rId4"/>
-          <a:stretch>
-            <a:fillRect/>
-          </a:stretch>
-        </p:blipFill>
-        <p:spPr>
-          <a:xfrm>
-            <a:off x="450760" y="3580498"/>
-            <a:ext cx="4764856" cy="1006782"/>
-          </a:xfrm>
-          <a:prstGeom prst="rect">
-            <a:avLst/>
-          </a:prstGeom>
-        </p:spPr>
-      </p:pic>
       <p:sp>
         <p:nvSpPr>
           <p:cNvPr id="2" name="Footer Placeholder 1"/>
@@ -6513,10 +7201,18 @@
           <a:p>
             <a:pPr algn="ctr"/>
             <a:r>
-              <a:rPr lang="en-US" sz="4000" b="1" dirty="0" smtClean="0"/>
+              <a:rPr lang="en-US" sz="4000" b="1" dirty="0" smtClean="0">
+                <a:solidFill>
+                  <a:srgbClr val="FF0000"/>
+                </a:solidFill>
+              </a:rPr>
               <a:t>2</a:t>
             </a:r>
-            <a:endParaRPr lang="en-IN" sz="4000" b="1" dirty="0"/>
+            <a:endParaRPr lang="en-IN" sz="4000" b="1" dirty="0">
+              <a:solidFill>
+                <a:srgbClr val="FF0000"/>
+              </a:solidFill>
+            </a:endParaRPr>
           </a:p>
         </p:txBody>
       </p:sp>
@@ -6564,15 +7260,39 @@
           </a:p>
         </p:txBody>
       </p:sp>
-      <p:sp>
-        <p:nvSpPr>
-          <p:cNvPr id="12" name="Oval 11"/>
+      <p:pic>
+        <p:nvPicPr>
+          <p:cNvPr id="4" name="Picture 3"/>
+          <p:cNvPicPr>
+            <a:picLocks noChangeAspect="1"/>
+          </p:cNvPicPr>
+          <p:nvPr/>
+        </p:nvPicPr>
+        <p:blipFill>
+          <a:blip r:embed="rId3"/>
+          <a:stretch>
+            <a:fillRect/>
+          </a:stretch>
+        </p:blipFill>
+        <p:spPr>
+          <a:xfrm>
+            <a:off x="28359" y="3607663"/>
+            <a:ext cx="4382573" cy="1657047"/>
+          </a:xfrm>
+          <a:prstGeom prst="rect">
+            <a:avLst/>
+          </a:prstGeom>
+        </p:spPr>
+      </p:pic>
+      <p:sp>
+        <p:nvSpPr>
+          <p:cNvPr id="14" name="Oval 13"/>
           <p:cNvSpPr/>
           <p:nvPr/>
         </p:nvSpPr>
         <p:spPr>
           <a:xfrm>
-            <a:off x="1775139" y="3600485"/>
+            <a:off x="11169245" y="6182077"/>
             <a:ext cx="521512" cy="398713"/>
           </a:xfrm>
           <a:prstGeom prst="ellipse">
@@ -6601,22 +7321,46 @@
           <a:p>
             <a:pPr algn="ctr"/>
             <a:r>
-              <a:rPr lang="en-US" sz="4000" b="1" dirty="0" smtClean="0"/>
-              <a:t>1</a:t>
+              <a:rPr lang="en-US" sz="4000" b="1" dirty="0"/>
+              <a:t>3</a:t>
             </a:r>
             <a:endParaRPr lang="en-IN" sz="4000" b="1" dirty="0"/>
           </a:p>
         </p:txBody>
       </p:sp>
-      <p:sp>
-        <p:nvSpPr>
-          <p:cNvPr id="13" name="Oval 12"/>
+      <p:pic>
+        <p:nvPicPr>
+          <p:cNvPr id="9" name="Picture 8"/>
+          <p:cNvPicPr>
+            <a:picLocks noChangeAspect="1"/>
+          </p:cNvPicPr>
+          <p:nvPr/>
+        </p:nvPicPr>
+        <p:blipFill>
+          <a:blip r:embed="rId4"/>
+          <a:stretch>
+            <a:fillRect/>
+          </a:stretch>
+        </p:blipFill>
+        <p:spPr>
+          <a:xfrm>
+            <a:off x="2633306" y="4645992"/>
+            <a:ext cx="3825190" cy="2051693"/>
+          </a:xfrm>
+          <a:prstGeom prst="rect">
+            <a:avLst/>
+          </a:prstGeom>
+        </p:spPr>
+      </p:pic>
+      <p:sp>
+        <p:nvSpPr>
+          <p:cNvPr id="15" name="Oval 14"/>
           <p:cNvSpPr/>
           <p:nvPr/>
         </p:nvSpPr>
         <p:spPr>
           <a:xfrm>
-            <a:off x="4017054" y="6156993"/>
+            <a:off x="1082909" y="4407146"/>
             <a:ext cx="521512" cy="398713"/>
           </a:xfrm>
           <a:prstGeom prst="ellipse">
@@ -6646,7 +7390,7 @@
             <a:pPr algn="ctr"/>
             <a:r>
               <a:rPr lang="en-US" sz="4000" b="1" dirty="0" smtClean="0"/>
-              <a:t>2</a:t>
+              <a:t>1</a:t>
             </a:r>
             <a:endParaRPr lang="en-IN" sz="4000" b="1" dirty="0"/>
           </a:p>
@@ -6654,13 +7398,13 @@
       </p:sp>
       <p:sp>
         <p:nvSpPr>
-          <p:cNvPr id="14" name="Oval 13"/>
+          <p:cNvPr id="16" name="Oval 15"/>
           <p:cNvSpPr/>
           <p:nvPr/>
         </p:nvSpPr>
         <p:spPr>
           <a:xfrm>
-            <a:off x="11169245" y="6182077"/>
+            <a:off x="4156698" y="6194305"/>
             <a:ext cx="521512" cy="398713"/>
           </a:xfrm>
           <a:prstGeom prst="ellipse">
@@ -6689,10 +7433,18 @@
           <a:p>
             <a:pPr algn="ctr"/>
             <a:r>
-              <a:rPr lang="en-US" sz="4000" b="1" dirty="0"/>
-              <a:t>3</a:t>
-            </a:r>
-            <a:endParaRPr lang="en-IN" sz="4000" b="1" dirty="0"/>
+              <a:rPr lang="en-US" sz="4000" b="1" dirty="0" smtClean="0">
+                <a:solidFill>
+                  <a:srgbClr val="FF0000"/>
+                </a:solidFill>
+              </a:rPr>
+              <a:t>2</a:t>
+            </a:r>
+            <a:endParaRPr lang="en-IN" sz="4000" b="1" dirty="0">
+              <a:solidFill>
+                <a:srgbClr val="FF0000"/>
+              </a:solidFill>
+            </a:endParaRPr>
           </a:p>
         </p:txBody>
       </p:sp>
@@ -6799,8 +7551,8 @@
               <a:buChar char="•"/>
             </a:pPr>
             <a:r>
-              <a:rPr lang="en-US" sz="2000" dirty="0" smtClean="0"/>
-              <a:t>RAG Powerful Knowledge base retrieval.</a:t>
+              <a:rPr lang="en-US" sz="2000" b="1" dirty="0" smtClean="0"/>
+              <a:t>RAG Powerful Knowledge/Documentation base retrieval.</a:t>
             </a:r>
           </a:p>
           <a:p>
@@ -6809,7 +7561,7 @@
               <a:buChar char="•"/>
             </a:pPr>
             <a:r>
-              <a:rPr lang="en-US" sz="2000" dirty="0" smtClean="0"/>
+              <a:rPr lang="en-US" sz="2000" b="1" dirty="0" smtClean="0"/>
               <a:t>RAG input text and get the output improved text output</a:t>
             </a:r>
             <a:r>
@@ -6966,7 +7718,7 @@
         </p:nvSpPr>
         <p:spPr>
           <a:xfrm>
-            <a:off x="3665113" y="6214682"/>
+            <a:off x="8077200" y="6364342"/>
             <a:ext cx="4114800" cy="365125"/>
           </a:xfrm>
         </p:spPr>
@@ -6975,16 +7727,16 @@
           <a:lstStyle/>
           <a:p>
             <a:r>
-              <a:rPr lang="en-IN" dirty="0" smtClean="0"/>
+              <a:rPr lang="en-IN" b="1" dirty="0" smtClean="0"/>
               <a:t>MOHAN SUNDARAM</a:t>
             </a:r>
-            <a:endParaRPr lang="en-IN" dirty="0"/>
+            <a:endParaRPr lang="en-IN" b="1" dirty="0"/>
           </a:p>
         </p:txBody>
       </p:sp>
       <p:pic>
         <p:nvPicPr>
-          <p:cNvPr id="5" name="Picture 4"/>
+          <p:cNvPr id="2" name="Picture 1"/>
           <p:cNvPicPr>
             <a:picLocks noChangeAspect="1"/>
           </p:cNvPicPr>
@@ -6998,47 +7750,74 @@
         </p:blipFill>
         <p:spPr>
           <a:xfrm>
-            <a:off x="277620" y="1624572"/>
-            <a:ext cx="11765319" cy="4067890"/>
+            <a:off x="718935" y="377553"/>
+            <a:ext cx="10163713" cy="6087059"/>
           </a:xfrm>
           <a:prstGeom prst="rect">
             <a:avLst/>
           </a:prstGeom>
         </p:spPr>
       </p:pic>
-      <p:sp>
-        <p:nvSpPr>
-          <p:cNvPr id="6" name="Rectangle 5"/>
-          <p:cNvSpPr/>
+      <p:pic>
+        <p:nvPicPr>
+          <p:cNvPr id="8" name="Picture 7"/>
+          <p:cNvPicPr>
+            <a:picLocks noChangeAspect="1"/>
+          </p:cNvPicPr>
           <p:nvPr/>
-        </p:nvSpPr>
-        <p:spPr>
-          <a:xfrm>
-            <a:off x="386866" y="699074"/>
-            <a:ext cx="2896049" cy="523220"/>
+        </p:nvPicPr>
+        <p:blipFill>
+          <a:blip r:embed="rId3" cstate="print">
+            <a:extLst>
+              <a:ext uri="{28A0092B-C50C-407E-A947-70E740481C1C}">
+                <a14:useLocalDpi xmlns:a14="http://schemas.microsoft.com/office/drawing/2010/main" val="0"/>
+              </a:ext>
+            </a:extLst>
+          </a:blip>
+          <a:stretch>
+            <a:fillRect/>
+          </a:stretch>
+        </p:blipFill>
+        <p:spPr>
+          <a:xfrm>
+            <a:off x="1276081" y="2099258"/>
+            <a:ext cx="1063920" cy="1063920"/>
           </a:xfrm>
           <a:prstGeom prst="rect">
             <a:avLst/>
           </a:prstGeom>
         </p:spPr>
-        <p:txBody>
-          <a:bodyPr wrap="none">
-            <a:spAutoFit/>
-          </a:bodyPr>
-          <a:lstStyle/>
-          <a:p>
-            <a:r>
-              <a:rPr lang="en-IN" sz="2800" b="1" dirty="0"/>
-              <a:t>RAG </a:t>
-            </a:r>
-            <a:r>
-              <a:rPr lang="en-US" sz="2800" b="1" dirty="0" smtClean="0"/>
-              <a:t>Framework:- </a:t>
-            </a:r>
-            <a:endParaRPr lang="en-IN" sz="2800" dirty="0"/>
-          </a:p>
-        </p:txBody>
-      </p:sp>
+      </p:pic>
+      <p:pic>
+        <p:nvPicPr>
+          <p:cNvPr id="9" name="Picture 8"/>
+          <p:cNvPicPr>
+            <a:picLocks noChangeAspect="1"/>
+          </p:cNvPicPr>
+          <p:nvPr/>
+        </p:nvPicPr>
+        <p:blipFill>
+          <a:blip r:embed="rId3" cstate="print">
+            <a:extLst>
+              <a:ext uri="{28A0092B-C50C-407E-A947-70E740481C1C}">
+                <a14:useLocalDpi xmlns:a14="http://schemas.microsoft.com/office/drawing/2010/main" val="0"/>
+              </a:ext>
+            </a:extLst>
+          </a:blip>
+          <a:stretch>
+            <a:fillRect/>
+          </a:stretch>
+        </p:blipFill>
+        <p:spPr>
+          <a:xfrm>
+            <a:off x="6373969" y="5300422"/>
+            <a:ext cx="1063920" cy="1063920"/>
+          </a:xfrm>
+          <a:prstGeom prst="rect">
+            <a:avLst/>
+          </a:prstGeom>
+        </p:spPr>
+      </p:pic>
     </p:spTree>
     <p:extLst>
       <p:ext uri="{BB962C8B-B14F-4D97-AF65-F5344CB8AC3E}">
@@ -7114,8 +7893,8 @@
         </p:nvSpPr>
         <p:spPr>
           <a:xfrm>
-            <a:off x="740534" y="695460"/>
-            <a:ext cx="10710931" cy="2215991"/>
+            <a:off x="740534" y="564250"/>
+            <a:ext cx="10710931" cy="1938992"/>
           </a:xfrm>
           <a:prstGeom prst="rect">
             <a:avLst/>
@@ -7140,7 +7919,7 @@
               <a:t>API, application,databases..</a:t>
             </a:r>
             <a:r>
-              <a:rPr lang="en-US" sz="2000" dirty="0"/>
+              <a:rPr lang="en-US" sz="2000" dirty="0" err="1"/>
               <a:t>etc</a:t>
             </a:r>
             <a:r>
@@ -7162,7 +7941,15 @@
             </a:pPr>
             <a:r>
               <a:rPr lang="en-US" sz="2000" dirty="0" smtClean="0"/>
-              <a:t>MCP input text and get the output improved text and action output.</a:t>
+              <a:t>MCP input text and get the output improved text and </a:t>
+            </a:r>
+            <a:r>
+              <a:rPr lang="en-US" sz="2000" b="1" dirty="0" smtClean="0"/>
+              <a:t>action</a:t>
+            </a:r>
+            <a:r>
+              <a:rPr lang="en-US" sz="2000" dirty="0" smtClean="0"/>
+              <a:t> output.</a:t>
             </a:r>
           </a:p>
           <a:p>
@@ -7178,13 +7965,10 @@
               <a:buChar char="•"/>
             </a:pPr>
             <a:r>
-              <a:rPr lang="en-US" sz="2000" dirty="0" smtClean="0"/>
+              <a:rPr lang="en-US" sz="2000" b="1" dirty="0" smtClean="0"/>
               <a:t>RAG and MCP combined integration tools more powerful.</a:t>
             </a:r>
-            <a:endParaRPr lang="en-IN" sz="2000" dirty="0" smtClean="0"/>
-          </a:p>
-          <a:p>
-            <a:endParaRPr lang="en-US" dirty="0"/>
+            <a:endParaRPr lang="en-US" b="1" dirty="0"/>
           </a:p>
         </p:txBody>
       </p:sp>

--- a/Artificial Intelligence.pptx
+++ b/Artificial Intelligence.pptx
@@ -5,7 +5,7 @@
     <p:sldMasterId id="2147483648" r:id="rId1"/>
   </p:sldMasterIdLst>
   <p:notesMasterIdLst>
-    <p:notesMasterId r:id="rId18"/>
+    <p:notesMasterId r:id="rId21"/>
   </p:notesMasterIdLst>
   <p:sldIdLst>
     <p:sldId id="269" r:id="rId2"/>
@@ -18,12 +18,15 @@
     <p:sldId id="259" r:id="rId9"/>
     <p:sldId id="267" r:id="rId10"/>
     <p:sldId id="268" r:id="rId11"/>
-    <p:sldId id="270" r:id="rId12"/>
-    <p:sldId id="271" r:id="rId13"/>
-    <p:sldId id="273" r:id="rId14"/>
-    <p:sldId id="274" r:id="rId15"/>
-    <p:sldId id="262" r:id="rId16"/>
-    <p:sldId id="272" r:id="rId17"/>
+    <p:sldId id="275" r:id="rId12"/>
+    <p:sldId id="276" r:id="rId13"/>
+    <p:sldId id="277" r:id="rId14"/>
+    <p:sldId id="270" r:id="rId15"/>
+    <p:sldId id="271" r:id="rId16"/>
+    <p:sldId id="273" r:id="rId17"/>
+    <p:sldId id="274" r:id="rId18"/>
+    <p:sldId id="262" r:id="rId19"/>
+    <p:sldId id="272" r:id="rId20"/>
   </p:sldIdLst>
   <p:sldSz cx="12192000" cy="6858000"/>
   <p:notesSz cx="7104063" cy="10234613"/>
@@ -212,7 +215,7 @@
           <a:p>
             <a:fld id="{7CAC5B4D-D46A-47A1-BA45-86DCA06F1CFF}" type="datetimeFigureOut">
               <a:rPr lang="en-IN" smtClean="0"/>
-              <a:t>18-11-2025</a:t>
+              <a:t>19-11-2025</a:t>
             </a:fld>
             <a:endParaRPr lang="en-IN"/>
           </a:p>
@@ -779,7 +782,7 @@
           <a:p>
             <a:fld id="{07E1A95E-4C0E-47C3-99BA-4CA280822285}" type="datetime1">
               <a:rPr lang="en-IN" smtClean="0"/>
-              <a:t>18-11-2025</a:t>
+              <a:t>19-11-2025</a:t>
             </a:fld>
             <a:endParaRPr lang="en-IN"/>
           </a:p>
@@ -953,7 +956,7 @@
           <a:p>
             <a:fld id="{32F4BC1E-7EA4-4308-9013-A358519E8BD2}" type="datetime1">
               <a:rPr lang="en-IN" smtClean="0"/>
-              <a:t>18-11-2025</a:t>
+              <a:t>19-11-2025</a:t>
             </a:fld>
             <a:endParaRPr lang="en-IN"/>
           </a:p>
@@ -1137,7 +1140,7 @@
           <a:p>
             <a:fld id="{6339D21A-723A-45B5-A6B6-78A78CE57540}" type="datetime1">
               <a:rPr lang="en-IN" smtClean="0"/>
-              <a:t>18-11-2025</a:t>
+              <a:t>19-11-2025</a:t>
             </a:fld>
             <a:endParaRPr lang="en-IN"/>
           </a:p>
@@ -1311,7 +1314,7 @@
           <a:p>
             <a:fld id="{88CC28E5-488F-490F-92C5-2205B56F743F}" type="datetime1">
               <a:rPr lang="en-IN" smtClean="0"/>
-              <a:t>18-11-2025</a:t>
+              <a:t>19-11-2025</a:t>
             </a:fld>
             <a:endParaRPr lang="en-IN"/>
           </a:p>
@@ -1561,7 +1564,7 @@
           <a:p>
             <a:fld id="{18FCF267-1B02-4817-9A65-5E382C0CA52E}" type="datetime1">
               <a:rPr lang="en-IN" smtClean="0"/>
-              <a:t>18-11-2025</a:t>
+              <a:t>19-11-2025</a:t>
             </a:fld>
             <a:endParaRPr lang="en-IN"/>
           </a:p>
@@ -1797,7 +1800,7 @@
           <a:p>
             <a:fld id="{7542334F-054E-44BC-9297-4325A99C352D}" type="datetime1">
               <a:rPr lang="en-IN" smtClean="0"/>
-              <a:t>18-11-2025</a:t>
+              <a:t>19-11-2025</a:t>
             </a:fld>
             <a:endParaRPr lang="en-IN"/>
           </a:p>
@@ -2168,7 +2171,7 @@
           <a:p>
             <a:fld id="{85F4679C-8653-4994-9C00-354861EF59DB}" type="datetime1">
               <a:rPr lang="en-IN" smtClean="0"/>
-              <a:t>18-11-2025</a:t>
+              <a:t>19-11-2025</a:t>
             </a:fld>
             <a:endParaRPr lang="en-IN"/>
           </a:p>
@@ -2290,7 +2293,7 @@
           <a:p>
             <a:fld id="{F7E0C4BB-31C2-4257-B5C2-9EABF3317294}" type="datetime1">
               <a:rPr lang="en-IN" smtClean="0"/>
-              <a:t>18-11-2025</a:t>
+              <a:t>19-11-2025</a:t>
             </a:fld>
             <a:endParaRPr lang="en-IN"/>
           </a:p>
@@ -2389,7 +2392,7 @@
           <a:p>
             <a:fld id="{CBD46222-1245-48E1-AA51-5ABA1BFC0F44}" type="datetime1">
               <a:rPr lang="en-IN" smtClean="0"/>
-              <a:t>18-11-2025</a:t>
+              <a:t>19-11-2025</a:t>
             </a:fld>
             <a:endParaRPr lang="en-IN"/>
           </a:p>
@@ -2670,7 +2673,7 @@
           <a:p>
             <a:fld id="{06C4C3BA-99EE-4821-8D0A-E1D319BDFECC}" type="datetime1">
               <a:rPr lang="en-IN" smtClean="0"/>
-              <a:t>18-11-2025</a:t>
+              <a:t>19-11-2025</a:t>
             </a:fld>
             <a:endParaRPr lang="en-IN"/>
           </a:p>
@@ -2927,7 +2930,7 @@
           <a:p>
             <a:fld id="{F76C996A-B179-4052-B159-145F03CD1C19}" type="datetime1">
               <a:rPr lang="en-IN" smtClean="0"/>
-              <a:t>18-11-2025</a:t>
+              <a:t>19-11-2025</a:t>
             </a:fld>
             <a:endParaRPr lang="en-IN"/>
           </a:p>
@@ -3144,7 +3147,7 @@
           <a:p>
             <a:fld id="{0DC6AE37-3E25-445F-9A60-35C9D0284302}" type="datetime1">
               <a:rPr lang="en-IN" smtClean="0"/>
-              <a:t>18-11-2025</a:t>
+              <a:t>19-11-2025</a:t>
             </a:fld>
             <a:endParaRPr lang="en-IN"/>
           </a:p>
@@ -4081,6 +4084,51 @@
       </p:grpSpPr>
       <p:sp>
         <p:nvSpPr>
+          <p:cNvPr id="2" name="Title 1"/>
+          <p:cNvSpPr>
+            <a:spLocks noGrp="1"/>
+          </p:cNvSpPr>
+          <p:nvPr>
+            <p:ph type="title"/>
+          </p:nvPr>
+        </p:nvSpPr>
+        <p:spPr>
+          <a:xfrm>
+            <a:off x="232893" y="120428"/>
+            <a:ext cx="3218645" cy="388936"/>
+          </a:xfrm>
+          <a:solidFill>
+            <a:schemeClr val="accent1">
+              <a:lumMod val="40000"/>
+              <a:lumOff val="60000"/>
+            </a:schemeClr>
+          </a:solidFill>
+          <a:ln>
+            <a:solidFill>
+              <a:schemeClr val="tx1"/>
+            </a:solidFill>
+          </a:ln>
+        </p:spPr>
+        <p:txBody>
+          <a:bodyPr>
+            <a:normAutofit fontScale="90000"/>
+          </a:bodyPr>
+          <a:lstStyle/>
+          <a:p>
+            <a:r>
+              <a:rPr lang="en-IN" sz="2800" b="1" dirty="0"/>
+              <a:t>AI Prompt Engineering</a:t>
+            </a:r>
+            <a:r>
+              <a:rPr lang="en-IN" sz="2800" b="1" dirty="0" smtClean="0"/>
+              <a:t>:</a:t>
+            </a:r>
+            <a:endParaRPr lang="en-IN" sz="2800" dirty="0"/>
+          </a:p>
+        </p:txBody>
+      </p:sp>
+      <p:sp>
+        <p:nvSpPr>
           <p:cNvPr id="4" name="Footer Placeholder 3"/>
           <p:cNvSpPr>
             <a:spLocks noGrp="1"/>
@@ -4089,77 +4137,19 @@
             <p:ph type="ftr" sz="quarter" idx="11"/>
           </p:nvPr>
         </p:nvSpPr>
-        <p:spPr/>
+        <p:spPr>
+          <a:xfrm>
+            <a:off x="1585260" y="6542923"/>
+            <a:ext cx="4114800" cy="365125"/>
+          </a:xfrm>
+        </p:spPr>
         <p:txBody>
           <a:bodyPr/>
           <a:lstStyle/>
           <a:p>
             <a:r>
-              <a:rPr lang="en-IN" smtClean="0"/>
+              <a:rPr lang="en-IN" dirty="0" smtClean="0"/>
               <a:t>MOHAN SUNDARAM</a:t>
-            </a:r>
-            <a:endParaRPr lang="en-IN"/>
-          </a:p>
-        </p:txBody>
-      </p:sp>
-      <p:sp>
-        <p:nvSpPr>
-          <p:cNvPr id="6" name="TextBox 5"/>
-          <p:cNvSpPr txBox="1"/>
-          <p:nvPr/>
-        </p:nvSpPr>
-        <p:spPr>
-          <a:xfrm>
-            <a:off x="565397" y="180304"/>
-            <a:ext cx="11089984" cy="1292662"/>
-          </a:xfrm>
-          <a:prstGeom prst="rect">
-            <a:avLst/>
-          </a:prstGeom>
-          <a:noFill/>
-        </p:spPr>
-        <p:txBody>
-          <a:bodyPr wrap="square" rtlCol="0">
-            <a:spAutoFit/>
-          </a:bodyPr>
-          <a:lstStyle/>
-          <a:p>
-            <a:r>
-              <a:rPr lang="en-IN" sz="2400" b="1" dirty="0">
-                <a:solidFill>
-                  <a:srgbClr val="0000FF"/>
-                </a:solidFill>
-              </a:rPr>
-              <a:t>AI </a:t>
-            </a:r>
-            <a:r>
-              <a:rPr lang="en-IN" sz="2400" b="1" dirty="0" smtClean="0">
-                <a:solidFill>
-                  <a:srgbClr val="0000FF"/>
-                </a:solidFill>
-              </a:rPr>
-              <a:t>Prompt Engineering:</a:t>
-            </a:r>
-          </a:p>
-          <a:p>
-            <a:endParaRPr lang="en-US" dirty="0"/>
-          </a:p>
-          <a:p>
-            <a:r>
-              <a:rPr lang="en-US" b="1" dirty="0" smtClean="0">
-                <a:solidFill>
-                  <a:schemeClr val="accent2"/>
-                </a:solidFill>
-              </a:rPr>
-              <a:t>Example</a:t>
-            </a:r>
-            <a:r>
-              <a:rPr lang="en-US" dirty="0" smtClean="0"/>
-              <a:t>: Create </a:t>
-            </a:r>
-            <a:r>
-              <a:rPr lang="en-US" dirty="0"/>
-              <a:t>a friends-themed snake game with background music, obstacles, power-ups, and speed boosts. Make it ready to deploy PWA (Manifest, Service worker, icons) and give me a zip with all the assets included.</a:t>
             </a:r>
             <a:endParaRPr lang="en-IN" dirty="0"/>
           </a:p>
@@ -4167,7 +4157,7 @@
       </p:sp>
       <p:pic>
         <p:nvPicPr>
-          <p:cNvPr id="7" name="Picture 6"/>
+          <p:cNvPr id="5" name="Picture 4"/>
           <p:cNvPicPr>
             <a:picLocks noChangeAspect="1"/>
           </p:cNvPicPr>
@@ -4181,17 +4171,337 @@
         </p:blipFill>
         <p:spPr>
           <a:xfrm>
-            <a:off x="1563508" y="1378306"/>
-            <a:ext cx="8124825" cy="2419350"/>
+            <a:off x="0" y="1174265"/>
+            <a:ext cx="6080917" cy="3082204"/>
           </a:xfrm>
           <a:prstGeom prst="rect">
             <a:avLst/>
           </a:prstGeom>
         </p:spPr>
       </p:pic>
+      <p:sp>
+        <p:nvSpPr>
+          <p:cNvPr id="6" name="TextBox 5"/>
+          <p:cNvSpPr txBox="1"/>
+          <p:nvPr/>
+        </p:nvSpPr>
+        <p:spPr>
+          <a:xfrm>
+            <a:off x="1700012" y="1100501"/>
+            <a:ext cx="1942648" cy="369332"/>
+          </a:xfrm>
+          <a:prstGeom prst="rect">
+            <a:avLst/>
+          </a:prstGeom>
+          <a:solidFill>
+            <a:srgbClr val="FFC000"/>
+          </a:solidFill>
+        </p:spPr>
+        <p:txBody>
+          <a:bodyPr wrap="none" rtlCol="0">
+            <a:spAutoFit/>
+          </a:bodyPr>
+          <a:lstStyle/>
+          <a:p>
+            <a:r>
+              <a:rPr lang="en-US" b="1" dirty="0" smtClean="0"/>
+              <a:t>Simple Prompting </a:t>
+            </a:r>
+            <a:endParaRPr lang="en-IN" b="1" dirty="0"/>
+          </a:p>
+        </p:txBody>
+      </p:sp>
+      <p:sp>
+        <p:nvSpPr>
+          <p:cNvPr id="9" name="TextBox 8"/>
+          <p:cNvSpPr txBox="1"/>
+          <p:nvPr/>
+        </p:nvSpPr>
+        <p:spPr>
+          <a:xfrm>
+            <a:off x="1854558" y="4434694"/>
+            <a:ext cx="2214324" cy="369332"/>
+          </a:xfrm>
+          <a:prstGeom prst="rect">
+            <a:avLst/>
+          </a:prstGeom>
+          <a:solidFill>
+            <a:srgbClr val="92D050"/>
+          </a:solidFill>
+        </p:spPr>
+        <p:txBody>
+          <a:bodyPr wrap="none" rtlCol="0">
+            <a:spAutoFit/>
+          </a:bodyPr>
+          <a:lstStyle/>
+          <a:p>
+            <a:r>
+              <a:rPr lang="en-US" b="1" dirty="0" smtClean="0"/>
+              <a:t>Improved Prompting </a:t>
+            </a:r>
+            <a:endParaRPr lang="en-IN" b="1" dirty="0"/>
+          </a:p>
+        </p:txBody>
+      </p:sp>
+      <p:sp>
+        <p:nvSpPr>
+          <p:cNvPr id="10" name="TextBox 9"/>
+          <p:cNvSpPr txBox="1"/>
+          <p:nvPr/>
+        </p:nvSpPr>
+        <p:spPr>
+          <a:xfrm>
+            <a:off x="232893" y="4908488"/>
+            <a:ext cx="2305318" cy="1569660"/>
+          </a:xfrm>
+          <a:prstGeom prst="rect">
+            <a:avLst/>
+          </a:prstGeom>
+          <a:noFill/>
+        </p:spPr>
+        <p:txBody>
+          <a:bodyPr wrap="square" rtlCol="0">
+            <a:spAutoFit/>
+          </a:bodyPr>
+          <a:lstStyle/>
+          <a:p>
+            <a:pPr marL="342900" indent="-342900">
+              <a:buFont typeface="Arial" panose="020B0604020202020204" pitchFamily="34" charset="0"/>
+              <a:buChar char="•"/>
+            </a:pPr>
+            <a:r>
+              <a:rPr lang="en-US" sz="2400" b="1" dirty="0" smtClean="0"/>
+              <a:t>Instructions</a:t>
+            </a:r>
+          </a:p>
+          <a:p>
+            <a:pPr marL="342900" indent="-342900">
+              <a:buFont typeface="Arial" panose="020B0604020202020204" pitchFamily="34" charset="0"/>
+              <a:buChar char="•"/>
+            </a:pPr>
+            <a:r>
+              <a:rPr lang="en-US" sz="2400" b="1" dirty="0" smtClean="0"/>
+              <a:t>Input</a:t>
+            </a:r>
+          </a:p>
+          <a:p>
+            <a:pPr marL="342900" indent="-342900">
+              <a:buFont typeface="Arial" panose="020B0604020202020204" pitchFamily="34" charset="0"/>
+              <a:buChar char="•"/>
+            </a:pPr>
+            <a:r>
+              <a:rPr lang="en-US" sz="2400" b="1" dirty="0" smtClean="0"/>
+              <a:t>Context</a:t>
+            </a:r>
+          </a:p>
+          <a:p>
+            <a:pPr marL="342900" indent="-342900">
+              <a:buFont typeface="Arial" panose="020B0604020202020204" pitchFamily="34" charset="0"/>
+              <a:buChar char="•"/>
+            </a:pPr>
+            <a:r>
+              <a:rPr lang="en-US" sz="2400" b="1" dirty="0" smtClean="0"/>
+              <a:t>Output </a:t>
+            </a:r>
+            <a:endParaRPr lang="en-IN" sz="2400" b="1" dirty="0"/>
+          </a:p>
+        </p:txBody>
+      </p:sp>
+      <p:graphicFrame>
+        <p:nvGraphicFramePr>
+          <p:cNvPr id="12" name="Table 11"/>
+          <p:cNvGraphicFramePr>
+            <a:graphicFrameLocks noGrp="1"/>
+          </p:cNvGraphicFramePr>
+          <p:nvPr>
+            <p:extLst>
+              <p:ext uri="{D42A27DB-BD31-4B8C-83A1-F6EECF244321}">
+                <p14:modId xmlns:p14="http://schemas.microsoft.com/office/powerpoint/2010/main" val="765215534"/>
+              </p:ext>
+            </p:extLst>
+          </p:nvPr>
+        </p:nvGraphicFramePr>
+        <p:xfrm>
+          <a:off x="5633179" y="26396"/>
+          <a:ext cx="6279779" cy="670560"/>
+        </p:xfrm>
+        <a:graphic>
+          <a:graphicData uri="http://schemas.openxmlformats.org/drawingml/2006/table">
+            <a:tbl>
+              <a:tblPr firstRow="1" bandRow="1">
+                <a:tableStyleId>{5C22544A-7EE6-4342-B048-85BDC9FD1C3A}</a:tableStyleId>
+              </a:tblPr>
+              <a:tblGrid>
+                <a:gridCol w="1788143"/>
+                <a:gridCol w="911810"/>
+                <a:gridCol w="1711204"/>
+                <a:gridCol w="1868622"/>
+              </a:tblGrid>
+              <a:tr h="290106">
+                <a:tc>
+                  <a:txBody>
+                    <a:bodyPr/>
+                    <a:lstStyle/>
+                    <a:p>
+                      <a:pPr algn="ctr"/>
+                      <a:r>
+                        <a:rPr lang="en-IN" sz="1600" dirty="0" smtClean="0"/>
+                        <a:t>Explain </a:t>
+                      </a:r>
+                      <a:endParaRPr lang="en-IN" sz="1600" dirty="0"/>
+                    </a:p>
+                  </a:txBody>
+                  <a:tcPr/>
+                </a:tc>
+                <a:tc>
+                  <a:txBody>
+                    <a:bodyPr/>
+                    <a:lstStyle/>
+                    <a:p>
+                      <a:pPr algn="ctr"/>
+                      <a:r>
+                        <a:rPr lang="en-IN" sz="1600" dirty="0" smtClean="0"/>
+                        <a:t>API</a:t>
+                      </a:r>
+                      <a:endParaRPr lang="en-IN" sz="1600" dirty="0"/>
+                    </a:p>
+                  </a:txBody>
+                  <a:tcPr/>
+                </a:tc>
+                <a:tc>
+                  <a:txBody>
+                    <a:bodyPr/>
+                    <a:lstStyle/>
+                    <a:p>
+                      <a:pPr algn="ctr"/>
+                      <a:r>
+                        <a:rPr lang="en-IN" sz="1600" dirty="0" smtClean="0"/>
+                        <a:t>FastAPI in Python</a:t>
+                      </a:r>
+                      <a:endParaRPr lang="en-IN" sz="1600" dirty="0"/>
+                    </a:p>
+                  </a:txBody>
+                  <a:tcPr/>
+                </a:tc>
+                <a:tc>
+                  <a:txBody>
+                    <a:bodyPr/>
+                    <a:lstStyle/>
+                    <a:p>
+                      <a:pPr algn="ctr"/>
+                      <a:r>
+                        <a:rPr lang="en-US" sz="1600" dirty="0" smtClean="0"/>
+                        <a:t>With Code</a:t>
+                      </a:r>
+                      <a:r>
+                        <a:rPr lang="en-US" sz="1600" baseline="0" dirty="0" smtClean="0"/>
+                        <a:t> Example </a:t>
+                      </a:r>
+                      <a:endParaRPr lang="en-IN" sz="1600" dirty="0"/>
+                    </a:p>
+                  </a:txBody>
+                  <a:tcPr/>
+                </a:tc>
+              </a:tr>
+              <a:tr h="186646">
+                <a:tc>
+                  <a:txBody>
+                    <a:bodyPr/>
+                    <a:lstStyle/>
+                    <a:p>
+                      <a:pPr algn="ctr"/>
+                      <a:r>
+                        <a:rPr lang="en-US" sz="1600" b="1" dirty="0" smtClean="0"/>
+                        <a:t>Instructions</a:t>
+                      </a:r>
+                      <a:endParaRPr lang="en-IN" sz="1600" dirty="0"/>
+                    </a:p>
+                  </a:txBody>
+                  <a:tcPr>
+                    <a:solidFill>
+                      <a:srgbClr val="92D050"/>
+                    </a:solidFill>
+                  </a:tcPr>
+                </a:tc>
+                <a:tc>
+                  <a:txBody>
+                    <a:bodyPr/>
+                    <a:lstStyle/>
+                    <a:p>
+                      <a:pPr algn="ctr"/>
+                      <a:r>
+                        <a:rPr lang="en-US" sz="1600" b="1" dirty="0" smtClean="0"/>
+                        <a:t>Input</a:t>
+                      </a:r>
+                      <a:endParaRPr lang="en-IN" sz="1600" dirty="0"/>
+                    </a:p>
+                  </a:txBody>
+                  <a:tcPr>
+                    <a:solidFill>
+                      <a:srgbClr val="92D050"/>
+                    </a:solidFill>
+                  </a:tcPr>
+                </a:tc>
+                <a:tc>
+                  <a:txBody>
+                    <a:bodyPr/>
+                    <a:lstStyle/>
+                    <a:p>
+                      <a:pPr algn="ctr"/>
+                      <a:r>
+                        <a:rPr lang="en-US" sz="1600" b="1" dirty="0" smtClean="0"/>
+                        <a:t>Context</a:t>
+                      </a:r>
+                      <a:endParaRPr lang="en-IN" sz="1600" dirty="0"/>
+                    </a:p>
+                  </a:txBody>
+                  <a:tcPr>
+                    <a:solidFill>
+                      <a:srgbClr val="92D050"/>
+                    </a:solidFill>
+                  </a:tcPr>
+                </a:tc>
+                <a:tc>
+                  <a:txBody>
+                    <a:bodyPr/>
+                    <a:lstStyle/>
+                    <a:p>
+                      <a:pPr algn="ctr"/>
+                      <a:r>
+                        <a:rPr lang="en-US" sz="1600" b="1" kern="1200" dirty="0" smtClean="0">
+                          <a:solidFill>
+                            <a:schemeClr val="dk1"/>
+                          </a:solidFill>
+                          <a:latin typeface="+mn-lt"/>
+                          <a:ea typeface="+mn-ea"/>
+                          <a:cs typeface="+mn-cs"/>
+                        </a:rPr>
+                        <a:t>Output</a:t>
+                      </a:r>
+                      <a:endParaRPr lang="en-IN" sz="1600" b="1" kern="1200" dirty="0">
+                        <a:solidFill>
+                          <a:schemeClr val="dk1"/>
+                        </a:solidFill>
+                        <a:latin typeface="+mn-lt"/>
+                        <a:ea typeface="+mn-ea"/>
+                        <a:cs typeface="+mn-cs"/>
+                      </a:endParaRPr>
+                    </a:p>
+                  </a:txBody>
+                  <a:tcPr>
+                    <a:solidFill>
+                      <a:srgbClr val="92D050"/>
+                    </a:solidFill>
+                  </a:tcPr>
+                </a:tc>
+              </a:tr>
+            </a:tbl>
+          </a:graphicData>
+        </a:graphic>
+      </p:graphicFrame>
       <p:pic>
         <p:nvPicPr>
-          <p:cNvPr id="9" name="Picture 8"/>
+          <p:cNvPr id="13" name="Picture 12"/>
           <p:cNvPicPr>
             <a:picLocks noChangeAspect="1"/>
           </p:cNvPicPr>
@@ -4205,211 +4515,32 @@
         </p:blipFill>
         <p:spPr>
           <a:xfrm>
-            <a:off x="1858649" y="3797656"/>
-            <a:ext cx="7058025" cy="1495425"/>
+            <a:off x="5835228" y="1100501"/>
+            <a:ext cx="6077730" cy="3697478"/>
           </a:xfrm>
           <a:prstGeom prst="rect">
             <a:avLst/>
           </a:prstGeom>
         </p:spPr>
       </p:pic>
-      <p:sp>
-        <p:nvSpPr>
-          <p:cNvPr id="10" name="Oval 9"/>
-          <p:cNvSpPr/>
-          <p:nvPr/>
-        </p:nvSpPr>
-        <p:spPr>
-          <a:xfrm>
-            <a:off x="3510566" y="1815694"/>
-            <a:ext cx="528034" cy="488865"/>
-          </a:xfrm>
-          <a:prstGeom prst="ellipse">
-            <a:avLst/>
-          </a:prstGeom>
-        </p:spPr>
-        <p:style>
-          <a:lnRef idx="2">
-            <a:schemeClr val="accent1">
-              <a:shade val="50000"/>
-            </a:schemeClr>
-          </a:lnRef>
-          <a:fillRef idx="1">
-            <a:schemeClr val="accent1"/>
-          </a:fillRef>
-          <a:effectRef idx="0">
-            <a:schemeClr val="accent1"/>
-          </a:effectRef>
-          <a:fontRef idx="minor">
-            <a:schemeClr val="lt1"/>
-          </a:fontRef>
-        </p:style>
-        <p:txBody>
-          <a:bodyPr rtlCol="0" anchor="ctr"/>
-          <a:lstStyle/>
-          <a:p>
-            <a:pPr algn="ctr"/>
-            <a:r>
-              <a:rPr lang="en-US" sz="4000" b="1" dirty="0" smtClean="0"/>
-              <a:t>1</a:t>
-            </a:r>
-            <a:endParaRPr lang="en-IN" sz="4000" b="1" dirty="0"/>
-          </a:p>
-        </p:txBody>
-      </p:sp>
-      <p:sp>
-        <p:nvSpPr>
-          <p:cNvPr id="11" name="Oval 10"/>
-          <p:cNvSpPr/>
-          <p:nvPr/>
-        </p:nvSpPr>
-        <p:spPr>
-          <a:xfrm>
-            <a:off x="3510566" y="3134030"/>
-            <a:ext cx="528034" cy="488865"/>
-          </a:xfrm>
-          <a:prstGeom prst="ellipse">
-            <a:avLst/>
-          </a:prstGeom>
-        </p:spPr>
-        <p:style>
-          <a:lnRef idx="2">
-            <a:schemeClr val="accent1">
-              <a:shade val="50000"/>
-            </a:schemeClr>
-          </a:lnRef>
-          <a:fillRef idx="1">
-            <a:schemeClr val="accent1"/>
-          </a:fillRef>
-          <a:effectRef idx="0">
-            <a:schemeClr val="accent1"/>
-          </a:effectRef>
-          <a:fontRef idx="minor">
-            <a:schemeClr val="lt1"/>
-          </a:fontRef>
-        </p:style>
-        <p:txBody>
-          <a:bodyPr rtlCol="0" anchor="ctr"/>
-          <a:lstStyle/>
-          <a:p>
-            <a:pPr algn="ctr"/>
-            <a:r>
-              <a:rPr lang="en-US" sz="4000" b="1" dirty="0"/>
-              <a:t>2</a:t>
-            </a:r>
-            <a:endParaRPr lang="en-IN" sz="4000" b="1" dirty="0"/>
-          </a:p>
-        </p:txBody>
-      </p:sp>
-      <p:sp>
-        <p:nvSpPr>
-          <p:cNvPr id="12" name="Oval 11"/>
-          <p:cNvSpPr/>
-          <p:nvPr/>
-        </p:nvSpPr>
-        <p:spPr>
-          <a:xfrm>
-            <a:off x="1296955" y="4056503"/>
-            <a:ext cx="528034" cy="488865"/>
-          </a:xfrm>
-          <a:prstGeom prst="ellipse">
-            <a:avLst/>
-          </a:prstGeom>
-        </p:spPr>
-        <p:style>
-          <a:lnRef idx="2">
-            <a:schemeClr val="accent1">
-              <a:shade val="50000"/>
-            </a:schemeClr>
-          </a:lnRef>
-          <a:fillRef idx="1">
-            <a:schemeClr val="accent1"/>
-          </a:fillRef>
-          <a:effectRef idx="0">
-            <a:schemeClr val="accent1"/>
-          </a:effectRef>
-          <a:fontRef idx="minor">
-            <a:schemeClr val="lt1"/>
-          </a:fontRef>
-        </p:style>
-        <p:txBody>
-          <a:bodyPr rtlCol="0" anchor="ctr"/>
-          <a:lstStyle/>
-          <a:p>
-            <a:pPr algn="ctr"/>
-            <a:r>
-              <a:rPr lang="en-US" sz="4000" b="1" dirty="0"/>
-              <a:t>3</a:t>
-            </a:r>
-            <a:endParaRPr lang="en-IN" sz="4000" b="1" dirty="0"/>
-          </a:p>
-        </p:txBody>
-      </p:sp>
-      <p:sp>
-        <p:nvSpPr>
-          <p:cNvPr id="13" name="Rectangle 12"/>
-          <p:cNvSpPr/>
-          <p:nvPr/>
-        </p:nvSpPr>
-        <p:spPr>
-          <a:xfrm>
-            <a:off x="1987062" y="5634286"/>
-            <a:ext cx="7245641" cy="369332"/>
-          </a:xfrm>
-          <a:prstGeom prst="rect">
-            <a:avLst/>
-          </a:prstGeom>
-        </p:spPr>
-        <p:txBody>
-          <a:bodyPr wrap="square">
-            <a:spAutoFit/>
-          </a:bodyPr>
-          <a:lstStyle/>
-          <a:p>
-            <a:r>
-              <a:rPr lang="en-IN" b="1" dirty="0">
-                <a:solidFill>
-                  <a:srgbClr val="0000FF"/>
-                </a:solidFill>
-                <a:hlinkClick r:id="rId4"/>
-              </a:rPr>
-              <a:t>https://</a:t>
-            </a:r>
-            <a:r>
-              <a:rPr lang="en-IN" b="1" dirty="0" smtClean="0">
-                <a:solidFill>
-                  <a:srgbClr val="0000FF"/>
-                </a:solidFill>
-                <a:hlinkClick r:id="rId4"/>
-              </a:rPr>
-              <a:t>app.netlify.com/teams/mohan4295work/projects</a:t>
-            </a:r>
-            <a:endParaRPr lang="en-IN" b="1" dirty="0" smtClean="0">
-              <a:solidFill>
-                <a:srgbClr val="0000FF"/>
-              </a:solidFill>
-            </a:endParaRPr>
-          </a:p>
-        </p:txBody>
-      </p:sp>
       <p:pic>
         <p:nvPicPr>
-          <p:cNvPr id="16" name="Picture 15"/>
+          <p:cNvPr id="14" name="Picture 13"/>
           <p:cNvPicPr>
             <a:picLocks noChangeAspect="1"/>
           </p:cNvPicPr>
           <p:nvPr/>
         </p:nvPicPr>
         <p:blipFill>
-          <a:blip r:embed="rId5"/>
+          <a:blip r:embed="rId4"/>
           <a:stretch>
             <a:fillRect/>
           </a:stretch>
         </p:blipFill>
         <p:spPr>
           <a:xfrm>
-            <a:off x="7444124" y="4995658"/>
-            <a:ext cx="3535382" cy="1543285"/>
+            <a:off x="5930550" y="4498961"/>
+            <a:ext cx="6261450" cy="2359039"/>
           </a:xfrm>
           <a:prstGeom prst="rect">
             <a:avLst/>
@@ -4418,86 +4549,21 @@
       </p:pic>
       <p:sp>
         <p:nvSpPr>
-          <p:cNvPr id="17" name="Oval 16"/>
+          <p:cNvPr id="15" name="Rectangle 14"/>
           <p:cNvSpPr/>
           <p:nvPr/>
         </p:nvSpPr>
         <p:spPr>
           <a:xfrm>
-            <a:off x="1296955" y="5415652"/>
-            <a:ext cx="528034" cy="488865"/>
-          </a:xfrm>
-          <a:prstGeom prst="ellipse">
-            <a:avLst/>
-          </a:prstGeom>
-        </p:spPr>
-        <p:style>
-          <a:lnRef idx="2">
-            <a:schemeClr val="accent1">
-              <a:shade val="50000"/>
-            </a:schemeClr>
-          </a:lnRef>
-          <a:fillRef idx="1">
-            <a:schemeClr val="accent1"/>
-          </a:fillRef>
-          <a:effectRef idx="0">
-            <a:schemeClr val="accent1"/>
-          </a:effectRef>
-          <a:fontRef idx="minor">
-            <a:schemeClr val="lt1"/>
-          </a:fontRef>
-        </p:style>
-        <p:txBody>
-          <a:bodyPr rtlCol="0" anchor="ctr"/>
-          <a:lstStyle/>
-          <a:p>
-            <a:pPr algn="ctr"/>
-            <a:r>
-              <a:rPr lang="en-US" sz="4000" b="1" dirty="0"/>
-              <a:t>4</a:t>
-            </a:r>
-            <a:endParaRPr lang="en-IN" sz="4000" b="1" dirty="0"/>
-          </a:p>
-        </p:txBody>
-      </p:sp>
-      <p:pic>
-        <p:nvPicPr>
-          <p:cNvPr id="18" name="Picture 17"/>
-          <p:cNvPicPr>
-            <a:picLocks noChangeAspect="1"/>
-          </p:cNvPicPr>
-          <p:nvPr/>
-        </p:nvPicPr>
-        <p:blipFill>
-          <a:blip r:embed="rId6"/>
-          <a:stretch>
-            <a:fillRect/>
-          </a:stretch>
-        </p:blipFill>
-        <p:spPr>
-          <a:xfrm>
-            <a:off x="2401911" y="1472966"/>
-            <a:ext cx="1219200" cy="352425"/>
+            <a:off x="5835228" y="747107"/>
+            <a:ext cx="5006692" cy="369332"/>
           </a:xfrm>
           <a:prstGeom prst="rect">
             <a:avLst/>
           </a:prstGeom>
-        </p:spPr>
-      </p:pic>
-      <p:sp>
-        <p:nvSpPr>
-          <p:cNvPr id="19" name="Rectangle 18"/>
-          <p:cNvSpPr/>
-          <p:nvPr/>
-        </p:nvSpPr>
-        <p:spPr>
-          <a:xfrm>
-            <a:off x="1987062" y="5290753"/>
-            <a:ext cx="2670603" cy="369332"/>
-          </a:xfrm>
-          <a:prstGeom prst="rect">
-            <a:avLst/>
-          </a:prstGeom>
+          <a:solidFill>
+            <a:schemeClr val="accent2"/>
+          </a:solidFill>
         </p:spPr>
         <p:txBody>
           <a:bodyPr wrap="none">
@@ -4506,26 +4572,30 @@
           <a:lstStyle/>
           <a:p>
             <a:r>
-              <a:rPr lang="en-IN" b="1" dirty="0">
-                <a:solidFill>
-                  <a:srgbClr val="00B050"/>
-                </a:solidFill>
-              </a:rPr>
-              <a:t>https://www.netlify.com/</a:t>
-            </a:r>
+              <a:rPr lang="en-US" dirty="0"/>
+              <a:t>Explain API in FastAPI in Python with code example </a:t>
+            </a:r>
+            <a:endParaRPr lang="en-IN" dirty="0"/>
           </a:p>
         </p:txBody>
       </p:sp>
     </p:spTree>
     <p:extLst>
       <p:ext uri="{BB962C8B-B14F-4D97-AF65-F5344CB8AC3E}">
-        <p14:creationId xmlns:p14="http://schemas.microsoft.com/office/powerpoint/2010/main" val="3571253534"/>
+        <p14:creationId xmlns:p14="http://schemas.microsoft.com/office/powerpoint/2010/main" val="1171691011"/>
       </p:ext>
     </p:extLst>
   </p:cSld>
   <p:clrMapOvr>
     <a:masterClrMapping/>
   </p:clrMapOvr>
+  <p:timing>
+    <p:tnLst>
+      <p:par>
+        <p:cTn id="1" dur="indefinite" restart="never" nodeType="tmRoot"/>
+      </p:par>
+    </p:tnLst>
+  </p:timing>
 </p:sld>
 </file>
 
@@ -4548,6 +4618,36 @@
       </p:grpSpPr>
       <p:sp>
         <p:nvSpPr>
+          <p:cNvPr id="2" name="Title 1"/>
+          <p:cNvSpPr>
+            <a:spLocks noGrp="1"/>
+          </p:cNvSpPr>
+          <p:nvPr>
+            <p:ph type="title"/>
+          </p:nvPr>
+        </p:nvSpPr>
+        <p:spPr>
+          <a:xfrm>
+            <a:off x="245772" y="107547"/>
+            <a:ext cx="2149699" cy="253061"/>
+          </a:xfrm>
+        </p:spPr>
+        <p:txBody>
+          <a:bodyPr>
+            <a:normAutofit fontScale="90000"/>
+          </a:bodyPr>
+          <a:lstStyle/>
+          <a:p>
+            <a:r>
+              <a:rPr lang="en-US" sz="2400" b="1" dirty="0" smtClean="0"/>
+              <a:t>Continued…</a:t>
+            </a:r>
+            <a:endParaRPr lang="en-IN" sz="2400" b="1" dirty="0"/>
+          </a:p>
+        </p:txBody>
+      </p:sp>
+      <p:sp>
+        <p:nvSpPr>
           <p:cNvPr id="4" name="Footer Placeholder 3"/>
           <p:cNvSpPr>
             <a:spLocks noGrp="1"/>
@@ -4569,9 +4669,52 @@
           </a:p>
         </p:txBody>
       </p:sp>
+      <p:sp>
+        <p:nvSpPr>
+          <p:cNvPr id="6" name="Rectangle 5"/>
+          <p:cNvSpPr/>
+          <p:nvPr/>
+        </p:nvSpPr>
+        <p:spPr>
+          <a:xfrm>
+            <a:off x="5895036" y="360608"/>
+            <a:ext cx="6096000" cy="646331"/>
+          </a:xfrm>
+          <a:prstGeom prst="rect">
+            <a:avLst/>
+          </a:prstGeom>
+          <a:solidFill>
+            <a:schemeClr val="accent2"/>
+          </a:solidFill>
+        </p:spPr>
+        <p:txBody>
+          <a:bodyPr>
+            <a:spAutoFit/>
+          </a:bodyPr>
+          <a:lstStyle/>
+          <a:p>
+            <a:r>
+              <a:rPr lang="en-US" dirty="0"/>
+              <a:t>Explain API in FastAPI in Python with code example? </a:t>
+            </a:r>
+            <a:endParaRPr lang="en-US" dirty="0" smtClean="0"/>
+          </a:p>
+          <a:p>
+            <a:r>
+              <a:rPr lang="en-US" b="1" dirty="0" smtClean="0"/>
+              <a:t>Think </a:t>
+            </a:r>
+            <a:r>
+              <a:rPr lang="en-US" b="1" dirty="0"/>
+              <a:t>step by step</a:t>
+            </a:r>
+            <a:endParaRPr lang="en-IN" b="1" dirty="0"/>
+          </a:p>
+        </p:txBody>
+      </p:sp>
       <p:pic>
         <p:nvPicPr>
-          <p:cNvPr id="5" name="Picture 4"/>
+          <p:cNvPr id="7" name="Picture 6"/>
           <p:cNvPicPr>
             <a:picLocks noChangeAspect="1"/>
           </p:cNvPicPr>
@@ -4585,8 +4728,8 @@
         </p:blipFill>
         <p:spPr>
           <a:xfrm>
-            <a:off x="126837" y="237014"/>
-            <a:ext cx="6362096" cy="2714391"/>
+            <a:off x="504154" y="1212215"/>
+            <a:ext cx="7886700" cy="2409825"/>
           </a:xfrm>
           <a:prstGeom prst="rect">
             <a:avLst/>
@@ -4595,7 +4738,7 @@
       </p:pic>
       <p:pic>
         <p:nvPicPr>
-          <p:cNvPr id="6" name="Picture 5"/>
+          <p:cNvPr id="8" name="Picture 7"/>
           <p:cNvPicPr>
             <a:picLocks noChangeAspect="1"/>
           </p:cNvPicPr>
@@ -4609,8 +4752,8 @@
         </p:blipFill>
         <p:spPr>
           <a:xfrm>
-            <a:off x="2290502" y="3022586"/>
-            <a:ext cx="6754755" cy="3818159"/>
+            <a:off x="5595335" y="2755622"/>
+            <a:ext cx="5982772" cy="3965853"/>
           </a:xfrm>
           <a:prstGeom prst="rect">
             <a:avLst/>
@@ -4619,196 +4762,76 @@
       </p:pic>
       <p:sp>
         <p:nvSpPr>
-          <p:cNvPr id="7" name="Rectangle 6"/>
+          <p:cNvPr id="9" name="Rectangle 8"/>
           <p:cNvSpPr/>
           <p:nvPr/>
         </p:nvSpPr>
         <p:spPr>
           <a:xfrm>
-            <a:off x="6488933" y="2599590"/>
-            <a:ext cx="4674870" cy="369332"/>
+            <a:off x="588940" y="3946525"/>
+            <a:ext cx="4763305" cy="923330"/>
           </a:xfrm>
           <a:prstGeom prst="rect">
             <a:avLst/>
           </a:prstGeom>
-        </p:spPr>
-        <p:txBody>
-          <a:bodyPr wrap="none">
+          <a:solidFill>
+            <a:srgbClr val="92D050"/>
+          </a:solidFill>
+        </p:spPr>
+        <p:txBody>
+          <a:bodyPr wrap="square">
             <a:spAutoFit/>
           </a:bodyPr>
           <a:lstStyle/>
           <a:p>
-            <a:r>
-              <a:rPr lang="en-IN" b="1" dirty="0">
-                <a:solidFill>
-                  <a:srgbClr val="0000FF"/>
-                </a:solidFill>
-              </a:rPr>
-              <a:t>https://friends-snake-pwa-chatgpt.netlify.app/</a:t>
-            </a:r>
-          </a:p>
-        </p:txBody>
-      </p:sp>
-      <p:sp>
-        <p:nvSpPr>
-          <p:cNvPr id="9" name="Oval 8"/>
-          <p:cNvSpPr/>
+            <a:pPr algn="just"/>
+            <a:r>
+              <a:rPr lang="en-US" dirty="0"/>
+              <a:t>Act as a senior cloud engineer and architect. Explain the concept of an "EC2 Setup" to a Junior cloud engineer using a real-world analogy.</a:t>
+            </a:r>
+            <a:endParaRPr lang="en-IN" dirty="0"/>
+          </a:p>
+        </p:txBody>
+      </p:sp>
+      <p:sp>
+        <p:nvSpPr>
+          <p:cNvPr id="10" name="TextBox 9"/>
+          <p:cNvSpPr txBox="1"/>
           <p:nvPr/>
         </p:nvSpPr>
         <p:spPr>
           <a:xfrm>
-            <a:off x="1285903" y="1884364"/>
-            <a:ext cx="528034" cy="488865"/>
-          </a:xfrm>
-          <a:prstGeom prst="ellipse">
-            <a:avLst/>
-          </a:prstGeom>
-        </p:spPr>
-        <p:style>
-          <a:lnRef idx="2">
+            <a:off x="1442406" y="545274"/>
+            <a:ext cx="2395528" cy="461665"/>
+          </a:xfrm>
+          <a:prstGeom prst="rect">
+            <a:avLst/>
+          </a:prstGeom>
+          <a:solidFill>
             <a:schemeClr val="accent1">
-              <a:shade val="50000"/>
+              <a:lumMod val="40000"/>
+              <a:lumOff val="60000"/>
             </a:schemeClr>
-          </a:lnRef>
-          <a:fillRef idx="1">
-            <a:schemeClr val="accent1"/>
-          </a:fillRef>
-          <a:effectRef idx="0">
-            <a:schemeClr val="accent1"/>
-          </a:effectRef>
-          <a:fontRef idx="minor">
-            <a:schemeClr val="lt1"/>
-          </a:fontRef>
-        </p:style>
-        <p:txBody>
-          <a:bodyPr rtlCol="0" anchor="ctr"/>
-          <a:lstStyle/>
-          <a:p>
-            <a:pPr algn="ctr"/>
-            <a:r>
-              <a:rPr lang="en-US" sz="4000" b="1" dirty="0" smtClean="0"/>
-              <a:t>6</a:t>
-            </a:r>
-            <a:endParaRPr lang="en-IN" sz="4000" b="1" dirty="0"/>
-          </a:p>
-        </p:txBody>
-      </p:sp>
-      <p:pic>
-        <p:nvPicPr>
-          <p:cNvPr id="11" name="Picture 10"/>
-          <p:cNvPicPr>
-            <a:picLocks noChangeAspect="1"/>
-          </p:cNvPicPr>
-          <p:nvPr/>
-        </p:nvPicPr>
-        <p:blipFill>
-          <a:blip r:embed="rId4"/>
-          <a:stretch>
-            <a:fillRect/>
-          </a:stretch>
-        </p:blipFill>
-        <p:spPr>
-          <a:xfrm>
-            <a:off x="5109690" y="0"/>
-            <a:ext cx="7019925" cy="1209675"/>
-          </a:xfrm>
-          <a:prstGeom prst="rect">
-            <a:avLst/>
-          </a:prstGeom>
-        </p:spPr>
-      </p:pic>
-      <p:sp>
-        <p:nvSpPr>
-          <p:cNvPr id="12" name="Oval 11"/>
-          <p:cNvSpPr/>
-          <p:nvPr/>
-        </p:nvSpPr>
-        <p:spPr>
-          <a:xfrm>
-            <a:off x="8086309" y="2057061"/>
-            <a:ext cx="528034" cy="488865"/>
-          </a:xfrm>
-          <a:prstGeom prst="ellipse">
-            <a:avLst/>
-          </a:prstGeom>
-        </p:spPr>
-        <p:style>
-          <a:lnRef idx="2">
-            <a:schemeClr val="accent1">
-              <a:shade val="50000"/>
-            </a:schemeClr>
-          </a:lnRef>
-          <a:fillRef idx="1">
-            <a:schemeClr val="accent1"/>
-          </a:fillRef>
-          <a:effectRef idx="0">
-            <a:schemeClr val="accent1"/>
-          </a:effectRef>
-          <a:fontRef idx="minor">
-            <a:schemeClr val="lt1"/>
-          </a:fontRef>
-        </p:style>
-        <p:txBody>
-          <a:bodyPr rtlCol="0" anchor="ctr"/>
-          <a:lstStyle/>
-          <a:p>
-            <a:pPr algn="ctr"/>
-            <a:r>
-              <a:rPr lang="en-US" sz="4000" b="1" dirty="0" smtClean="0"/>
-              <a:t>7</a:t>
-            </a:r>
-            <a:endParaRPr lang="en-IN" sz="4000" b="1" dirty="0"/>
-          </a:p>
-        </p:txBody>
-      </p:sp>
-      <p:sp>
-        <p:nvSpPr>
-          <p:cNvPr id="10" name="Oval 9"/>
-          <p:cNvSpPr/>
-          <p:nvPr/>
-        </p:nvSpPr>
-        <p:spPr>
-          <a:xfrm>
-            <a:off x="8881114" y="316444"/>
-            <a:ext cx="528034" cy="488865"/>
-          </a:xfrm>
-          <a:prstGeom prst="ellipse">
-            <a:avLst/>
-          </a:prstGeom>
-        </p:spPr>
-        <p:style>
-          <a:lnRef idx="2">
-            <a:schemeClr val="accent1">
-              <a:shade val="50000"/>
-            </a:schemeClr>
-          </a:lnRef>
-          <a:fillRef idx="1">
-            <a:schemeClr val="accent1"/>
-          </a:fillRef>
-          <a:effectRef idx="0">
-            <a:schemeClr val="accent1"/>
-          </a:effectRef>
-          <a:fontRef idx="minor">
-            <a:schemeClr val="lt1"/>
-          </a:fontRef>
-        </p:style>
-        <p:txBody>
-          <a:bodyPr rtlCol="0" anchor="ctr"/>
-          <a:lstStyle/>
-          <a:p>
-            <a:pPr algn="ctr"/>
-            <a:r>
-              <a:rPr lang="en-US" sz="4000" b="1" dirty="0"/>
-              <a:t>5</a:t>
-            </a:r>
-            <a:endParaRPr lang="en-IN" sz="4000" b="1" dirty="0"/>
+          </a:solidFill>
+        </p:spPr>
+        <p:txBody>
+          <a:bodyPr wrap="none" rtlCol="0">
+            <a:spAutoFit/>
+          </a:bodyPr>
+          <a:lstStyle/>
+          <a:p>
+            <a:r>
+              <a:rPr lang="en-US" sz="2400" dirty="0"/>
+              <a:t>Chain of Thought </a:t>
+            </a:r>
+            <a:endParaRPr lang="en-IN" sz="2400" dirty="0"/>
           </a:p>
         </p:txBody>
       </p:sp>
     </p:spTree>
     <p:extLst>
       <p:ext uri="{BB962C8B-B14F-4D97-AF65-F5344CB8AC3E}">
-        <p14:creationId xmlns:p14="http://schemas.microsoft.com/office/powerpoint/2010/main" val="3649975769"/>
+        <p14:creationId xmlns:p14="http://schemas.microsoft.com/office/powerpoint/2010/main" val="484120128"/>
       </p:ext>
     </p:extLst>
   </p:cSld>
@@ -4845,7 +4868,12 @@
             <p:ph type="ftr" sz="quarter" idx="11"/>
           </p:nvPr>
         </p:nvSpPr>
-        <p:spPr/>
+        <p:spPr>
+          <a:xfrm>
+            <a:off x="-540059" y="6292207"/>
+            <a:ext cx="4114800" cy="365125"/>
+          </a:xfrm>
+        </p:spPr>
         <p:txBody>
           <a:bodyPr/>
           <a:lstStyle/>
@@ -4860,75 +4888,58 @@
       </p:sp>
       <p:sp>
         <p:nvSpPr>
-          <p:cNvPr id="5" name="Rectangle 4"/>
-          <p:cNvSpPr/>
+          <p:cNvPr id="5" name="Title 1"/>
+          <p:cNvSpPr>
+            <a:spLocks noGrp="1"/>
+          </p:cNvSpPr>
+          <p:nvPr>
+            <p:ph type="title"/>
+          </p:nvPr>
+        </p:nvSpPr>
+        <p:spPr>
+          <a:xfrm>
+            <a:off x="245772" y="107547"/>
+            <a:ext cx="2149699" cy="253061"/>
+          </a:xfrm>
+        </p:spPr>
+        <p:txBody>
+          <a:bodyPr>
+            <a:normAutofit fontScale="90000"/>
+          </a:bodyPr>
+          <a:lstStyle/>
+          <a:p>
+            <a:r>
+              <a:rPr lang="en-US" sz="2400" b="1" dirty="0" smtClean="0"/>
+              <a:t>Continued…</a:t>
+            </a:r>
+            <a:endParaRPr lang="en-IN" sz="2400" b="1" dirty="0"/>
+          </a:p>
+        </p:txBody>
+      </p:sp>
+      <p:pic>
+        <p:nvPicPr>
+          <p:cNvPr id="6" name="Picture 5"/>
+          <p:cNvPicPr>
+            <a:picLocks noChangeAspect="1"/>
+          </p:cNvPicPr>
           <p:nvPr/>
-        </p:nvSpPr>
-        <p:spPr>
-          <a:xfrm>
-            <a:off x="622707" y="430197"/>
-            <a:ext cx="10946586" cy="923330"/>
+        </p:nvPicPr>
+        <p:blipFill>
+          <a:blip r:embed="rId2"/>
+          <a:stretch>
+            <a:fillRect/>
+          </a:stretch>
+        </p:blipFill>
+        <p:spPr>
+          <a:xfrm>
+            <a:off x="6072384" y="107547"/>
+            <a:ext cx="6119616" cy="3128260"/>
           </a:xfrm>
           <a:prstGeom prst="rect">
             <a:avLst/>
           </a:prstGeom>
-          <a:noFill/>
-        </p:spPr>
-        <p:txBody>
-          <a:bodyPr wrap="none" lIns="91440" tIns="45720" rIns="91440" bIns="45720">
-            <a:spAutoFit/>
-          </a:bodyPr>
-          <a:lstStyle/>
-          <a:p>
-            <a:pPr algn="ctr"/>
-            <a:r>
-              <a:rPr lang="en-US" sz="5400" b="0" cap="none" spc="0" dirty="0">
-                <a:ln w="0"/>
-                <a:solidFill>
-                  <a:schemeClr val="accent1"/>
-                </a:solidFill>
-                <a:effectLst>
-                  <a:outerShdw blurRad="38100" dist="25400" dir="5400000" algn="ctr" rotWithShape="0">
-                    <a:srgbClr val="6E747A">
-                      <a:alpha val="43000"/>
-                    </a:srgbClr>
-                  </a:outerShdw>
-                </a:effectLst>
-              </a:rPr>
-              <a:t>AI as a tool to get the job done </a:t>
-            </a:r>
-            <a:r>
-              <a:rPr lang="en-US" sz="5400" b="0" cap="none" spc="0" dirty="0" smtClean="0">
-                <a:ln w="0"/>
-                <a:solidFill>
-                  <a:schemeClr val="accent1"/>
-                </a:solidFill>
-                <a:effectLst>
-                  <a:outerShdw blurRad="38100" dist="25400" dir="5400000" algn="ctr" rotWithShape="0">
-                    <a:srgbClr val="6E747A">
-                      <a:alpha val="43000"/>
-                    </a:srgbClr>
-                  </a:outerShdw>
-                </a:effectLst>
-              </a:rPr>
-              <a:t>better!</a:t>
-            </a:r>
-            <a:endParaRPr lang="en-IN" sz="5400" b="0" cap="none" spc="0" dirty="0">
-              <a:ln w="0"/>
-              <a:solidFill>
-                <a:schemeClr val="accent1"/>
-              </a:solidFill>
-              <a:effectLst>
-                <a:outerShdw blurRad="38100" dist="25400" dir="5400000" algn="ctr" rotWithShape="0">
-                  <a:srgbClr val="6E747A">
-                    <a:alpha val="43000"/>
-                  </a:srgbClr>
-                </a:outerShdw>
-              </a:effectLst>
-            </a:endParaRPr>
-          </a:p>
-        </p:txBody>
-      </p:sp>
+        </p:spPr>
+      </p:pic>
       <p:sp>
         <p:nvSpPr>
           <p:cNvPr id="7" name="Rectangle 6"/>
@@ -4937,12 +4948,15 @@
         </p:nvSpPr>
         <p:spPr>
           <a:xfrm>
-            <a:off x="622707" y="1747012"/>
-            <a:ext cx="9225566" cy="3170099"/>
+            <a:off x="3757859" y="1354539"/>
+            <a:ext cx="2243291" cy="923330"/>
           </a:xfrm>
           <a:prstGeom prst="rect">
             <a:avLst/>
           </a:prstGeom>
+          <a:solidFill>
+            <a:schemeClr val="accent2"/>
+          </a:solidFill>
         </p:spPr>
         <p:txBody>
           <a:bodyPr wrap="square">
@@ -4951,65 +4965,116 @@
           <a:lstStyle/>
           <a:p>
             <a:r>
-              <a:rPr lang="en-IN" sz="4000" dirty="0">
-                <a:latin typeface="Bahnschrift" panose="020B0502040204020203" pitchFamily="34" charset="0"/>
-              </a:rPr>
-              <a:t>Programmer Productivity</a:t>
-            </a:r>
-          </a:p>
-          <a:p>
-            <a:r>
-              <a:rPr lang="en-IN" sz="4000" dirty="0" smtClean="0">
-                <a:latin typeface="Bahnschrift" panose="020B0502040204020203" pitchFamily="34" charset="0"/>
-              </a:rPr>
-              <a:t>Testers </a:t>
-            </a:r>
-            <a:r>
-              <a:rPr lang="en-IN" sz="4000" dirty="0">
-                <a:latin typeface="Bahnschrift" panose="020B0502040204020203" pitchFamily="34" charset="0"/>
-              </a:rPr>
-              <a:t>Productivity</a:t>
-            </a:r>
-          </a:p>
-          <a:p>
-            <a:r>
-              <a:rPr lang="en-IN" sz="4000" dirty="0">
-                <a:latin typeface="Bahnschrift" panose="020B0502040204020203" pitchFamily="34" charset="0"/>
-              </a:rPr>
-              <a:t>UI Programming Productivity</a:t>
-            </a:r>
-          </a:p>
-          <a:p>
-            <a:r>
-              <a:rPr lang="en-IN" sz="4000" dirty="0">
-                <a:latin typeface="Bahnschrift" panose="020B0502040204020203" pitchFamily="34" charset="0"/>
-              </a:rPr>
-              <a:t>SQL Query Conversion </a:t>
-            </a:r>
-            <a:r>
-              <a:rPr lang="en-IN" sz="4000" dirty="0" smtClean="0">
-                <a:latin typeface="Bahnschrift" panose="020B0502040204020203" pitchFamily="34" charset="0"/>
-              </a:rPr>
-              <a:t>Productivity</a:t>
-            </a:r>
-          </a:p>
-          <a:p>
-            <a:r>
-              <a:rPr lang="en-US" sz="4000" dirty="0" smtClean="0">
-                <a:latin typeface="Bahnschrift" panose="020B0502040204020203" pitchFamily="34" charset="0"/>
-              </a:rPr>
-              <a:t>…..etc.</a:t>
-            </a:r>
-            <a:endParaRPr lang="en-US" sz="4000" dirty="0">
-              <a:latin typeface="Bahnschrift" panose="020B0502040204020203" pitchFamily="34" charset="0"/>
-            </a:endParaRPr>
+              <a:rPr lang="en-US" dirty="0"/>
+              <a:t>Compare the HP Laptop, Dell Laptop, and Acer Laptop</a:t>
+            </a:r>
+            <a:endParaRPr lang="en-IN" dirty="0"/>
+          </a:p>
+        </p:txBody>
+      </p:sp>
+      <p:sp>
+        <p:nvSpPr>
+          <p:cNvPr id="8" name="Rectangle 7"/>
+          <p:cNvSpPr/>
+          <p:nvPr/>
+        </p:nvSpPr>
+        <p:spPr>
+          <a:xfrm>
+            <a:off x="428890" y="4069406"/>
+            <a:ext cx="3328969" cy="1754326"/>
+          </a:xfrm>
+          <a:prstGeom prst="rect">
+            <a:avLst/>
+          </a:prstGeom>
+          <a:solidFill>
+            <a:srgbClr val="92D050"/>
+          </a:solidFill>
+        </p:spPr>
+        <p:txBody>
+          <a:bodyPr wrap="square">
+            <a:spAutoFit/>
+          </a:bodyPr>
+          <a:lstStyle/>
+          <a:p>
+            <a:r>
+              <a:rPr lang="en-US" dirty="0"/>
+              <a:t>Compare the HP Laptop, Dell Laptop, and Acer Laptop. Provide the output as a markdown table with four columns: 'Processor Power',' Memory speed',' High-speed hard Disk',' </a:t>
+            </a:r>
+            <a:r>
+              <a:rPr lang="en-US" dirty="0" smtClean="0"/>
+              <a:t>Wi-Fi </a:t>
+            </a:r>
+            <a:r>
+              <a:rPr lang="en-US" dirty="0"/>
+              <a:t>Speed'</a:t>
+            </a:r>
+            <a:endParaRPr lang="en-IN" dirty="0"/>
+          </a:p>
+        </p:txBody>
+      </p:sp>
+      <p:pic>
+        <p:nvPicPr>
+          <p:cNvPr id="9" name="Picture 8"/>
+          <p:cNvPicPr>
+            <a:picLocks noChangeAspect="1"/>
+          </p:cNvPicPr>
+          <p:nvPr/>
+        </p:nvPicPr>
+        <p:blipFill>
+          <a:blip r:embed="rId3"/>
+          <a:stretch>
+            <a:fillRect/>
+          </a:stretch>
+        </p:blipFill>
+        <p:spPr>
+          <a:xfrm>
+            <a:off x="4241577" y="3235807"/>
+            <a:ext cx="7542592" cy="3421525"/>
+          </a:xfrm>
+          <a:prstGeom prst="rect">
+            <a:avLst/>
+          </a:prstGeom>
+        </p:spPr>
+      </p:pic>
+      <p:sp>
+        <p:nvSpPr>
+          <p:cNvPr id="10" name="TextBox 9"/>
+          <p:cNvSpPr txBox="1"/>
+          <p:nvPr/>
+        </p:nvSpPr>
+        <p:spPr>
+          <a:xfrm>
+            <a:off x="619259" y="518831"/>
+            <a:ext cx="5181868" cy="584775"/>
+          </a:xfrm>
+          <a:prstGeom prst="rect">
+            <a:avLst/>
+          </a:prstGeom>
+          <a:solidFill>
+            <a:schemeClr val="accent1">
+              <a:lumMod val="40000"/>
+              <a:lumOff val="60000"/>
+            </a:schemeClr>
+          </a:solidFill>
+        </p:spPr>
+        <p:txBody>
+          <a:bodyPr wrap="none" rtlCol="0">
+            <a:spAutoFit/>
+          </a:bodyPr>
+          <a:lstStyle/>
+          <a:p>
+            <a:r>
+              <a:rPr lang="en-US" sz="3200" dirty="0" smtClean="0"/>
+              <a:t>Structured Output Prompting </a:t>
+            </a:r>
+            <a:endParaRPr lang="en-IN" sz="3200" dirty="0"/>
           </a:p>
         </p:txBody>
       </p:sp>
     </p:spTree>
     <p:extLst>
       <p:ext uri="{BB962C8B-B14F-4D97-AF65-F5344CB8AC3E}">
-        <p14:creationId xmlns:p14="http://schemas.microsoft.com/office/powerpoint/2010/main" val="1582006858"/>
+        <p14:creationId xmlns:p14="http://schemas.microsoft.com/office/powerpoint/2010/main" val="3634114919"/>
       </p:ext>
     </p:extLst>
   </p:cSld>
@@ -5038,6 +5103,949 @@
       </p:grpSpPr>
       <p:sp>
         <p:nvSpPr>
+          <p:cNvPr id="4" name="Footer Placeholder 3"/>
+          <p:cNvSpPr>
+            <a:spLocks noGrp="1"/>
+          </p:cNvSpPr>
+          <p:nvPr>
+            <p:ph type="ftr" sz="quarter" idx="11"/>
+          </p:nvPr>
+        </p:nvSpPr>
+        <p:spPr/>
+        <p:txBody>
+          <a:bodyPr/>
+          <a:lstStyle/>
+          <a:p>
+            <a:r>
+              <a:rPr lang="en-IN" smtClean="0"/>
+              <a:t>MOHAN SUNDARAM</a:t>
+            </a:r>
+            <a:endParaRPr lang="en-IN"/>
+          </a:p>
+        </p:txBody>
+      </p:sp>
+      <p:sp>
+        <p:nvSpPr>
+          <p:cNvPr id="6" name="TextBox 5"/>
+          <p:cNvSpPr txBox="1"/>
+          <p:nvPr/>
+        </p:nvSpPr>
+        <p:spPr>
+          <a:xfrm>
+            <a:off x="436608" y="157426"/>
+            <a:ext cx="11089984" cy="923330"/>
+          </a:xfrm>
+          <a:prstGeom prst="rect">
+            <a:avLst/>
+          </a:prstGeom>
+          <a:noFill/>
+        </p:spPr>
+        <p:txBody>
+          <a:bodyPr wrap="square" rtlCol="0">
+            <a:spAutoFit/>
+          </a:bodyPr>
+          <a:lstStyle/>
+          <a:p>
+            <a:r>
+              <a:rPr lang="en-US" b="1" dirty="0" smtClean="0">
+                <a:solidFill>
+                  <a:schemeClr val="accent2"/>
+                </a:solidFill>
+              </a:rPr>
+              <a:t>Ai Prompting Code Download Example</a:t>
+            </a:r>
+            <a:r>
+              <a:rPr lang="en-US" dirty="0" smtClean="0"/>
+              <a:t>: Create </a:t>
+            </a:r>
+            <a:r>
+              <a:rPr lang="en-US" dirty="0"/>
+              <a:t>a friends-themed snake game with background music, obstacles, power-ups, and speed boosts. Make it ready to deploy PWA (Manifest, Service worker, icons) and give me a zip with all the assets included.</a:t>
+            </a:r>
+            <a:endParaRPr lang="en-IN" dirty="0"/>
+          </a:p>
+        </p:txBody>
+      </p:sp>
+      <p:pic>
+        <p:nvPicPr>
+          <p:cNvPr id="7" name="Picture 6"/>
+          <p:cNvPicPr>
+            <a:picLocks noChangeAspect="1"/>
+          </p:cNvPicPr>
+          <p:nvPr/>
+        </p:nvPicPr>
+        <p:blipFill>
+          <a:blip r:embed="rId2"/>
+          <a:stretch>
+            <a:fillRect/>
+          </a:stretch>
+        </p:blipFill>
+        <p:spPr>
+          <a:xfrm>
+            <a:off x="1254415" y="1011174"/>
+            <a:ext cx="8124825" cy="2419350"/>
+          </a:xfrm>
+          <a:prstGeom prst="rect">
+            <a:avLst/>
+          </a:prstGeom>
+        </p:spPr>
+      </p:pic>
+      <p:pic>
+        <p:nvPicPr>
+          <p:cNvPr id="9" name="Picture 8"/>
+          <p:cNvPicPr>
+            <a:picLocks noChangeAspect="1"/>
+          </p:cNvPicPr>
+          <p:nvPr/>
+        </p:nvPicPr>
+        <p:blipFill>
+          <a:blip r:embed="rId3"/>
+          <a:stretch>
+            <a:fillRect/>
+          </a:stretch>
+        </p:blipFill>
+        <p:spPr>
+          <a:xfrm>
+            <a:off x="1549556" y="3430524"/>
+            <a:ext cx="7058025" cy="1495425"/>
+          </a:xfrm>
+          <a:prstGeom prst="rect">
+            <a:avLst/>
+          </a:prstGeom>
+        </p:spPr>
+      </p:pic>
+      <p:sp>
+        <p:nvSpPr>
+          <p:cNvPr id="10" name="Oval 9"/>
+          <p:cNvSpPr/>
+          <p:nvPr/>
+        </p:nvSpPr>
+        <p:spPr>
+          <a:xfrm>
+            <a:off x="3201473" y="1448562"/>
+            <a:ext cx="528034" cy="488865"/>
+          </a:xfrm>
+          <a:prstGeom prst="ellipse">
+            <a:avLst/>
+          </a:prstGeom>
+        </p:spPr>
+        <p:style>
+          <a:lnRef idx="2">
+            <a:schemeClr val="accent1">
+              <a:shade val="50000"/>
+            </a:schemeClr>
+          </a:lnRef>
+          <a:fillRef idx="1">
+            <a:schemeClr val="accent1"/>
+          </a:fillRef>
+          <a:effectRef idx="0">
+            <a:schemeClr val="accent1"/>
+          </a:effectRef>
+          <a:fontRef idx="minor">
+            <a:schemeClr val="lt1"/>
+          </a:fontRef>
+        </p:style>
+        <p:txBody>
+          <a:bodyPr rtlCol="0" anchor="ctr"/>
+          <a:lstStyle/>
+          <a:p>
+            <a:pPr algn="ctr"/>
+            <a:r>
+              <a:rPr lang="en-US" sz="4000" b="1" dirty="0" smtClean="0"/>
+              <a:t>1</a:t>
+            </a:r>
+            <a:endParaRPr lang="en-IN" sz="4000" b="1" dirty="0"/>
+          </a:p>
+        </p:txBody>
+      </p:sp>
+      <p:sp>
+        <p:nvSpPr>
+          <p:cNvPr id="11" name="Oval 10"/>
+          <p:cNvSpPr/>
+          <p:nvPr/>
+        </p:nvSpPr>
+        <p:spPr>
+          <a:xfrm>
+            <a:off x="3201473" y="2766898"/>
+            <a:ext cx="528034" cy="488865"/>
+          </a:xfrm>
+          <a:prstGeom prst="ellipse">
+            <a:avLst/>
+          </a:prstGeom>
+        </p:spPr>
+        <p:style>
+          <a:lnRef idx="2">
+            <a:schemeClr val="accent1">
+              <a:shade val="50000"/>
+            </a:schemeClr>
+          </a:lnRef>
+          <a:fillRef idx="1">
+            <a:schemeClr val="accent1"/>
+          </a:fillRef>
+          <a:effectRef idx="0">
+            <a:schemeClr val="accent1"/>
+          </a:effectRef>
+          <a:fontRef idx="minor">
+            <a:schemeClr val="lt1"/>
+          </a:fontRef>
+        </p:style>
+        <p:txBody>
+          <a:bodyPr rtlCol="0" anchor="ctr"/>
+          <a:lstStyle/>
+          <a:p>
+            <a:pPr algn="ctr"/>
+            <a:r>
+              <a:rPr lang="en-US" sz="4000" b="1" dirty="0"/>
+              <a:t>2</a:t>
+            </a:r>
+            <a:endParaRPr lang="en-IN" sz="4000" b="1" dirty="0"/>
+          </a:p>
+        </p:txBody>
+      </p:sp>
+      <p:sp>
+        <p:nvSpPr>
+          <p:cNvPr id="12" name="Oval 11"/>
+          <p:cNvSpPr/>
+          <p:nvPr/>
+        </p:nvSpPr>
+        <p:spPr>
+          <a:xfrm>
+            <a:off x="987862" y="3689371"/>
+            <a:ext cx="528034" cy="488865"/>
+          </a:xfrm>
+          <a:prstGeom prst="ellipse">
+            <a:avLst/>
+          </a:prstGeom>
+        </p:spPr>
+        <p:style>
+          <a:lnRef idx="2">
+            <a:schemeClr val="accent1">
+              <a:shade val="50000"/>
+            </a:schemeClr>
+          </a:lnRef>
+          <a:fillRef idx="1">
+            <a:schemeClr val="accent1"/>
+          </a:fillRef>
+          <a:effectRef idx="0">
+            <a:schemeClr val="accent1"/>
+          </a:effectRef>
+          <a:fontRef idx="minor">
+            <a:schemeClr val="lt1"/>
+          </a:fontRef>
+        </p:style>
+        <p:txBody>
+          <a:bodyPr rtlCol="0" anchor="ctr"/>
+          <a:lstStyle/>
+          <a:p>
+            <a:pPr algn="ctr"/>
+            <a:r>
+              <a:rPr lang="en-US" sz="4000" b="1" dirty="0"/>
+              <a:t>3</a:t>
+            </a:r>
+            <a:endParaRPr lang="en-IN" sz="4000" b="1" dirty="0"/>
+          </a:p>
+        </p:txBody>
+      </p:sp>
+      <p:sp>
+        <p:nvSpPr>
+          <p:cNvPr id="13" name="Rectangle 12"/>
+          <p:cNvSpPr/>
+          <p:nvPr/>
+        </p:nvSpPr>
+        <p:spPr>
+          <a:xfrm>
+            <a:off x="1677969" y="5267154"/>
+            <a:ext cx="7245641" cy="369332"/>
+          </a:xfrm>
+          <a:prstGeom prst="rect">
+            <a:avLst/>
+          </a:prstGeom>
+        </p:spPr>
+        <p:txBody>
+          <a:bodyPr wrap="square">
+            <a:spAutoFit/>
+          </a:bodyPr>
+          <a:lstStyle/>
+          <a:p>
+            <a:r>
+              <a:rPr lang="en-IN" b="1" dirty="0">
+                <a:solidFill>
+                  <a:srgbClr val="0000FF"/>
+                </a:solidFill>
+                <a:hlinkClick r:id="rId4"/>
+              </a:rPr>
+              <a:t>https://</a:t>
+            </a:r>
+            <a:r>
+              <a:rPr lang="en-IN" b="1" dirty="0" smtClean="0">
+                <a:solidFill>
+                  <a:srgbClr val="0000FF"/>
+                </a:solidFill>
+                <a:hlinkClick r:id="rId4"/>
+              </a:rPr>
+              <a:t>app.netlify.com/teams/mohan4295work/projects</a:t>
+            </a:r>
+            <a:endParaRPr lang="en-IN" b="1" dirty="0" smtClean="0">
+              <a:solidFill>
+                <a:srgbClr val="0000FF"/>
+              </a:solidFill>
+            </a:endParaRPr>
+          </a:p>
+        </p:txBody>
+      </p:sp>
+      <p:pic>
+        <p:nvPicPr>
+          <p:cNvPr id="16" name="Picture 15"/>
+          <p:cNvPicPr>
+            <a:picLocks noChangeAspect="1"/>
+          </p:cNvPicPr>
+          <p:nvPr/>
+        </p:nvPicPr>
+        <p:blipFill>
+          <a:blip r:embed="rId5"/>
+          <a:stretch>
+            <a:fillRect/>
+          </a:stretch>
+        </p:blipFill>
+        <p:spPr>
+          <a:xfrm>
+            <a:off x="7135031" y="4628526"/>
+            <a:ext cx="3535382" cy="1543285"/>
+          </a:xfrm>
+          <a:prstGeom prst="rect">
+            <a:avLst/>
+          </a:prstGeom>
+        </p:spPr>
+      </p:pic>
+      <p:sp>
+        <p:nvSpPr>
+          <p:cNvPr id="17" name="Oval 16"/>
+          <p:cNvSpPr/>
+          <p:nvPr/>
+        </p:nvSpPr>
+        <p:spPr>
+          <a:xfrm>
+            <a:off x="987862" y="5048520"/>
+            <a:ext cx="528034" cy="488865"/>
+          </a:xfrm>
+          <a:prstGeom prst="ellipse">
+            <a:avLst/>
+          </a:prstGeom>
+        </p:spPr>
+        <p:style>
+          <a:lnRef idx="2">
+            <a:schemeClr val="accent1">
+              <a:shade val="50000"/>
+            </a:schemeClr>
+          </a:lnRef>
+          <a:fillRef idx="1">
+            <a:schemeClr val="accent1"/>
+          </a:fillRef>
+          <a:effectRef idx="0">
+            <a:schemeClr val="accent1"/>
+          </a:effectRef>
+          <a:fontRef idx="minor">
+            <a:schemeClr val="lt1"/>
+          </a:fontRef>
+        </p:style>
+        <p:txBody>
+          <a:bodyPr rtlCol="0" anchor="ctr"/>
+          <a:lstStyle/>
+          <a:p>
+            <a:pPr algn="ctr"/>
+            <a:r>
+              <a:rPr lang="en-US" sz="4000" b="1" dirty="0"/>
+              <a:t>4</a:t>
+            </a:r>
+            <a:endParaRPr lang="en-IN" sz="4000" b="1" dirty="0"/>
+          </a:p>
+        </p:txBody>
+      </p:sp>
+      <p:pic>
+        <p:nvPicPr>
+          <p:cNvPr id="18" name="Picture 17"/>
+          <p:cNvPicPr>
+            <a:picLocks noChangeAspect="1"/>
+          </p:cNvPicPr>
+          <p:nvPr/>
+        </p:nvPicPr>
+        <p:blipFill>
+          <a:blip r:embed="rId6"/>
+          <a:stretch>
+            <a:fillRect/>
+          </a:stretch>
+        </p:blipFill>
+        <p:spPr>
+          <a:xfrm>
+            <a:off x="2092818" y="1105834"/>
+            <a:ext cx="1219200" cy="352425"/>
+          </a:xfrm>
+          <a:prstGeom prst="rect">
+            <a:avLst/>
+          </a:prstGeom>
+        </p:spPr>
+      </p:pic>
+      <p:sp>
+        <p:nvSpPr>
+          <p:cNvPr id="19" name="Rectangle 18"/>
+          <p:cNvSpPr/>
+          <p:nvPr/>
+        </p:nvSpPr>
+        <p:spPr>
+          <a:xfrm>
+            <a:off x="1677969" y="4923621"/>
+            <a:ext cx="2670603" cy="369332"/>
+          </a:xfrm>
+          <a:prstGeom prst="rect">
+            <a:avLst/>
+          </a:prstGeom>
+        </p:spPr>
+        <p:txBody>
+          <a:bodyPr wrap="none">
+            <a:spAutoFit/>
+          </a:bodyPr>
+          <a:lstStyle/>
+          <a:p>
+            <a:r>
+              <a:rPr lang="en-IN" b="1" dirty="0">
+                <a:solidFill>
+                  <a:srgbClr val="00B050"/>
+                </a:solidFill>
+              </a:rPr>
+              <a:t>https://www.netlify.com/</a:t>
+            </a:r>
+          </a:p>
+        </p:txBody>
+      </p:sp>
+    </p:spTree>
+    <p:extLst>
+      <p:ext uri="{BB962C8B-B14F-4D97-AF65-F5344CB8AC3E}">
+        <p14:creationId xmlns:p14="http://schemas.microsoft.com/office/powerpoint/2010/main" val="3571253534"/>
+      </p:ext>
+    </p:extLst>
+  </p:cSld>
+  <p:clrMapOvr>
+    <a:masterClrMapping/>
+  </p:clrMapOvr>
+  <p:timing>
+    <p:tnLst>
+      <p:par>
+        <p:cTn id="1" dur="indefinite" restart="never" nodeType="tmRoot"/>
+      </p:par>
+    </p:tnLst>
+  </p:timing>
+</p:sld>
+</file>
+
+<file path=ppt/slides/slide15.xml><?xml version="1.0" encoding="utf-8"?>
+<p:sld xmlns:a="http://schemas.openxmlformats.org/drawingml/2006/main" xmlns:r="http://schemas.openxmlformats.org/officeDocument/2006/relationships" xmlns:p="http://schemas.openxmlformats.org/presentationml/2006/main">
+  <p:cSld>
+    <p:spTree>
+      <p:nvGrpSpPr>
+        <p:cNvPr id="1" name=""/>
+        <p:cNvGrpSpPr/>
+        <p:nvPr/>
+      </p:nvGrpSpPr>
+      <p:grpSpPr>
+        <a:xfrm>
+          <a:off x="0" y="0"/>
+          <a:ext cx="0" cy="0"/>
+          <a:chOff x="0" y="0"/>
+          <a:chExt cx="0" cy="0"/>
+        </a:xfrm>
+      </p:grpSpPr>
+      <p:sp>
+        <p:nvSpPr>
+          <p:cNvPr id="4" name="Footer Placeholder 3"/>
+          <p:cNvSpPr>
+            <a:spLocks noGrp="1"/>
+          </p:cNvSpPr>
+          <p:nvPr>
+            <p:ph type="ftr" sz="quarter" idx="11"/>
+          </p:nvPr>
+        </p:nvSpPr>
+        <p:spPr/>
+        <p:txBody>
+          <a:bodyPr/>
+          <a:lstStyle/>
+          <a:p>
+            <a:r>
+              <a:rPr lang="en-IN" smtClean="0"/>
+              <a:t>MOHAN SUNDARAM</a:t>
+            </a:r>
+            <a:endParaRPr lang="en-IN"/>
+          </a:p>
+        </p:txBody>
+      </p:sp>
+      <p:pic>
+        <p:nvPicPr>
+          <p:cNvPr id="5" name="Picture 4"/>
+          <p:cNvPicPr>
+            <a:picLocks noChangeAspect="1"/>
+          </p:cNvPicPr>
+          <p:nvPr/>
+        </p:nvPicPr>
+        <p:blipFill>
+          <a:blip r:embed="rId2"/>
+          <a:stretch>
+            <a:fillRect/>
+          </a:stretch>
+        </p:blipFill>
+        <p:spPr>
+          <a:xfrm>
+            <a:off x="126837" y="237014"/>
+            <a:ext cx="6362096" cy="2714391"/>
+          </a:xfrm>
+          <a:prstGeom prst="rect">
+            <a:avLst/>
+          </a:prstGeom>
+        </p:spPr>
+      </p:pic>
+      <p:pic>
+        <p:nvPicPr>
+          <p:cNvPr id="6" name="Picture 5"/>
+          <p:cNvPicPr>
+            <a:picLocks noChangeAspect="1"/>
+          </p:cNvPicPr>
+          <p:nvPr/>
+        </p:nvPicPr>
+        <p:blipFill>
+          <a:blip r:embed="rId3"/>
+          <a:stretch>
+            <a:fillRect/>
+          </a:stretch>
+        </p:blipFill>
+        <p:spPr>
+          <a:xfrm>
+            <a:off x="2290502" y="3022586"/>
+            <a:ext cx="6754755" cy="3818159"/>
+          </a:xfrm>
+          <a:prstGeom prst="rect">
+            <a:avLst/>
+          </a:prstGeom>
+        </p:spPr>
+      </p:pic>
+      <p:sp>
+        <p:nvSpPr>
+          <p:cNvPr id="7" name="Rectangle 6"/>
+          <p:cNvSpPr/>
+          <p:nvPr/>
+        </p:nvSpPr>
+        <p:spPr>
+          <a:xfrm>
+            <a:off x="6488933" y="2599590"/>
+            <a:ext cx="4674870" cy="369332"/>
+          </a:xfrm>
+          <a:prstGeom prst="rect">
+            <a:avLst/>
+          </a:prstGeom>
+        </p:spPr>
+        <p:txBody>
+          <a:bodyPr wrap="none">
+            <a:spAutoFit/>
+          </a:bodyPr>
+          <a:lstStyle/>
+          <a:p>
+            <a:r>
+              <a:rPr lang="en-IN" b="1" dirty="0">
+                <a:solidFill>
+                  <a:srgbClr val="0000FF"/>
+                </a:solidFill>
+              </a:rPr>
+              <a:t>https://friends-snake-pwa-chatgpt.netlify.app/</a:t>
+            </a:r>
+          </a:p>
+        </p:txBody>
+      </p:sp>
+      <p:sp>
+        <p:nvSpPr>
+          <p:cNvPr id="9" name="Oval 8"/>
+          <p:cNvSpPr/>
+          <p:nvPr/>
+        </p:nvSpPr>
+        <p:spPr>
+          <a:xfrm>
+            <a:off x="1285903" y="1884364"/>
+            <a:ext cx="528034" cy="488865"/>
+          </a:xfrm>
+          <a:prstGeom prst="ellipse">
+            <a:avLst/>
+          </a:prstGeom>
+        </p:spPr>
+        <p:style>
+          <a:lnRef idx="2">
+            <a:schemeClr val="accent1">
+              <a:shade val="50000"/>
+            </a:schemeClr>
+          </a:lnRef>
+          <a:fillRef idx="1">
+            <a:schemeClr val="accent1"/>
+          </a:fillRef>
+          <a:effectRef idx="0">
+            <a:schemeClr val="accent1"/>
+          </a:effectRef>
+          <a:fontRef idx="minor">
+            <a:schemeClr val="lt1"/>
+          </a:fontRef>
+        </p:style>
+        <p:txBody>
+          <a:bodyPr rtlCol="0" anchor="ctr"/>
+          <a:lstStyle/>
+          <a:p>
+            <a:pPr algn="ctr"/>
+            <a:r>
+              <a:rPr lang="en-US" sz="4000" b="1" dirty="0" smtClean="0"/>
+              <a:t>6</a:t>
+            </a:r>
+            <a:endParaRPr lang="en-IN" sz="4000" b="1" dirty="0"/>
+          </a:p>
+        </p:txBody>
+      </p:sp>
+      <p:pic>
+        <p:nvPicPr>
+          <p:cNvPr id="11" name="Picture 10"/>
+          <p:cNvPicPr>
+            <a:picLocks noChangeAspect="1"/>
+          </p:cNvPicPr>
+          <p:nvPr/>
+        </p:nvPicPr>
+        <p:blipFill>
+          <a:blip r:embed="rId4"/>
+          <a:stretch>
+            <a:fillRect/>
+          </a:stretch>
+        </p:blipFill>
+        <p:spPr>
+          <a:xfrm>
+            <a:off x="5109690" y="0"/>
+            <a:ext cx="7019925" cy="1209675"/>
+          </a:xfrm>
+          <a:prstGeom prst="rect">
+            <a:avLst/>
+          </a:prstGeom>
+        </p:spPr>
+      </p:pic>
+      <p:sp>
+        <p:nvSpPr>
+          <p:cNvPr id="12" name="Oval 11"/>
+          <p:cNvSpPr/>
+          <p:nvPr/>
+        </p:nvSpPr>
+        <p:spPr>
+          <a:xfrm>
+            <a:off x="8086309" y="2057061"/>
+            <a:ext cx="528034" cy="488865"/>
+          </a:xfrm>
+          <a:prstGeom prst="ellipse">
+            <a:avLst/>
+          </a:prstGeom>
+        </p:spPr>
+        <p:style>
+          <a:lnRef idx="2">
+            <a:schemeClr val="accent1">
+              <a:shade val="50000"/>
+            </a:schemeClr>
+          </a:lnRef>
+          <a:fillRef idx="1">
+            <a:schemeClr val="accent1"/>
+          </a:fillRef>
+          <a:effectRef idx="0">
+            <a:schemeClr val="accent1"/>
+          </a:effectRef>
+          <a:fontRef idx="minor">
+            <a:schemeClr val="lt1"/>
+          </a:fontRef>
+        </p:style>
+        <p:txBody>
+          <a:bodyPr rtlCol="0" anchor="ctr"/>
+          <a:lstStyle/>
+          <a:p>
+            <a:pPr algn="ctr"/>
+            <a:r>
+              <a:rPr lang="en-US" sz="4000" b="1" dirty="0" smtClean="0"/>
+              <a:t>7</a:t>
+            </a:r>
+            <a:endParaRPr lang="en-IN" sz="4000" b="1" dirty="0"/>
+          </a:p>
+        </p:txBody>
+      </p:sp>
+      <p:sp>
+        <p:nvSpPr>
+          <p:cNvPr id="10" name="Oval 9"/>
+          <p:cNvSpPr/>
+          <p:nvPr/>
+        </p:nvSpPr>
+        <p:spPr>
+          <a:xfrm>
+            <a:off x="8881114" y="316444"/>
+            <a:ext cx="528034" cy="488865"/>
+          </a:xfrm>
+          <a:prstGeom prst="ellipse">
+            <a:avLst/>
+          </a:prstGeom>
+        </p:spPr>
+        <p:style>
+          <a:lnRef idx="2">
+            <a:schemeClr val="accent1">
+              <a:shade val="50000"/>
+            </a:schemeClr>
+          </a:lnRef>
+          <a:fillRef idx="1">
+            <a:schemeClr val="accent1"/>
+          </a:fillRef>
+          <a:effectRef idx="0">
+            <a:schemeClr val="accent1"/>
+          </a:effectRef>
+          <a:fontRef idx="minor">
+            <a:schemeClr val="lt1"/>
+          </a:fontRef>
+        </p:style>
+        <p:txBody>
+          <a:bodyPr rtlCol="0" anchor="ctr"/>
+          <a:lstStyle/>
+          <a:p>
+            <a:pPr algn="ctr"/>
+            <a:r>
+              <a:rPr lang="en-US" sz="4000" b="1" dirty="0"/>
+              <a:t>5</a:t>
+            </a:r>
+            <a:endParaRPr lang="en-IN" sz="4000" b="1" dirty="0"/>
+          </a:p>
+        </p:txBody>
+      </p:sp>
+    </p:spTree>
+    <p:extLst>
+      <p:ext uri="{BB962C8B-B14F-4D97-AF65-F5344CB8AC3E}">
+        <p14:creationId xmlns:p14="http://schemas.microsoft.com/office/powerpoint/2010/main" val="3649975769"/>
+      </p:ext>
+    </p:extLst>
+  </p:cSld>
+  <p:clrMapOvr>
+    <a:masterClrMapping/>
+  </p:clrMapOvr>
+</p:sld>
+</file>
+
+<file path=ppt/slides/slide16.xml><?xml version="1.0" encoding="utf-8"?>
+<p:sld xmlns:a="http://schemas.openxmlformats.org/drawingml/2006/main" xmlns:r="http://schemas.openxmlformats.org/officeDocument/2006/relationships" xmlns:p="http://schemas.openxmlformats.org/presentationml/2006/main">
+  <p:cSld>
+    <p:spTree>
+      <p:nvGrpSpPr>
+        <p:cNvPr id="1" name=""/>
+        <p:cNvGrpSpPr/>
+        <p:nvPr/>
+      </p:nvGrpSpPr>
+      <p:grpSpPr>
+        <a:xfrm>
+          <a:off x="0" y="0"/>
+          <a:ext cx="0" cy="0"/>
+          <a:chOff x="0" y="0"/>
+          <a:chExt cx="0" cy="0"/>
+        </a:xfrm>
+      </p:grpSpPr>
+      <p:sp>
+        <p:nvSpPr>
+          <p:cNvPr id="4" name="Footer Placeholder 3"/>
+          <p:cNvSpPr>
+            <a:spLocks noGrp="1"/>
+          </p:cNvSpPr>
+          <p:nvPr>
+            <p:ph type="ftr" sz="quarter" idx="11"/>
+          </p:nvPr>
+        </p:nvSpPr>
+        <p:spPr/>
+        <p:txBody>
+          <a:bodyPr/>
+          <a:lstStyle/>
+          <a:p>
+            <a:r>
+              <a:rPr lang="en-IN" smtClean="0"/>
+              <a:t>MOHAN SUNDARAM</a:t>
+            </a:r>
+            <a:endParaRPr lang="en-IN"/>
+          </a:p>
+        </p:txBody>
+      </p:sp>
+      <p:sp>
+        <p:nvSpPr>
+          <p:cNvPr id="5" name="Rectangle 4"/>
+          <p:cNvSpPr/>
+          <p:nvPr/>
+        </p:nvSpPr>
+        <p:spPr>
+          <a:xfrm>
+            <a:off x="622707" y="430197"/>
+            <a:ext cx="10946586" cy="923330"/>
+          </a:xfrm>
+          <a:prstGeom prst="rect">
+            <a:avLst/>
+          </a:prstGeom>
+          <a:noFill/>
+        </p:spPr>
+        <p:txBody>
+          <a:bodyPr wrap="none" lIns="91440" tIns="45720" rIns="91440" bIns="45720">
+            <a:spAutoFit/>
+          </a:bodyPr>
+          <a:lstStyle/>
+          <a:p>
+            <a:pPr algn="ctr"/>
+            <a:r>
+              <a:rPr lang="en-US" sz="5400" b="0" cap="none" spc="0" dirty="0">
+                <a:ln w="0"/>
+                <a:solidFill>
+                  <a:schemeClr val="accent1"/>
+                </a:solidFill>
+                <a:effectLst>
+                  <a:outerShdw blurRad="38100" dist="25400" dir="5400000" algn="ctr" rotWithShape="0">
+                    <a:srgbClr val="6E747A">
+                      <a:alpha val="43000"/>
+                    </a:srgbClr>
+                  </a:outerShdw>
+                </a:effectLst>
+              </a:rPr>
+              <a:t>AI as a tool to get the job done </a:t>
+            </a:r>
+            <a:r>
+              <a:rPr lang="en-US" sz="5400" b="0" cap="none" spc="0" dirty="0" smtClean="0">
+                <a:ln w="0"/>
+                <a:solidFill>
+                  <a:schemeClr val="accent1"/>
+                </a:solidFill>
+                <a:effectLst>
+                  <a:outerShdw blurRad="38100" dist="25400" dir="5400000" algn="ctr" rotWithShape="0">
+                    <a:srgbClr val="6E747A">
+                      <a:alpha val="43000"/>
+                    </a:srgbClr>
+                  </a:outerShdw>
+                </a:effectLst>
+              </a:rPr>
+              <a:t>better!</a:t>
+            </a:r>
+            <a:endParaRPr lang="en-IN" sz="5400" b="0" cap="none" spc="0" dirty="0">
+              <a:ln w="0"/>
+              <a:solidFill>
+                <a:schemeClr val="accent1"/>
+              </a:solidFill>
+              <a:effectLst>
+                <a:outerShdw blurRad="38100" dist="25400" dir="5400000" algn="ctr" rotWithShape="0">
+                  <a:srgbClr val="6E747A">
+                    <a:alpha val="43000"/>
+                  </a:srgbClr>
+                </a:outerShdw>
+              </a:effectLst>
+            </a:endParaRPr>
+          </a:p>
+        </p:txBody>
+      </p:sp>
+      <p:sp>
+        <p:nvSpPr>
+          <p:cNvPr id="7" name="Rectangle 6"/>
+          <p:cNvSpPr/>
+          <p:nvPr/>
+        </p:nvSpPr>
+        <p:spPr>
+          <a:xfrm>
+            <a:off x="622707" y="1747012"/>
+            <a:ext cx="9225566" cy="3170099"/>
+          </a:xfrm>
+          <a:prstGeom prst="rect">
+            <a:avLst/>
+          </a:prstGeom>
+        </p:spPr>
+        <p:txBody>
+          <a:bodyPr wrap="square">
+            <a:spAutoFit/>
+          </a:bodyPr>
+          <a:lstStyle/>
+          <a:p>
+            <a:r>
+              <a:rPr lang="en-IN" sz="4000" dirty="0">
+                <a:latin typeface="Bahnschrift" panose="020B0502040204020203" pitchFamily="34" charset="0"/>
+              </a:rPr>
+              <a:t>Programmer Productivity</a:t>
+            </a:r>
+          </a:p>
+          <a:p>
+            <a:r>
+              <a:rPr lang="en-IN" sz="4000" dirty="0" smtClean="0">
+                <a:latin typeface="Bahnschrift" panose="020B0502040204020203" pitchFamily="34" charset="0"/>
+              </a:rPr>
+              <a:t>Testers </a:t>
+            </a:r>
+            <a:r>
+              <a:rPr lang="en-IN" sz="4000" dirty="0">
+                <a:latin typeface="Bahnschrift" panose="020B0502040204020203" pitchFamily="34" charset="0"/>
+              </a:rPr>
+              <a:t>Productivity</a:t>
+            </a:r>
+          </a:p>
+          <a:p>
+            <a:r>
+              <a:rPr lang="en-IN" sz="4000" dirty="0">
+                <a:latin typeface="Bahnschrift" panose="020B0502040204020203" pitchFamily="34" charset="0"/>
+              </a:rPr>
+              <a:t>UI Programming Productivity</a:t>
+            </a:r>
+          </a:p>
+          <a:p>
+            <a:r>
+              <a:rPr lang="en-IN" sz="4000" dirty="0">
+                <a:latin typeface="Bahnschrift" panose="020B0502040204020203" pitchFamily="34" charset="0"/>
+              </a:rPr>
+              <a:t>SQL Query Conversion </a:t>
+            </a:r>
+            <a:r>
+              <a:rPr lang="en-IN" sz="4000" dirty="0" smtClean="0">
+                <a:latin typeface="Bahnschrift" panose="020B0502040204020203" pitchFamily="34" charset="0"/>
+              </a:rPr>
+              <a:t>Productivity</a:t>
+            </a:r>
+          </a:p>
+          <a:p>
+            <a:r>
+              <a:rPr lang="en-US" sz="4000" dirty="0" smtClean="0">
+                <a:latin typeface="Bahnschrift" panose="020B0502040204020203" pitchFamily="34" charset="0"/>
+              </a:rPr>
+              <a:t>…..etc.</a:t>
+            </a:r>
+            <a:endParaRPr lang="en-US" sz="4000" dirty="0">
+              <a:latin typeface="Bahnschrift" panose="020B0502040204020203" pitchFamily="34" charset="0"/>
+            </a:endParaRPr>
+          </a:p>
+        </p:txBody>
+      </p:sp>
+    </p:spTree>
+    <p:extLst>
+      <p:ext uri="{BB962C8B-B14F-4D97-AF65-F5344CB8AC3E}">
+        <p14:creationId xmlns:p14="http://schemas.microsoft.com/office/powerpoint/2010/main" val="1582006858"/>
+      </p:ext>
+    </p:extLst>
+  </p:cSld>
+  <p:clrMapOvr>
+    <a:masterClrMapping/>
+  </p:clrMapOvr>
+</p:sld>
+</file>
+
+<file path=ppt/slides/slide17.xml><?xml version="1.0" encoding="utf-8"?>
+<p:sld xmlns:a="http://schemas.openxmlformats.org/drawingml/2006/main" xmlns:r="http://schemas.openxmlformats.org/officeDocument/2006/relationships" xmlns:p="http://schemas.openxmlformats.org/presentationml/2006/main">
+  <p:cSld>
+    <p:spTree>
+      <p:nvGrpSpPr>
+        <p:cNvPr id="1" name=""/>
+        <p:cNvGrpSpPr/>
+        <p:nvPr/>
+      </p:nvGrpSpPr>
+      <p:grpSpPr>
+        <a:xfrm>
+          <a:off x="0" y="0"/>
+          <a:ext cx="0" cy="0"/>
+          <a:chOff x="0" y="0"/>
+          <a:chExt cx="0" cy="0"/>
+        </a:xfrm>
+      </p:grpSpPr>
+      <p:sp>
+        <p:nvSpPr>
           <p:cNvPr id="2" name="Title 1"/>
           <p:cNvSpPr>
             <a:spLocks noGrp="1"/>
@@ -5238,7 +6246,7 @@
 </p:sld>
 </file>
 
-<file path=ppt/slides/slide15.xml><?xml version="1.0" encoding="utf-8"?>
+<file path=ppt/slides/slide18.xml><?xml version="1.0" encoding="utf-8"?>
 <p:sld xmlns:a="http://schemas.openxmlformats.org/drawingml/2006/main" xmlns:r="http://schemas.openxmlformats.org/officeDocument/2006/relationships" xmlns:p="http://schemas.openxmlformats.org/presentationml/2006/main">
   <p:cSld>
     <p:spTree>
@@ -5284,16 +6292,7 @@
                 </a:solidFill>
                 <a:latin typeface="Bahnschrift" panose="020B0502040204020203" pitchFamily="34" charset="0"/>
               </a:rPr>
-              <a:t>My Blogger </a:t>
-            </a:r>
-            <a:r>
-              <a:rPr lang="en-US" sz="2000" b="1" dirty="0" smtClean="0">
-                <a:solidFill>
-                  <a:srgbClr val="0000FF"/>
-                </a:solidFill>
-                <a:latin typeface="Bahnschrift" panose="020B0502040204020203" pitchFamily="34" charset="0"/>
-              </a:rPr>
-              <a:t>&amp; Links</a:t>
+              <a:t>My Blogger &amp; Links</a:t>
             </a:r>
             <a:endParaRPr lang="en-IN" sz="2000" b="1" dirty="0">
               <a:solidFill>
@@ -5751,7 +6750,7 @@
 </p:sld>
 </file>
 
-<file path=ppt/slides/slide16.xml><?xml version="1.0" encoding="utf-8"?>
+<file path=ppt/slides/slide19.xml><?xml version="1.0" encoding="utf-8"?>
 <p:sld xmlns:a="http://schemas.openxmlformats.org/drawingml/2006/main" xmlns:r="http://schemas.openxmlformats.org/officeDocument/2006/relationships" xmlns:p="http://schemas.openxmlformats.org/presentationml/2006/main">
   <p:cSld>
     <p:spTree>
@@ -5780,7 +6779,7 @@
         </p:nvSpPr>
         <p:spPr>
           <a:xfrm>
-            <a:off x="838200" y="223459"/>
+            <a:off x="377732" y="88706"/>
             <a:ext cx="3025462" cy="446244"/>
           </a:xfrm>
         </p:spPr>
@@ -5792,11 +6791,17 @@
           <a:p>
             <a:r>
               <a:rPr lang="en-US" sz="2400" b="1" dirty="0" smtClean="0">
+                <a:solidFill>
+                  <a:srgbClr val="00B0F0"/>
+                </a:solidFill>
                 <a:latin typeface="Arial Black" panose="020B0A04020102020204" pitchFamily="34" charset="0"/>
               </a:rPr>
               <a:t>Reference Links</a:t>
             </a:r>
             <a:endParaRPr lang="en-IN" sz="2400" b="1" dirty="0">
+              <a:solidFill>
+                <a:srgbClr val="00B0F0"/>
+              </a:solidFill>
               <a:latin typeface="Arial Black" panose="020B0A04020102020204" pitchFamily="34" charset="0"/>
             </a:endParaRPr>
           </a:p>
@@ -5804,39 +6809,122 @@
       </p:sp>
       <p:sp>
         <p:nvSpPr>
-          <p:cNvPr id="3" name="Content Placeholder 2"/>
-          <p:cNvSpPr>
-            <a:spLocks noGrp="1"/>
-          </p:cNvSpPr>
-          <p:nvPr>
-            <p:ph idx="1"/>
-          </p:nvPr>
-        </p:nvSpPr>
-        <p:spPr>
-          <a:xfrm>
-            <a:off x="735169" y="936983"/>
-            <a:ext cx="10515600" cy="4351338"/>
-          </a:xfrm>
-        </p:spPr>
+          <p:cNvPr id="4" name="Footer Placeholder 3"/>
+          <p:cNvSpPr>
+            <a:spLocks noGrp="1"/>
+          </p:cNvSpPr>
+          <p:nvPr>
+            <p:ph type="ftr" sz="quarter" idx="11"/>
+          </p:nvPr>
+        </p:nvSpPr>
+        <p:spPr/>
         <p:txBody>
           <a:bodyPr/>
           <a:lstStyle/>
           <a:p>
+            <a:r>
+              <a:rPr lang="en-IN" smtClean="0"/>
+              <a:t>MOHAN SUNDARAM</a:t>
+            </a:r>
+            <a:endParaRPr lang="en-IN"/>
+          </a:p>
+        </p:txBody>
+      </p:sp>
+      <p:sp>
+        <p:nvSpPr>
+          <p:cNvPr id="5" name="TextBox 4"/>
+          <p:cNvSpPr txBox="1"/>
+          <p:nvPr/>
+        </p:nvSpPr>
+        <p:spPr>
+          <a:xfrm>
+            <a:off x="377732" y="2074716"/>
+            <a:ext cx="6164736" cy="400110"/>
+          </a:xfrm>
+          <a:prstGeom prst="rect">
+            <a:avLst/>
+          </a:prstGeom>
+          <a:noFill/>
+        </p:spPr>
+        <p:txBody>
+          <a:bodyPr wrap="square" rtlCol="0">
+            <a:spAutoFit/>
+          </a:bodyPr>
+          <a:lstStyle/>
+          <a:p>
+            <a:r>
+              <a:rPr lang="en-US" sz="2000" b="1" dirty="0"/>
+              <a:t>Ai </a:t>
+            </a:r>
+            <a:r>
+              <a:rPr lang="en-IN" sz="2000" b="1" dirty="0"/>
+              <a:t>Prompt </a:t>
+            </a:r>
+            <a:r>
+              <a:rPr lang="en-IN" sz="2000" b="1" dirty="0" smtClean="0"/>
+              <a:t>Engineering </a:t>
+            </a:r>
+            <a:r>
+              <a:rPr lang="en-IN" dirty="0" smtClean="0">
+                <a:hlinkClick r:id="rId2"/>
+              </a:rPr>
+              <a:t>https</a:t>
+            </a:r>
             <a:r>
               <a:rPr lang="en-IN" dirty="0">
                 <a:hlinkClick r:id="rId2"/>
               </a:rPr>
-              <a:t>https://</a:t>
+              <a:t>://</a:t>
             </a:r>
             <a:r>
               <a:rPr lang="en-IN" dirty="0" smtClean="0">
                 <a:hlinkClick r:id="rId2"/>
               </a:rPr>
-              <a:t>youtu.be/D1eL1EnxXXQ</a:t>
+              <a:t>youtu.be/n0VpK1RfYGA</a:t>
             </a:r>
             <a:endParaRPr lang="en-IN" dirty="0" smtClean="0"/>
           </a:p>
-          <a:p>
+        </p:txBody>
+      </p:sp>
+      <p:sp>
+        <p:nvSpPr>
+          <p:cNvPr id="6" name="Rectangle 5"/>
+          <p:cNvSpPr/>
+          <p:nvPr/>
+        </p:nvSpPr>
+        <p:spPr>
+          <a:xfrm>
+            <a:off x="377732" y="723867"/>
+            <a:ext cx="4657907" cy="369332"/>
+          </a:xfrm>
+          <a:prstGeom prst="rect">
+            <a:avLst/>
+          </a:prstGeom>
+        </p:spPr>
+        <p:txBody>
+          <a:bodyPr wrap="square">
+            <a:spAutoFit/>
+          </a:bodyPr>
+          <a:lstStyle/>
+          <a:p>
+            <a:r>
+              <a:rPr lang="en-IN" b="1" dirty="0" smtClean="0">
+                <a:solidFill>
+                  <a:srgbClr val="0F0F0F"/>
+                </a:solidFill>
+                <a:latin typeface="Roboto"/>
+              </a:rPr>
+              <a:t>Ai Beginners</a:t>
+            </a:r>
+            <a:r>
+              <a:rPr lang="en-IN" b="1" dirty="0">
+                <a:solidFill>
+                  <a:srgbClr val="0F0F0F"/>
+                </a:solidFill>
+                <a:latin typeface="Roboto"/>
+              </a:rPr>
+              <a:t> </a:t>
+            </a:r>
             <a:r>
               <a:rPr lang="en-IN" dirty="0">
                 <a:hlinkClick r:id="rId3"/>
@@ -5847,11 +6935,51 @@
               <a:rPr lang="en-IN" dirty="0" smtClean="0">
                 <a:hlinkClick r:id="rId3"/>
               </a:rPr>
-              <a:t>youtu.be/O2gerCxEXvc</a:t>
-            </a:r>
-            <a:endParaRPr lang="en-IN" dirty="0" smtClean="0"/>
-          </a:p>
-          <a:p>
+              <a:t>youtu.be/D1eL1EnxXXQ</a:t>
+            </a:r>
+            <a:endParaRPr lang="en-IN" dirty="0"/>
+          </a:p>
+        </p:txBody>
+      </p:sp>
+      <p:sp>
+        <p:nvSpPr>
+          <p:cNvPr id="7" name="Rectangle 6"/>
+          <p:cNvSpPr/>
+          <p:nvPr/>
+        </p:nvSpPr>
+        <p:spPr>
+          <a:xfrm>
+            <a:off x="377732" y="1530570"/>
+            <a:ext cx="7523150" cy="369332"/>
+          </a:xfrm>
+          <a:prstGeom prst="rect">
+            <a:avLst/>
+          </a:prstGeom>
+        </p:spPr>
+        <p:txBody>
+          <a:bodyPr wrap="none">
+            <a:spAutoFit/>
+          </a:bodyPr>
+          <a:lstStyle/>
+          <a:p>
+            <a:r>
+              <a:rPr lang="it-IT" b="1" dirty="0">
+                <a:solidFill>
+                  <a:srgbClr val="0F0F0F"/>
+                </a:solidFill>
+                <a:latin typeface="Roboto"/>
+              </a:rPr>
+              <a:t>Generative AI vs AI agents vs Agentic </a:t>
+            </a:r>
+            <a:r>
+              <a:rPr lang="it-IT" b="1" dirty="0" smtClean="0">
+                <a:solidFill>
+                  <a:srgbClr val="0F0F0F"/>
+                </a:solidFill>
+                <a:latin typeface="Roboto"/>
+              </a:rPr>
+              <a:t>AI </a:t>
+            </a:r>
             <a:r>
               <a:rPr lang="en-IN" dirty="0">
                 <a:hlinkClick r:id="rId4"/>
@@ -5862,11 +6990,51 @@
               <a:rPr lang="en-IN" dirty="0" smtClean="0">
                 <a:hlinkClick r:id="rId4"/>
               </a:rPr>
-              <a:t>youtu.be/df4onYIfTwo</a:t>
-            </a:r>
-            <a:endParaRPr lang="en-IN" dirty="0" smtClean="0"/>
-          </a:p>
-          <a:p>
+              <a:t>youtu.be/O2gerCxEXvc</a:t>
+            </a:r>
+            <a:endParaRPr lang="en-IN" dirty="0"/>
+          </a:p>
+        </p:txBody>
+      </p:sp>
+      <p:sp>
+        <p:nvSpPr>
+          <p:cNvPr id="8" name="Rectangle 7"/>
+          <p:cNvSpPr/>
+          <p:nvPr/>
+        </p:nvSpPr>
+        <p:spPr>
+          <a:xfrm>
+            <a:off x="5903438" y="358471"/>
+            <a:ext cx="6056338" cy="369332"/>
+          </a:xfrm>
+          <a:prstGeom prst="rect">
+            <a:avLst/>
+          </a:prstGeom>
+        </p:spPr>
+        <p:txBody>
+          <a:bodyPr wrap="none">
+            <a:spAutoFit/>
+          </a:bodyPr>
+          <a:lstStyle/>
+          <a:p>
+            <a:r>
+              <a:rPr lang="en-IN" b="1" dirty="0">
+                <a:solidFill>
+                  <a:srgbClr val="0F0F0F"/>
+                </a:solidFill>
+                <a:latin typeface="Roboto"/>
+              </a:rPr>
+              <a:t>AI Keynote: Sridhar </a:t>
+            </a:r>
+            <a:r>
+              <a:rPr lang="en-IN" b="1" dirty="0" smtClean="0">
+                <a:solidFill>
+                  <a:srgbClr val="0F0F0F"/>
+                </a:solidFill>
+                <a:latin typeface="Roboto"/>
+              </a:rPr>
+              <a:t>Vembu </a:t>
+            </a:r>
             <a:r>
               <a:rPr lang="en-IN" dirty="0">
                 <a:hlinkClick r:id="rId5"/>
@@ -5877,44 +7045,64 @@
               <a:rPr lang="en-IN" dirty="0" smtClean="0">
                 <a:hlinkClick r:id="rId5"/>
               </a:rPr>
+              <a:t>youtu.be/df4onYIfTwo</a:t>
+            </a:r>
+            <a:endParaRPr lang="en-IN" dirty="0"/>
+          </a:p>
+        </p:txBody>
+      </p:sp>
+      <p:sp>
+        <p:nvSpPr>
+          <p:cNvPr id="9" name="Rectangle 8"/>
+          <p:cNvSpPr/>
+          <p:nvPr/>
+        </p:nvSpPr>
+        <p:spPr>
+          <a:xfrm>
+            <a:off x="5265508" y="1018379"/>
+            <a:ext cx="6694268" cy="369332"/>
+          </a:xfrm>
+          <a:prstGeom prst="rect">
+            <a:avLst/>
+          </a:prstGeom>
+        </p:spPr>
+        <p:txBody>
+          <a:bodyPr wrap="none">
+            <a:spAutoFit/>
+          </a:bodyPr>
+          <a:lstStyle/>
+          <a:p>
+            <a:r>
+              <a:rPr lang="en-US" b="1" dirty="0">
+                <a:solidFill>
+                  <a:srgbClr val="0F0F0F"/>
+                </a:solidFill>
+                <a:latin typeface="Roboto"/>
+              </a:rPr>
+              <a:t>Is the AI Bubble About to Burst</a:t>
+            </a:r>
+            <a:r>
+              <a:rPr lang="en-US" b="1" dirty="0" smtClean="0">
+                <a:solidFill>
+                  <a:srgbClr val="0F0F0F"/>
+                </a:solidFill>
+                <a:latin typeface="Roboto"/>
+              </a:rPr>
+              <a:t>? </a:t>
+            </a:r>
+            <a:r>
+              <a:rPr lang="en-IN" dirty="0">
+                <a:hlinkClick r:id="rId6"/>
+              </a:rPr>
+              <a:t>https://</a:t>
+            </a:r>
+            <a:r>
+              <a:rPr lang="en-IN" dirty="0" smtClean="0">
+                <a:hlinkClick r:id="rId6"/>
+              </a:rPr>
               <a:t>youtu.be/OJKPrJ0wNvc</a:t>
             </a:r>
-            <a:endParaRPr lang="en-IN" dirty="0" smtClean="0"/>
-          </a:p>
-          <a:p>
-            <a:endParaRPr lang="en-IN" dirty="0" smtClean="0"/>
-          </a:p>
-          <a:p>
-            <a:endParaRPr lang="en-IN" dirty="0" smtClean="0"/>
-          </a:p>
-          <a:p>
-            <a:endParaRPr lang="en-US" dirty="0"/>
-          </a:p>
-          <a:p>
             <a:endParaRPr lang="en-IN" dirty="0"/>
-          </a:p>
-        </p:txBody>
-      </p:sp>
-      <p:sp>
-        <p:nvSpPr>
-          <p:cNvPr id="4" name="Footer Placeholder 3"/>
-          <p:cNvSpPr>
-            <a:spLocks noGrp="1"/>
-          </p:cNvSpPr>
-          <p:nvPr>
-            <p:ph type="ftr" sz="quarter" idx="11"/>
-          </p:nvPr>
-        </p:nvSpPr>
-        <p:spPr/>
-        <p:txBody>
-          <a:bodyPr/>
-          <a:lstStyle/>
-          <a:p>
-            <a:r>
-              <a:rPr lang="en-IN" smtClean="0"/>
-              <a:t>MOHAN SUNDARAM</a:t>
-            </a:r>
-            <a:endParaRPr lang="en-IN"/>
           </a:p>
         </p:txBody>
       </p:sp>
@@ -6192,11 +7380,7 @@
             </a:r>
             <a:r>
               <a:rPr lang="en-US" sz="2000" dirty="0"/>
-              <a:t>intelligence (AI). </a:t>
-            </a:r>
-            <a:r>
-              <a:rPr lang="en-US" sz="2000" dirty="0"/>
-              <a:t>It teaches computers to learn patterns from data and make decisions using those patterns.</a:t>
+              <a:t>intelligence (AI). It teaches computers to learn patterns from data and make decisions using those patterns.</a:t>
             </a:r>
             <a:endParaRPr lang="en-IN" sz="2000" dirty="0"/>
           </a:p>

--- a/Artificial Intelligence.pptx
+++ b/Artificial Intelligence.pptx
@@ -548,6 +548,90 @@
           <a:p>
             <a:fld id="{2288231B-6461-4DCC-9DAA-06A6EEABA9ED}" type="slidenum">
               <a:rPr lang="en-IN" smtClean="0"/>
+              <a:t>1</a:t>
+            </a:fld>
+            <a:endParaRPr lang="en-IN"/>
+          </a:p>
+        </p:txBody>
+      </p:sp>
+    </p:spTree>
+    <p:extLst>
+      <p:ext uri="{BB962C8B-B14F-4D97-AF65-F5344CB8AC3E}">
+        <p14:creationId xmlns:p14="http://schemas.microsoft.com/office/powerpoint/2010/main" val="2639783554"/>
+      </p:ext>
+    </p:extLst>
+  </p:cSld>
+  <p:clrMapOvr>
+    <a:masterClrMapping/>
+  </p:clrMapOvr>
+</p:notes>
+</file>
+
+<file path=ppt/notesSlides/notesSlide2.xml><?xml version="1.0" encoding="utf-8"?>
+<p:notes xmlns:a="http://schemas.openxmlformats.org/drawingml/2006/main" xmlns:r="http://schemas.openxmlformats.org/officeDocument/2006/relationships" xmlns:p="http://schemas.openxmlformats.org/presentationml/2006/main">
+  <p:cSld>
+    <p:spTree>
+      <p:nvGrpSpPr>
+        <p:cNvPr id="1" name=""/>
+        <p:cNvGrpSpPr/>
+        <p:nvPr/>
+      </p:nvGrpSpPr>
+      <p:grpSpPr>
+        <a:xfrm>
+          <a:off x="0" y="0"/>
+          <a:ext cx="0" cy="0"/>
+          <a:chOff x="0" y="0"/>
+          <a:chExt cx="0" cy="0"/>
+        </a:xfrm>
+      </p:grpSpPr>
+      <p:sp>
+        <p:nvSpPr>
+          <p:cNvPr id="2" name="Slide Image Placeholder 1"/>
+          <p:cNvSpPr>
+            <a:spLocks noGrp="1" noRot="1" noChangeAspect="1"/>
+          </p:cNvSpPr>
+          <p:nvPr>
+            <p:ph type="sldImg"/>
+          </p:nvPr>
+        </p:nvSpPr>
+        <p:spPr/>
+      </p:sp>
+      <p:sp>
+        <p:nvSpPr>
+          <p:cNvPr id="3" name="Notes Placeholder 2"/>
+          <p:cNvSpPr>
+            <a:spLocks noGrp="1"/>
+          </p:cNvSpPr>
+          <p:nvPr>
+            <p:ph type="body" idx="1"/>
+          </p:nvPr>
+        </p:nvSpPr>
+        <p:spPr/>
+        <p:txBody>
+          <a:bodyPr/>
+          <a:lstStyle/>
+          <a:p>
+            <a:endParaRPr lang="en-IN"/>
+          </a:p>
+        </p:txBody>
+      </p:sp>
+      <p:sp>
+        <p:nvSpPr>
+          <p:cNvPr id="4" name="Slide Number Placeholder 3"/>
+          <p:cNvSpPr>
+            <a:spLocks noGrp="1"/>
+          </p:cNvSpPr>
+          <p:nvPr>
+            <p:ph type="sldNum" sz="quarter" idx="10"/>
+          </p:nvPr>
+        </p:nvSpPr>
+        <p:spPr/>
+        <p:txBody>
+          <a:bodyPr/>
+          <a:lstStyle/>
+          <a:p>
+            <a:fld id="{2288231B-6461-4DCC-9DAA-06A6EEABA9ED}" type="slidenum">
+              <a:rPr lang="en-IN" smtClean="0"/>
               <a:t>2</a:t>
             </a:fld>
             <a:endParaRPr lang="en-IN"/>
@@ -567,7 +651,7 @@
 </p:notes>
 </file>
 
-<file path=ppt/notesSlides/notesSlide2.xml><?xml version="1.0" encoding="utf-8"?>
+<file path=ppt/notesSlides/notesSlide3.xml><?xml version="1.0" encoding="utf-8"?>
 <p:notes xmlns:a="http://schemas.openxmlformats.org/drawingml/2006/main" xmlns:r="http://schemas.openxmlformats.org/officeDocument/2006/relationships" xmlns:p="http://schemas.openxmlformats.org/presentationml/2006/main">
   <p:cSld>
     <p:spTree>
@@ -780,7 +864,7 @@
           <a:bodyPr/>
           <a:lstStyle/>
           <a:p>
-            <a:fld id="{07E1A95E-4C0E-47C3-99BA-4CA280822285}" type="datetime1">
+            <a:fld id="{92C51178-17CA-436D-8149-4896E5CF2F66}" type="datetime1">
               <a:rPr lang="en-IN" smtClean="0"/>
               <a:t>19-11-2025</a:t>
             </a:fld>
@@ -805,7 +889,7 @@
           <a:p>
             <a:r>
               <a:rPr lang="en-IN" smtClean="0"/>
-              <a:t>MOHAN SUNDARAM</a:t>
+              <a:t>https://github.com/mohan4295work/Doc</a:t>
             </a:r>
             <a:endParaRPr lang="en-IN"/>
           </a:p>
@@ -954,7 +1038,7 @@
           <a:bodyPr/>
           <a:lstStyle/>
           <a:p>
-            <a:fld id="{32F4BC1E-7EA4-4308-9013-A358519E8BD2}" type="datetime1">
+            <a:fld id="{98A5C365-3139-4C28-A654-8E8E965EDF18}" type="datetime1">
               <a:rPr lang="en-IN" smtClean="0"/>
               <a:t>19-11-2025</a:t>
             </a:fld>
@@ -979,7 +1063,7 @@
           <a:p>
             <a:r>
               <a:rPr lang="en-IN" smtClean="0"/>
-              <a:t>MOHAN SUNDARAM</a:t>
+              <a:t>https://github.com/mohan4295work/Doc</a:t>
             </a:r>
             <a:endParaRPr lang="en-IN"/>
           </a:p>
@@ -1138,7 +1222,7 @@
           <a:bodyPr/>
           <a:lstStyle/>
           <a:p>
-            <a:fld id="{6339D21A-723A-45B5-A6B6-78A78CE57540}" type="datetime1">
+            <a:fld id="{00260839-4D34-416F-8C16-BC7BEA76974F}" type="datetime1">
               <a:rPr lang="en-IN" smtClean="0"/>
               <a:t>19-11-2025</a:t>
             </a:fld>
@@ -1163,7 +1247,7 @@
           <a:p>
             <a:r>
               <a:rPr lang="en-IN" smtClean="0"/>
-              <a:t>MOHAN SUNDARAM</a:t>
+              <a:t>https://github.com/mohan4295work/Doc</a:t>
             </a:r>
             <a:endParaRPr lang="en-IN"/>
           </a:p>
@@ -1312,7 +1396,7 @@
           <a:bodyPr/>
           <a:lstStyle/>
           <a:p>
-            <a:fld id="{88CC28E5-488F-490F-92C5-2205B56F743F}" type="datetime1">
+            <a:fld id="{B7A74570-C206-4030-B79B-7249CDC5A231}" type="datetime1">
               <a:rPr lang="en-IN" smtClean="0"/>
               <a:t>19-11-2025</a:t>
             </a:fld>
@@ -1337,7 +1421,7 @@
           <a:p>
             <a:r>
               <a:rPr lang="en-IN" smtClean="0"/>
-              <a:t>MOHAN SUNDARAM</a:t>
+              <a:t>https://github.com/mohan4295work/Doc</a:t>
             </a:r>
             <a:endParaRPr lang="en-IN"/>
           </a:p>
@@ -1562,7 +1646,7 @@
           <a:bodyPr/>
           <a:lstStyle/>
           <a:p>
-            <a:fld id="{18FCF267-1B02-4817-9A65-5E382C0CA52E}" type="datetime1">
+            <a:fld id="{2A260CA9-5F76-4E03-82D1-A2C4C8F07B9B}" type="datetime1">
               <a:rPr lang="en-IN" smtClean="0"/>
               <a:t>19-11-2025</a:t>
             </a:fld>
@@ -1587,7 +1671,7 @@
           <a:p>
             <a:r>
               <a:rPr lang="en-IN" smtClean="0"/>
-              <a:t>MOHAN SUNDARAM</a:t>
+              <a:t>https://github.com/mohan4295work/Doc</a:t>
             </a:r>
             <a:endParaRPr lang="en-IN"/>
           </a:p>
@@ -1798,7 +1882,7 @@
           <a:bodyPr/>
           <a:lstStyle/>
           <a:p>
-            <a:fld id="{7542334F-054E-44BC-9297-4325A99C352D}" type="datetime1">
+            <a:fld id="{F1D456F8-9D66-4CCE-925C-714474DCB54C}" type="datetime1">
               <a:rPr lang="en-IN" smtClean="0"/>
               <a:t>19-11-2025</a:t>
             </a:fld>
@@ -1823,7 +1907,7 @@
           <a:p>
             <a:r>
               <a:rPr lang="en-IN" smtClean="0"/>
-              <a:t>MOHAN SUNDARAM</a:t>
+              <a:t>https://github.com/mohan4295work/Doc</a:t>
             </a:r>
             <a:endParaRPr lang="en-IN"/>
           </a:p>
@@ -2169,7 +2253,7 @@
           <a:bodyPr/>
           <a:lstStyle/>
           <a:p>
-            <a:fld id="{85F4679C-8653-4994-9C00-354861EF59DB}" type="datetime1">
+            <a:fld id="{76404C8F-7802-4507-901A-219FAE05FA22}" type="datetime1">
               <a:rPr lang="en-IN" smtClean="0"/>
               <a:t>19-11-2025</a:t>
             </a:fld>
@@ -2194,7 +2278,7 @@
           <a:p>
             <a:r>
               <a:rPr lang="en-IN" smtClean="0"/>
-              <a:t>MOHAN SUNDARAM</a:t>
+              <a:t>https://github.com/mohan4295work/Doc</a:t>
             </a:r>
             <a:endParaRPr lang="en-IN"/>
           </a:p>
@@ -2291,7 +2375,7 @@
           <a:bodyPr/>
           <a:lstStyle/>
           <a:p>
-            <a:fld id="{F7E0C4BB-31C2-4257-B5C2-9EABF3317294}" type="datetime1">
+            <a:fld id="{3371E05B-4155-436F-8939-636867330893}" type="datetime1">
               <a:rPr lang="en-IN" smtClean="0"/>
               <a:t>19-11-2025</a:t>
             </a:fld>
@@ -2316,7 +2400,7 @@
           <a:p>
             <a:r>
               <a:rPr lang="en-IN" smtClean="0"/>
-              <a:t>MOHAN SUNDARAM</a:t>
+              <a:t>https://github.com/mohan4295work/Doc</a:t>
             </a:r>
             <a:endParaRPr lang="en-IN"/>
           </a:p>
@@ -2390,7 +2474,7 @@
           <a:bodyPr/>
           <a:lstStyle/>
           <a:p>
-            <a:fld id="{CBD46222-1245-48E1-AA51-5ABA1BFC0F44}" type="datetime1">
+            <a:fld id="{77AD152E-D62E-4A42-91E1-BDE4F7772355}" type="datetime1">
               <a:rPr lang="en-IN" smtClean="0"/>
               <a:t>19-11-2025</a:t>
             </a:fld>
@@ -2415,7 +2499,7 @@
           <a:p>
             <a:r>
               <a:rPr lang="en-IN" smtClean="0"/>
-              <a:t>MOHAN SUNDARAM</a:t>
+              <a:t>https://github.com/mohan4295work/Doc</a:t>
             </a:r>
             <a:endParaRPr lang="en-IN"/>
           </a:p>
@@ -2671,7 +2755,7 @@
           <a:bodyPr/>
           <a:lstStyle/>
           <a:p>
-            <a:fld id="{06C4C3BA-99EE-4821-8D0A-E1D319BDFECC}" type="datetime1">
+            <a:fld id="{556AF4E9-9638-4159-90F0-946AFFBBC19D}" type="datetime1">
               <a:rPr lang="en-IN" smtClean="0"/>
               <a:t>19-11-2025</a:t>
             </a:fld>
@@ -2696,7 +2780,7 @@
           <a:p>
             <a:r>
               <a:rPr lang="en-IN" smtClean="0"/>
-              <a:t>MOHAN SUNDARAM</a:t>
+              <a:t>https://github.com/mohan4295work/Doc</a:t>
             </a:r>
             <a:endParaRPr lang="en-IN"/>
           </a:p>
@@ -2928,7 +3012,7 @@
           <a:bodyPr/>
           <a:lstStyle/>
           <a:p>
-            <a:fld id="{F76C996A-B179-4052-B159-145F03CD1C19}" type="datetime1">
+            <a:fld id="{D7B3192A-556A-4C13-891A-F447B448D4A1}" type="datetime1">
               <a:rPr lang="en-IN" smtClean="0"/>
               <a:t>19-11-2025</a:t>
             </a:fld>
@@ -2953,7 +3037,7 @@
           <a:p>
             <a:r>
               <a:rPr lang="en-IN" smtClean="0"/>
-              <a:t>MOHAN SUNDARAM</a:t>
+              <a:t>https://github.com/mohan4295work/Doc</a:t>
             </a:r>
             <a:endParaRPr lang="en-IN"/>
           </a:p>
@@ -3145,7 +3229,7 @@
             </a:lvl1pPr>
           </a:lstStyle>
           <a:p>
-            <a:fld id="{0DC6AE37-3E25-445F-9A60-35C9D0284302}" type="datetime1">
+            <a:fld id="{EADC3189-CBB9-4D21-98BF-F5ACFBFC9ADD}" type="datetime1">
               <a:rPr lang="en-IN" smtClean="0"/>
               <a:t>19-11-2025</a:t>
             </a:fld>
@@ -3188,7 +3272,7 @@
           <a:p>
             <a:r>
               <a:rPr lang="en-IN" smtClean="0"/>
-              <a:t>MOHAN SUNDARAM</a:t>
+              <a:t>https://github.com/mohan4295work/Doc</a:t>
             </a:r>
             <a:endParaRPr lang="en-IN"/>
           </a:p>
@@ -3573,10 +3657,10 @@
           <a:lstStyle/>
           <a:p>
             <a:r>
-              <a:rPr lang="en-IN" smtClean="0"/>
-              <a:t>MOHAN SUNDARAM</a:t>
-            </a:r>
-            <a:endParaRPr lang="en-IN"/>
+              <a:rPr lang="en-IN" dirty="0"/>
+              <a:t>https://github.com/mohan4295work/Doc</a:t>
+            </a:r>
+            <a:endParaRPr lang="en-IN" dirty="0"/>
           </a:p>
         </p:txBody>
       </p:sp>
@@ -3589,7 +3673,7 @@
           <p:nvPr/>
         </p:nvPicPr>
         <p:blipFill>
-          <a:blip r:embed="rId2" cstate="print">
+          <a:blip r:embed="rId3" cstate="print">
             <a:extLst>
               <a:ext uri="{28A0092B-C50C-407E-A947-70E740481C1C}">
                 <a14:useLocalDpi xmlns:a14="http://schemas.microsoft.com/office/drawing/2010/main" val="0"/>
@@ -3766,8 +3850,8 @@
           <a:lstStyle/>
           <a:p>
             <a:r>
-              <a:rPr lang="en-IN" dirty="0" smtClean="0"/>
-              <a:t>MOHAN SUNDARAM</a:t>
+              <a:rPr lang="en-IN" smtClean="0"/>
+              <a:t>https://github.com/mohan4295work/Doc</a:t>
             </a:r>
             <a:endParaRPr lang="en-IN" dirty="0"/>
           </a:p>
@@ -4148,8 +4232,8 @@
           <a:lstStyle/>
           <a:p>
             <a:r>
-              <a:rPr lang="en-IN" dirty="0" smtClean="0"/>
-              <a:t>MOHAN SUNDARAM</a:t>
+              <a:rPr lang="en-IN" smtClean="0"/>
+              <a:t>https://github.com/mohan4295work/Doc</a:t>
             </a:r>
             <a:endParaRPr lang="en-IN" dirty="0"/>
           </a:p>
@@ -4656,14 +4740,19 @@
             <p:ph type="ftr" sz="quarter" idx="11"/>
           </p:nvPr>
         </p:nvSpPr>
-        <p:spPr/>
+        <p:spPr>
+          <a:xfrm>
+            <a:off x="504154" y="6356350"/>
+            <a:ext cx="4114800" cy="365125"/>
+          </a:xfrm>
+        </p:spPr>
         <p:txBody>
           <a:bodyPr/>
           <a:lstStyle/>
           <a:p>
             <a:r>
               <a:rPr lang="en-IN" smtClean="0"/>
-              <a:t>MOHAN SUNDARAM</a:t>
+              <a:t>https://github.com/mohan4295work/Doc</a:t>
             </a:r>
             <a:endParaRPr lang="en-IN"/>
           </a:p>
@@ -4880,7 +4969,7 @@
           <a:p>
             <a:r>
               <a:rPr lang="en-IN" smtClean="0"/>
-              <a:t>MOHAN SUNDARAM</a:t>
+              <a:t>https://github.com/mohan4295work/Doc</a:t>
             </a:r>
             <a:endParaRPr lang="en-IN"/>
           </a:p>
@@ -5118,7 +5207,7 @@
           <a:p>
             <a:r>
               <a:rPr lang="en-IN" smtClean="0"/>
-              <a:t>MOHAN SUNDARAM</a:t>
+              <a:t>https://github.com/mohan4295work/Doc</a:t>
             </a:r>
             <a:endParaRPr lang="en-IN"/>
           </a:p>
@@ -5564,16 +5653,21 @@
             <p:ph type="ftr" sz="quarter" idx="11"/>
           </p:nvPr>
         </p:nvSpPr>
-        <p:spPr/>
+        <p:spPr>
+          <a:xfrm>
+            <a:off x="8451177" y="6465559"/>
+            <a:ext cx="4114800" cy="365125"/>
+          </a:xfrm>
+        </p:spPr>
         <p:txBody>
           <a:bodyPr/>
           <a:lstStyle/>
           <a:p>
             <a:r>
-              <a:rPr lang="en-IN" smtClean="0"/>
-              <a:t>MOHAN SUNDARAM</a:t>
-            </a:r>
-            <a:endParaRPr lang="en-IN"/>
+              <a:rPr lang="en-IN" dirty="0" smtClean="0"/>
+              <a:t>https://github.com/mohan4295work/Doc</a:t>
+            </a:r>
+            <a:endParaRPr lang="en-IN" dirty="0"/>
           </a:p>
         </p:txBody>
       </p:sp>
@@ -5617,7 +5711,7 @@
         </p:blipFill>
         <p:spPr>
           <a:xfrm>
-            <a:off x="2290502" y="3022586"/>
+            <a:off x="2071613" y="3012525"/>
             <a:ext cx="6754755" cy="3818159"/>
           </a:xfrm>
           <a:prstGeom prst="rect">
@@ -5860,7 +5954,7 @@
           <a:p>
             <a:r>
               <a:rPr lang="en-IN" smtClean="0"/>
-              <a:t>MOHAN SUNDARAM</a:t>
+              <a:t>https://github.com/mohan4295work/Doc</a:t>
             </a:r>
             <a:endParaRPr lang="en-IN"/>
           </a:p>
@@ -6185,8 +6279,8 @@
           <a:lstStyle/>
           <a:p>
             <a:r>
-              <a:rPr lang="en-IN" dirty="0" smtClean="0"/>
-              <a:t>MOHAN SUNDARAM</a:t>
+              <a:rPr lang="en-IN" smtClean="0"/>
+              <a:t>https://github.com/mohan4295work/Doc</a:t>
             </a:r>
             <a:endParaRPr lang="en-IN" dirty="0"/>
           </a:p>
@@ -6315,7 +6409,7 @@
         </p:nvSpPr>
         <p:spPr>
           <a:xfrm>
-            <a:off x="4077237" y="6034378"/>
+            <a:off x="4174414" y="6490678"/>
             <a:ext cx="4114800" cy="365125"/>
           </a:xfrm>
         </p:spPr>
@@ -6324,10 +6418,10 @@
           <a:lstStyle/>
           <a:p>
             <a:r>
-              <a:rPr lang="en-IN" smtClean="0"/>
-              <a:t>MOHAN SUNDARAM</a:t>
-            </a:r>
-            <a:endParaRPr lang="en-IN"/>
+              <a:rPr lang="en-IN" dirty="0" smtClean="0"/>
+              <a:t>https://github.com/mohan4295work/Doc</a:t>
+            </a:r>
+            <a:endParaRPr lang="en-IN" dirty="0"/>
           </a:p>
         </p:txBody>
       </p:sp>
@@ -6824,7 +6918,7 @@
           <a:p>
             <a:r>
               <a:rPr lang="en-IN" smtClean="0"/>
-              <a:t>MOHAN SUNDARAM</a:t>
+              <a:t>https://github.com/mohan4295work/Doc</a:t>
             </a:r>
             <a:endParaRPr lang="en-IN"/>
           </a:p>
@@ -7289,8 +7383,8 @@
         </p:nvSpPr>
         <p:spPr>
           <a:xfrm>
-            <a:off x="141668" y="6356350"/>
-            <a:ext cx="11861442" cy="365125"/>
+            <a:off x="4507608" y="6479204"/>
+            <a:ext cx="2936382" cy="365125"/>
           </a:xfrm>
         </p:spPr>
         <p:txBody>
@@ -7300,7 +7394,7 @@
             <a:pPr algn="l"/>
             <a:r>
               <a:rPr lang="en-IN" dirty="0" smtClean="0"/>
-              <a:t>MOHAN SUNDARAM</a:t>
+              <a:t>https://github.com/mohan4295work/Doc</a:t>
             </a:r>
             <a:endParaRPr lang="en-IN" dirty="0"/>
           </a:p>
@@ -7712,7 +7806,7 @@
         </p:nvSpPr>
         <p:spPr>
           <a:xfrm>
-            <a:off x="9929611" y="6259133"/>
+            <a:off x="9890975" y="6130344"/>
             <a:ext cx="1791235" cy="365125"/>
           </a:xfrm>
         </p:spPr>
@@ -7722,7 +7816,7 @@
           <a:p>
             <a:r>
               <a:rPr lang="en-IN" b="1" dirty="0" smtClean="0"/>
-              <a:t>MOHAN SUNDARAM</a:t>
+              <a:t>https://github.com/mohan4295work/Doc</a:t>
             </a:r>
             <a:endParaRPr lang="en-IN" b="1" dirty="0"/>
           </a:p>
@@ -7782,7 +7876,7 @@
           <a:p>
             <a:r>
               <a:rPr lang="en-IN" smtClean="0"/>
-              <a:t>MOHAN SUNDARAM</a:t>
+              <a:t>https://github.com/mohan4295work/Doc</a:t>
             </a:r>
             <a:endParaRPr lang="en-IN"/>
           </a:p>
@@ -8288,7 +8382,7 @@
         </p:nvSpPr>
         <p:spPr>
           <a:xfrm>
-            <a:off x="58864" y="6373143"/>
+            <a:off x="193833" y="6381433"/>
             <a:ext cx="2048091" cy="365125"/>
           </a:xfrm>
         </p:spPr>
@@ -8298,7 +8392,7 @@
           <a:p>
             <a:r>
               <a:rPr lang="en-IN" dirty="0" smtClean="0"/>
-              <a:t>MOHAN SUNDARAM</a:t>
+              <a:t>https://github.com/mohan4295work/Doc</a:t>
             </a:r>
             <a:endParaRPr lang="en-IN" dirty="0"/>
           </a:p>
@@ -8807,8 +8901,8 @@
         </p:nvSpPr>
         <p:spPr>
           <a:xfrm>
-            <a:off x="5060305" y="6507309"/>
-            <a:ext cx="2396544" cy="365125"/>
+            <a:off x="4931516" y="6532751"/>
+            <a:ext cx="3220810" cy="365125"/>
           </a:xfrm>
         </p:spPr>
         <p:txBody>
@@ -8817,7 +8911,7 @@
           <a:p>
             <a:r>
               <a:rPr lang="en-IN" dirty="0" smtClean="0"/>
-              <a:t>MOHAN SUNDARAM</a:t>
+              <a:t>https://github.com/mohan4295work/Doc</a:t>
             </a:r>
             <a:endParaRPr lang="en-IN" dirty="0"/>
           </a:p>
@@ -8911,8 +9005,8 @@
           <a:lstStyle/>
           <a:p>
             <a:r>
-              <a:rPr lang="en-IN" b="1" dirty="0" smtClean="0"/>
-              <a:t>MOHAN SUNDARAM</a:t>
+              <a:rPr lang="en-IN" b="1" smtClean="0"/>
+              <a:t>https://github.com/mohan4295work/Doc</a:t>
             </a:r>
             <a:endParaRPr lang="en-IN" b="1" dirty="0"/>
           </a:p>
@@ -9172,7 +9266,7 @@
         </p:blipFill>
         <p:spPr>
           <a:xfrm>
-            <a:off x="1867436" y="2692306"/>
+            <a:off x="1737909" y="2549652"/>
             <a:ext cx="7557081" cy="3943223"/>
           </a:xfrm>
           <a:prstGeom prst="rect">
@@ -9190,16 +9284,21 @@
             <p:ph type="ftr" sz="quarter" idx="11"/>
           </p:nvPr>
         </p:nvSpPr>
-        <p:spPr/>
+        <p:spPr>
+          <a:xfrm>
+            <a:off x="3459050" y="6492875"/>
+            <a:ext cx="4114800" cy="365125"/>
+          </a:xfrm>
+        </p:spPr>
         <p:txBody>
           <a:bodyPr/>
           <a:lstStyle/>
           <a:p>
             <a:r>
-              <a:rPr lang="en-IN" smtClean="0"/>
-              <a:t>MOHAN SUNDARAM</a:t>
-            </a:r>
-            <a:endParaRPr lang="en-IN"/>
+              <a:rPr lang="en-IN" b="1" dirty="0" smtClean="0"/>
+              <a:t>https://github.com/mohan4295work/Doc</a:t>
+            </a:r>
+            <a:endParaRPr lang="en-IN" b="1" dirty="0"/>
           </a:p>
         </p:txBody>
       </p:sp>
@@ -9252,7 +9351,7 @@
         </p:nvSpPr>
         <p:spPr>
           <a:xfrm>
-            <a:off x="-1169479" y="6469637"/>
+            <a:off x="182803" y="6480970"/>
             <a:ext cx="4114800" cy="365125"/>
           </a:xfrm>
         </p:spPr>
@@ -9262,7 +9361,7 @@
           <a:p>
             <a:r>
               <a:rPr lang="en-IN" dirty="0" smtClean="0"/>
-              <a:t>MOHAN SUNDARAM</a:t>
+              <a:t>https://github.com/mohan4295work/Doc</a:t>
             </a:r>
             <a:endParaRPr lang="en-IN" dirty="0"/>
           </a:p>
